--- a/output/ads proj3.pptx
+++ b/output/ads proj3.pptx
@@ -5,7 +5,7 @@
     <p:sldMasterId id="2147483897" r:id="rId1"/>
   </p:sldMasterIdLst>
   <p:notesMasterIdLst>
-    <p:notesMasterId r:id="rId17"/>
+    <p:notesMasterId r:id="rId18"/>
   </p:notesMasterIdLst>
   <p:sldIdLst>
     <p:sldId id="256" r:id="rId2"/>
@@ -23,6 +23,7 @@
     <p:sldId id="263" r:id="rId14"/>
     <p:sldId id="269" r:id="rId15"/>
     <p:sldId id="270" r:id="rId16"/>
+    <p:sldId id="273" r:id="rId17"/>
   </p:sldIdLst>
   <p:sldSz cx="12192000" cy="6858000"/>
   <p:notesSz cx="6858000" cy="9144000"/>
@@ -5421,7 +5422,7 @@
           <p:nvPr>
             <p:extLst>
               <p:ext uri="{D42A27DB-BD31-4B8C-83A1-F6EECF244321}">
-                <p14:modId xmlns:p14="http://schemas.microsoft.com/office/powerpoint/2010/main" val="1917170474"/>
+                <p14:modId xmlns:p14="http://schemas.microsoft.com/office/powerpoint/2010/main" val="676894123"/>
               </p:ext>
             </p:extLst>
           </p:nvPr>
@@ -5498,7 +5499,28 @@
                     <a:bodyPr/>
                     <a:lstStyle/>
                     <a:p>
-                      <a:endParaRPr lang="zh-CN" altLang="en-US" dirty="0"/>
+                      <a:pPr marL="0" marR="0" indent="0" algn="l" defTabSz="914400" rtl="0" eaLnBrk="1" fontAlgn="auto" latinLnBrk="0" hangingPunct="1">
+                        <a:lnSpc>
+                          <a:spcPct val="100000"/>
+                        </a:lnSpc>
+                        <a:spcBef>
+                          <a:spcPts val="0"/>
+                        </a:spcBef>
+                        <a:spcAft>
+                          <a:spcPts val="0"/>
+                        </a:spcAft>
+                        <a:buClrTx/>
+                        <a:buSzTx/>
+                        <a:buFontTx/>
+                        <a:buNone/>
+                        <a:tabLst/>
+                        <a:defRPr/>
+                      </a:pPr>
+                      <a:r>
+                        <a:rPr lang="en-US" altLang="zh-CN" dirty="0" smtClean="0"/>
+                        <a:t>65%</a:t>
+                      </a:r>
+                      <a:endParaRPr lang="zh-CN" altLang="en-US" dirty="0" smtClean="0"/>
                     </a:p>
                   </a:txBody>
                   <a:tcPr/>
@@ -5923,17 +5945,7 @@
                   </a:schemeClr>
                 </a:solidFill>
               </a:rPr>
-              <a:t>s</a:t>
-            </a:r>
-            <a:r>
-              <a:rPr lang="en-US" altLang="zh-CN" i="1" dirty="0">
-                <a:solidFill>
-                  <a:schemeClr val="accent1">
-                    <a:lumMod val="75000"/>
-                  </a:schemeClr>
-                </a:solidFill>
-              </a:rPr>
-              <a:t>ubsample</a:t>
+              <a:t>subsample</a:t>
             </a:r>
             <a:r>
               <a:rPr lang="en-US" altLang="zh-CN" dirty="0" smtClean="0"/>
@@ -5990,17 +6002,7 @@
                   </a:schemeClr>
                 </a:solidFill>
               </a:rPr>
-              <a:t>s</a:t>
-            </a:r>
-            <a:r>
-              <a:rPr lang="en-US" altLang="zh-CN" i="1" dirty="0" err="1">
-                <a:solidFill>
-                  <a:schemeClr val="accent1">
-                    <a:lumMod val="75000"/>
-                  </a:schemeClr>
-                </a:solidFill>
-              </a:rPr>
-              <a:t>clae_pos_weight</a:t>
+              <a:t>sclae_pos_weight</a:t>
             </a:r>
             <a:r>
               <a:rPr lang="en-US" altLang="zh-CN" dirty="0" smtClean="0"/>
@@ -6523,14 +6525,14 @@
             <p:ph idx="1"/>
             <p:extLst>
               <p:ext uri="{D42A27DB-BD31-4B8C-83A1-F6EECF244321}">
-                <p14:modId xmlns:p14="http://schemas.microsoft.com/office/powerpoint/2010/main" val="200793502"/>
+                <p14:modId xmlns:p14="http://schemas.microsoft.com/office/powerpoint/2010/main" val="1507128032"/>
               </p:ext>
             </p:extLst>
           </p:nvPr>
         </p:nvGraphicFramePr>
         <p:xfrm>
           <a:off x="1069975" y="2120900"/>
-          <a:ext cx="10058400" cy="2225040"/>
+          <a:ext cx="9880795" cy="2225040"/>
         </p:xfrm>
         <a:graphic>
           <a:graphicData uri="http://schemas.openxmlformats.org/drawingml/2006/table">
@@ -6539,9 +6541,10 @@
                 <a:tableStyleId>{93296810-A885-4BE3-A3E7-6D5BEEA58F35}</a:tableStyleId>
               </a:tblPr>
               <a:tblGrid>
-                <a:gridCol w="3352800"/>
-                <a:gridCol w="3352800"/>
-                <a:gridCol w="3352800"/>
+                <a:gridCol w="2716213"/>
+                <a:gridCol w="2957512"/>
+                <a:gridCol w="2719745"/>
+                <a:gridCol w="1487325"/>
               </a:tblGrid>
               <a:tr h="370840">
                 <a:tc>
@@ -6579,6 +6582,30 @@
                         <a:rPr lang="en-US" altLang="zh-CN" dirty="0" smtClean="0"/>
                         <a:t>Time</a:t>
                       </a:r>
+                      <a:r>
+                        <a:rPr lang="zh-CN" altLang="en-US" dirty="0" smtClean="0"/>
+                        <a:t> </a:t>
+                      </a:r>
+                      <a:r>
+                        <a:rPr lang="en-US" altLang="zh-CN" dirty="0" smtClean="0"/>
+                        <a:t>(5</a:t>
+                      </a:r>
+                      <a:r>
+                        <a:rPr lang="zh-CN" altLang="en-US" dirty="0" smtClean="0"/>
+                        <a:t> </a:t>
+                      </a:r>
+                      <a:r>
+                        <a:rPr lang="en-US" altLang="zh-CN" dirty="0" smtClean="0"/>
+                        <a:t>folds</a:t>
+                      </a:r>
+                      <a:r>
+                        <a:rPr lang="zh-CN" altLang="en-US" dirty="0" smtClean="0"/>
+                        <a:t> </a:t>
+                      </a:r>
+                      <a:r>
+                        <a:rPr lang="en-US" altLang="zh-CN" dirty="0" smtClean="0"/>
+                        <a:t>CV)</a:t>
+                      </a:r>
                       <a:endParaRPr lang="zh-CN" altLang="en-US" dirty="0"/>
                     </a:p>
                   </a:txBody>
@@ -6589,6 +6616,30 @@
                     <a:bodyPr/>
                     <a:lstStyle/>
                     <a:p>
+                      <a:pPr algn="ctr"/>
+                      <a:r>
+                        <a:rPr lang="en-US" altLang="zh-CN" dirty="0" smtClean="0"/>
+                        <a:t>Parameter</a:t>
+                      </a:r>
+                      <a:r>
+                        <a:rPr lang="zh-CN" altLang="en-US" baseline="0" dirty="0" smtClean="0"/>
+                        <a:t> </a:t>
+                      </a:r>
+                      <a:r>
+                        <a:rPr lang="en-US" altLang="zh-CN" baseline="0" dirty="0" smtClean="0"/>
+                        <a:t>Combination</a:t>
+                      </a:r>
+                      <a:endParaRPr lang="zh-CN" altLang="en-US" dirty="0"/>
+                    </a:p>
+                  </a:txBody>
+                  <a:tcPr/>
+                </a:tc>
+                <a:tc>
+                  <a:txBody>
+                    <a:bodyPr/>
+                    <a:lstStyle/>
+                    <a:p>
+                      <a:pPr algn="ctr"/>
                       <a:r>
                         <a:rPr lang="en-US" altLang="zh-CN" dirty="0" smtClean="0"/>
                         <a:t>Accuracy</a:t>
@@ -6649,6 +6700,22 @@
                     <a:bodyPr/>
                     <a:lstStyle/>
                     <a:p>
+                      <a:pPr algn="ctr"/>
+                      <a:r>
+                        <a:rPr lang="en-US" altLang="zh-CN" dirty="0" smtClean="0"/>
+                        <a:t>80</a:t>
+                      </a:r>
+                      <a:endParaRPr lang="zh-CN" altLang="en-US" dirty="0"/>
+                    </a:p>
+                  </a:txBody>
+                  <a:tcPr/>
+                </a:tc>
+                <a:tc>
+                  <a:txBody>
+                    <a:bodyPr/>
+                    <a:lstStyle/>
+                    <a:p>
+                      <a:pPr algn="ctr"/>
                       <a:r>
                         <a:rPr lang="en-US" altLang="zh-CN" dirty="0" smtClean="0"/>
                         <a:t>70.3%</a:t>
@@ -6717,6 +6784,22 @@
                     <a:bodyPr/>
                     <a:lstStyle/>
                     <a:p>
+                      <a:pPr algn="ctr"/>
+                      <a:r>
+                        <a:rPr lang="en-US" altLang="zh-CN" dirty="0" smtClean="0"/>
+                        <a:t>80</a:t>
+                      </a:r>
+                      <a:endParaRPr lang="zh-CN" altLang="en-US" dirty="0"/>
+                    </a:p>
+                  </a:txBody>
+                  <a:tcPr/>
+                </a:tc>
+                <a:tc>
+                  <a:txBody>
+                    <a:bodyPr/>
+                    <a:lstStyle/>
+                    <a:p>
+                      <a:pPr algn="ctr"/>
                       <a:r>
                         <a:rPr lang="en-US" altLang="zh-CN" dirty="0" smtClean="0"/>
                         <a:t>71.5%</a:t>
@@ -6785,6 +6868,22 @@
                     <a:bodyPr/>
                     <a:lstStyle/>
                     <a:p>
+                      <a:pPr algn="ctr"/>
+                      <a:r>
+                        <a:rPr lang="en-US" altLang="zh-CN" dirty="0" smtClean="0"/>
+                        <a:t>27</a:t>
+                      </a:r>
+                      <a:endParaRPr lang="zh-CN" altLang="en-US" dirty="0"/>
+                    </a:p>
+                  </a:txBody>
+                  <a:tcPr/>
+                </a:tc>
+                <a:tc>
+                  <a:txBody>
+                    <a:bodyPr/>
+                    <a:lstStyle/>
+                    <a:p>
+                      <a:pPr algn="ctr"/>
                       <a:r>
                         <a:rPr lang="en-US" altLang="zh-CN" dirty="0" smtClean="0"/>
                         <a:t>69%</a:t>
@@ -6827,6 +6926,30 @@
                         <a:rPr lang="en-US" altLang="zh-CN" dirty="0" smtClean="0"/>
                         <a:t>20s</a:t>
                       </a:r>
+                      <a:r>
+                        <a:rPr lang="zh-CN" altLang="en-US" dirty="0" smtClean="0"/>
+                        <a:t> </a:t>
+                      </a:r>
+                      <a:r>
+                        <a:rPr lang="en-US" altLang="zh-CN" dirty="0" smtClean="0"/>
+                        <a:t>(no</a:t>
+                      </a:r>
+                      <a:r>
+                        <a:rPr lang="zh-CN" altLang="en-US" dirty="0" smtClean="0"/>
+                        <a:t> </a:t>
+                      </a:r>
+                      <a:r>
+                        <a:rPr lang="en-US" altLang="zh-CN" dirty="0" smtClean="0"/>
+                        <a:t>cross</a:t>
+                      </a:r>
+                      <a:r>
+                        <a:rPr lang="zh-CN" altLang="en-US" baseline="0" dirty="0" smtClean="0"/>
+                        <a:t> </a:t>
+                      </a:r>
+                      <a:r>
+                        <a:rPr lang="en-US" altLang="zh-CN" baseline="0" dirty="0" smtClean="0"/>
+                        <a:t>validation)</a:t>
+                      </a:r>
                       <a:endParaRPr lang="zh-CN" altLang="en-US" dirty="0"/>
                     </a:p>
                   </a:txBody>
@@ -6837,6 +6960,26 @@
                     <a:bodyPr/>
                     <a:lstStyle/>
                     <a:p>
+                      <a:pPr algn="ctr"/>
+                      <a:r>
+                        <a:rPr lang="en-US" altLang="zh-CN" dirty="0" smtClean="0"/>
+                        <a:t>0</a:t>
+                      </a:r>
+                      <a:endParaRPr lang="zh-CN" altLang="en-US" dirty="0"/>
+                    </a:p>
+                  </a:txBody>
+                  <a:tcPr/>
+                </a:tc>
+                <a:tc>
+                  <a:txBody>
+                    <a:bodyPr/>
+                    <a:lstStyle/>
+                    <a:p>
+                      <a:pPr algn="ctr"/>
+                      <a:r>
+                        <a:rPr lang="en-US" altLang="zh-CN" dirty="0" smtClean="0"/>
+                        <a:t>65%</a:t>
+                      </a:r>
                       <a:endParaRPr lang="zh-CN" altLang="en-US" dirty="0"/>
                     </a:p>
                   </a:txBody>
@@ -6909,6 +7052,30 @@
                     <a:bodyPr/>
                     <a:lstStyle/>
                     <a:p>
+                      <a:pPr algn="ctr"/>
+                      <a:r>
+                        <a:rPr lang="en-US" altLang="zh-CN" dirty="0" smtClean="0">
+                          <a:solidFill>
+                            <a:srgbClr val="FF0000"/>
+                          </a:solidFill>
+                        </a:rPr>
+                        <a:t>480</a:t>
+                      </a:r>
+                      <a:endParaRPr lang="zh-CN" altLang="en-US" dirty="0">
+                        <a:solidFill>
+                          <a:srgbClr val="FF0000"/>
+                        </a:solidFill>
+                      </a:endParaRPr>
+                    </a:p>
+                  </a:txBody>
+                  <a:tcPr/>
+                </a:tc>
+                <a:tc>
+                  <a:txBody>
+                    <a:bodyPr/>
+                    <a:lstStyle/>
+                    <a:p>
+                      <a:pPr algn="ctr"/>
                       <a:r>
                         <a:rPr lang="en-US" altLang="zh-CN" dirty="0" smtClean="0">
                           <a:solidFill>
@@ -7363,14 +7530,14 @@
           <p:nvPr>
             <p:extLst>
               <p:ext uri="{D42A27DB-BD31-4B8C-83A1-F6EECF244321}">
-                <p14:modId xmlns:p14="http://schemas.microsoft.com/office/powerpoint/2010/main" val="1599393120"/>
+                <p14:modId xmlns:p14="http://schemas.microsoft.com/office/powerpoint/2010/main" val="1576891124"/>
               </p:ext>
             </p:extLst>
           </p:nvPr>
         </p:nvGraphicFramePr>
         <p:xfrm>
-          <a:off x="1397602" y="2093976"/>
-          <a:ext cx="9402892" cy="4079240"/>
+          <a:off x="642939" y="2093976"/>
+          <a:ext cx="10157560" cy="4375087"/>
         </p:xfrm>
         <a:graphic>
           <a:graphicData uri="http://schemas.openxmlformats.org/drawingml/2006/table">
@@ -7379,9 +7546,10 @@
                 <a:tableStyleId>{93296810-A885-4BE3-A3E7-6D5BEEA58F35}</a:tableStyleId>
               </a:tblPr>
               <a:tblGrid>
-                <a:gridCol w="2138624"/>
-                <a:gridCol w="2551068"/>
-                <a:gridCol w="4713200"/>
+                <a:gridCol w="2114549"/>
+                <a:gridCol w="2449127"/>
+                <a:gridCol w="2523444"/>
+                <a:gridCol w="3070440"/>
               </a:tblGrid>
               <a:tr h="370840">
                 <a:tc>
@@ -7393,6 +7561,25 @@
                         <a:rPr lang="en-US" altLang="zh-CN" dirty="0" smtClean="0"/>
                         <a:t>Layer</a:t>
                       </a:r>
+                      <a:r>
+                        <a:rPr lang="zh-CN" altLang="en-US" dirty="0" smtClean="0"/>
+                        <a:t> </a:t>
+                      </a:r>
+                      <a:endParaRPr lang="en-US" altLang="zh-CN" dirty="0" smtClean="0"/>
+                    </a:p>
+                    <a:p>
+                      <a:r>
+                        <a:rPr lang="en-US" altLang="zh-CN" dirty="0" smtClean="0"/>
+                        <a:t>(around</a:t>
+                      </a:r>
+                      <a:r>
+                        <a:rPr lang="zh-CN" altLang="en-US" baseline="0" dirty="0" smtClean="0"/>
+                        <a:t> </a:t>
+                      </a:r>
+                      <a:r>
+                        <a:rPr lang="en-US" altLang="zh-CN" baseline="0" dirty="0" smtClean="0"/>
+                        <a:t>10mins)</a:t>
+                      </a:r>
                       <a:endParaRPr lang="zh-CN" altLang="en-US" dirty="0"/>
                     </a:p>
                   </a:txBody>
@@ -7403,10 +7590,34 @@
                     <a:bodyPr/>
                     <a:lstStyle/>
                     <a:p>
+                      <a:pPr algn="ctr"/>
+                      <a:r>
+                        <a:rPr lang="en-US" altLang="zh-CN" dirty="0" smtClean="0"/>
+                        <a:t>Total</a:t>
+                      </a:r>
+                      <a:r>
+                        <a:rPr lang="zh-CN" altLang="en-US" dirty="0" smtClean="0"/>
+                        <a:t> </a:t>
+                      </a:r>
                       <a:r>
                         <a:rPr lang="en-US" altLang="zh-CN" dirty="0" smtClean="0"/>
                         <a:t>Features</a:t>
                       </a:r>
+                      <a:endParaRPr lang="zh-CN" altLang="en-US" dirty="0"/>
+                    </a:p>
+                  </a:txBody>
+                  <a:tcPr/>
+                </a:tc>
+                <a:tc>
+                  <a:txBody>
+                    <a:bodyPr/>
+                    <a:lstStyle/>
+                    <a:p>
+                      <a:pPr algn="ctr"/>
+                      <a:r>
+                        <a:rPr lang="en-US" altLang="zh-CN" dirty="0" smtClean="0"/>
+                        <a:t>Features</a:t>
+                      </a:r>
                       <a:r>
                         <a:rPr lang="zh-CN" altLang="en-US" baseline="0" dirty="0" smtClean="0"/>
                         <a:t> </a:t>
@@ -7425,6 +7636,7 @@
                     <a:bodyPr/>
                     <a:lstStyle/>
                     <a:p>
+                      <a:pPr algn="ctr"/>
                       <a:r>
                         <a:rPr lang="en-US" altLang="zh-CN" dirty="0" smtClean="0"/>
                         <a:t>PCA:</a:t>
@@ -7487,6 +7699,36 @@
                     <a:bodyPr/>
                     <a:lstStyle/>
                     <a:p>
+                      <a:pPr marL="0" algn="ctr" defTabSz="914400" rtl="0" eaLnBrk="1" latinLnBrk="0" hangingPunct="1"/>
+                      <a:r>
+                        <a:rPr lang="en-US" altLang="zh-CN" sz="1800" kern="1200" dirty="0" smtClean="0">
+                          <a:solidFill>
+                            <a:schemeClr val="dk1"/>
+                          </a:solidFill>
+                          <a:latin typeface="+mn-lt"/>
+                          <a:ea typeface="+mn-ea"/>
+                          <a:cs typeface="+mn-cs"/>
+                        </a:rPr>
+                        <a:t>69984</a:t>
+                      </a:r>
+                      <a:endParaRPr lang="zh-CN" altLang="en-US" sz="1800" kern="1200" dirty="0">
+                        <a:solidFill>
+                          <a:schemeClr val="dk1"/>
+                        </a:solidFill>
+                        <a:latin typeface="+mn-lt"/>
+                        <a:ea typeface="+mn-ea"/>
+                        <a:cs typeface="+mn-cs"/>
+                      </a:endParaRPr>
+                    </a:p>
+                  </a:txBody>
+                  <a:tcPr/>
+                </a:tc>
+                <a:tc>
+                  <a:txBody>
+                    <a:bodyPr/>
+                    <a:lstStyle/>
+                    <a:p>
+                      <a:pPr algn="ctr"/>
                       <a:r>
                         <a:rPr lang="en-US" altLang="zh-CN" dirty="0" smtClean="0"/>
                         <a:t>1200</a:t>
@@ -7501,6 +7743,7 @@
                     <a:bodyPr/>
                     <a:lstStyle/>
                     <a:p>
+                      <a:pPr algn="ctr"/>
                       <a:r>
                         <a:rPr lang="en-US" altLang="zh-CN" dirty="0" smtClean="0"/>
                         <a:t>91%</a:t>
@@ -7539,6 +7782,36 @@
                     <a:bodyPr/>
                     <a:lstStyle/>
                     <a:p>
+                      <a:pPr marL="0" algn="ctr" defTabSz="914400" rtl="0" eaLnBrk="1" latinLnBrk="0" hangingPunct="1"/>
+                      <a:r>
+                        <a:rPr lang="is-IS" altLang="zh-CN" sz="1800" kern="1200" dirty="0" smtClean="0">
+                          <a:solidFill>
+                            <a:schemeClr val="dk1"/>
+                          </a:solidFill>
+                          <a:latin typeface="+mn-lt"/>
+                          <a:ea typeface="+mn-ea"/>
+                          <a:cs typeface="+mn-cs"/>
+                        </a:rPr>
+                        <a:t>43264</a:t>
+                      </a:r>
+                      <a:endParaRPr lang="zh-CN" altLang="en-US" sz="1800" kern="1200" dirty="0">
+                        <a:solidFill>
+                          <a:schemeClr val="dk1"/>
+                        </a:solidFill>
+                        <a:latin typeface="+mn-lt"/>
+                        <a:ea typeface="+mn-ea"/>
+                        <a:cs typeface="+mn-cs"/>
+                      </a:endParaRPr>
+                    </a:p>
+                  </a:txBody>
+                  <a:tcPr/>
+                </a:tc>
+                <a:tc>
+                  <a:txBody>
+                    <a:bodyPr/>
+                    <a:lstStyle/>
+                    <a:p>
+                      <a:pPr algn="ctr"/>
                       <a:r>
                         <a:rPr lang="en-US" altLang="zh-CN" dirty="0" smtClean="0"/>
                         <a:t>1200</a:t>
@@ -7553,6 +7826,7 @@
                     <a:bodyPr/>
                     <a:lstStyle/>
                     <a:p>
+                      <a:pPr algn="ctr"/>
                       <a:r>
                         <a:rPr lang="en-US" altLang="zh-CN" dirty="0" smtClean="0"/>
                         <a:t>91%</a:t>
@@ -7591,6 +7865,36 @@
                     <a:bodyPr/>
                     <a:lstStyle/>
                     <a:p>
+                      <a:pPr marL="0" algn="ctr" defTabSz="914400" rtl="0" eaLnBrk="1" latinLnBrk="0" hangingPunct="1"/>
+                      <a:r>
+                        <a:rPr lang="cs-CZ" altLang="zh-CN" sz="1800" kern="1200" dirty="0" smtClean="0">
+                          <a:solidFill>
+                            <a:schemeClr val="dk1"/>
+                          </a:solidFill>
+                          <a:latin typeface="+mn-lt"/>
+                          <a:ea typeface="+mn-ea"/>
+                          <a:cs typeface="+mn-cs"/>
+                        </a:rPr>
+                        <a:t>64896</a:t>
+                      </a:r>
+                      <a:endParaRPr lang="zh-CN" altLang="en-US" sz="1800" kern="1200" dirty="0">
+                        <a:solidFill>
+                          <a:schemeClr val="dk1"/>
+                        </a:solidFill>
+                        <a:latin typeface="+mn-lt"/>
+                        <a:ea typeface="+mn-ea"/>
+                        <a:cs typeface="+mn-cs"/>
+                      </a:endParaRPr>
+                    </a:p>
+                  </a:txBody>
+                  <a:tcPr/>
+                </a:tc>
+                <a:tc>
+                  <a:txBody>
+                    <a:bodyPr/>
+                    <a:lstStyle/>
+                    <a:p>
+                      <a:pPr algn="ctr"/>
                       <a:r>
                         <a:rPr lang="en-US" altLang="zh-CN" dirty="0" smtClean="0"/>
                         <a:t>1200</a:t>
@@ -7605,6 +7909,7 @@
                     <a:bodyPr/>
                     <a:lstStyle/>
                     <a:p>
+                      <a:pPr algn="ctr"/>
                       <a:r>
                         <a:rPr lang="en-US" altLang="zh-CN" dirty="0" smtClean="0"/>
                         <a:t>90%</a:t>
@@ -7643,6 +7948,36 @@
                     <a:bodyPr/>
                     <a:lstStyle/>
                     <a:p>
+                      <a:pPr marL="0" algn="ctr" defTabSz="914400" rtl="0" eaLnBrk="1" latinLnBrk="0" hangingPunct="1"/>
+                      <a:r>
+                        <a:rPr lang="cs-CZ" altLang="zh-CN" sz="1800" kern="1200" dirty="0" smtClean="0">
+                          <a:solidFill>
+                            <a:schemeClr val="dk1"/>
+                          </a:solidFill>
+                          <a:latin typeface="+mn-lt"/>
+                          <a:ea typeface="+mn-ea"/>
+                          <a:cs typeface="+mn-cs"/>
+                        </a:rPr>
+                        <a:t>64896</a:t>
+                      </a:r>
+                      <a:endParaRPr lang="zh-CN" altLang="en-US" sz="1800" kern="1200" dirty="0">
+                        <a:solidFill>
+                          <a:schemeClr val="dk1"/>
+                        </a:solidFill>
+                        <a:latin typeface="+mn-lt"/>
+                        <a:ea typeface="+mn-ea"/>
+                        <a:cs typeface="+mn-cs"/>
+                      </a:endParaRPr>
+                    </a:p>
+                  </a:txBody>
+                  <a:tcPr/>
+                </a:tc>
+                <a:tc>
+                  <a:txBody>
+                    <a:bodyPr/>
+                    <a:lstStyle/>
+                    <a:p>
+                      <a:pPr algn="ctr"/>
                       <a:r>
                         <a:rPr lang="en-US" altLang="zh-CN" dirty="0" smtClean="0"/>
                         <a:t>1200</a:t>
@@ -7657,6 +7992,7 @@
                     <a:bodyPr/>
                     <a:lstStyle/>
                     <a:p>
+                      <a:pPr algn="ctr"/>
                       <a:r>
                         <a:rPr lang="en-US" altLang="zh-CN" dirty="0" smtClean="0"/>
                         <a:t>90%</a:t>
@@ -7667,7 +8003,7 @@
                   <a:tcPr/>
                 </a:tc>
               </a:tr>
-              <a:tr h="370840">
+              <a:tr h="397447">
                 <a:tc>
                   <a:txBody>
                     <a:bodyPr/>
@@ -7695,6 +8031,36 @@
                     <a:bodyPr/>
                     <a:lstStyle/>
                     <a:p>
+                      <a:pPr marL="0" algn="ctr" defTabSz="914400" rtl="0" eaLnBrk="1" latinLnBrk="0" hangingPunct="1"/>
+                      <a:r>
+                        <a:rPr lang="cs-CZ" altLang="zh-CN" sz="1800" kern="1200" dirty="0" smtClean="0">
+                          <a:solidFill>
+                            <a:schemeClr val="dk1"/>
+                          </a:solidFill>
+                          <a:latin typeface="+mn-lt"/>
+                          <a:ea typeface="+mn-ea"/>
+                          <a:cs typeface="+mn-cs"/>
+                        </a:rPr>
+                        <a:t>9216</a:t>
+                      </a:r>
+                      <a:endParaRPr lang="zh-CN" altLang="en-US" sz="1800" kern="1200" dirty="0">
+                        <a:solidFill>
+                          <a:schemeClr val="dk1"/>
+                        </a:solidFill>
+                        <a:latin typeface="+mn-lt"/>
+                        <a:ea typeface="+mn-ea"/>
+                        <a:cs typeface="+mn-cs"/>
+                      </a:endParaRPr>
+                    </a:p>
+                  </a:txBody>
+                  <a:tcPr/>
+                </a:tc>
+                <a:tc>
+                  <a:txBody>
+                    <a:bodyPr/>
+                    <a:lstStyle/>
+                    <a:p>
+                      <a:pPr algn="ctr"/>
                       <a:r>
                         <a:rPr lang="en-US" altLang="zh-CN" dirty="0" smtClean="0"/>
                         <a:t>1500</a:t>
@@ -7709,6 +8075,7 @@
                     <a:bodyPr/>
                     <a:lstStyle/>
                     <a:p>
+                      <a:pPr algn="ctr"/>
                       <a:r>
                         <a:rPr lang="en-US" altLang="zh-CN" dirty="0" smtClean="0"/>
                         <a:t>94%</a:t>
@@ -7747,6 +8114,36 @@
                     <a:bodyPr/>
                     <a:lstStyle/>
                     <a:p>
+                      <a:pPr marL="0" algn="ctr" defTabSz="914400" rtl="0" eaLnBrk="1" latinLnBrk="0" hangingPunct="1"/>
+                      <a:r>
+                        <a:rPr lang="is-IS" altLang="zh-CN" sz="1800" kern="1200" dirty="0" smtClean="0">
+                          <a:solidFill>
+                            <a:schemeClr val="dk1"/>
+                          </a:solidFill>
+                          <a:latin typeface="+mn-lt"/>
+                          <a:ea typeface="+mn-ea"/>
+                          <a:cs typeface="+mn-cs"/>
+                        </a:rPr>
+                        <a:t>43264</a:t>
+                      </a:r>
+                      <a:endParaRPr lang="zh-CN" altLang="en-US" sz="1800" kern="1200" dirty="0">
+                        <a:solidFill>
+                          <a:schemeClr val="dk1"/>
+                        </a:solidFill>
+                        <a:latin typeface="+mn-lt"/>
+                        <a:ea typeface="+mn-ea"/>
+                        <a:cs typeface="+mn-cs"/>
+                      </a:endParaRPr>
+                    </a:p>
+                  </a:txBody>
+                  <a:tcPr/>
+                </a:tc>
+                <a:tc>
+                  <a:txBody>
+                    <a:bodyPr/>
+                    <a:lstStyle/>
+                    <a:p>
+                      <a:pPr algn="ctr"/>
                       <a:r>
                         <a:rPr lang="en-US" altLang="zh-CN" dirty="0" smtClean="0"/>
                         <a:t>1000</a:t>
@@ -7761,6 +8158,7 @@
                     <a:bodyPr/>
                     <a:lstStyle/>
                     <a:p>
+                      <a:pPr algn="ctr"/>
                       <a:r>
                         <a:rPr lang="en-US" altLang="zh-CN" dirty="0" smtClean="0"/>
                         <a:t>91%</a:t>
@@ -7799,6 +8197,36 @@
                     <a:bodyPr/>
                     <a:lstStyle/>
                     <a:p>
+                      <a:pPr marL="0" algn="ctr" defTabSz="914400" rtl="0" eaLnBrk="1" latinLnBrk="0" hangingPunct="1"/>
+                      <a:r>
+                        <a:rPr lang="is-IS" altLang="zh-CN" sz="1800" kern="1200" dirty="0" smtClean="0">
+                          <a:solidFill>
+                            <a:schemeClr val="dk1"/>
+                          </a:solidFill>
+                          <a:latin typeface="+mn-lt"/>
+                          <a:ea typeface="+mn-ea"/>
+                          <a:cs typeface="+mn-cs"/>
+                        </a:rPr>
+                        <a:t>4096</a:t>
+                      </a:r>
+                      <a:endParaRPr lang="zh-CN" altLang="en-US" sz="1800" kern="1200" dirty="0">
+                        <a:solidFill>
+                          <a:schemeClr val="dk1"/>
+                        </a:solidFill>
+                        <a:latin typeface="+mn-lt"/>
+                        <a:ea typeface="+mn-ea"/>
+                        <a:cs typeface="+mn-cs"/>
+                      </a:endParaRPr>
+                    </a:p>
+                  </a:txBody>
+                  <a:tcPr/>
+                </a:tc>
+                <a:tc>
+                  <a:txBody>
+                    <a:bodyPr/>
+                    <a:lstStyle/>
+                    <a:p>
+                      <a:pPr algn="ctr"/>
                       <a:r>
                         <a:rPr lang="en-US" altLang="zh-CN" dirty="0" smtClean="0"/>
                         <a:t>900</a:t>
@@ -7813,6 +8241,7 @@
                     <a:bodyPr/>
                     <a:lstStyle/>
                     <a:p>
+                      <a:pPr algn="ctr"/>
                       <a:r>
                         <a:rPr lang="en-US" altLang="zh-CN" dirty="0" smtClean="0"/>
                         <a:t>91%</a:t>
@@ -7851,6 +8280,36 @@
                     <a:bodyPr/>
                     <a:lstStyle/>
                     <a:p>
+                      <a:pPr marL="0" algn="ctr" defTabSz="914400" rtl="0" eaLnBrk="1" latinLnBrk="0" hangingPunct="1"/>
+                      <a:r>
+                        <a:rPr lang="is-IS" altLang="zh-CN" sz="1800" kern="1200" dirty="0" smtClean="0">
+                          <a:solidFill>
+                            <a:schemeClr val="dk1"/>
+                          </a:solidFill>
+                          <a:latin typeface="+mn-lt"/>
+                          <a:ea typeface="+mn-ea"/>
+                          <a:cs typeface="+mn-cs"/>
+                        </a:rPr>
+                        <a:t>4096</a:t>
+                      </a:r>
+                      <a:endParaRPr lang="zh-CN" altLang="en-US" sz="1800" kern="1200" dirty="0">
+                        <a:solidFill>
+                          <a:schemeClr val="dk1"/>
+                        </a:solidFill>
+                        <a:latin typeface="+mn-lt"/>
+                        <a:ea typeface="+mn-ea"/>
+                        <a:cs typeface="+mn-cs"/>
+                      </a:endParaRPr>
+                    </a:p>
+                  </a:txBody>
+                  <a:tcPr/>
+                </a:tc>
+                <a:tc>
+                  <a:txBody>
+                    <a:bodyPr/>
+                    <a:lstStyle/>
+                    <a:p>
+                      <a:pPr algn="ctr"/>
                       <a:r>
                         <a:rPr lang="en-US" altLang="zh-CN" dirty="0" smtClean="0"/>
                         <a:t>1000</a:t>
@@ -7865,6 +8324,7 @@
                     <a:bodyPr/>
                     <a:lstStyle/>
                     <a:p>
+                      <a:pPr algn="ctr"/>
                       <a:r>
                         <a:rPr lang="en-US" altLang="zh-CN" dirty="0" smtClean="0"/>
                         <a:t>96%</a:t>
@@ -7903,6 +8363,36 @@
                     <a:bodyPr/>
                     <a:lstStyle/>
                     <a:p>
+                      <a:pPr marL="0" algn="ctr" defTabSz="914400" rtl="0" eaLnBrk="1" latinLnBrk="0" hangingPunct="1"/>
+                      <a:r>
+                        <a:rPr lang="is-IS" altLang="zh-CN" sz="1800" kern="1200" dirty="0" smtClean="0">
+                          <a:solidFill>
+                            <a:schemeClr val="dk1"/>
+                          </a:solidFill>
+                          <a:latin typeface="+mn-lt"/>
+                          <a:ea typeface="+mn-ea"/>
+                          <a:cs typeface="+mn-cs"/>
+                        </a:rPr>
+                        <a:t>1000</a:t>
+                      </a:r>
+                      <a:endParaRPr lang="zh-CN" altLang="en-US" sz="1800" kern="1200" dirty="0">
+                        <a:solidFill>
+                          <a:schemeClr val="dk1"/>
+                        </a:solidFill>
+                        <a:latin typeface="+mn-lt"/>
+                        <a:ea typeface="+mn-ea"/>
+                        <a:cs typeface="+mn-cs"/>
+                      </a:endParaRPr>
+                    </a:p>
+                  </a:txBody>
+                  <a:tcPr/>
+                </a:tc>
+                <a:tc>
+                  <a:txBody>
+                    <a:bodyPr/>
+                    <a:lstStyle/>
+                    <a:p>
+                      <a:pPr algn="ctr"/>
                       <a:r>
                         <a:rPr lang="en-US" altLang="zh-CN" dirty="0" smtClean="0"/>
                         <a:t>1000</a:t>
@@ -7917,6 +8407,7 @@
                     <a:bodyPr/>
                     <a:lstStyle/>
                     <a:p>
+                      <a:pPr algn="ctr"/>
                       <a:r>
                         <a:rPr lang="en-US" altLang="zh-CN" dirty="0" smtClean="0"/>
                         <a:t>100%</a:t>
@@ -7955,6 +8446,36 @@
                     <a:bodyPr/>
                     <a:lstStyle/>
                     <a:p>
+                      <a:pPr marL="0" algn="ctr" defTabSz="914400" rtl="0" eaLnBrk="1" latinLnBrk="0" hangingPunct="1"/>
+                      <a:r>
+                        <a:rPr lang="is-IS" altLang="zh-CN" sz="1800" kern="1200" dirty="0" smtClean="0">
+                          <a:solidFill>
+                            <a:schemeClr val="dk1"/>
+                          </a:solidFill>
+                          <a:latin typeface="+mn-lt"/>
+                          <a:ea typeface="+mn-ea"/>
+                          <a:cs typeface="+mn-cs"/>
+                        </a:rPr>
+                        <a:t>1000</a:t>
+                      </a:r>
+                      <a:endParaRPr lang="zh-CN" altLang="en-US" sz="1800" kern="1200" dirty="0">
+                        <a:solidFill>
+                          <a:schemeClr val="dk1"/>
+                        </a:solidFill>
+                        <a:latin typeface="+mn-lt"/>
+                        <a:ea typeface="+mn-ea"/>
+                        <a:cs typeface="+mn-cs"/>
+                      </a:endParaRPr>
+                    </a:p>
+                  </a:txBody>
+                  <a:tcPr/>
+                </a:tc>
+                <a:tc>
+                  <a:txBody>
+                    <a:bodyPr/>
+                    <a:lstStyle/>
+                    <a:p>
+                      <a:pPr algn="ctr"/>
                       <a:r>
                         <a:rPr lang="en-US" altLang="zh-CN" dirty="0" smtClean="0"/>
                         <a:t>1000</a:t>
@@ -7969,6 +8490,7 @@
                     <a:bodyPr/>
                     <a:lstStyle/>
                     <a:p>
+                      <a:pPr algn="ctr"/>
                       <a:r>
                         <a:rPr lang="en-US" altLang="zh-CN" dirty="0" smtClean="0"/>
                         <a:t>100%</a:t>
@@ -8091,6 +8613,144 @@
       </p:par>
     </p:tnLst>
   </p:timing>
+</p:sld>
+</file>
+
+<file path=ppt/slides/slide16.xml><?xml version="1.0" encoding="utf-8"?>
+<p:sld xmlns:a="http://schemas.openxmlformats.org/drawingml/2006/main" xmlns:r="http://schemas.openxmlformats.org/officeDocument/2006/relationships" xmlns:p="http://schemas.openxmlformats.org/presentationml/2006/main">
+  <p:cSld>
+    <p:spTree>
+      <p:nvGrpSpPr>
+        <p:cNvPr id="1" name=""/>
+        <p:cNvGrpSpPr/>
+        <p:nvPr/>
+      </p:nvGrpSpPr>
+      <p:grpSpPr>
+        <a:xfrm>
+          <a:off x="0" y="0"/>
+          <a:ext cx="0" cy="0"/>
+          <a:chOff x="0" y="0"/>
+          <a:chExt cx="0" cy="0"/>
+        </a:xfrm>
+      </p:grpSpPr>
+      <p:sp>
+        <p:nvSpPr>
+          <p:cNvPr id="2" name="标题 1"/>
+          <p:cNvSpPr>
+            <a:spLocks noGrp="1"/>
+          </p:cNvSpPr>
+          <p:nvPr>
+            <p:ph type="title"/>
+          </p:nvPr>
+        </p:nvSpPr>
+        <p:spPr/>
+        <p:txBody>
+          <a:bodyPr/>
+          <a:lstStyle/>
+          <a:p>
+            <a:r>
+              <a:rPr kumimoji="1" lang="en-US" altLang="zh-CN" dirty="0" smtClean="0"/>
+              <a:t>Model</a:t>
+            </a:r>
+            <a:r>
+              <a:rPr kumimoji="1" lang="zh-CN" altLang="en-US" dirty="0" smtClean="0"/>
+              <a:t> </a:t>
+            </a:r>
+            <a:r>
+              <a:rPr kumimoji="1" lang="en-US" altLang="zh-CN" dirty="0" smtClean="0"/>
+              <a:t>Testing</a:t>
+            </a:r>
+            <a:endParaRPr kumimoji="1" lang="zh-CN" altLang="en-US" dirty="0"/>
+          </a:p>
+        </p:txBody>
+      </p:sp>
+      <p:sp>
+        <p:nvSpPr>
+          <p:cNvPr id="3" name="内容占位符 2"/>
+          <p:cNvSpPr>
+            <a:spLocks noGrp="1"/>
+          </p:cNvSpPr>
+          <p:nvPr>
+            <p:ph idx="1"/>
+          </p:nvPr>
+        </p:nvSpPr>
+        <p:spPr/>
+        <p:txBody>
+          <a:bodyPr/>
+          <a:lstStyle/>
+          <a:p>
+            <a:pPr>
+              <a:lnSpc>
+                <a:spcPct val="100000"/>
+              </a:lnSpc>
+              <a:spcBef>
+                <a:spcPts val="0"/>
+              </a:spcBef>
+              <a:buClrTx/>
+              <a:buSzTx/>
+            </a:pPr>
+            <a:r>
+              <a:rPr kumimoji="1" lang="en-US" altLang="zh-CN" dirty="0" smtClean="0"/>
+              <a:t>Download</a:t>
+            </a:r>
+            <a:r>
+              <a:rPr kumimoji="1" lang="zh-CN" altLang="en-US" dirty="0" smtClean="0"/>
+              <a:t> </a:t>
+            </a:r>
+            <a:r>
+              <a:rPr kumimoji="1" lang="en-US" altLang="zh-CN" dirty="0" smtClean="0"/>
+              <a:t>2000</a:t>
+            </a:r>
+            <a:r>
+              <a:rPr kumimoji="1" lang="zh-CN" altLang="en-US" dirty="0" smtClean="0"/>
+              <a:t> </a:t>
+            </a:r>
+            <a:r>
+              <a:rPr kumimoji="1" lang="en-US" altLang="zh-CN" dirty="0" smtClean="0"/>
+              <a:t>pictures</a:t>
+            </a:r>
+            <a:r>
+              <a:rPr kumimoji="1" lang="zh-CN" altLang="en-US" dirty="0" smtClean="0"/>
+              <a:t> </a:t>
+            </a:r>
+            <a:r>
+              <a:rPr kumimoji="1" lang="en-US" altLang="zh-CN" dirty="0" smtClean="0"/>
+              <a:t>from</a:t>
+            </a:r>
+            <a:r>
+              <a:rPr kumimoji="1" lang="zh-CN" altLang="en-US" dirty="0" smtClean="0"/>
+              <a:t> </a:t>
+            </a:r>
+            <a:r>
+              <a:rPr kumimoji="1" lang="en-US" altLang="zh-CN" dirty="0" smtClean="0"/>
+              <a:t>the</a:t>
+            </a:r>
+            <a:r>
+              <a:rPr kumimoji="1" lang="zh-CN" altLang="en-US" dirty="0" smtClean="0"/>
+              <a:t> </a:t>
+            </a:r>
+            <a:r>
+              <a:rPr kumimoji="1" lang="en-US" altLang="zh-CN" dirty="0" smtClean="0"/>
+              <a:t>internet</a:t>
+            </a:r>
+            <a:r>
+              <a:rPr kumimoji="1" lang="zh-CN" altLang="en-US" dirty="0" smtClean="0"/>
+              <a:t> </a:t>
+            </a:r>
+            <a:endParaRPr kumimoji="1" lang="zh-CN" altLang="en-US" dirty="0"/>
+          </a:p>
+        </p:txBody>
+      </p:sp>
+    </p:spTree>
+    <p:extLst>
+      <p:ext uri="{BB962C8B-B14F-4D97-AF65-F5344CB8AC3E}">
+        <p14:creationId xmlns:p14="http://schemas.microsoft.com/office/powerpoint/2010/main" val="2015849835"/>
+      </p:ext>
+    </p:extLst>
+  </p:cSld>
+  <p:clrMapOvr>
+    <a:masterClrMapping/>
+  </p:clrMapOvr>
 </p:sld>
 </file>
 
@@ -9971,11 +10631,7 @@
             </a:r>
             <a:r>
               <a:rPr lang="en-US" altLang="zh-CN" dirty="0" smtClean="0"/>
-              <a:t>(500</a:t>
-            </a:r>
-            <a:r>
-              <a:rPr lang="en-US" altLang="zh-CN" dirty="0" smtClean="0"/>
-              <a:t>,</a:t>
+              <a:t>(500,</a:t>
             </a:r>
             <a:r>
               <a:rPr lang="zh-CN" altLang="en-US" dirty="0" smtClean="0"/>
@@ -10447,7 +11103,6 @@
               <a:rPr lang="en-US" altLang="zh-CN" dirty="0" smtClean="0"/>
               <a:t>)</a:t>
             </a:r>
-            <a:endParaRPr lang="en-US" altLang="zh-CN" dirty="0" smtClean="0"/>
           </a:p>
           <a:p>
             <a:r>
@@ -10470,11 +11125,7 @@
             </a:r>
             <a:r>
               <a:rPr kumimoji="1" lang="en-US" altLang="zh-CN" dirty="0" smtClean="0"/>
-              <a:t>(</a:t>
-            </a:r>
-            <a:r>
-              <a:rPr kumimoji="1" lang="en-US" altLang="zh-CN" dirty="0" smtClean="0"/>
-              <a:t>0.005</a:t>
+              <a:t>(0.0005</a:t>
             </a:r>
             <a:r>
               <a:rPr kumimoji="1" lang="en-US" altLang="zh-CN" dirty="0"/>
@@ -10485,15 +11136,19 @@
               <a:t> </a:t>
             </a:r>
             <a:r>
+              <a:rPr kumimoji="1" lang="en-US" altLang="zh-CN" dirty="0"/>
+              <a:t>0.001,</a:t>
+            </a:r>
+            <a:r>
+              <a:rPr kumimoji="1" lang="zh-CN" altLang="en-US" dirty="0"/>
+              <a:t> </a:t>
+            </a:r>
+            <a:r>
               <a:rPr kumimoji="1" lang="en-US" altLang="zh-CN" dirty="0" smtClean="0"/>
-              <a:t>0.01</a:t>
-            </a:r>
-            <a:r>
-              <a:rPr kumimoji="1" lang="en-US" altLang="zh-CN" dirty="0"/>
-              <a:t>,</a:t>
-            </a:r>
-            <a:r>
-              <a:rPr kumimoji="1" lang="zh-CN" altLang="en-US" dirty="0"/>
+              <a:t>0.01,</a:t>
+            </a:r>
+            <a:r>
+              <a:rPr kumimoji="1" lang="zh-CN" altLang="en-US" dirty="0" smtClean="0"/>
               <a:t> </a:t>
             </a:r>
             <a:r>
@@ -10504,7 +11159,7 @@
           </a:p>
           <a:p>
             <a:r>
-              <a:rPr kumimoji="1" lang="en-US" altLang="zh-CN" dirty="0" smtClean="0">
+              <a:rPr kumimoji="1" lang="en-US" altLang="zh-CN" dirty="0" err="1" smtClean="0">
                 <a:solidFill>
                   <a:schemeClr val="accent1">
                     <a:lumMod val="75000"/>
@@ -10574,28 +11229,24 @@
               <a:t> </a:t>
             </a:r>
             <a:r>
-              <a:rPr lang="en-US" altLang="zh-CN" dirty="0" smtClean="0"/>
-              <a:t>(</a:t>
-            </a:r>
-            <a:r>
-              <a:rPr lang="en-US" altLang="zh-CN" dirty="0" smtClean="0"/>
-              <a:t>1000</a:t>
-            </a:r>
-            <a:r>
               <a:rPr lang="en-US" altLang="zh-CN" dirty="0"/>
-              <a:t>,</a:t>
+              <a:t>(500,</a:t>
             </a:r>
             <a:r>
               <a:rPr lang="zh-CN" altLang="en-US" dirty="0"/>
               <a:t> </a:t>
             </a:r>
             <a:r>
-              <a:rPr lang="en-US" altLang="zh-CN" dirty="0" smtClean="0"/>
-              <a:t>1500</a:t>
-            </a:r>
-            <a:r>
               <a:rPr lang="en-US" altLang="zh-CN" dirty="0"/>
-              <a:t>,</a:t>
+              <a:t>1000,</a:t>
+            </a:r>
+            <a:r>
+              <a:rPr lang="zh-CN" altLang="en-US" dirty="0"/>
+              <a:t> </a:t>
+            </a:r>
+            <a:r>
+              <a:rPr lang="en-US" altLang="zh-CN" dirty="0"/>
+              <a:t>1500,</a:t>
             </a:r>
             <a:r>
               <a:rPr lang="zh-CN" altLang="en-US" dirty="0"/>
@@ -10611,13 +11262,8 @@
             </a:r>
             <a:r>
               <a:rPr lang="en-US" altLang="zh-CN" dirty="0"/>
-              <a:t>4000</a:t>
-            </a:r>
-            <a:r>
-              <a:rPr lang="en-US" altLang="zh-CN" dirty="0" smtClean="0"/>
-              <a:t>)</a:t>
-            </a:r>
-            <a:endParaRPr lang="en-US" altLang="zh-CN" dirty="0"/>
+              <a:t>4000)</a:t>
+            </a:r>
           </a:p>
           <a:p>
             <a:pPr marL="274320" lvl="1" indent="0">

--- a/output/ads proj3.pptx
+++ b/output/ads proj3.pptx
@@ -5,7 +5,7 @@
     <p:sldMasterId id="2147483897" r:id="rId1"/>
   </p:sldMasterIdLst>
   <p:notesMasterIdLst>
-    <p:notesMasterId r:id="rId18"/>
+    <p:notesMasterId r:id="rId17"/>
   </p:notesMasterIdLst>
   <p:sldIdLst>
     <p:sldId id="256" r:id="rId2"/>
@@ -22,8 +22,7 @@
     <p:sldId id="268" r:id="rId13"/>
     <p:sldId id="263" r:id="rId14"/>
     <p:sldId id="269" r:id="rId15"/>
-    <p:sldId id="270" r:id="rId16"/>
-    <p:sldId id="273" r:id="rId17"/>
+    <p:sldId id="273" r:id="rId16"/>
   </p:sldIdLst>
   <p:sldSz cx="12192000" cy="6858000"/>
   <p:notesSz cx="6858000" cy="9144000"/>
@@ -724,6 +723,187 @@
     <p:extLst>
       <p:ext uri="{BB962C8B-B14F-4D97-AF65-F5344CB8AC3E}">
         <p14:creationId xmlns:p14="http://schemas.microsoft.com/office/powerpoint/2010/main" val="1660142428"/>
+      </p:ext>
+    </p:extLst>
+  </p:cSld>
+  <p:clrMapOvr>
+    <a:masterClrMapping/>
+  </p:clrMapOvr>
+</p:notes>
+</file>
+
+<file path=ppt/notesSlides/notesSlide2.xml><?xml version="1.0" encoding="utf-8"?>
+<p:notes xmlns:a="http://schemas.openxmlformats.org/drawingml/2006/main" xmlns:r="http://schemas.openxmlformats.org/officeDocument/2006/relationships" xmlns:p="http://schemas.openxmlformats.org/presentationml/2006/main">
+  <p:cSld>
+    <p:spTree>
+      <p:nvGrpSpPr>
+        <p:cNvPr id="1" name=""/>
+        <p:cNvGrpSpPr/>
+        <p:nvPr/>
+      </p:nvGrpSpPr>
+      <p:grpSpPr>
+        <a:xfrm>
+          <a:off x="0" y="0"/>
+          <a:ext cx="0" cy="0"/>
+          <a:chOff x="0" y="0"/>
+          <a:chExt cx="0" cy="0"/>
+        </a:xfrm>
+      </p:grpSpPr>
+      <p:sp>
+        <p:nvSpPr>
+          <p:cNvPr id="2" name="幻灯片图像占位符 1"/>
+          <p:cNvSpPr>
+            <a:spLocks noGrp="1" noRot="1" noChangeAspect="1"/>
+          </p:cNvSpPr>
+          <p:nvPr>
+            <p:ph type="sldImg"/>
+          </p:nvPr>
+        </p:nvSpPr>
+        <p:spPr/>
+      </p:sp>
+      <p:sp>
+        <p:nvSpPr>
+          <p:cNvPr id="3" name="备注占位符 2"/>
+          <p:cNvSpPr>
+            <a:spLocks noGrp="1"/>
+          </p:cNvSpPr>
+          <p:nvPr>
+            <p:ph type="body" idx="1"/>
+          </p:nvPr>
+        </p:nvSpPr>
+        <p:spPr/>
+        <p:txBody>
+          <a:bodyPr/>
+          <a:lstStyle/>
+          <a:p>
+            <a:pPr marL="228600" indent="-228600">
+              <a:buAutoNum type="arabicPeriod"/>
+            </a:pPr>
+            <a:r>
+              <a:rPr kumimoji="1" lang="en-US" altLang="zh-CN" dirty="0" smtClean="0"/>
+              <a:t>Time</a:t>
+            </a:r>
+            <a:r>
+              <a:rPr kumimoji="1" lang="zh-CN" altLang="en-US" dirty="0" smtClean="0"/>
+              <a:t> </a:t>
+            </a:r>
+            <a:r>
+              <a:rPr kumimoji="1" lang="en-US" altLang="zh-CN" dirty="0" smtClean="0"/>
+              <a:t>consideration</a:t>
+            </a:r>
+            <a:r>
+              <a:rPr kumimoji="1" lang="zh-CN" altLang="en-US" dirty="0" smtClean="0"/>
+              <a:t> </a:t>
+            </a:r>
+            <a:endParaRPr kumimoji="1" lang="en-US" altLang="zh-CN" dirty="0" smtClean="0"/>
+          </a:p>
+          <a:p>
+            <a:pPr marL="228600" indent="-228600">
+              <a:buAutoNum type="arabicPeriod"/>
+            </a:pPr>
+            <a:r>
+              <a:rPr kumimoji="1" lang="en-US" altLang="zh-CN" dirty="0" smtClean="0"/>
+              <a:t>Logisti</a:t>
+            </a:r>
+            <a:r>
+              <a:rPr kumimoji="1" lang="en-US" altLang="zh-CN" baseline="0" dirty="0" smtClean="0"/>
+              <a:t>c</a:t>
+            </a:r>
+            <a:r>
+              <a:rPr kumimoji="1" lang="zh-CN" altLang="en-US" baseline="0" dirty="0" smtClean="0"/>
+              <a:t> </a:t>
+            </a:r>
+            <a:r>
+              <a:rPr kumimoji="1" lang="en-US" altLang="zh-CN" baseline="0" dirty="0" smtClean="0"/>
+              <a:t>regression</a:t>
+            </a:r>
+            <a:r>
+              <a:rPr kumimoji="1" lang="zh-CN" altLang="en-US" baseline="0" dirty="0" smtClean="0"/>
+              <a:t> </a:t>
+            </a:r>
+            <a:r>
+              <a:rPr kumimoji="1" lang="en-US" altLang="zh-CN" baseline="0" dirty="0" smtClean="0"/>
+              <a:t>model</a:t>
+            </a:r>
+            <a:r>
+              <a:rPr kumimoji="1" lang="zh-CN" altLang="en-US" baseline="0" dirty="0" smtClean="0"/>
+              <a:t> </a:t>
+            </a:r>
+            <a:r>
+              <a:rPr kumimoji="1" lang="en-US" altLang="zh-CN" baseline="0" dirty="0" smtClean="0"/>
+              <a:t>is</a:t>
+            </a:r>
+            <a:r>
+              <a:rPr kumimoji="1" lang="zh-CN" altLang="en-US" baseline="0" dirty="0" smtClean="0"/>
+              <a:t> </a:t>
+            </a:r>
+            <a:r>
+              <a:rPr kumimoji="1" lang="en-US" altLang="zh-CN" baseline="0" dirty="0" smtClean="0"/>
+              <a:t>widely</a:t>
+            </a:r>
+            <a:r>
+              <a:rPr kumimoji="1" lang="zh-CN" altLang="en-US" baseline="0" dirty="0" smtClean="0"/>
+              <a:t> </a:t>
+            </a:r>
+            <a:r>
+              <a:rPr kumimoji="1" lang="en-US" altLang="zh-CN" baseline="0" dirty="0" smtClean="0"/>
+              <a:t>used</a:t>
+            </a:r>
+            <a:r>
+              <a:rPr kumimoji="1" lang="zh-CN" altLang="en-US" baseline="0" dirty="0" smtClean="0"/>
+              <a:t> </a:t>
+            </a:r>
+            <a:r>
+              <a:rPr kumimoji="1" lang="en-US" altLang="zh-CN" baseline="0" dirty="0" smtClean="0"/>
+              <a:t>in</a:t>
+            </a:r>
+            <a:r>
+              <a:rPr kumimoji="1" lang="zh-CN" altLang="en-US" baseline="0" dirty="0" smtClean="0"/>
+              <a:t> </a:t>
+            </a:r>
+            <a:r>
+              <a:rPr kumimoji="1" lang="en-US" altLang="zh-CN" baseline="0" dirty="0" smtClean="0"/>
+              <a:t>deep</a:t>
+            </a:r>
+            <a:r>
+              <a:rPr kumimoji="1" lang="zh-CN" altLang="en-US" baseline="0" dirty="0" smtClean="0"/>
+              <a:t> </a:t>
+            </a:r>
+            <a:r>
+              <a:rPr kumimoji="1" lang="en-US" altLang="zh-CN" baseline="0" dirty="0" smtClean="0"/>
+              <a:t>learning</a:t>
+            </a:r>
+            <a:endParaRPr kumimoji="1" lang="zh-CN" altLang="en-US" dirty="0"/>
+          </a:p>
+        </p:txBody>
+      </p:sp>
+      <p:sp>
+        <p:nvSpPr>
+          <p:cNvPr id="4" name="幻灯片编号占位符 3"/>
+          <p:cNvSpPr>
+            <a:spLocks noGrp="1"/>
+          </p:cNvSpPr>
+          <p:nvPr>
+            <p:ph type="sldNum" sz="quarter" idx="10"/>
+          </p:nvPr>
+        </p:nvSpPr>
+        <p:spPr/>
+        <p:txBody>
+          <a:bodyPr/>
+          <a:lstStyle/>
+          <a:p>
+            <a:fld id="{623E7F16-0BD2-D047-9CFF-0A84637FC012}" type="slidenum">
+              <a:rPr kumimoji="1" lang="zh-CN" altLang="en-US" smtClean="0"/>
+              <a:t>14</a:t>
+            </a:fld>
+            <a:endParaRPr kumimoji="1" lang="zh-CN" altLang="en-US"/>
+          </a:p>
+        </p:txBody>
+      </p:sp>
+    </p:spTree>
+    <p:extLst>
+      <p:ext uri="{BB962C8B-B14F-4D97-AF65-F5344CB8AC3E}">
+        <p14:creationId xmlns:p14="http://schemas.microsoft.com/office/powerpoint/2010/main" val="733074263"/>
       </p:ext>
     </p:extLst>
   </p:cSld>
@@ -7493,30 +7673,6 @@
               <a:rPr kumimoji="1" lang="en-US" altLang="zh-CN" sz="4000" dirty="0" smtClean="0"/>
               <a:t>Model</a:t>
             </a:r>
-            <a:r>
-              <a:rPr kumimoji="1" lang="zh-CN" altLang="en-US" sz="4000" dirty="0" smtClean="0"/>
-              <a:t> </a:t>
-            </a:r>
-            <a:r>
-              <a:rPr kumimoji="1" lang="en-US" altLang="zh-CN" sz="4000" dirty="0" smtClean="0"/>
-              <a:t>–</a:t>
-            </a:r>
-            <a:r>
-              <a:rPr kumimoji="1" lang="zh-CN" altLang="en-US" sz="4000" dirty="0" smtClean="0"/>
-              <a:t> </a:t>
-            </a:r>
-            <a:r>
-              <a:rPr kumimoji="1" lang="en-US" altLang="zh-CN" sz="4000" dirty="0" smtClean="0"/>
-              <a:t>Feature</a:t>
-            </a:r>
-            <a:r>
-              <a:rPr kumimoji="1" lang="zh-CN" altLang="en-US" sz="4000" dirty="0" smtClean="0"/>
-              <a:t> </a:t>
-            </a:r>
-            <a:r>
-              <a:rPr kumimoji="1" lang="en-US" altLang="zh-CN" sz="4000" dirty="0" smtClean="0"/>
-              <a:t>Selection</a:t>
-            </a:r>
             <a:endParaRPr kumimoji="1" lang="zh-CN" altLang="en-US" sz="4000" dirty="0"/>
           </a:p>
         </p:txBody>
@@ -7530,14 +7686,14 @@
           <p:nvPr>
             <p:extLst>
               <p:ext uri="{D42A27DB-BD31-4B8C-83A1-F6EECF244321}">
-                <p14:modId xmlns:p14="http://schemas.microsoft.com/office/powerpoint/2010/main" val="1576891124"/>
+                <p14:modId xmlns:p14="http://schemas.microsoft.com/office/powerpoint/2010/main" val="1736336051"/>
               </p:ext>
             </p:extLst>
           </p:nvPr>
         </p:nvGraphicFramePr>
         <p:xfrm>
-          <a:off x="642939" y="2093976"/>
-          <a:ext cx="10157560" cy="4375087"/>
+          <a:off x="642940" y="1716044"/>
+          <a:ext cx="10672764" cy="4847888"/>
         </p:xfrm>
         <a:graphic>
           <a:graphicData uri="http://schemas.openxmlformats.org/drawingml/2006/table">
@@ -7546,17 +7702,19 @@
                 <a:tableStyleId>{93296810-A885-4BE3-A3E7-6D5BEEA58F35}</a:tableStyleId>
               </a:tblPr>
               <a:tblGrid>
-                <a:gridCol w="2114549"/>
-                <a:gridCol w="2449127"/>
-                <a:gridCol w="2523444"/>
-                <a:gridCol w="3070440"/>
+                <a:gridCol w="2028823"/>
+                <a:gridCol w="1600200"/>
+                <a:gridCol w="1857377"/>
+                <a:gridCol w="2614613"/>
+                <a:gridCol w="2571751"/>
               </a:tblGrid>
-              <a:tr h="370840">
-                <a:tc>
-                  <a:txBody>
-                    <a:bodyPr/>
-                    <a:lstStyle/>
-                    <a:p>
+              <a:tr h="1172369">
+                <a:tc>
+                  <a:txBody>
+                    <a:bodyPr/>
+                    <a:lstStyle/>
+                    <a:p>
+                      <a:pPr algn="ctr"/>
                       <a:r>
                         <a:rPr lang="en-US" altLang="zh-CN" dirty="0" smtClean="0"/>
                         <a:t>Layer</a:t>
@@ -7568,6 +7726,7 @@
                       <a:endParaRPr lang="en-US" altLang="zh-CN" dirty="0" smtClean="0"/>
                     </a:p>
                     <a:p>
+                      <a:pPr algn="ctr"/>
                       <a:r>
                         <a:rPr lang="en-US" altLang="zh-CN" dirty="0" smtClean="0"/>
                         <a:t>(around</a:t>
@@ -7583,7 +7742,7 @@
                       <a:endParaRPr lang="zh-CN" altLang="en-US" dirty="0"/>
                     </a:p>
                   </a:txBody>
-                  <a:tcPr/>
+                  <a:tcPr anchor="ctr"/>
                 </a:tc>
                 <a:tc>
                   <a:txBody>
@@ -7606,7 +7765,7 @@
                       <a:endParaRPr lang="zh-CN" altLang="en-US" dirty="0"/>
                     </a:p>
                   </a:txBody>
-                  <a:tcPr/>
+                  <a:tcPr anchor="ctr"/>
                 </a:tc>
                 <a:tc>
                   <a:txBody>
@@ -7629,7 +7788,7 @@
                       <a:endParaRPr lang="zh-CN" altLang="en-US" dirty="0"/>
                     </a:p>
                   </a:txBody>
-                  <a:tcPr/>
+                  <a:tcPr anchor="ctr"/>
                 </a:tc>
                 <a:tc>
                   <a:txBody>
@@ -7676,10 +7835,87 @@
                       <a:endParaRPr lang="zh-CN" altLang="en-US" dirty="0"/>
                     </a:p>
                   </a:txBody>
-                  <a:tcPr/>
+                  <a:tcPr anchor="ctr"/>
+                </a:tc>
+                <a:tc>
+                  <a:txBody>
+                    <a:bodyPr/>
+                    <a:lstStyle/>
+                    <a:p>
+                      <a:pPr algn="ctr"/>
+                      <a:r>
+                        <a:rPr lang="en-US" altLang="zh-CN" dirty="0" smtClean="0">
+                          <a:solidFill>
+                            <a:srgbClr val="C00000"/>
+                          </a:solidFill>
+                        </a:rPr>
+                        <a:t>Logistic</a:t>
+                      </a:r>
+                      <a:r>
+                        <a:rPr lang="zh-CN" altLang="en-US" dirty="0" smtClean="0">
+                          <a:solidFill>
+                            <a:srgbClr val="C00000"/>
+                          </a:solidFill>
+                        </a:rPr>
+                        <a:t> </a:t>
+                      </a:r>
+                      <a:r>
+                        <a:rPr lang="en-US" altLang="zh-CN" dirty="0" smtClean="0">
+                          <a:solidFill>
+                            <a:srgbClr val="C00000"/>
+                          </a:solidFill>
+                        </a:rPr>
+                        <a:t>Regression</a:t>
+                      </a:r>
+                    </a:p>
+                    <a:p>
+                      <a:pPr algn="ctr"/>
+                      <a:r>
+                        <a:rPr lang="en-US" altLang="zh-CN" dirty="0" smtClean="0"/>
+                        <a:t>Testing</a:t>
+                      </a:r>
+                      <a:r>
+                        <a:rPr lang="zh-CN" altLang="en-US" dirty="0" smtClean="0"/>
+                        <a:t> </a:t>
+                      </a:r>
+                      <a:r>
+                        <a:rPr lang="en-US" altLang="zh-CN" dirty="0" smtClean="0"/>
+                        <a:t>Accuracy</a:t>
+                      </a:r>
+                    </a:p>
+                    <a:p>
+                      <a:pPr algn="ctr"/>
+                      <a:r>
+                        <a:rPr lang="zh-CN" altLang="en-US" baseline="0" dirty="0" smtClean="0"/>
+                        <a:t> </a:t>
+                      </a:r>
+                      <a:r>
+                        <a:rPr lang="en-US" altLang="zh-CN" dirty="0" smtClean="0"/>
+                        <a:t>(5</a:t>
+                      </a:r>
+                      <a:r>
+                        <a:rPr lang="zh-CN" altLang="en-US" baseline="0" dirty="0" smtClean="0"/>
+                        <a:t> </a:t>
+                      </a:r>
+                      <a:r>
+                        <a:rPr lang="en-US" altLang="zh-CN" baseline="0" dirty="0" smtClean="0"/>
+                        <a:t>Folds</a:t>
+                      </a:r>
+                      <a:r>
+                        <a:rPr lang="zh-CN" altLang="en-US" baseline="0" dirty="0" smtClean="0"/>
+                        <a:t> </a:t>
+                      </a:r>
+                      <a:r>
+                        <a:rPr lang="en-US" altLang="zh-CN" baseline="0" dirty="0" smtClean="0"/>
+                        <a:t>CV)</a:t>
+                      </a:r>
+                      <a:endParaRPr lang="zh-CN" altLang="en-US" dirty="0"/>
+                    </a:p>
+                  </a:txBody>
+                  <a:tcPr anchor="ctr"/>
                 </a:tc>
               </a:tr>
-              <a:tr h="370840">
+              <a:tr h="357994">
                 <a:tc>
                   <a:txBody>
                     <a:bodyPr/>
@@ -7753,8 +7989,19 @@
                   </a:txBody>
                   <a:tcPr/>
                 </a:tc>
+                <a:tc>
+                  <a:txBody>
+                    <a:bodyPr/>
+                    <a:lstStyle/>
+                    <a:p>
+                      <a:pPr algn="ctr"/>
+                      <a:endParaRPr lang="zh-CN" altLang="en-US" dirty="0"/>
+                    </a:p>
+                  </a:txBody>
+                  <a:tcPr/>
+                </a:tc>
               </a:tr>
-              <a:tr h="370840">
+              <a:tr h="357994">
                 <a:tc>
                   <a:txBody>
                     <a:bodyPr/>
@@ -7836,8 +8083,19 @@
                   </a:txBody>
                   <a:tcPr/>
                 </a:tc>
+                <a:tc>
+                  <a:txBody>
+                    <a:bodyPr/>
+                    <a:lstStyle/>
+                    <a:p>
+                      <a:pPr algn="ctr"/>
+                      <a:endParaRPr lang="zh-CN" altLang="en-US" dirty="0"/>
+                    </a:p>
+                  </a:txBody>
+                  <a:tcPr/>
+                </a:tc>
               </a:tr>
-              <a:tr h="370840">
+              <a:tr h="357994">
                 <a:tc>
                   <a:txBody>
                     <a:bodyPr/>
@@ -7919,8 +8177,19 @@
                   </a:txBody>
                   <a:tcPr/>
                 </a:tc>
+                <a:tc>
+                  <a:txBody>
+                    <a:bodyPr/>
+                    <a:lstStyle/>
+                    <a:p>
+                      <a:pPr algn="ctr"/>
+                      <a:endParaRPr lang="zh-CN" altLang="en-US" dirty="0"/>
+                    </a:p>
+                  </a:txBody>
+                  <a:tcPr/>
+                </a:tc>
               </a:tr>
-              <a:tr h="370840">
+              <a:tr h="357994">
                 <a:tc>
                   <a:txBody>
                     <a:bodyPr/>
@@ -8002,8 +8271,19 @@
                   </a:txBody>
                   <a:tcPr/>
                 </a:tc>
+                <a:tc>
+                  <a:txBody>
+                    <a:bodyPr/>
+                    <a:lstStyle/>
+                    <a:p>
+                      <a:pPr algn="ctr"/>
+                      <a:endParaRPr lang="zh-CN" altLang="en-US" dirty="0"/>
+                    </a:p>
+                  </a:txBody>
+                  <a:tcPr/>
+                </a:tc>
               </a:tr>
-              <a:tr h="397447">
+              <a:tr h="383679">
                 <a:tc>
                   <a:txBody>
                     <a:bodyPr/>
@@ -8085,8 +8365,19 @@
                   </a:txBody>
                   <a:tcPr/>
                 </a:tc>
+                <a:tc>
+                  <a:txBody>
+                    <a:bodyPr/>
+                    <a:lstStyle/>
+                    <a:p>
+                      <a:pPr algn="ctr"/>
+                      <a:endParaRPr lang="zh-CN" altLang="en-US" dirty="0"/>
+                    </a:p>
+                  </a:txBody>
+                  <a:tcPr/>
+                </a:tc>
               </a:tr>
-              <a:tr h="370840">
+              <a:tr h="357994">
                 <a:tc>
                   <a:txBody>
                     <a:bodyPr/>
@@ -8168,8 +8459,19 @@
                   </a:txBody>
                   <a:tcPr/>
                 </a:tc>
+                <a:tc>
+                  <a:txBody>
+                    <a:bodyPr/>
+                    <a:lstStyle/>
+                    <a:p>
+                      <a:pPr algn="ctr"/>
+                      <a:endParaRPr lang="zh-CN" altLang="en-US" dirty="0"/>
+                    </a:p>
+                  </a:txBody>
+                  <a:tcPr/>
+                </a:tc>
               </a:tr>
-              <a:tr h="370840">
+              <a:tr h="357994">
                 <a:tc>
                   <a:txBody>
                     <a:bodyPr/>
@@ -8251,8 +8553,19 @@
                   </a:txBody>
                   <a:tcPr/>
                 </a:tc>
+                <a:tc>
+                  <a:txBody>
+                    <a:bodyPr/>
+                    <a:lstStyle/>
+                    <a:p>
+                      <a:pPr algn="ctr"/>
+                      <a:endParaRPr lang="zh-CN" altLang="en-US" dirty="0"/>
+                    </a:p>
+                  </a:txBody>
+                  <a:tcPr/>
+                </a:tc>
               </a:tr>
-              <a:tr h="370840">
+              <a:tr h="357994">
                 <a:tc>
                   <a:txBody>
                     <a:bodyPr/>
@@ -8334,8 +8647,19 @@
                   </a:txBody>
                   <a:tcPr/>
                 </a:tc>
+                <a:tc>
+                  <a:txBody>
+                    <a:bodyPr/>
+                    <a:lstStyle/>
+                    <a:p>
+                      <a:pPr algn="ctr"/>
+                      <a:endParaRPr lang="zh-CN" altLang="en-US" dirty="0"/>
+                    </a:p>
+                  </a:txBody>
+                  <a:tcPr/>
+                </a:tc>
               </a:tr>
-              <a:tr h="370840">
+              <a:tr h="357994">
                 <a:tc>
                   <a:txBody>
                     <a:bodyPr/>
@@ -8417,8 +8741,19 @@
                   </a:txBody>
                   <a:tcPr/>
                 </a:tc>
+                <a:tc>
+                  <a:txBody>
+                    <a:bodyPr/>
+                    <a:lstStyle/>
+                    <a:p>
+                      <a:pPr algn="ctr"/>
+                      <a:endParaRPr lang="zh-CN" altLang="en-US" dirty="0"/>
+                    </a:p>
+                  </a:txBody>
+                  <a:tcPr/>
+                </a:tc>
               </a:tr>
-              <a:tr h="370840">
+              <a:tr h="357994">
                 <a:tc>
                   <a:txBody>
                     <a:bodyPr/>
@@ -8495,6 +8830,17 @@
                         <a:rPr lang="en-US" altLang="zh-CN" dirty="0" smtClean="0"/>
                         <a:t>100%</a:t>
                       </a:r>
+                      <a:endParaRPr lang="zh-CN" altLang="en-US" dirty="0"/>
+                    </a:p>
+                  </a:txBody>
+                  <a:tcPr/>
+                </a:tc>
+                <a:tc>
+                  <a:txBody>
+                    <a:bodyPr/>
+                    <a:lstStyle/>
+                    <a:p>
+                      <a:pPr algn="ctr"/>
                       <a:endParaRPr lang="zh-CN" altLang="en-US" dirty="0"/>
                     </a:p>
                   </a:txBody>
@@ -8567,11 +8913,7 @@
             </a:r>
             <a:r>
               <a:rPr kumimoji="1" lang="en-US" altLang="zh-CN" dirty="0" smtClean="0"/>
-              <a:t>Construction</a:t>
-            </a:r>
-            <a:r>
-              <a:rPr kumimoji="1" lang="zh-CN" altLang="en-US" dirty="0" smtClean="0"/>
-              <a:t> </a:t>
+              <a:t>Testing</a:t>
             </a:r>
             <a:endParaRPr kumimoji="1" lang="zh-CN" altLang="en-US" dirty="0"/>
           </a:p>
@@ -8589,94 +8931,9 @@
         </p:nvSpPr>
         <p:spPr/>
         <p:txBody>
-          <a:bodyPr/>
-          <a:lstStyle/>
-          <a:p>
-            <a:endParaRPr kumimoji="1" lang="zh-CN" altLang="en-US"/>
-          </a:p>
-        </p:txBody>
-      </p:sp>
-    </p:spTree>
-    <p:extLst>
-      <p:ext uri="{BB962C8B-B14F-4D97-AF65-F5344CB8AC3E}">
-        <p14:creationId xmlns:p14="http://schemas.microsoft.com/office/powerpoint/2010/main" val="1108438218"/>
-      </p:ext>
-    </p:extLst>
-  </p:cSld>
-  <p:clrMapOvr>
-    <a:masterClrMapping/>
-  </p:clrMapOvr>
-  <p:timing>
-    <p:tnLst>
-      <p:par>
-        <p:cTn id="1" dur="indefinite" restart="never" nodeType="tmRoot"/>
-      </p:par>
-    </p:tnLst>
-  </p:timing>
-</p:sld>
-</file>
-
-<file path=ppt/slides/slide16.xml><?xml version="1.0" encoding="utf-8"?>
-<p:sld xmlns:a="http://schemas.openxmlformats.org/drawingml/2006/main" xmlns:r="http://schemas.openxmlformats.org/officeDocument/2006/relationships" xmlns:p="http://schemas.openxmlformats.org/presentationml/2006/main">
-  <p:cSld>
-    <p:spTree>
-      <p:nvGrpSpPr>
-        <p:cNvPr id="1" name=""/>
-        <p:cNvGrpSpPr/>
-        <p:nvPr/>
-      </p:nvGrpSpPr>
-      <p:grpSpPr>
-        <a:xfrm>
-          <a:off x="0" y="0"/>
-          <a:ext cx="0" cy="0"/>
-          <a:chOff x="0" y="0"/>
-          <a:chExt cx="0" cy="0"/>
-        </a:xfrm>
-      </p:grpSpPr>
-      <p:sp>
-        <p:nvSpPr>
-          <p:cNvPr id="2" name="标题 1"/>
-          <p:cNvSpPr>
-            <a:spLocks noGrp="1"/>
-          </p:cNvSpPr>
-          <p:nvPr>
-            <p:ph type="title"/>
-          </p:nvPr>
-        </p:nvSpPr>
-        <p:spPr/>
-        <p:txBody>
-          <a:bodyPr/>
-          <a:lstStyle/>
-          <a:p>
-            <a:r>
-              <a:rPr kumimoji="1" lang="en-US" altLang="zh-CN" dirty="0" smtClean="0"/>
-              <a:t>Model</a:t>
-            </a:r>
-            <a:r>
-              <a:rPr kumimoji="1" lang="zh-CN" altLang="en-US" dirty="0" smtClean="0"/>
-              <a:t> </a:t>
-            </a:r>
-            <a:r>
-              <a:rPr kumimoji="1" lang="en-US" altLang="zh-CN" dirty="0" smtClean="0"/>
-              <a:t>Testing</a:t>
-            </a:r>
-            <a:endParaRPr kumimoji="1" lang="zh-CN" altLang="en-US" dirty="0"/>
-          </a:p>
-        </p:txBody>
-      </p:sp>
-      <p:sp>
-        <p:nvSpPr>
-          <p:cNvPr id="3" name="内容占位符 2"/>
-          <p:cNvSpPr>
-            <a:spLocks noGrp="1"/>
-          </p:cNvSpPr>
-          <p:nvPr>
-            <p:ph idx="1"/>
-          </p:nvPr>
-        </p:nvSpPr>
-        <p:spPr/>
-        <p:txBody>
-          <a:bodyPr/>
+          <a:bodyPr>
+            <a:normAutofit/>
+          </a:bodyPr>
           <a:lstStyle/>
           <a:p>
             <a:pPr>
@@ -8690,52 +8947,242 @@
               <a:buSzTx/>
             </a:pPr>
             <a:r>
+              <a:rPr kumimoji="1" lang="en-US" altLang="zh-CN" dirty="0"/>
+              <a:t>Advanced</a:t>
+            </a:r>
+            <a:r>
+              <a:rPr kumimoji="1" lang="zh-CN" altLang="en-US" dirty="0"/>
+              <a:t> </a:t>
+            </a:r>
+            <a:r>
+              <a:rPr kumimoji="1" lang="en-US" altLang="zh-CN" dirty="0"/>
+              <a:t>model:</a:t>
+            </a:r>
+            <a:r>
+              <a:rPr kumimoji="1" lang="zh-CN" altLang="en-US" dirty="0"/>
+              <a:t> </a:t>
+            </a:r>
+            <a:endParaRPr kumimoji="1" lang="en-US" altLang="zh-CN" dirty="0" smtClean="0"/>
+          </a:p>
+          <a:p>
+            <a:pPr marL="0" indent="0">
+              <a:lnSpc>
+                <a:spcPct val="100000"/>
+              </a:lnSpc>
+              <a:spcBef>
+                <a:spcPts val="0"/>
+              </a:spcBef>
+              <a:buClrTx/>
+              <a:buSzTx/>
+              <a:buNone/>
+            </a:pPr>
+            <a:endParaRPr kumimoji="1" lang="en-US" altLang="zh-CN" dirty="0" smtClean="0"/>
+          </a:p>
+          <a:p>
+            <a:pPr marL="274320" lvl="1" indent="0">
+              <a:lnSpc>
+                <a:spcPct val="100000"/>
+              </a:lnSpc>
+              <a:spcBef>
+                <a:spcPts val="0"/>
+              </a:spcBef>
+              <a:buClrTx/>
+              <a:buSzTx/>
+              <a:buNone/>
+            </a:pPr>
+            <a:r>
+              <a:rPr kumimoji="1" lang="en-US" altLang="zh-CN" sz="2400" dirty="0" err="1" smtClean="0">
+                <a:solidFill>
+                  <a:srgbClr val="C00000"/>
+                </a:solidFill>
+              </a:rPr>
+              <a:t>Caffe</a:t>
+            </a:r>
+            <a:r>
+              <a:rPr kumimoji="1" lang="zh-CN" altLang="en-US" sz="2400" dirty="0" smtClean="0">
+                <a:solidFill>
+                  <a:srgbClr val="C00000"/>
+                </a:solidFill>
+              </a:rPr>
+              <a:t> </a:t>
+            </a:r>
+            <a:r>
+              <a:rPr kumimoji="1" lang="en-US" altLang="zh-CN" sz="2400" dirty="0" smtClean="0">
+                <a:solidFill>
+                  <a:srgbClr val="C00000"/>
+                </a:solidFill>
+              </a:rPr>
+              <a:t>Feature</a:t>
+            </a:r>
+            <a:r>
+              <a:rPr kumimoji="1" lang="zh-CN" altLang="en-US" sz="2400" dirty="0" smtClean="0">
+                <a:solidFill>
+                  <a:srgbClr val="C00000"/>
+                </a:solidFill>
+              </a:rPr>
+              <a:t> </a:t>
+            </a:r>
+            <a:r>
+              <a:rPr kumimoji="1" lang="en-US" altLang="zh-CN" sz="2400" dirty="0" smtClean="0">
+                <a:solidFill>
+                  <a:srgbClr val="C00000"/>
+                </a:solidFill>
+              </a:rPr>
+              <a:t>Extraction</a:t>
+            </a:r>
+            <a:r>
+              <a:rPr kumimoji="1" lang="zh-CN" altLang="en-US" sz="2400" dirty="0" smtClean="0">
+                <a:solidFill>
+                  <a:srgbClr val="C00000"/>
+                </a:solidFill>
+              </a:rPr>
+              <a:t> </a:t>
+            </a:r>
+            <a:r>
+              <a:rPr kumimoji="1" lang="en-US" altLang="zh-CN" sz="2400" dirty="0" smtClean="0">
+                <a:solidFill>
+                  <a:srgbClr val="C00000"/>
+                </a:solidFill>
+              </a:rPr>
+              <a:t>+</a:t>
+            </a:r>
+            <a:r>
+              <a:rPr kumimoji="1" lang="zh-CN" altLang="en-US" sz="2400" dirty="0" smtClean="0">
+                <a:solidFill>
+                  <a:srgbClr val="C00000"/>
+                </a:solidFill>
+              </a:rPr>
+              <a:t> </a:t>
+            </a:r>
+            <a:r>
+              <a:rPr kumimoji="1" lang="en-US" altLang="zh-CN" sz="2400" dirty="0" smtClean="0">
+                <a:solidFill>
+                  <a:srgbClr val="C00000"/>
+                </a:solidFill>
+              </a:rPr>
+              <a:t>PCA</a:t>
+            </a:r>
+            <a:r>
+              <a:rPr kumimoji="1" lang="zh-CN" altLang="en-US" sz="2400" dirty="0" smtClean="0">
+                <a:solidFill>
+                  <a:srgbClr val="C00000"/>
+                </a:solidFill>
+              </a:rPr>
+              <a:t> </a:t>
+            </a:r>
+            <a:r>
+              <a:rPr kumimoji="1" lang="en-US" altLang="zh-CN" sz="2400" dirty="0" smtClean="0">
+                <a:solidFill>
+                  <a:srgbClr val="C00000"/>
+                </a:solidFill>
+              </a:rPr>
+              <a:t>+</a:t>
+            </a:r>
+            <a:r>
+              <a:rPr kumimoji="1" lang="zh-CN" altLang="en-US" sz="2400" dirty="0" smtClean="0">
+                <a:solidFill>
+                  <a:srgbClr val="C00000"/>
+                </a:solidFill>
+              </a:rPr>
+              <a:t> </a:t>
+            </a:r>
+            <a:r>
+              <a:rPr kumimoji="1" lang="en-US" altLang="zh-CN" sz="2400" dirty="0" smtClean="0">
+                <a:solidFill>
+                  <a:srgbClr val="C00000"/>
+                </a:solidFill>
+              </a:rPr>
+              <a:t>Logistic</a:t>
+            </a:r>
+            <a:r>
+              <a:rPr kumimoji="1" lang="zh-CN" altLang="en-US" sz="2400" dirty="0" smtClean="0">
+                <a:solidFill>
+                  <a:srgbClr val="C00000"/>
+                </a:solidFill>
+              </a:rPr>
+              <a:t> </a:t>
+            </a:r>
+            <a:r>
+              <a:rPr kumimoji="1" lang="en-US" altLang="zh-CN" sz="2400" dirty="0" smtClean="0">
+                <a:solidFill>
+                  <a:srgbClr val="C00000"/>
+                </a:solidFill>
+              </a:rPr>
+              <a:t>Regression</a:t>
+            </a:r>
+            <a:endParaRPr kumimoji="1" lang="en-US" altLang="zh-CN" sz="2400" dirty="0">
+              <a:solidFill>
+                <a:srgbClr val="C00000"/>
+              </a:solidFill>
+            </a:endParaRPr>
+          </a:p>
+          <a:p>
+            <a:pPr>
+              <a:lnSpc>
+                <a:spcPct val="100000"/>
+              </a:lnSpc>
+              <a:spcBef>
+                <a:spcPts val="0"/>
+              </a:spcBef>
+              <a:buClrTx/>
+              <a:buSzTx/>
+            </a:pPr>
+            <a:endParaRPr kumimoji="1" lang="en-US" altLang="zh-CN" dirty="0" smtClean="0"/>
+          </a:p>
+          <a:p>
+            <a:pPr>
+              <a:lnSpc>
+                <a:spcPct val="100000"/>
+              </a:lnSpc>
+              <a:spcBef>
+                <a:spcPts val="0"/>
+              </a:spcBef>
+              <a:buClrTx/>
+              <a:buSzTx/>
+            </a:pPr>
+            <a:r>
               <a:rPr kumimoji="1" lang="en-US" altLang="zh-CN" dirty="0" smtClean="0"/>
-              <a:t>Download</a:t>
+              <a:t>Scraping</a:t>
             </a:r>
             <a:r>
               <a:rPr kumimoji="1" lang="zh-CN" altLang="en-US" dirty="0" smtClean="0"/>
               <a:t> </a:t>
             </a:r>
             <a:r>
-              <a:rPr kumimoji="1" lang="en-US" altLang="zh-CN" dirty="0" smtClean="0"/>
+              <a:rPr kumimoji="1" lang="en-US" altLang="zh-CN" dirty="0"/>
               <a:t>2000</a:t>
             </a:r>
             <a:r>
-              <a:rPr kumimoji="1" lang="zh-CN" altLang="en-US" dirty="0" smtClean="0"/>
-              <a:t> </a:t>
-            </a:r>
-            <a:r>
-              <a:rPr kumimoji="1" lang="en-US" altLang="zh-CN" dirty="0" smtClean="0"/>
+              <a:rPr kumimoji="1" lang="zh-CN" altLang="en-US" dirty="0"/>
+              <a:t> </a:t>
+            </a:r>
+            <a:r>
+              <a:rPr kumimoji="1" lang="en-US" altLang="zh-CN" dirty="0"/>
               <a:t>pictures</a:t>
             </a:r>
             <a:r>
-              <a:rPr kumimoji="1" lang="zh-CN" altLang="en-US" dirty="0" smtClean="0"/>
-              <a:t> </a:t>
-            </a:r>
-            <a:r>
-              <a:rPr kumimoji="1" lang="en-US" altLang="zh-CN" dirty="0" smtClean="0"/>
+              <a:rPr kumimoji="1" lang="zh-CN" altLang="en-US" dirty="0"/>
+              <a:t> </a:t>
+            </a:r>
+            <a:r>
+              <a:rPr kumimoji="1" lang="en-US" altLang="zh-CN" dirty="0"/>
               <a:t>from</a:t>
             </a:r>
             <a:r>
-              <a:rPr kumimoji="1" lang="zh-CN" altLang="en-US" dirty="0" smtClean="0"/>
-              <a:t> </a:t>
-            </a:r>
-            <a:r>
-              <a:rPr kumimoji="1" lang="en-US" altLang="zh-CN" dirty="0" smtClean="0"/>
+              <a:rPr kumimoji="1" lang="zh-CN" altLang="en-US" dirty="0"/>
+              <a:t> </a:t>
+            </a:r>
+            <a:r>
+              <a:rPr kumimoji="1" lang="en-US" altLang="zh-CN" dirty="0"/>
               <a:t>the</a:t>
             </a:r>
             <a:r>
-              <a:rPr kumimoji="1" lang="zh-CN" altLang="en-US" dirty="0" smtClean="0"/>
-              <a:t> </a:t>
-            </a:r>
-            <a:r>
-              <a:rPr kumimoji="1" lang="en-US" altLang="zh-CN" dirty="0" smtClean="0"/>
+              <a:rPr kumimoji="1" lang="zh-CN" altLang="en-US" dirty="0"/>
+              <a:t> </a:t>
+            </a:r>
+            <a:r>
+              <a:rPr kumimoji="1" lang="en-US" altLang="zh-CN" dirty="0"/>
               <a:t>internet</a:t>
-            </a:r>
-            <a:r>
-              <a:rPr kumimoji="1" lang="zh-CN" altLang="en-US" dirty="0" smtClean="0"/>
-              <a:t> </a:t>
             </a:r>
             <a:endParaRPr kumimoji="1" lang="zh-CN" altLang="en-US" dirty="0"/>
           </a:p>

--- a/output/ads proj3.pptx
+++ b/output/ads proj3.pptx
@@ -5,7 +5,7 @@
     <p:sldMasterId id="2147483897" r:id="rId1"/>
   </p:sldMasterIdLst>
   <p:notesMasterIdLst>
-    <p:notesMasterId r:id="rId17"/>
+    <p:notesMasterId r:id="rId19"/>
   </p:notesMasterIdLst>
   <p:sldIdLst>
     <p:sldId id="256" r:id="rId2"/>
@@ -20,9 +20,11 @@
     <p:sldId id="262" r:id="rId11"/>
     <p:sldId id="271" r:id="rId12"/>
     <p:sldId id="268" r:id="rId13"/>
-    <p:sldId id="263" r:id="rId14"/>
-    <p:sldId id="269" r:id="rId15"/>
-    <p:sldId id="273" r:id="rId16"/>
+    <p:sldId id="274" r:id="rId14"/>
+    <p:sldId id="263" r:id="rId15"/>
+    <p:sldId id="269" r:id="rId16"/>
+    <p:sldId id="273" r:id="rId17"/>
+    <p:sldId id="275" r:id="rId18"/>
   </p:sldIdLst>
   <p:sldSz cx="12192000" cy="6858000"/>
   <p:notesSz cx="6858000" cy="9144000"/>
@@ -211,7 +213,7 @@
           <a:p>
             <a:fld id="{BE53FF02-F721-7848-8D85-5015B0493F1D}" type="datetimeFigureOut">
               <a:rPr kumimoji="1" lang="zh-CN" altLang="en-US" smtClean="0"/>
-              <a:t>16/11/1</a:t>
+              <a:t>16/11/2</a:t>
             </a:fld>
             <a:endParaRPr kumimoji="1" lang="zh-CN" altLang="en-US"/>
           </a:p>
@@ -894,7 +896,7 @@
           <a:p>
             <a:fld id="{623E7F16-0BD2-D047-9CFF-0A84637FC012}" type="slidenum">
               <a:rPr kumimoji="1" lang="zh-CN" altLang="en-US" smtClean="0"/>
-              <a:t>14</a:t>
+              <a:t>15</a:t>
             </a:fld>
             <a:endParaRPr kumimoji="1" lang="zh-CN" altLang="en-US"/>
           </a:p>
@@ -1414,7 +1416,7 @@
           <a:p>
             <a:fld id="{2B1CB5CE-339B-6C43-9131-0FFC171FCE06}" type="datetimeFigureOut">
               <a:rPr kumimoji="1" lang="zh-CN" altLang="en-US" smtClean="0"/>
-              <a:t>16/11/1</a:t>
+              <a:t>16/11/2</a:t>
             </a:fld>
             <a:endParaRPr kumimoji="1" lang="zh-CN" altLang="en-US"/>
           </a:p>
@@ -1598,7 +1600,7 @@
           <a:p>
             <a:fld id="{2B1CB5CE-339B-6C43-9131-0FFC171FCE06}" type="datetimeFigureOut">
               <a:rPr kumimoji="1" lang="zh-CN" altLang="en-US" smtClean="0"/>
-              <a:t>16/11/1</a:t>
+              <a:t>16/11/2</a:t>
             </a:fld>
             <a:endParaRPr kumimoji="1" lang="zh-CN" altLang="en-US"/>
           </a:p>
@@ -1778,7 +1780,7 @@
           <a:p>
             <a:fld id="{2B1CB5CE-339B-6C43-9131-0FFC171FCE06}" type="datetimeFigureOut">
               <a:rPr kumimoji="1" lang="zh-CN" altLang="en-US" smtClean="0"/>
-              <a:t>16/11/1</a:t>
+              <a:t>16/11/2</a:t>
             </a:fld>
             <a:endParaRPr kumimoji="1" lang="zh-CN" altLang="en-US"/>
           </a:p>
@@ -1948,7 +1950,7 @@
           <a:p>
             <a:fld id="{2B1CB5CE-339B-6C43-9131-0FFC171FCE06}" type="datetimeFigureOut">
               <a:rPr kumimoji="1" lang="zh-CN" altLang="en-US" smtClean="0"/>
-              <a:t>16/11/1</a:t>
+              <a:t>16/11/2</a:t>
             </a:fld>
             <a:endParaRPr kumimoji="1" lang="zh-CN" altLang="en-US"/>
           </a:p>
@@ -2269,7 +2271,7 @@
           <a:p>
             <a:fld id="{2B1CB5CE-339B-6C43-9131-0FFC171FCE06}" type="datetimeFigureOut">
               <a:rPr kumimoji="1" lang="zh-CN" altLang="en-US" smtClean="0"/>
-              <a:t>16/11/1</a:t>
+              <a:t>16/11/2</a:t>
             </a:fld>
             <a:endParaRPr kumimoji="1" lang="zh-CN" altLang="en-US"/>
           </a:p>
@@ -2729,7 +2731,7 @@
           <a:p>
             <a:fld id="{2B1CB5CE-339B-6C43-9131-0FFC171FCE06}" type="datetimeFigureOut">
               <a:rPr kumimoji="1" lang="zh-CN" altLang="en-US" smtClean="0"/>
-              <a:t>16/11/1</a:t>
+              <a:t>16/11/2</a:t>
             </a:fld>
             <a:endParaRPr kumimoji="1" lang="zh-CN" altLang="en-US"/>
           </a:p>
@@ -3140,7 +3142,7 @@
           <a:p>
             <a:fld id="{2B1CB5CE-339B-6C43-9131-0FFC171FCE06}" type="datetimeFigureOut">
               <a:rPr kumimoji="1" lang="zh-CN" altLang="en-US" smtClean="0"/>
-              <a:t>16/11/1</a:t>
+              <a:t>16/11/2</a:t>
             </a:fld>
             <a:endParaRPr kumimoji="1" lang="zh-CN" altLang="en-US"/>
           </a:p>
@@ -3258,7 +3260,7 @@
           <a:p>
             <a:fld id="{2B1CB5CE-339B-6C43-9131-0FFC171FCE06}" type="datetimeFigureOut">
               <a:rPr kumimoji="1" lang="zh-CN" altLang="en-US" smtClean="0"/>
-              <a:t>16/11/1</a:t>
+              <a:t>16/11/2</a:t>
             </a:fld>
             <a:endParaRPr kumimoji="1" lang="zh-CN" altLang="en-US"/>
           </a:p>
@@ -3376,7 +3378,7 @@
           <a:p>
             <a:fld id="{2B1CB5CE-339B-6C43-9131-0FFC171FCE06}" type="datetimeFigureOut">
               <a:rPr kumimoji="1" lang="zh-CN" altLang="en-US" smtClean="0"/>
-              <a:t>16/11/1</a:t>
+              <a:t>16/11/2</a:t>
             </a:fld>
             <a:endParaRPr kumimoji="1" lang="zh-CN" altLang="en-US"/>
           </a:p>
@@ -3739,7 +3741,7 @@
           <a:p>
             <a:fld id="{2B1CB5CE-339B-6C43-9131-0FFC171FCE06}" type="datetimeFigureOut">
               <a:rPr kumimoji="1" lang="zh-CN" altLang="en-US" smtClean="0"/>
-              <a:t>16/11/1</a:t>
+              <a:t>16/11/2</a:t>
             </a:fld>
             <a:endParaRPr kumimoji="1" lang="zh-CN" altLang="en-US"/>
           </a:p>
@@ -4251,7 +4253,7 @@
           <a:p>
             <a:fld id="{2B1CB5CE-339B-6C43-9131-0FFC171FCE06}" type="datetimeFigureOut">
               <a:rPr kumimoji="1" lang="zh-CN" altLang="en-US" smtClean="0"/>
-              <a:t>16/11/1</a:t>
+              <a:t>16/11/2</a:t>
             </a:fld>
             <a:endParaRPr kumimoji="1" lang="zh-CN" altLang="en-US"/>
           </a:p>
@@ -4606,7 +4608,7 @@
           <a:p>
             <a:fld id="{2B1CB5CE-339B-6C43-9131-0FFC171FCE06}" type="datetimeFigureOut">
               <a:rPr kumimoji="1" lang="zh-CN" altLang="en-US" smtClean="0"/>
-              <a:t>16/11/1</a:t>
+              <a:t>16/11/2</a:t>
             </a:fld>
             <a:endParaRPr kumimoji="1" lang="zh-CN" altLang="en-US"/>
           </a:p>
@@ -5589,6 +5591,38 @@
               <a:rPr lang="en-US" altLang="zh-CN" dirty="0" smtClean="0"/>
               <a:t>regression</a:t>
             </a:r>
+          </a:p>
+          <a:p>
+            <a:r>
+              <a:rPr kumimoji="1" lang="en-US" altLang="zh-CN" dirty="0"/>
+              <a:t>5</a:t>
+            </a:r>
+            <a:r>
+              <a:rPr kumimoji="1" lang="zh-CN" altLang="en-US" dirty="0"/>
+              <a:t> </a:t>
+            </a:r>
+            <a:r>
+              <a:rPr kumimoji="1" lang="en-US" altLang="zh-CN" dirty="0"/>
+              <a:t>folds</a:t>
+            </a:r>
+            <a:r>
+              <a:rPr kumimoji="1" lang="zh-CN" altLang="en-US" dirty="0"/>
+              <a:t> </a:t>
+            </a:r>
+            <a:r>
+              <a:rPr kumimoji="1" lang="en-US" altLang="zh-CN" dirty="0"/>
+              <a:t>Cross</a:t>
+            </a:r>
+            <a:r>
+              <a:rPr kumimoji="1" lang="zh-CN" altLang="en-US" dirty="0"/>
+              <a:t> </a:t>
+            </a:r>
+            <a:r>
+              <a:rPr kumimoji="1" lang="en-US" altLang="zh-CN" dirty="0"/>
+              <a:t>Validation</a:t>
+            </a:r>
+          </a:p>
+          <a:p>
             <a:endParaRPr kumimoji="1" lang="en-US" altLang="zh-CN" dirty="0" smtClean="0"/>
           </a:p>
         </p:txBody>
@@ -5602,14 +5636,14 @@
           <p:nvPr>
             <p:extLst>
               <p:ext uri="{D42A27DB-BD31-4B8C-83A1-F6EECF244321}">
-                <p14:modId xmlns:p14="http://schemas.microsoft.com/office/powerpoint/2010/main" val="676894123"/>
+                <p14:modId xmlns:p14="http://schemas.microsoft.com/office/powerpoint/2010/main" val="2015052161"/>
               </p:ext>
             </p:extLst>
           </p:nvPr>
         </p:nvGraphicFramePr>
         <p:xfrm>
-          <a:off x="2035047" y="3775964"/>
-          <a:ext cx="8128000" cy="741680"/>
+          <a:off x="2035047" y="4304601"/>
+          <a:ext cx="8128000" cy="738886"/>
         </p:xfrm>
         <a:graphic>
           <a:graphicData uri="http://schemas.openxmlformats.org/drawingml/2006/table">
@@ -5659,7 +5693,7 @@
                   <a:tcPr/>
                 </a:tc>
               </a:tr>
-              <a:tr h="370840">
+              <a:tr h="368046">
                 <a:tc>
                   <a:txBody>
                     <a:bodyPr/>
@@ -6324,14 +6358,14 @@
           <p:nvPr>
             <p:extLst>
               <p:ext uri="{D42A27DB-BD31-4B8C-83A1-F6EECF244321}">
-                <p14:modId xmlns:p14="http://schemas.microsoft.com/office/powerpoint/2010/main" val="1576132506"/>
+                <p14:modId xmlns:p14="http://schemas.microsoft.com/office/powerpoint/2010/main" val="1736575545"/>
               </p:ext>
             </p:extLst>
           </p:nvPr>
         </p:nvGraphicFramePr>
         <p:xfrm>
-          <a:off x="400984" y="5025813"/>
-          <a:ext cx="11396128" cy="1010920"/>
+          <a:off x="584535" y="5011526"/>
+          <a:ext cx="11029025" cy="1010920"/>
         </p:xfrm>
         <a:graphic>
           <a:graphicData uri="http://schemas.openxmlformats.org/drawingml/2006/table">
@@ -6340,14 +6374,15 @@
                 <a:tableStyleId>{93296810-A885-4BE3-A3E7-6D5BEEA58F35}</a:tableStyleId>
               </a:tblPr>
               <a:tblGrid>
-                <a:gridCol w="1424516"/>
-                <a:gridCol w="1424516"/>
-                <a:gridCol w="1424516"/>
-                <a:gridCol w="1424516"/>
-                <a:gridCol w="1424516"/>
-                <a:gridCol w="1424516"/>
-                <a:gridCol w="1424516"/>
-                <a:gridCol w="1424516"/>
+                <a:gridCol w="813454"/>
+                <a:gridCol w="1014412"/>
+                <a:gridCol w="1385888"/>
+                <a:gridCol w="1428752"/>
+                <a:gridCol w="1271585"/>
+                <a:gridCol w="1243013"/>
+                <a:gridCol w="1600206"/>
+                <a:gridCol w="1046269"/>
+                <a:gridCol w="1225446"/>
               </a:tblGrid>
               <a:tr h="370840">
                 <a:tc>
@@ -6385,22 +6420,43 @@
                     <a:lstStyle/>
                     <a:p>
                       <a:r>
+                        <a:rPr lang="en-US" altLang="zh-CN" i="1" dirty="0" smtClean="0"/>
+                        <a:t>max</a:t>
+                      </a:r>
+                      <a:r>
+                        <a:rPr lang="en-US" altLang="zh-CN" i="1" dirty="0" smtClean="0"/>
+                        <a:t>_</a:t>
+                      </a:r>
+                    </a:p>
+                    <a:p>
+                      <a:r>
+                        <a:rPr lang="en-US" altLang="zh-CN" i="1" dirty="0" smtClean="0"/>
+                        <a:t>depth</a:t>
+                      </a:r>
+                      <a:endParaRPr lang="zh-CN" altLang="en-US" dirty="0"/>
+                    </a:p>
+                  </a:txBody>
+                  <a:tcPr/>
+                </a:tc>
+                <a:tc>
+                  <a:txBody>
+                    <a:bodyPr/>
+                    <a:lstStyle/>
+                    <a:p>
+                      <a:r>
                         <a:rPr lang="en-US" altLang="zh-CN" i="1" dirty="0" err="1" smtClean="0"/>
-                        <a:t>max_depth</a:t>
-                      </a:r>
-                      <a:endParaRPr lang="zh-CN" altLang="en-US" dirty="0"/>
-                    </a:p>
-                  </a:txBody>
-                  <a:tcPr/>
-                </a:tc>
-                <a:tc>
-                  <a:txBody>
-                    <a:bodyPr/>
-                    <a:lstStyle/>
-                    <a:p>
-                      <a:r>
-                        <a:rPr lang="en-US" altLang="zh-CN" i="1" dirty="0" err="1" smtClean="0"/>
-                        <a:t>max_delta_step</a:t>
+                        <a:t>max_delta</a:t>
+                      </a:r>
+                      <a:endParaRPr lang="en-US" altLang="zh-CN" i="1" dirty="0" smtClean="0"/>
+                    </a:p>
+                    <a:p>
+                      <a:r>
+                        <a:rPr lang="en-US" altLang="zh-CN" i="1" dirty="0" smtClean="0"/>
+                        <a:t>_</a:t>
+                      </a:r>
+                      <a:r>
+                        <a:rPr lang="en-US" altLang="zh-CN" i="1" dirty="0" smtClean="0"/>
+                        <a:t>step</a:t>
                       </a:r>
                       <a:endParaRPr lang="zh-CN" altLang="en-US" dirty="0"/>
                     </a:p>
@@ -6428,7 +6484,18 @@
                     <a:p>
                       <a:r>
                         <a:rPr lang="en-US" altLang="zh-CN" i="1" dirty="0" err="1" smtClean="0"/>
-                        <a:t>sclae_pos_weight</a:t>
+                        <a:t>sclae_pos</a:t>
+                      </a:r>
+                      <a:endParaRPr lang="en-US" altLang="zh-CN" i="1" dirty="0" smtClean="0"/>
+                    </a:p>
+                    <a:p>
+                      <a:r>
+                        <a:rPr lang="en-US" altLang="zh-CN" i="1" dirty="0" smtClean="0"/>
+                        <a:t>_</a:t>
+                      </a:r>
+                      <a:r>
+                        <a:rPr lang="en-US" altLang="zh-CN" i="1" dirty="0" smtClean="0"/>
+                        <a:t>weight</a:t>
                       </a:r>
                       <a:endParaRPr lang="zh-CN" altLang="en-US" dirty="0"/>
                     </a:p>
@@ -6442,7 +6509,28 @@
                     <a:p>
                       <a:r>
                         <a:rPr lang="en-US" altLang="zh-CN" dirty="0" err="1" smtClean="0"/>
-                        <a:t>min_child_weight</a:t>
+                        <a:t>min_child</a:t>
+                      </a:r>
+                      <a:endParaRPr lang="en-US" altLang="zh-CN" dirty="0" smtClean="0"/>
+                    </a:p>
+                    <a:p>
+                      <a:r>
+                        <a:rPr lang="en-US" altLang="zh-CN" dirty="0" smtClean="0"/>
+                        <a:t>_weight</a:t>
+                      </a:r>
+                      <a:endParaRPr lang="zh-CN" altLang="en-US" dirty="0"/>
+                    </a:p>
+                  </a:txBody>
+                  <a:tcPr/>
+                </a:tc>
+                <a:tc>
+                  <a:txBody>
+                    <a:bodyPr/>
+                    <a:lstStyle/>
+                    <a:p>
+                      <a:r>
+                        <a:rPr lang="en-US" altLang="zh-CN" dirty="0" smtClean="0"/>
+                        <a:t>Combination</a:t>
                       </a:r>
                       <a:endParaRPr lang="zh-CN" altLang="en-US" dirty="0"/>
                     </a:p>
@@ -6593,7 +6681,21 @@
                     <a:p>
                       <a:r>
                         <a:rPr lang="en-US" altLang="zh-CN" dirty="0" smtClean="0"/>
-                        <a:t>5</a:t>
+                        <a:t>480</a:t>
+                      </a:r>
+                      <a:endParaRPr lang="zh-CN" altLang="en-US" dirty="0"/>
+                    </a:p>
+                  </a:txBody>
+                  <a:tcPr/>
+                </a:tc>
+                <a:tc>
+                  <a:txBody>
+                    <a:bodyPr/>
+                    <a:lstStyle/>
+                    <a:p>
+                      <a:r>
+                        <a:rPr lang="en-US" altLang="zh-CN" dirty="0" smtClean="0"/>
+                        <a:t>6</a:t>
                       </a:r>
                       <a:r>
                         <a:rPr lang="zh-CN" altLang="en-US" dirty="0" smtClean="0"/>
@@ -6615,7 +6717,7 @@
                     <a:p>
                       <a:r>
                         <a:rPr lang="en-US" altLang="zh-CN" dirty="0" smtClean="0"/>
-                        <a:t>70.8%</a:t>
+                        <a:t>71.3%</a:t>
                       </a:r>
                       <a:endParaRPr lang="zh-CN" altLang="en-US" dirty="0"/>
                     </a:p>
@@ -6705,7 +6807,7 @@
             <p:ph idx="1"/>
             <p:extLst>
               <p:ext uri="{D42A27DB-BD31-4B8C-83A1-F6EECF244321}">
-                <p14:modId xmlns:p14="http://schemas.microsoft.com/office/powerpoint/2010/main" val="1507128032"/>
+                <p14:modId xmlns:p14="http://schemas.microsoft.com/office/powerpoint/2010/main" val="1672824113"/>
               </p:ext>
             </p:extLst>
           </p:nvPr>
@@ -7195,12 +7297,12 @@
                     <a:lstStyle/>
                     <a:p>
                       <a:r>
-                        <a:rPr lang="en-US" altLang="zh-CN" dirty="0" smtClean="0">
+                        <a:rPr lang="en-US" altLang="zh-CN" baseline="0" dirty="0" smtClean="0">
                           <a:solidFill>
                             <a:srgbClr val="FF0000"/>
                           </a:solidFill>
                         </a:rPr>
-                        <a:t>5</a:t>
+                        <a:t>6</a:t>
                       </a:r>
                       <a:r>
                         <a:rPr lang="zh-CN" altLang="en-US" baseline="0" dirty="0" smtClean="0">
@@ -7262,7 +7364,7 @@
                             <a:srgbClr val="FF0000"/>
                           </a:solidFill>
                         </a:rPr>
-                        <a:t>70.8%</a:t>
+                        <a:t>71.3%</a:t>
                       </a:r>
                       <a:endParaRPr lang="zh-CN" altLang="en-US" dirty="0">
                         <a:solidFill>
@@ -7299,6 +7401,538 @@
 </file>
 
 <file path=ppt/slides/slide13.xml><?xml version="1.0" encoding="utf-8"?>
+<p:sld xmlns:a="http://schemas.openxmlformats.org/drawingml/2006/main" xmlns:r="http://schemas.openxmlformats.org/officeDocument/2006/relationships" xmlns:p="http://schemas.openxmlformats.org/presentationml/2006/main">
+  <p:cSld>
+    <p:spTree>
+      <p:nvGrpSpPr>
+        <p:cNvPr id="1" name=""/>
+        <p:cNvGrpSpPr/>
+        <p:nvPr/>
+      </p:nvGrpSpPr>
+      <p:grpSpPr>
+        <a:xfrm>
+          <a:off x="0" y="0"/>
+          <a:ext cx="0" cy="0"/>
+          <a:chOff x="0" y="0"/>
+          <a:chExt cx="0" cy="0"/>
+        </a:xfrm>
+      </p:grpSpPr>
+      <p:sp>
+        <p:nvSpPr>
+          <p:cNvPr id="2" name="标题 1"/>
+          <p:cNvSpPr>
+            <a:spLocks noGrp="1"/>
+          </p:cNvSpPr>
+          <p:nvPr>
+            <p:ph type="title"/>
+          </p:nvPr>
+        </p:nvSpPr>
+        <p:spPr/>
+        <p:txBody>
+          <a:bodyPr>
+            <a:normAutofit/>
+          </a:bodyPr>
+          <a:lstStyle/>
+          <a:p>
+            <a:r>
+              <a:rPr kumimoji="1" lang="en-US" altLang="zh-CN" sz="4000" dirty="0"/>
+              <a:t>Advanced</a:t>
+            </a:r>
+            <a:r>
+              <a:rPr kumimoji="1" lang="zh-CN" altLang="en-US" sz="4000" dirty="0"/>
+              <a:t> </a:t>
+            </a:r>
+            <a:r>
+              <a:rPr kumimoji="1" lang="en-US" altLang="zh-CN" sz="4000" dirty="0"/>
+              <a:t>Model</a:t>
+            </a:r>
+            <a:r>
+              <a:rPr kumimoji="1" lang="zh-CN" altLang="en-US" sz="4000" dirty="0"/>
+              <a:t> </a:t>
+            </a:r>
+            <a:r>
+              <a:rPr kumimoji="1" lang="en-US" altLang="zh-CN" sz="4000" dirty="0"/>
+              <a:t>–</a:t>
+            </a:r>
+            <a:r>
+              <a:rPr kumimoji="1" lang="zh-CN" altLang="en-US" sz="4000" dirty="0"/>
+              <a:t> </a:t>
+            </a:r>
+            <a:r>
+              <a:rPr kumimoji="1" lang="en-US" altLang="zh-CN" sz="4000" dirty="0"/>
+              <a:t>Feature</a:t>
+            </a:r>
+            <a:r>
+              <a:rPr kumimoji="1" lang="zh-CN" altLang="en-US" sz="4000" dirty="0"/>
+              <a:t> </a:t>
+            </a:r>
+            <a:r>
+              <a:rPr kumimoji="1" lang="en-US" altLang="zh-CN" sz="4000" dirty="0"/>
+              <a:t>Extraction</a:t>
+            </a:r>
+            <a:endParaRPr kumimoji="1" lang="zh-CN" altLang="en-US" sz="4000" dirty="0"/>
+          </a:p>
+        </p:txBody>
+      </p:sp>
+      <p:sp>
+        <p:nvSpPr>
+          <p:cNvPr id="3" name="内容占位符 2"/>
+          <p:cNvSpPr>
+            <a:spLocks noGrp="1"/>
+          </p:cNvSpPr>
+          <p:nvPr>
+            <p:ph idx="1"/>
+          </p:nvPr>
+        </p:nvSpPr>
+        <p:spPr/>
+        <p:txBody>
+          <a:bodyPr/>
+          <a:lstStyle/>
+          <a:p>
+            <a:r>
+              <a:rPr kumimoji="1" lang="en-US" altLang="zh-CN" dirty="0"/>
+              <a:t>Method:</a:t>
+            </a:r>
+            <a:r>
+              <a:rPr kumimoji="1" lang="zh-CN" altLang="en-US" dirty="0"/>
+              <a:t> </a:t>
+            </a:r>
+            <a:r>
+              <a:rPr kumimoji="1" lang="en-US" altLang="zh-CN" dirty="0"/>
+              <a:t>Convolutional</a:t>
+            </a:r>
+            <a:r>
+              <a:rPr kumimoji="1" lang="zh-CN" altLang="en-US" dirty="0"/>
+              <a:t> </a:t>
+            </a:r>
+            <a:r>
+              <a:rPr kumimoji="1" lang="en-US" altLang="zh-CN" dirty="0"/>
+              <a:t>Neural</a:t>
+            </a:r>
+            <a:r>
+              <a:rPr kumimoji="1" lang="zh-CN" altLang="en-US" dirty="0"/>
+              <a:t> </a:t>
+            </a:r>
+            <a:r>
+              <a:rPr kumimoji="1" lang="en-US" altLang="zh-CN" dirty="0" smtClean="0"/>
+              <a:t>Network</a:t>
+            </a:r>
+          </a:p>
+          <a:p>
+            <a:r>
+              <a:rPr kumimoji="1" lang="en-US" altLang="zh-CN" dirty="0" smtClean="0"/>
+              <a:t>Python</a:t>
+            </a:r>
+            <a:r>
+              <a:rPr kumimoji="1" lang="zh-CN" altLang="en-US" dirty="0" smtClean="0"/>
+              <a:t> </a:t>
+            </a:r>
+            <a:r>
+              <a:rPr kumimoji="1" lang="en-US" altLang="zh-CN" dirty="0" smtClean="0"/>
+              <a:t>Package:</a:t>
+            </a:r>
+            <a:r>
+              <a:rPr kumimoji="1" lang="zh-CN" altLang="en-US" dirty="0" smtClean="0"/>
+              <a:t> </a:t>
+            </a:r>
+            <a:r>
+              <a:rPr kumimoji="1" lang="en-US" altLang="zh-CN" dirty="0" err="1" smtClean="0"/>
+              <a:t>nolearn</a:t>
+            </a:r>
+            <a:r>
+              <a:rPr kumimoji="1" lang="en-US" altLang="zh-CN" dirty="0" smtClean="0"/>
+              <a:t>,</a:t>
+            </a:r>
+            <a:r>
+              <a:rPr kumimoji="1" lang="zh-CN" altLang="en-US" dirty="0" smtClean="0"/>
+              <a:t> </a:t>
+            </a:r>
+            <a:r>
+              <a:rPr kumimoji="1" lang="en-US" altLang="zh-CN" dirty="0" err="1" smtClean="0"/>
+              <a:t>lasagne</a:t>
+            </a:r>
+            <a:r>
+              <a:rPr kumimoji="1" lang="en-US" altLang="zh-CN" dirty="0" smtClean="0"/>
+              <a:t>,</a:t>
+            </a:r>
+            <a:r>
+              <a:rPr kumimoji="1" lang="zh-CN" altLang="en-US" dirty="0" smtClean="0"/>
+              <a:t> </a:t>
+            </a:r>
+            <a:r>
+              <a:rPr kumimoji="1" lang="en-US" altLang="zh-CN" dirty="0" err="1" smtClean="0"/>
+              <a:t>caffe</a:t>
+            </a:r>
+            <a:endParaRPr kumimoji="1" lang="en-US" altLang="zh-CN" dirty="0" smtClean="0"/>
+          </a:p>
+          <a:p>
+            <a:endParaRPr kumimoji="1" lang="en-US" altLang="zh-CN" dirty="0" smtClean="0"/>
+          </a:p>
+          <a:p>
+            <a:r>
+              <a:rPr kumimoji="1" lang="en-US" altLang="zh-CN" dirty="0" err="1" smtClean="0"/>
+              <a:t>Nolearn</a:t>
+            </a:r>
+            <a:r>
+              <a:rPr kumimoji="1" lang="zh-CN" altLang="en-US" dirty="0" smtClean="0"/>
+              <a:t> </a:t>
+            </a:r>
+            <a:r>
+              <a:rPr kumimoji="1" lang="en-US" altLang="zh-CN" dirty="0" smtClean="0"/>
+              <a:t>&amp;</a:t>
+            </a:r>
+            <a:r>
+              <a:rPr kumimoji="1" lang="zh-CN" altLang="en-US" dirty="0" smtClean="0"/>
+              <a:t> </a:t>
+            </a:r>
+            <a:r>
+              <a:rPr kumimoji="1" lang="en-US" altLang="zh-CN" dirty="0" err="1"/>
+              <a:t>L</a:t>
+            </a:r>
+            <a:r>
+              <a:rPr kumimoji="1" lang="en-US" altLang="zh-CN" dirty="0" err="1" smtClean="0"/>
+              <a:t>asagne</a:t>
+            </a:r>
+            <a:r>
+              <a:rPr kumimoji="1" lang="en-US" altLang="zh-CN" dirty="0" smtClean="0"/>
+              <a:t> </a:t>
+            </a:r>
+          </a:p>
+          <a:p>
+            <a:pPr lvl="1"/>
+            <a:r>
+              <a:rPr kumimoji="1" lang="en-US" altLang="zh-CN" dirty="0"/>
+              <a:t>CNN</a:t>
+            </a:r>
+            <a:r>
+              <a:rPr kumimoji="1" lang="zh-CN" altLang="en-US" dirty="0"/>
+              <a:t> </a:t>
+            </a:r>
+            <a:r>
+              <a:rPr kumimoji="1" lang="en-US" altLang="zh-CN" dirty="0"/>
+              <a:t>structure:</a:t>
+            </a:r>
+            <a:r>
+              <a:rPr kumimoji="1" lang="zh-CN" altLang="en-US" dirty="0"/>
+              <a:t> </a:t>
+            </a:r>
+            <a:r>
+              <a:rPr kumimoji="1" lang="en-US" altLang="zh-CN" dirty="0"/>
+              <a:t>conv1</a:t>
+            </a:r>
+            <a:r>
+              <a:rPr kumimoji="1" lang="zh-CN" altLang="en-US" dirty="0"/>
+              <a:t> </a:t>
+            </a:r>
+            <a:r>
+              <a:rPr kumimoji="1" lang="en-US" altLang="zh-CN" dirty="0"/>
+              <a:t>+</a:t>
+            </a:r>
+            <a:r>
+              <a:rPr kumimoji="1" lang="zh-CN" altLang="en-US" dirty="0"/>
+              <a:t> </a:t>
+            </a:r>
+            <a:r>
+              <a:rPr kumimoji="1" lang="en-US" altLang="zh-CN" dirty="0"/>
+              <a:t>pooling1</a:t>
+            </a:r>
+            <a:r>
+              <a:rPr kumimoji="1" lang="zh-CN" altLang="en-US" dirty="0"/>
+              <a:t> </a:t>
+            </a:r>
+            <a:r>
+              <a:rPr kumimoji="1" lang="en-US" altLang="zh-CN" dirty="0"/>
+              <a:t>+</a:t>
+            </a:r>
+            <a:r>
+              <a:rPr kumimoji="1" lang="zh-CN" altLang="en-US" dirty="0"/>
+              <a:t> </a:t>
+            </a:r>
+            <a:r>
+              <a:rPr kumimoji="1" lang="en-US" altLang="zh-CN" dirty="0"/>
+              <a:t>conv2</a:t>
+            </a:r>
+            <a:r>
+              <a:rPr kumimoji="1" lang="zh-CN" altLang="en-US" dirty="0"/>
+              <a:t> </a:t>
+            </a:r>
+            <a:r>
+              <a:rPr kumimoji="1" lang="en-US" altLang="zh-CN" dirty="0"/>
+              <a:t>+</a:t>
+            </a:r>
+            <a:r>
+              <a:rPr kumimoji="1" lang="zh-CN" altLang="en-US" dirty="0"/>
+              <a:t> </a:t>
+            </a:r>
+            <a:r>
+              <a:rPr kumimoji="1" lang="en-US" altLang="zh-CN" dirty="0"/>
+              <a:t>pooling2</a:t>
+            </a:r>
+            <a:r>
+              <a:rPr kumimoji="1" lang="zh-CN" altLang="en-US" dirty="0"/>
+              <a:t> </a:t>
+            </a:r>
+            <a:r>
+              <a:rPr kumimoji="1" lang="en-US" altLang="zh-CN" dirty="0"/>
+              <a:t>+</a:t>
+            </a:r>
+            <a:r>
+              <a:rPr kumimoji="1" lang="zh-CN" altLang="en-US" dirty="0"/>
+              <a:t> </a:t>
+            </a:r>
+            <a:r>
+              <a:rPr kumimoji="1" lang="en-US" altLang="zh-CN" dirty="0"/>
+              <a:t>dropout1</a:t>
+            </a:r>
+            <a:r>
+              <a:rPr kumimoji="1" lang="zh-CN" altLang="en-US" dirty="0"/>
+              <a:t> </a:t>
+            </a:r>
+            <a:r>
+              <a:rPr kumimoji="1" lang="en-US" altLang="zh-CN" dirty="0"/>
+              <a:t>+</a:t>
+            </a:r>
+            <a:r>
+              <a:rPr kumimoji="1" lang="zh-CN" altLang="en-US" dirty="0"/>
+              <a:t> </a:t>
+            </a:r>
+            <a:r>
+              <a:rPr kumimoji="1" lang="en-US" altLang="zh-CN" dirty="0"/>
+              <a:t>dense</a:t>
+            </a:r>
+            <a:r>
+              <a:rPr kumimoji="1" lang="zh-CN" altLang="en-US" dirty="0"/>
+              <a:t> </a:t>
+            </a:r>
+            <a:r>
+              <a:rPr kumimoji="1" lang="en-US" altLang="zh-CN" dirty="0"/>
+              <a:t>+</a:t>
+            </a:r>
+            <a:r>
+              <a:rPr kumimoji="1" lang="zh-CN" altLang="en-US" dirty="0"/>
+              <a:t> </a:t>
+            </a:r>
+            <a:r>
+              <a:rPr kumimoji="1" lang="en-US" altLang="zh-CN" dirty="0" smtClean="0"/>
+              <a:t>dropout2</a:t>
+            </a:r>
+            <a:endParaRPr kumimoji="1" lang="en-US" altLang="zh-CN" dirty="0"/>
+          </a:p>
+          <a:p>
+            <a:pPr lvl="1"/>
+            <a:r>
+              <a:rPr kumimoji="1" lang="en-US" altLang="zh-CN" dirty="0" smtClean="0"/>
+              <a:t>Feature</a:t>
+            </a:r>
+            <a:r>
+              <a:rPr kumimoji="1" lang="zh-CN" altLang="en-US" dirty="0" smtClean="0"/>
+              <a:t> </a:t>
+            </a:r>
+            <a:r>
+              <a:rPr kumimoji="1" lang="en-US" altLang="zh-CN" dirty="0" smtClean="0"/>
+              <a:t>Extracted:</a:t>
+            </a:r>
+            <a:r>
+              <a:rPr kumimoji="1" lang="zh-CN" altLang="en-US" dirty="0" smtClean="0"/>
+              <a:t> </a:t>
+            </a:r>
+            <a:r>
+              <a:rPr kumimoji="1" lang="en-US" altLang="zh-CN" dirty="0" smtClean="0"/>
+              <a:t>conv2,</a:t>
+            </a:r>
+            <a:r>
+              <a:rPr kumimoji="1" lang="zh-CN" altLang="en-US" dirty="0" smtClean="0"/>
+              <a:t> </a:t>
+            </a:r>
+            <a:r>
+              <a:rPr kumimoji="1" lang="en-US" altLang="zh-CN" dirty="0" smtClean="0"/>
+              <a:t>polling2</a:t>
+            </a:r>
+          </a:p>
+          <a:p>
+            <a:pPr lvl="1"/>
+            <a:r>
+              <a:rPr kumimoji="1" lang="en-US" altLang="zh-CN" dirty="0" smtClean="0"/>
+              <a:t>Result:</a:t>
+            </a:r>
+            <a:r>
+              <a:rPr kumimoji="1" lang="zh-CN" altLang="en-US" dirty="0" smtClean="0"/>
+              <a:t> </a:t>
+            </a:r>
+            <a:r>
+              <a:rPr kumimoji="1" lang="en-US" altLang="zh-CN" dirty="0" smtClean="0"/>
+              <a:t>Long</a:t>
+            </a:r>
+            <a:r>
+              <a:rPr kumimoji="1" lang="zh-CN" altLang="en-US" dirty="0" smtClean="0"/>
+              <a:t> </a:t>
+            </a:r>
+            <a:r>
+              <a:rPr kumimoji="1" lang="en-US" altLang="zh-CN" dirty="0" smtClean="0"/>
+              <a:t>feature</a:t>
+            </a:r>
+            <a:r>
+              <a:rPr kumimoji="1" lang="zh-CN" altLang="en-US" dirty="0" smtClean="0"/>
+              <a:t> </a:t>
+            </a:r>
+            <a:r>
+              <a:rPr kumimoji="1" lang="en-US" altLang="zh-CN" dirty="0" smtClean="0"/>
+              <a:t>extraction</a:t>
+            </a:r>
+            <a:r>
+              <a:rPr kumimoji="1" lang="zh-CN" altLang="en-US" dirty="0" smtClean="0"/>
+              <a:t> </a:t>
+            </a:r>
+            <a:r>
+              <a:rPr kumimoji="1" lang="en-US" altLang="zh-CN" dirty="0" smtClean="0"/>
+              <a:t>time</a:t>
+            </a:r>
+          </a:p>
+          <a:p>
+            <a:pPr lvl="1"/>
+            <a:endParaRPr kumimoji="1" lang="en-US" altLang="zh-CN" dirty="0"/>
+          </a:p>
+          <a:p>
+            <a:pPr marL="182880" lvl="1">
+              <a:spcBef>
+                <a:spcPts val="1200"/>
+              </a:spcBef>
+            </a:pPr>
+            <a:r>
+              <a:rPr kumimoji="1" lang="en-US" altLang="zh-CN" sz="2000" dirty="0" err="1" smtClean="0"/>
+              <a:t>Caffe</a:t>
+            </a:r>
+            <a:r>
+              <a:rPr kumimoji="1" lang="en-US" altLang="zh-CN" sz="2000" dirty="0" smtClean="0"/>
+              <a:t>:</a:t>
+            </a:r>
+          </a:p>
+          <a:p>
+            <a:pPr marL="457200" lvl="2">
+              <a:spcBef>
+                <a:spcPts val="1200"/>
+              </a:spcBef>
+            </a:pPr>
+            <a:r>
+              <a:rPr kumimoji="1" lang="en-US" altLang="zh-CN" dirty="0" smtClean="0"/>
+              <a:t>Layer</a:t>
+            </a:r>
+            <a:r>
+              <a:rPr kumimoji="1" lang="zh-CN" altLang="en-US" dirty="0" smtClean="0"/>
+              <a:t> </a:t>
+            </a:r>
+            <a:r>
+              <a:rPr kumimoji="1" lang="en-US" altLang="zh-CN" dirty="0" smtClean="0"/>
+              <a:t>structure:</a:t>
+            </a:r>
+            <a:r>
+              <a:rPr kumimoji="1" lang="zh-CN" altLang="en-US" dirty="0" smtClean="0"/>
+              <a:t> </a:t>
+            </a:r>
+            <a:r>
+              <a:rPr kumimoji="1" lang="en-US" altLang="zh-CN" dirty="0" smtClean="0"/>
+              <a:t>norm</a:t>
+            </a:r>
+            <a:r>
+              <a:rPr kumimoji="1" lang="zh-CN" altLang="en-US" dirty="0" smtClean="0"/>
+              <a:t> </a:t>
+            </a:r>
+            <a:r>
+              <a:rPr kumimoji="1" lang="en-US" altLang="zh-CN" dirty="0" smtClean="0"/>
+              <a:t>+</a:t>
+            </a:r>
+            <a:r>
+              <a:rPr kumimoji="1" lang="zh-CN" altLang="en-US" dirty="0" smtClean="0"/>
+              <a:t> </a:t>
+            </a:r>
+            <a:r>
+              <a:rPr kumimoji="1" lang="en-US" altLang="zh-CN" dirty="0"/>
+              <a:t>c</a:t>
+            </a:r>
+            <a:r>
+              <a:rPr kumimoji="1" lang="en-US" altLang="zh-CN" dirty="0" smtClean="0"/>
+              <a:t>onv</a:t>
+            </a:r>
+            <a:r>
+              <a:rPr kumimoji="1" lang="zh-CN" altLang="en-US" dirty="0" smtClean="0"/>
+              <a:t> </a:t>
+            </a:r>
+            <a:r>
+              <a:rPr kumimoji="1" lang="en-US" altLang="zh-CN" dirty="0" smtClean="0"/>
+              <a:t>+</a:t>
+            </a:r>
+            <a:r>
+              <a:rPr kumimoji="1" lang="zh-CN" altLang="en-US" dirty="0" smtClean="0"/>
+              <a:t> </a:t>
+            </a:r>
+            <a:r>
+              <a:rPr kumimoji="1" lang="en-US" altLang="zh-CN" dirty="0" smtClean="0"/>
+              <a:t>pool</a:t>
+            </a:r>
+            <a:r>
+              <a:rPr kumimoji="1" lang="zh-CN" altLang="en-US" dirty="0" smtClean="0"/>
+              <a:t> </a:t>
+            </a:r>
+            <a:r>
+              <a:rPr kumimoji="1" lang="en-US" altLang="zh-CN" dirty="0" smtClean="0"/>
+              <a:t>+</a:t>
+            </a:r>
+            <a:r>
+              <a:rPr kumimoji="1" lang="zh-CN" altLang="en-US" dirty="0" smtClean="0"/>
+              <a:t> </a:t>
+            </a:r>
+            <a:r>
+              <a:rPr kumimoji="1" lang="en-US" altLang="zh-CN" dirty="0" smtClean="0"/>
+              <a:t>fc</a:t>
+            </a:r>
+            <a:r>
+              <a:rPr kumimoji="1" lang="zh-CN" altLang="en-US" dirty="0" smtClean="0"/>
+              <a:t> </a:t>
+            </a:r>
+            <a:r>
+              <a:rPr kumimoji="1" lang="en-US" altLang="zh-CN" dirty="0" smtClean="0"/>
+              <a:t>+</a:t>
+            </a:r>
+            <a:r>
+              <a:rPr kumimoji="1" lang="zh-CN" altLang="en-US" dirty="0" smtClean="0"/>
+              <a:t> </a:t>
+            </a:r>
+            <a:r>
+              <a:rPr kumimoji="1" lang="en-US" altLang="zh-CN" dirty="0" smtClean="0"/>
+              <a:t>prod</a:t>
+            </a:r>
+            <a:endParaRPr kumimoji="1" lang="en-US" altLang="zh-CN" dirty="0"/>
+          </a:p>
+          <a:p>
+            <a:pPr lvl="1"/>
+            <a:endParaRPr kumimoji="1" lang="en-US" altLang="zh-CN" dirty="0" smtClean="0"/>
+          </a:p>
+          <a:p>
+            <a:endParaRPr kumimoji="1" lang="zh-CN" altLang="en-US" dirty="0"/>
+          </a:p>
+        </p:txBody>
+      </p:sp>
+    </p:spTree>
+    <p:extLst>
+      <p:ext uri="{BB962C8B-B14F-4D97-AF65-F5344CB8AC3E}">
+        <p14:creationId xmlns:p14="http://schemas.microsoft.com/office/powerpoint/2010/main" val="1149305075"/>
+      </p:ext>
+    </p:extLst>
+  </p:cSld>
+  <p:clrMapOvr>
+    <a:masterClrMapping/>
+  </p:clrMapOvr>
+  <p:timing>
+    <p:tnLst>
+      <p:par>
+        <p:cTn id="1" dur="indefinite" restart="never" nodeType="tmRoot"/>
+      </p:par>
+    </p:tnLst>
+  </p:timing>
+</p:sld>
+</file>
+
+<file path=ppt/slides/slide14.xml><?xml version="1.0" encoding="utf-8"?>
 <p:sld xmlns:a="http://schemas.openxmlformats.org/drawingml/2006/main" xmlns:r="http://schemas.openxmlformats.org/officeDocument/2006/relationships" xmlns:p="http://schemas.openxmlformats.org/presentationml/2006/main">
   <p:cSld>
     <p:spTree>
@@ -7627,7 +8261,7 @@
 </p:sld>
 </file>
 
-<file path=ppt/slides/slide14.xml><?xml version="1.0" encoding="utf-8"?>
+<file path=ppt/slides/slide15.xml><?xml version="1.0" encoding="utf-8"?>
 <p:sld xmlns:a="http://schemas.openxmlformats.org/drawingml/2006/main" xmlns:r="http://schemas.openxmlformats.org/officeDocument/2006/relationships" xmlns:p="http://schemas.openxmlformats.org/presentationml/2006/main">
   <p:cSld>
     <p:spTree>
@@ -7686,14 +8320,14 @@
           <p:nvPr>
             <p:extLst>
               <p:ext uri="{D42A27DB-BD31-4B8C-83A1-F6EECF244321}">
-                <p14:modId xmlns:p14="http://schemas.microsoft.com/office/powerpoint/2010/main" val="1736336051"/>
+                <p14:modId xmlns:p14="http://schemas.microsoft.com/office/powerpoint/2010/main" val="740277519"/>
               </p:ext>
             </p:extLst>
           </p:nvPr>
         </p:nvGraphicFramePr>
         <p:xfrm>
           <a:off x="642940" y="1716044"/>
-          <a:ext cx="10672764" cy="4847888"/>
+          <a:ext cx="8044412" cy="4847888"/>
         </p:xfrm>
         <a:graphic>
           <a:graphicData uri="http://schemas.openxmlformats.org/drawingml/2006/table">
@@ -7702,11 +8336,10 @@
                 <a:tableStyleId>{93296810-A885-4BE3-A3E7-6D5BEEA58F35}</a:tableStyleId>
               </a:tblPr>
               <a:tblGrid>
-                <a:gridCol w="2028823"/>
-                <a:gridCol w="1600200"/>
-                <a:gridCol w="1857377"/>
-                <a:gridCol w="2614613"/>
-                <a:gridCol w="2571751"/>
+                <a:gridCol w="2014648"/>
+                <a:gridCol w="1589019"/>
+                <a:gridCol w="1844400"/>
+                <a:gridCol w="2596345"/>
               </a:tblGrid>
               <a:tr h="1172369">
                 <a:tc>
@@ -7837,83 +8470,6 @@
                   </a:txBody>
                   <a:tcPr anchor="ctr"/>
                 </a:tc>
-                <a:tc>
-                  <a:txBody>
-                    <a:bodyPr/>
-                    <a:lstStyle/>
-                    <a:p>
-                      <a:pPr algn="ctr"/>
-                      <a:r>
-                        <a:rPr lang="en-US" altLang="zh-CN" dirty="0" smtClean="0">
-                          <a:solidFill>
-                            <a:srgbClr val="C00000"/>
-                          </a:solidFill>
-                        </a:rPr>
-                        <a:t>Logistic</a:t>
-                      </a:r>
-                      <a:r>
-                        <a:rPr lang="zh-CN" altLang="en-US" dirty="0" smtClean="0">
-                          <a:solidFill>
-                            <a:srgbClr val="C00000"/>
-                          </a:solidFill>
-                        </a:rPr>
-                        <a:t> </a:t>
-                      </a:r>
-                      <a:r>
-                        <a:rPr lang="en-US" altLang="zh-CN" dirty="0" smtClean="0">
-                          <a:solidFill>
-                            <a:srgbClr val="C00000"/>
-                          </a:solidFill>
-                        </a:rPr>
-                        <a:t>Regression</a:t>
-                      </a:r>
-                    </a:p>
-                    <a:p>
-                      <a:pPr algn="ctr"/>
-                      <a:r>
-                        <a:rPr lang="en-US" altLang="zh-CN" dirty="0" smtClean="0"/>
-                        <a:t>Testing</a:t>
-                      </a:r>
-                      <a:r>
-                        <a:rPr lang="zh-CN" altLang="en-US" dirty="0" smtClean="0"/>
-                        <a:t> </a:t>
-                      </a:r>
-                      <a:r>
-                        <a:rPr lang="en-US" altLang="zh-CN" dirty="0" smtClean="0"/>
-                        <a:t>Accuracy</a:t>
-                      </a:r>
-                    </a:p>
-                    <a:p>
-                      <a:pPr algn="ctr"/>
-                      <a:r>
-                        <a:rPr lang="zh-CN" altLang="en-US" baseline="0" dirty="0" smtClean="0"/>
-                        <a:t> </a:t>
-                      </a:r>
-                      <a:r>
-                        <a:rPr lang="en-US" altLang="zh-CN" dirty="0" smtClean="0"/>
-                        <a:t>(5</a:t>
-                      </a:r>
-                      <a:r>
-                        <a:rPr lang="zh-CN" altLang="en-US" baseline="0" dirty="0" smtClean="0"/>
-                        <a:t> </a:t>
-                      </a:r>
-                      <a:r>
-                        <a:rPr lang="en-US" altLang="zh-CN" baseline="0" dirty="0" smtClean="0"/>
-                        <a:t>Folds</a:t>
-                      </a:r>
-                      <a:r>
-                        <a:rPr lang="zh-CN" altLang="en-US" baseline="0" dirty="0" smtClean="0"/>
-                        <a:t> </a:t>
-                      </a:r>
-                      <a:r>
-                        <a:rPr lang="en-US" altLang="zh-CN" baseline="0" dirty="0" smtClean="0"/>
-                        <a:t>CV)</a:t>
-                      </a:r>
-                      <a:endParaRPr lang="zh-CN" altLang="en-US" dirty="0"/>
-                    </a:p>
-                  </a:txBody>
-                  <a:tcPr anchor="ctr"/>
-                </a:tc>
               </a:tr>
               <a:tr h="357994">
                 <a:tc>
@@ -7921,6 +8477,7 @@
                     <a:bodyPr/>
                     <a:lstStyle/>
                     <a:p>
+                      <a:pPr algn="ctr"/>
                       <a:r>
                         <a:rPr lang="en-US" altLang="zh-CN" dirty="0" smtClean="0"/>
                         <a:t>norm1</a:t>
@@ -7989,17 +8546,6 @@
                   </a:txBody>
                   <a:tcPr/>
                 </a:tc>
-                <a:tc>
-                  <a:txBody>
-                    <a:bodyPr/>
-                    <a:lstStyle/>
-                    <a:p>
-                      <a:pPr algn="ctr"/>
-                      <a:endParaRPr lang="zh-CN" altLang="en-US" dirty="0"/>
-                    </a:p>
-                  </a:txBody>
-                  <a:tcPr/>
-                </a:tc>
               </a:tr>
               <a:tr h="357994">
                 <a:tc>
@@ -8007,6 +8553,7 @@
                     <a:bodyPr/>
                     <a:lstStyle/>
                     <a:p>
+                      <a:pPr algn="ctr"/>
                       <a:r>
                         <a:rPr lang="en-US" altLang="zh-CN" sz="1800" kern="1200" dirty="0" smtClean="0">
                           <a:solidFill>
@@ -8083,17 +8630,6 @@
                   </a:txBody>
                   <a:tcPr/>
                 </a:tc>
-                <a:tc>
-                  <a:txBody>
-                    <a:bodyPr/>
-                    <a:lstStyle/>
-                    <a:p>
-                      <a:pPr algn="ctr"/>
-                      <a:endParaRPr lang="zh-CN" altLang="en-US" dirty="0"/>
-                    </a:p>
-                  </a:txBody>
-                  <a:tcPr/>
-                </a:tc>
               </a:tr>
               <a:tr h="357994">
                 <a:tc>
@@ -8101,6 +8637,7 @@
                     <a:bodyPr/>
                     <a:lstStyle/>
                     <a:p>
+                      <a:pPr algn="ctr"/>
                       <a:r>
                         <a:rPr lang="en-US" altLang="zh-CN" sz="1800" kern="1200" dirty="0" smtClean="0">
                           <a:solidFill>
@@ -8177,24 +8714,14 @@
                   </a:txBody>
                   <a:tcPr/>
                 </a:tc>
+              </a:tr>
+              <a:tr h="0">
                 <a:tc>
                   <a:txBody>
                     <a:bodyPr/>
                     <a:lstStyle/>
                     <a:p>
                       <a:pPr algn="ctr"/>
-                      <a:endParaRPr lang="zh-CN" altLang="en-US" dirty="0"/>
-                    </a:p>
-                  </a:txBody>
-                  <a:tcPr/>
-                </a:tc>
-              </a:tr>
-              <a:tr h="357994">
-                <a:tc>
-                  <a:txBody>
-                    <a:bodyPr/>
-                    <a:lstStyle/>
-                    <a:p>
                       <a:r>
                         <a:rPr lang="en-US" altLang="zh-CN" sz="1800" kern="1200" dirty="0" smtClean="0">
                           <a:solidFill>
@@ -8271,17 +8798,6 @@
                   </a:txBody>
                   <a:tcPr/>
                 </a:tc>
-                <a:tc>
-                  <a:txBody>
-                    <a:bodyPr/>
-                    <a:lstStyle/>
-                    <a:p>
-                      <a:pPr algn="ctr"/>
-                      <a:endParaRPr lang="zh-CN" altLang="en-US" dirty="0"/>
-                    </a:p>
-                  </a:txBody>
-                  <a:tcPr/>
-                </a:tc>
               </a:tr>
               <a:tr h="383679">
                 <a:tc>
@@ -8289,6 +8805,7 @@
                     <a:bodyPr/>
                     <a:lstStyle/>
                     <a:p>
+                      <a:pPr algn="ctr"/>
                       <a:r>
                         <a:rPr lang="en-US" altLang="zh-CN" sz="1800" kern="1200" dirty="0" smtClean="0">
                           <a:solidFill>
@@ -8365,17 +8882,6 @@
                   </a:txBody>
                   <a:tcPr/>
                 </a:tc>
-                <a:tc>
-                  <a:txBody>
-                    <a:bodyPr/>
-                    <a:lstStyle/>
-                    <a:p>
-                      <a:pPr algn="ctr"/>
-                      <a:endParaRPr lang="zh-CN" altLang="en-US" dirty="0"/>
-                    </a:p>
-                  </a:txBody>
-                  <a:tcPr/>
-                </a:tc>
               </a:tr>
               <a:tr h="357994">
                 <a:tc>
@@ -8383,6 +8889,7 @@
                     <a:bodyPr/>
                     <a:lstStyle/>
                     <a:p>
+                      <a:pPr algn="ctr"/>
                       <a:r>
                         <a:rPr lang="en-US" altLang="zh-CN" sz="1800" kern="1200" dirty="0" smtClean="0">
                           <a:solidFill>
@@ -8459,17 +8966,6 @@
                   </a:txBody>
                   <a:tcPr/>
                 </a:tc>
-                <a:tc>
-                  <a:txBody>
-                    <a:bodyPr/>
-                    <a:lstStyle/>
-                    <a:p>
-                      <a:pPr algn="ctr"/>
-                      <a:endParaRPr lang="zh-CN" altLang="en-US" dirty="0"/>
-                    </a:p>
-                  </a:txBody>
-                  <a:tcPr/>
-                </a:tc>
               </a:tr>
               <a:tr h="357994">
                 <a:tc>
@@ -8477,6 +8973,7 @@
                     <a:bodyPr/>
                     <a:lstStyle/>
                     <a:p>
+                      <a:pPr algn="ctr"/>
                       <a:r>
                         <a:rPr lang="en-US" altLang="zh-CN" sz="1800" kern="1200" dirty="0" smtClean="0">
                           <a:solidFill>
@@ -8553,17 +9050,6 @@
                   </a:txBody>
                   <a:tcPr/>
                 </a:tc>
-                <a:tc>
-                  <a:txBody>
-                    <a:bodyPr/>
-                    <a:lstStyle/>
-                    <a:p>
-                      <a:pPr algn="ctr"/>
-                      <a:endParaRPr lang="zh-CN" altLang="en-US" dirty="0"/>
-                    </a:p>
-                  </a:txBody>
-                  <a:tcPr/>
-                </a:tc>
               </a:tr>
               <a:tr h="357994">
                 <a:tc>
@@ -8571,10 +9057,11 @@
                     <a:bodyPr/>
                     <a:lstStyle/>
                     <a:p>
+                      <a:pPr algn="ctr"/>
                       <a:r>
                         <a:rPr lang="en-US" altLang="zh-CN" sz="1800" kern="1200" dirty="0" smtClean="0">
                           <a:solidFill>
-                            <a:schemeClr val="dk1"/>
+                            <a:schemeClr val="tx1"/>
                           </a:solidFill>
                           <a:effectLst/>
                           <a:latin typeface="+mn-lt"/>
@@ -8583,7 +9070,11 @@
                         </a:rPr>
                         <a:t>fc7</a:t>
                       </a:r>
-                      <a:endParaRPr lang="zh-CN" altLang="en-US" dirty="0"/>
+                      <a:endParaRPr lang="zh-CN" altLang="en-US" dirty="0">
+                        <a:solidFill>
+                          <a:schemeClr val="tx1"/>
+                        </a:solidFill>
+                      </a:endParaRPr>
                     </a:p>
                   </a:txBody>
                   <a:tcPr/>
@@ -8597,13 +9088,113 @@
                       <a:r>
                         <a:rPr lang="is-IS" altLang="zh-CN" sz="1800" kern="1200" dirty="0" smtClean="0">
                           <a:solidFill>
-                            <a:schemeClr val="dk1"/>
+                            <a:schemeClr val="tx1"/>
                           </a:solidFill>
                           <a:latin typeface="+mn-lt"/>
                           <a:ea typeface="+mn-ea"/>
                           <a:cs typeface="+mn-cs"/>
                         </a:rPr>
                         <a:t>4096</a:t>
+                      </a:r>
+                      <a:endParaRPr lang="zh-CN" altLang="en-US" sz="1800" kern="1200" dirty="0">
+                        <a:solidFill>
+                          <a:schemeClr val="tx1"/>
+                        </a:solidFill>
+                        <a:latin typeface="+mn-lt"/>
+                        <a:ea typeface="+mn-ea"/>
+                        <a:cs typeface="+mn-cs"/>
+                      </a:endParaRPr>
+                    </a:p>
+                  </a:txBody>
+                  <a:tcPr/>
+                </a:tc>
+                <a:tc>
+                  <a:txBody>
+                    <a:bodyPr/>
+                    <a:lstStyle/>
+                    <a:p>
+                      <a:pPr algn="ctr"/>
+                      <a:r>
+                        <a:rPr lang="en-US" altLang="zh-CN" dirty="0" smtClean="0">
+                          <a:solidFill>
+                            <a:schemeClr val="tx1"/>
+                          </a:solidFill>
+                        </a:rPr>
+                        <a:t>1000</a:t>
+                      </a:r>
+                      <a:endParaRPr lang="zh-CN" altLang="en-US" dirty="0">
+                        <a:solidFill>
+                          <a:schemeClr val="tx1"/>
+                        </a:solidFill>
+                      </a:endParaRPr>
+                    </a:p>
+                  </a:txBody>
+                  <a:tcPr/>
+                </a:tc>
+                <a:tc>
+                  <a:txBody>
+                    <a:bodyPr/>
+                    <a:lstStyle/>
+                    <a:p>
+                      <a:pPr algn="ctr"/>
+                      <a:r>
+                        <a:rPr lang="en-US" altLang="zh-CN" dirty="0" smtClean="0">
+                          <a:solidFill>
+                            <a:schemeClr val="tx1"/>
+                          </a:solidFill>
+                        </a:rPr>
+                        <a:t>96%</a:t>
+                      </a:r>
+                      <a:endParaRPr lang="zh-CN" altLang="en-US" dirty="0">
+                        <a:solidFill>
+                          <a:schemeClr val="tx1"/>
+                        </a:solidFill>
+                      </a:endParaRPr>
+                    </a:p>
+                  </a:txBody>
+                  <a:tcPr/>
+                </a:tc>
+              </a:tr>
+              <a:tr h="357994">
+                <a:tc>
+                  <a:txBody>
+                    <a:bodyPr/>
+                    <a:lstStyle/>
+                    <a:p>
+                      <a:pPr algn="ctr"/>
+                      <a:r>
+                        <a:rPr lang="en-US" altLang="zh-CN" sz="1800" kern="1200" dirty="0" smtClean="0">
+                          <a:solidFill>
+                            <a:schemeClr val="dk1"/>
+                          </a:solidFill>
+                          <a:effectLst/>
+                          <a:latin typeface="+mn-lt"/>
+                          <a:ea typeface="+mn-ea"/>
+                          <a:cs typeface="+mn-cs"/>
+                        </a:rPr>
+                        <a:t>fc8</a:t>
+                      </a:r>
+                      <a:endParaRPr lang="zh-CN" altLang="en-US" dirty="0"/>
+                    </a:p>
+                  </a:txBody>
+                  <a:tcPr/>
+                </a:tc>
+                <a:tc>
+                  <a:txBody>
+                    <a:bodyPr/>
+                    <a:lstStyle/>
+                    <a:p>
+                      <a:pPr marL="0" algn="ctr" defTabSz="914400" rtl="0" eaLnBrk="1" latinLnBrk="0" hangingPunct="1"/>
+                      <a:r>
+                        <a:rPr lang="is-IS" altLang="zh-CN" sz="1800" kern="1200" dirty="0" smtClean="0">
+                          <a:solidFill>
+                            <a:schemeClr val="dk1"/>
+                          </a:solidFill>
+                          <a:latin typeface="+mn-lt"/>
+                          <a:ea typeface="+mn-ea"/>
+                          <a:cs typeface="+mn-cs"/>
+                        </a:rPr>
+                        <a:t>1000</a:t>
                       </a:r>
                       <a:endParaRPr lang="zh-CN" altLang="en-US" sz="1800" kern="1200" dirty="0">
                         <a:solidFill>
@@ -8640,19 +9231,8 @@
                       <a:pPr algn="ctr"/>
                       <a:r>
                         <a:rPr lang="en-US" altLang="zh-CN" dirty="0" smtClean="0"/>
-                        <a:t>96%</a:t>
-                      </a:r>
-                      <a:endParaRPr lang="zh-CN" altLang="en-US" dirty="0"/>
-                    </a:p>
-                  </a:txBody>
-                  <a:tcPr/>
-                </a:tc>
-                <a:tc>
-                  <a:txBody>
-                    <a:bodyPr/>
-                    <a:lstStyle/>
-                    <a:p>
-                      <a:pPr algn="ctr"/>
+                        <a:t>100%</a:t>
+                      </a:r>
                       <a:endParaRPr lang="zh-CN" altLang="en-US" dirty="0"/>
                     </a:p>
                   </a:txBody>
@@ -8665,8 +9245,9 @@
                     <a:bodyPr/>
                     <a:lstStyle/>
                     <a:p>
-                      <a:r>
-                        <a:rPr lang="en-US" altLang="zh-CN" sz="1800" kern="1200" dirty="0" smtClean="0">
+                      <a:pPr algn="ctr"/>
+                      <a:r>
+                        <a:rPr lang="en-US" altLang="zh-CN" sz="1800" kern="1200" dirty="0" err="1" smtClean="0">
                           <a:solidFill>
                             <a:schemeClr val="dk1"/>
                           </a:solidFill>
@@ -8675,7 +9256,7 @@
                           <a:ea typeface="+mn-ea"/>
                           <a:cs typeface="+mn-cs"/>
                         </a:rPr>
-                        <a:t>fc8</a:t>
+                        <a:t>prob</a:t>
                       </a:r>
                       <a:endParaRPr lang="zh-CN" altLang="en-US" dirty="0"/>
                     </a:p>
@@ -8741,16 +9322,247 @@
                   </a:txBody>
                   <a:tcPr/>
                 </a:tc>
+              </a:tr>
+            </a:tbl>
+          </a:graphicData>
+        </a:graphic>
+      </p:graphicFrame>
+      <p:graphicFrame>
+        <p:nvGraphicFramePr>
+          <p:cNvPr id="9" name="表格 8"/>
+          <p:cNvGraphicFramePr>
+            <a:graphicFrameLocks noGrp="1"/>
+          </p:cNvGraphicFramePr>
+          <p:nvPr>
+            <p:extLst>
+              <p:ext uri="{D42A27DB-BD31-4B8C-83A1-F6EECF244321}">
+                <p14:modId xmlns:p14="http://schemas.microsoft.com/office/powerpoint/2010/main" val="990786082"/>
+              </p:ext>
+            </p:extLst>
+          </p:nvPr>
+        </p:nvGraphicFramePr>
+        <p:xfrm>
+          <a:off x="642940" y="1716044"/>
+          <a:ext cx="10640757" cy="4847888"/>
+        </p:xfrm>
+        <a:graphic>
+          <a:graphicData uri="http://schemas.openxmlformats.org/drawingml/2006/table">
+            <a:tbl>
+              <a:tblPr firstRow="1" bandRow="1">
+                <a:tableStyleId>{93296810-A885-4BE3-A3E7-6D5BEEA58F35}</a:tableStyleId>
+              </a:tblPr>
+              <a:tblGrid>
+                <a:gridCol w="2014648"/>
+                <a:gridCol w="1589019"/>
+                <a:gridCol w="1844400"/>
+                <a:gridCol w="2596345"/>
+                <a:gridCol w="2596345"/>
+              </a:tblGrid>
+              <a:tr h="1172369">
                 <a:tc>
                   <a:txBody>
                     <a:bodyPr/>
                     <a:lstStyle/>
                     <a:p>
                       <a:pPr algn="ctr"/>
-                      <a:endParaRPr lang="zh-CN" altLang="en-US" dirty="0"/>
-                    </a:p>
-                  </a:txBody>
-                  <a:tcPr/>
+                      <a:r>
+                        <a:rPr lang="en-US" altLang="zh-CN" dirty="0" smtClean="0"/>
+                        <a:t>Layer</a:t>
+                      </a:r>
+                      <a:r>
+                        <a:rPr lang="zh-CN" altLang="en-US" dirty="0" smtClean="0"/>
+                        <a:t> </a:t>
+                      </a:r>
+                      <a:endParaRPr lang="en-US" altLang="zh-CN" dirty="0" smtClean="0"/>
+                    </a:p>
+                    <a:p>
+                      <a:pPr algn="ctr"/>
+                      <a:r>
+                        <a:rPr lang="en-US" altLang="zh-CN" dirty="0" smtClean="0"/>
+                        <a:t>(around</a:t>
+                      </a:r>
+                      <a:r>
+                        <a:rPr lang="zh-CN" altLang="en-US" baseline="0" dirty="0" smtClean="0"/>
+                        <a:t> </a:t>
+                      </a:r>
+                      <a:r>
+                        <a:rPr lang="en-US" altLang="zh-CN" baseline="0" dirty="0" smtClean="0"/>
+                        <a:t>10mins)</a:t>
+                      </a:r>
+                      <a:endParaRPr lang="zh-CN" altLang="en-US" dirty="0"/>
+                    </a:p>
+                  </a:txBody>
+                  <a:tcPr anchor="ctr"/>
+                </a:tc>
+                <a:tc>
+                  <a:txBody>
+                    <a:bodyPr/>
+                    <a:lstStyle/>
+                    <a:p>
+                      <a:pPr algn="ctr"/>
+                      <a:r>
+                        <a:rPr lang="en-US" altLang="zh-CN" dirty="0" smtClean="0"/>
+                        <a:t>Total</a:t>
+                      </a:r>
+                      <a:r>
+                        <a:rPr lang="zh-CN" altLang="en-US" dirty="0" smtClean="0"/>
+                        <a:t> </a:t>
+                      </a:r>
+                      <a:r>
+                        <a:rPr lang="en-US" altLang="zh-CN" dirty="0" smtClean="0"/>
+                        <a:t>Features</a:t>
+                      </a:r>
+                      <a:endParaRPr lang="zh-CN" altLang="en-US" dirty="0"/>
+                    </a:p>
+                  </a:txBody>
+                  <a:tcPr anchor="ctr"/>
+                </a:tc>
+                <a:tc>
+                  <a:txBody>
+                    <a:bodyPr/>
+                    <a:lstStyle/>
+                    <a:p>
+                      <a:pPr algn="ctr"/>
+                      <a:r>
+                        <a:rPr lang="en-US" altLang="zh-CN" dirty="0" smtClean="0"/>
+                        <a:t>Features</a:t>
+                      </a:r>
+                      <a:r>
+                        <a:rPr lang="zh-CN" altLang="en-US" baseline="0" dirty="0" smtClean="0"/>
+                        <a:t> </a:t>
+                      </a:r>
+                      <a:r>
+                        <a:rPr lang="en-US" altLang="zh-CN" baseline="0" dirty="0" smtClean="0"/>
+                        <a:t>Selected</a:t>
+                      </a:r>
+                      <a:endParaRPr lang="zh-CN" altLang="en-US" dirty="0"/>
+                    </a:p>
+                  </a:txBody>
+                  <a:tcPr anchor="ctr"/>
+                </a:tc>
+                <a:tc>
+                  <a:txBody>
+                    <a:bodyPr/>
+                    <a:lstStyle/>
+                    <a:p>
+                      <a:pPr algn="ctr"/>
+                      <a:r>
+                        <a:rPr lang="en-US" altLang="zh-CN" dirty="0" smtClean="0"/>
+                        <a:t>PCA:</a:t>
+                      </a:r>
+                      <a:r>
+                        <a:rPr lang="zh-CN" altLang="en-US" dirty="0" smtClean="0"/>
+                        <a:t> </a:t>
+                      </a:r>
+                      <a:r>
+                        <a:rPr lang="en-US" altLang="zh-CN" dirty="0" smtClean="0"/>
+                        <a:t>Total</a:t>
+                      </a:r>
+                      <a:r>
+                        <a:rPr lang="zh-CN" altLang="en-US" baseline="0" dirty="0" smtClean="0"/>
+                        <a:t> </a:t>
+                      </a:r>
+                      <a:r>
+                        <a:rPr lang="en-US" altLang="zh-CN" baseline="0" dirty="0" smtClean="0"/>
+                        <a:t>variance</a:t>
+                      </a:r>
+                      <a:r>
+                        <a:rPr lang="zh-CN" altLang="en-US" baseline="0" dirty="0" smtClean="0"/>
+                        <a:t> </a:t>
+                      </a:r>
+                      <a:r>
+                        <a:rPr lang="en-US" altLang="zh-CN" baseline="0" dirty="0" smtClean="0"/>
+                        <a:t>of</a:t>
+                      </a:r>
+                      <a:r>
+                        <a:rPr lang="zh-CN" altLang="en-US" baseline="0" dirty="0" smtClean="0"/>
+                        <a:t> </a:t>
+                      </a:r>
+                      <a:r>
+                        <a:rPr lang="en-US" altLang="zh-CN" baseline="0" dirty="0" smtClean="0"/>
+                        <a:t>Explanation</a:t>
+                      </a:r>
+                      <a:endParaRPr lang="zh-CN" altLang="en-US" dirty="0"/>
+                    </a:p>
+                  </a:txBody>
+                  <a:tcPr anchor="ctr"/>
+                </a:tc>
+                <a:tc>
+                  <a:txBody>
+                    <a:bodyPr/>
+                    <a:lstStyle/>
+                    <a:p>
+                      <a:pPr algn="ctr"/>
+                      <a:r>
+                        <a:rPr lang="en-US" altLang="zh-CN" dirty="0" smtClean="0">
+                          <a:solidFill>
+                            <a:srgbClr val="C00000"/>
+                          </a:solidFill>
+                        </a:rPr>
+                        <a:t>Logistic</a:t>
+                      </a:r>
+                      <a:r>
+                        <a:rPr lang="zh-CN" altLang="en-US" dirty="0" smtClean="0">
+                          <a:solidFill>
+                            <a:srgbClr val="C00000"/>
+                          </a:solidFill>
+                        </a:rPr>
+                        <a:t> </a:t>
+                      </a:r>
+                      <a:r>
+                        <a:rPr lang="en-US" altLang="zh-CN" dirty="0" smtClean="0">
+                          <a:solidFill>
+                            <a:srgbClr val="C00000"/>
+                          </a:solidFill>
+                        </a:rPr>
+                        <a:t>Regression</a:t>
+                      </a:r>
+                    </a:p>
+                    <a:p>
+                      <a:pPr algn="ctr"/>
+                      <a:r>
+                        <a:rPr lang="en-US" altLang="zh-CN" dirty="0" smtClean="0"/>
+                        <a:t>Testing</a:t>
+                      </a:r>
+                      <a:r>
+                        <a:rPr lang="zh-CN" altLang="en-US" dirty="0" smtClean="0"/>
+                        <a:t> </a:t>
+                      </a:r>
+                      <a:r>
+                        <a:rPr lang="en-US" altLang="zh-CN" dirty="0" smtClean="0"/>
+                        <a:t>Accuracy</a:t>
+                      </a:r>
+                    </a:p>
+                    <a:p>
+                      <a:pPr algn="ctr"/>
+                      <a:r>
+                        <a:rPr lang="zh-CN" altLang="en-US" baseline="0" dirty="0" smtClean="0"/>
+                        <a:t> </a:t>
+                      </a:r>
+                      <a:r>
+                        <a:rPr lang="en-US" altLang="zh-CN" dirty="0" smtClean="0"/>
+                        <a:t>(5</a:t>
+                      </a:r>
+                      <a:r>
+                        <a:rPr lang="zh-CN" altLang="en-US" baseline="0" dirty="0" smtClean="0"/>
+                        <a:t> </a:t>
+                      </a:r>
+                      <a:r>
+                        <a:rPr lang="en-US" altLang="zh-CN" baseline="0" dirty="0" smtClean="0"/>
+                        <a:t>Folds</a:t>
+                      </a:r>
+                      <a:r>
+                        <a:rPr lang="zh-CN" altLang="en-US" baseline="0" dirty="0" smtClean="0"/>
+                        <a:t> </a:t>
+                      </a:r>
+                      <a:r>
+                        <a:rPr lang="en-US" altLang="zh-CN" baseline="0" dirty="0" smtClean="0"/>
+                        <a:t>CV)</a:t>
+                      </a:r>
+                      <a:endParaRPr lang="zh-CN" altLang="en-US" dirty="0"/>
+                    </a:p>
+                  </a:txBody>
+                  <a:tcPr anchor="ctr"/>
                 </a:tc>
               </a:tr>
               <a:tr h="357994">
@@ -8759,39 +9571,32 @@
                     <a:bodyPr/>
                     <a:lstStyle/>
                     <a:p>
-                      <a:r>
-                        <a:rPr lang="en-US" altLang="zh-CN" sz="1800" kern="1200" dirty="0" err="1" smtClean="0">
+                      <a:pPr algn="ctr"/>
+                      <a:r>
+                        <a:rPr lang="en-US" altLang="zh-CN" dirty="0" smtClean="0"/>
+                        <a:t>norm1</a:t>
+                      </a:r>
+                      <a:endParaRPr lang="zh-CN" altLang="en-US" dirty="0"/>
+                    </a:p>
+                  </a:txBody>
+                  <a:tcPr/>
+                </a:tc>
+                <a:tc>
+                  <a:txBody>
+                    <a:bodyPr/>
+                    <a:lstStyle/>
+                    <a:p>
+                      <a:pPr marL="0" algn="ctr" defTabSz="914400" rtl="0" eaLnBrk="1" latinLnBrk="0" hangingPunct="1"/>
+                      <a:r>
+                        <a:rPr lang="en-US" altLang="zh-CN" sz="1800" kern="1200" dirty="0" smtClean="0">
                           <a:solidFill>
                             <a:schemeClr val="dk1"/>
                           </a:solidFill>
-                          <a:effectLst/>
                           <a:latin typeface="+mn-lt"/>
                           <a:ea typeface="+mn-ea"/>
                           <a:cs typeface="+mn-cs"/>
                         </a:rPr>
-                        <a:t>prob</a:t>
-                      </a:r>
-                      <a:endParaRPr lang="zh-CN" altLang="en-US" dirty="0"/>
-                    </a:p>
-                  </a:txBody>
-                  <a:tcPr/>
-                </a:tc>
-                <a:tc>
-                  <a:txBody>
-                    <a:bodyPr/>
-                    <a:lstStyle/>
-                    <a:p>
-                      <a:pPr marL="0" algn="ctr" defTabSz="914400" rtl="0" eaLnBrk="1" latinLnBrk="0" hangingPunct="1"/>
-                      <a:r>
-                        <a:rPr lang="is-IS" altLang="zh-CN" sz="1800" kern="1200" dirty="0" smtClean="0">
-                          <a:solidFill>
-                            <a:schemeClr val="dk1"/>
-                          </a:solidFill>
-                          <a:latin typeface="+mn-lt"/>
-                          <a:ea typeface="+mn-ea"/>
-                          <a:cs typeface="+mn-cs"/>
-                        </a:rPr>
-                        <a:t>1000</a:t>
+                        <a:t>69984</a:t>
                       </a:r>
                       <a:endParaRPr lang="zh-CN" altLang="en-US" sz="1800" kern="1200" dirty="0">
                         <a:solidFill>
@@ -8813,6 +9618,693 @@
                       <a:pPr algn="ctr"/>
                       <a:r>
                         <a:rPr lang="en-US" altLang="zh-CN" dirty="0" smtClean="0"/>
+                        <a:t>1200</a:t>
+                      </a:r>
+                      <a:endParaRPr lang="zh-CN" altLang="en-US" dirty="0"/>
+                    </a:p>
+                  </a:txBody>
+                  <a:tcPr/>
+                </a:tc>
+                <a:tc>
+                  <a:txBody>
+                    <a:bodyPr/>
+                    <a:lstStyle/>
+                    <a:p>
+                      <a:pPr algn="ctr"/>
+                      <a:r>
+                        <a:rPr lang="en-US" altLang="zh-CN" dirty="0" smtClean="0"/>
+                        <a:t>91%</a:t>
+                      </a:r>
+                      <a:endParaRPr lang="zh-CN" altLang="en-US" dirty="0"/>
+                    </a:p>
+                  </a:txBody>
+                  <a:tcPr/>
+                </a:tc>
+                <a:tc>
+                  <a:txBody>
+                    <a:bodyPr/>
+                    <a:lstStyle/>
+                    <a:p>
+                      <a:pPr marL="0" algn="ctr" defTabSz="914400" rtl="0" eaLnBrk="1" fontAlgn="b" latinLnBrk="0" hangingPunct="1"/>
+                      <a:r>
+                        <a:rPr lang="pt-BR" sz="1800" kern="1200" dirty="0" smtClean="0">
+                          <a:solidFill>
+                            <a:schemeClr val="dk1"/>
+                          </a:solidFill>
+                          <a:latin typeface="+mn-lt"/>
+                          <a:ea typeface="+mn-ea"/>
+                          <a:cs typeface="+mn-cs"/>
+                        </a:rPr>
+                        <a:t>8</a:t>
+                      </a:r>
+                      <a:r>
+                        <a:rPr lang="en-US" altLang="zh-CN" sz="1800" kern="1200" dirty="0" smtClean="0">
+                          <a:solidFill>
+                            <a:schemeClr val="dk1"/>
+                          </a:solidFill>
+                          <a:latin typeface="+mn-lt"/>
+                          <a:ea typeface="+mn-ea"/>
+                          <a:cs typeface="+mn-cs"/>
+                        </a:rPr>
+                        <a:t>5</a:t>
+                      </a:r>
+                      <a:r>
+                        <a:rPr lang="pt-BR" sz="1800" kern="1200" dirty="0" smtClean="0">
+                          <a:solidFill>
+                            <a:schemeClr val="dk1"/>
+                          </a:solidFill>
+                          <a:latin typeface="+mn-lt"/>
+                          <a:ea typeface="+mn-ea"/>
+                          <a:cs typeface="+mn-cs"/>
+                        </a:rPr>
+                        <a:t>.75</a:t>
+                      </a:r>
+                      <a:r>
+                        <a:rPr lang="pt-BR" sz="1800" kern="1200" dirty="0">
+                          <a:solidFill>
+                            <a:schemeClr val="dk1"/>
+                          </a:solidFill>
+                          <a:latin typeface="+mn-lt"/>
+                          <a:ea typeface="+mn-ea"/>
+                          <a:cs typeface="+mn-cs"/>
+                        </a:rPr>
+                        <a:t>%</a:t>
+                      </a:r>
+                    </a:p>
+                  </a:txBody>
+                  <a:tcPr marL="6350" marR="6350" marT="6350" marB="0" anchor="ctr"/>
+                </a:tc>
+              </a:tr>
+              <a:tr h="357994">
+                <a:tc>
+                  <a:txBody>
+                    <a:bodyPr/>
+                    <a:lstStyle/>
+                    <a:p>
+                      <a:pPr algn="ctr"/>
+                      <a:r>
+                        <a:rPr lang="en-US" altLang="zh-CN" sz="1800" kern="1200" dirty="0" smtClean="0">
+                          <a:solidFill>
+                            <a:schemeClr val="dk1"/>
+                          </a:solidFill>
+                          <a:effectLst/>
+                          <a:latin typeface="+mn-lt"/>
+                          <a:ea typeface="+mn-ea"/>
+                          <a:cs typeface="+mn-cs"/>
+                        </a:rPr>
+                        <a:t>norm2</a:t>
+                      </a:r>
+                      <a:endParaRPr lang="zh-CN" altLang="en-US" dirty="0"/>
+                    </a:p>
+                  </a:txBody>
+                  <a:tcPr/>
+                </a:tc>
+                <a:tc>
+                  <a:txBody>
+                    <a:bodyPr/>
+                    <a:lstStyle/>
+                    <a:p>
+                      <a:pPr marL="0" algn="ctr" defTabSz="914400" rtl="0" eaLnBrk="1" latinLnBrk="0" hangingPunct="1"/>
+                      <a:r>
+                        <a:rPr lang="is-IS" altLang="zh-CN" sz="1800" kern="1200" dirty="0" smtClean="0">
+                          <a:solidFill>
+                            <a:schemeClr val="dk1"/>
+                          </a:solidFill>
+                          <a:latin typeface="+mn-lt"/>
+                          <a:ea typeface="+mn-ea"/>
+                          <a:cs typeface="+mn-cs"/>
+                        </a:rPr>
+                        <a:t>43264</a:t>
+                      </a:r>
+                      <a:endParaRPr lang="zh-CN" altLang="en-US" sz="1800" kern="1200" dirty="0">
+                        <a:solidFill>
+                          <a:schemeClr val="dk1"/>
+                        </a:solidFill>
+                        <a:latin typeface="+mn-lt"/>
+                        <a:ea typeface="+mn-ea"/>
+                        <a:cs typeface="+mn-cs"/>
+                      </a:endParaRPr>
+                    </a:p>
+                  </a:txBody>
+                  <a:tcPr/>
+                </a:tc>
+                <a:tc>
+                  <a:txBody>
+                    <a:bodyPr/>
+                    <a:lstStyle/>
+                    <a:p>
+                      <a:pPr algn="ctr"/>
+                      <a:r>
+                        <a:rPr lang="en-US" altLang="zh-CN" dirty="0" smtClean="0"/>
+                        <a:t>1200</a:t>
+                      </a:r>
+                      <a:endParaRPr lang="zh-CN" altLang="en-US" dirty="0"/>
+                    </a:p>
+                  </a:txBody>
+                  <a:tcPr/>
+                </a:tc>
+                <a:tc>
+                  <a:txBody>
+                    <a:bodyPr/>
+                    <a:lstStyle/>
+                    <a:p>
+                      <a:pPr algn="ctr"/>
+                      <a:r>
+                        <a:rPr lang="en-US" altLang="zh-CN" dirty="0" smtClean="0"/>
+                        <a:t>91%</a:t>
+                      </a:r>
+                      <a:endParaRPr lang="zh-CN" altLang="en-US" dirty="0"/>
+                    </a:p>
+                  </a:txBody>
+                  <a:tcPr/>
+                </a:tc>
+                <a:tc>
+                  <a:txBody>
+                    <a:bodyPr/>
+                    <a:lstStyle/>
+                    <a:p>
+                      <a:pPr marL="0" algn="ctr" defTabSz="914400" rtl="0" eaLnBrk="1" fontAlgn="b" latinLnBrk="0" hangingPunct="1"/>
+                      <a:r>
+                        <a:rPr lang="pt-BR" sz="1800" kern="1200" dirty="0" smtClean="0">
+                          <a:solidFill>
+                            <a:schemeClr val="dk1"/>
+                          </a:solidFill>
+                          <a:latin typeface="+mn-lt"/>
+                          <a:ea typeface="+mn-ea"/>
+                          <a:cs typeface="+mn-cs"/>
+                        </a:rPr>
+                        <a:t>9</a:t>
+                      </a:r>
+                      <a:r>
+                        <a:rPr lang="en-US" altLang="zh-CN" sz="1800" kern="1200" dirty="0" smtClean="0">
+                          <a:solidFill>
+                            <a:schemeClr val="dk1"/>
+                          </a:solidFill>
+                          <a:latin typeface="+mn-lt"/>
+                          <a:ea typeface="+mn-ea"/>
+                          <a:cs typeface="+mn-cs"/>
+                        </a:rPr>
+                        <a:t>0</a:t>
+                      </a:r>
+                      <a:r>
+                        <a:rPr lang="pt-BR" sz="1800" kern="1200" dirty="0" smtClean="0">
+                          <a:solidFill>
+                            <a:schemeClr val="dk1"/>
+                          </a:solidFill>
+                          <a:latin typeface="+mn-lt"/>
+                          <a:ea typeface="+mn-ea"/>
+                          <a:cs typeface="+mn-cs"/>
+                        </a:rPr>
+                        <a:t>.00</a:t>
+                      </a:r>
+                      <a:r>
+                        <a:rPr lang="pt-BR" sz="1800" kern="1200" dirty="0">
+                          <a:solidFill>
+                            <a:schemeClr val="dk1"/>
+                          </a:solidFill>
+                          <a:latin typeface="+mn-lt"/>
+                          <a:ea typeface="+mn-ea"/>
+                          <a:cs typeface="+mn-cs"/>
+                        </a:rPr>
+                        <a:t>%</a:t>
+                      </a:r>
+                    </a:p>
+                  </a:txBody>
+                  <a:tcPr marL="6350" marR="6350" marT="6350" marB="0" anchor="ctr"/>
+                </a:tc>
+              </a:tr>
+              <a:tr h="357994">
+                <a:tc>
+                  <a:txBody>
+                    <a:bodyPr/>
+                    <a:lstStyle/>
+                    <a:p>
+                      <a:pPr algn="ctr"/>
+                      <a:r>
+                        <a:rPr lang="en-US" altLang="zh-CN" sz="1800" kern="1200" dirty="0" smtClean="0">
+                          <a:solidFill>
+                            <a:schemeClr val="dk1"/>
+                          </a:solidFill>
+                          <a:effectLst/>
+                          <a:latin typeface="+mn-lt"/>
+                          <a:ea typeface="+mn-ea"/>
+                          <a:cs typeface="+mn-cs"/>
+                        </a:rPr>
+                        <a:t>conv3</a:t>
+                      </a:r>
+                      <a:endParaRPr lang="zh-CN" altLang="en-US" dirty="0"/>
+                    </a:p>
+                  </a:txBody>
+                  <a:tcPr/>
+                </a:tc>
+                <a:tc>
+                  <a:txBody>
+                    <a:bodyPr/>
+                    <a:lstStyle/>
+                    <a:p>
+                      <a:pPr marL="0" algn="ctr" defTabSz="914400" rtl="0" eaLnBrk="1" latinLnBrk="0" hangingPunct="1"/>
+                      <a:r>
+                        <a:rPr lang="cs-CZ" altLang="zh-CN" sz="1800" kern="1200" dirty="0" smtClean="0">
+                          <a:solidFill>
+                            <a:schemeClr val="dk1"/>
+                          </a:solidFill>
+                          <a:latin typeface="+mn-lt"/>
+                          <a:ea typeface="+mn-ea"/>
+                          <a:cs typeface="+mn-cs"/>
+                        </a:rPr>
+                        <a:t>64896</a:t>
+                      </a:r>
+                      <a:endParaRPr lang="zh-CN" altLang="en-US" sz="1800" kern="1200" dirty="0">
+                        <a:solidFill>
+                          <a:schemeClr val="dk1"/>
+                        </a:solidFill>
+                        <a:latin typeface="+mn-lt"/>
+                        <a:ea typeface="+mn-ea"/>
+                        <a:cs typeface="+mn-cs"/>
+                      </a:endParaRPr>
+                    </a:p>
+                  </a:txBody>
+                  <a:tcPr/>
+                </a:tc>
+                <a:tc>
+                  <a:txBody>
+                    <a:bodyPr/>
+                    <a:lstStyle/>
+                    <a:p>
+                      <a:pPr algn="ctr"/>
+                      <a:r>
+                        <a:rPr lang="en-US" altLang="zh-CN" dirty="0" smtClean="0"/>
+                        <a:t>1200</a:t>
+                      </a:r>
+                      <a:endParaRPr lang="zh-CN" altLang="en-US" dirty="0"/>
+                    </a:p>
+                  </a:txBody>
+                  <a:tcPr/>
+                </a:tc>
+                <a:tc>
+                  <a:txBody>
+                    <a:bodyPr/>
+                    <a:lstStyle/>
+                    <a:p>
+                      <a:pPr algn="ctr"/>
+                      <a:r>
+                        <a:rPr lang="en-US" altLang="zh-CN" dirty="0" smtClean="0"/>
+                        <a:t>90%</a:t>
+                      </a:r>
+                      <a:endParaRPr lang="zh-CN" altLang="en-US" dirty="0"/>
+                    </a:p>
+                  </a:txBody>
+                  <a:tcPr/>
+                </a:tc>
+                <a:tc>
+                  <a:txBody>
+                    <a:bodyPr/>
+                    <a:lstStyle/>
+                    <a:p>
+                      <a:pPr marL="0" algn="ctr" defTabSz="914400" rtl="0" eaLnBrk="1" fontAlgn="b" latinLnBrk="0" hangingPunct="1"/>
+                      <a:r>
+                        <a:rPr lang="hr-HR" sz="1800" kern="1200" dirty="0" smtClean="0">
+                          <a:solidFill>
+                            <a:schemeClr val="dk1"/>
+                          </a:solidFill>
+                          <a:latin typeface="+mn-lt"/>
+                          <a:ea typeface="+mn-ea"/>
+                          <a:cs typeface="+mn-cs"/>
+                        </a:rPr>
+                        <a:t>9</a:t>
+                      </a:r>
+                      <a:r>
+                        <a:rPr lang="en-US" altLang="zh-CN" sz="1800" kern="1200" dirty="0" smtClean="0">
+                          <a:solidFill>
+                            <a:schemeClr val="dk1"/>
+                          </a:solidFill>
+                          <a:latin typeface="+mn-lt"/>
+                          <a:ea typeface="+mn-ea"/>
+                          <a:cs typeface="+mn-cs"/>
+                        </a:rPr>
+                        <a:t>1</a:t>
+                      </a:r>
+                      <a:r>
+                        <a:rPr lang="hr-HR" sz="1800" kern="1200" dirty="0" smtClean="0">
+                          <a:solidFill>
+                            <a:schemeClr val="dk1"/>
+                          </a:solidFill>
+                          <a:latin typeface="+mn-lt"/>
+                          <a:ea typeface="+mn-ea"/>
+                          <a:cs typeface="+mn-cs"/>
+                        </a:rPr>
+                        <a:t>.75</a:t>
+                      </a:r>
+                      <a:r>
+                        <a:rPr lang="hr-HR" sz="1800" kern="1200" dirty="0">
+                          <a:solidFill>
+                            <a:schemeClr val="dk1"/>
+                          </a:solidFill>
+                          <a:latin typeface="+mn-lt"/>
+                          <a:ea typeface="+mn-ea"/>
+                          <a:cs typeface="+mn-cs"/>
+                        </a:rPr>
+                        <a:t>%</a:t>
+                      </a:r>
+                    </a:p>
+                  </a:txBody>
+                  <a:tcPr marL="6350" marR="6350" marT="6350" marB="0" anchor="ctr"/>
+                </a:tc>
+              </a:tr>
+              <a:tr h="0">
+                <a:tc>
+                  <a:txBody>
+                    <a:bodyPr/>
+                    <a:lstStyle/>
+                    <a:p>
+                      <a:pPr algn="ctr"/>
+                      <a:r>
+                        <a:rPr lang="en-US" altLang="zh-CN" sz="1800" kern="1200" dirty="0" smtClean="0">
+                          <a:solidFill>
+                            <a:schemeClr val="dk1"/>
+                          </a:solidFill>
+                          <a:effectLst/>
+                          <a:latin typeface="+mn-lt"/>
+                          <a:ea typeface="+mn-ea"/>
+                          <a:cs typeface="+mn-cs"/>
+                        </a:rPr>
+                        <a:t>conv4</a:t>
+                      </a:r>
+                      <a:endParaRPr lang="zh-CN" altLang="en-US" dirty="0"/>
+                    </a:p>
+                  </a:txBody>
+                  <a:tcPr/>
+                </a:tc>
+                <a:tc>
+                  <a:txBody>
+                    <a:bodyPr/>
+                    <a:lstStyle/>
+                    <a:p>
+                      <a:pPr marL="0" algn="ctr" defTabSz="914400" rtl="0" eaLnBrk="1" latinLnBrk="0" hangingPunct="1"/>
+                      <a:r>
+                        <a:rPr lang="cs-CZ" altLang="zh-CN" sz="1800" kern="1200" dirty="0" smtClean="0">
+                          <a:solidFill>
+                            <a:schemeClr val="dk1"/>
+                          </a:solidFill>
+                          <a:latin typeface="+mn-lt"/>
+                          <a:ea typeface="+mn-ea"/>
+                          <a:cs typeface="+mn-cs"/>
+                        </a:rPr>
+                        <a:t>64896</a:t>
+                      </a:r>
+                      <a:endParaRPr lang="zh-CN" altLang="en-US" sz="1800" kern="1200" dirty="0">
+                        <a:solidFill>
+                          <a:schemeClr val="dk1"/>
+                        </a:solidFill>
+                        <a:latin typeface="+mn-lt"/>
+                        <a:ea typeface="+mn-ea"/>
+                        <a:cs typeface="+mn-cs"/>
+                      </a:endParaRPr>
+                    </a:p>
+                  </a:txBody>
+                  <a:tcPr/>
+                </a:tc>
+                <a:tc>
+                  <a:txBody>
+                    <a:bodyPr/>
+                    <a:lstStyle/>
+                    <a:p>
+                      <a:pPr algn="ctr"/>
+                      <a:r>
+                        <a:rPr lang="en-US" altLang="zh-CN" dirty="0" smtClean="0"/>
+                        <a:t>1200</a:t>
+                      </a:r>
+                      <a:endParaRPr lang="zh-CN" altLang="en-US" dirty="0"/>
+                    </a:p>
+                  </a:txBody>
+                  <a:tcPr/>
+                </a:tc>
+                <a:tc>
+                  <a:txBody>
+                    <a:bodyPr/>
+                    <a:lstStyle/>
+                    <a:p>
+                      <a:pPr algn="ctr"/>
+                      <a:r>
+                        <a:rPr lang="en-US" altLang="zh-CN" dirty="0" smtClean="0"/>
+                        <a:t>90%</a:t>
+                      </a:r>
+                      <a:endParaRPr lang="zh-CN" altLang="en-US" dirty="0"/>
+                    </a:p>
+                  </a:txBody>
+                  <a:tcPr/>
+                </a:tc>
+                <a:tc>
+                  <a:txBody>
+                    <a:bodyPr/>
+                    <a:lstStyle/>
+                    <a:p>
+                      <a:pPr marL="0" algn="ctr" defTabSz="914400" rtl="0" eaLnBrk="1" fontAlgn="b" latinLnBrk="0" hangingPunct="1"/>
+                      <a:r>
+                        <a:rPr lang="nb-NO" sz="1800" kern="1200" dirty="0" smtClean="0">
+                          <a:solidFill>
+                            <a:schemeClr val="dk1"/>
+                          </a:solidFill>
+                          <a:latin typeface="+mn-lt"/>
+                          <a:ea typeface="+mn-ea"/>
+                          <a:cs typeface="+mn-cs"/>
+                        </a:rPr>
+                        <a:t>9</a:t>
+                      </a:r>
+                      <a:r>
+                        <a:rPr lang="en-US" altLang="zh-CN" sz="1800" kern="1200" dirty="0" smtClean="0">
+                          <a:solidFill>
+                            <a:schemeClr val="dk1"/>
+                          </a:solidFill>
+                          <a:latin typeface="+mn-lt"/>
+                          <a:ea typeface="+mn-ea"/>
+                          <a:cs typeface="+mn-cs"/>
+                        </a:rPr>
+                        <a:t>3</a:t>
+                      </a:r>
+                      <a:r>
+                        <a:rPr lang="nb-NO" sz="1800" kern="1200" dirty="0" smtClean="0">
+                          <a:solidFill>
+                            <a:schemeClr val="dk1"/>
+                          </a:solidFill>
+                          <a:latin typeface="+mn-lt"/>
+                          <a:ea typeface="+mn-ea"/>
+                          <a:cs typeface="+mn-cs"/>
+                        </a:rPr>
+                        <a:t>.50%</a:t>
+                      </a:r>
+                      <a:endParaRPr lang="nb-NO" sz="1800" kern="1200" dirty="0">
+                        <a:solidFill>
+                          <a:schemeClr val="dk1"/>
+                        </a:solidFill>
+                        <a:latin typeface="+mn-lt"/>
+                        <a:ea typeface="+mn-ea"/>
+                        <a:cs typeface="+mn-cs"/>
+                      </a:endParaRPr>
+                    </a:p>
+                  </a:txBody>
+                  <a:tcPr marL="6350" marR="6350" marT="6350" marB="0" anchor="ctr"/>
+                </a:tc>
+              </a:tr>
+              <a:tr h="383679">
+                <a:tc>
+                  <a:txBody>
+                    <a:bodyPr/>
+                    <a:lstStyle/>
+                    <a:p>
+                      <a:pPr algn="ctr"/>
+                      <a:r>
+                        <a:rPr lang="en-US" altLang="zh-CN" sz="1800" kern="1200" dirty="0" smtClean="0">
+                          <a:solidFill>
+                            <a:schemeClr val="dk1"/>
+                          </a:solidFill>
+                          <a:effectLst/>
+                          <a:latin typeface="+mn-lt"/>
+                          <a:ea typeface="+mn-ea"/>
+                          <a:cs typeface="+mn-cs"/>
+                        </a:rPr>
+                        <a:t>conv5</a:t>
+                      </a:r>
+                      <a:endParaRPr lang="zh-CN" altLang="en-US" dirty="0"/>
+                    </a:p>
+                  </a:txBody>
+                  <a:tcPr/>
+                </a:tc>
+                <a:tc>
+                  <a:txBody>
+                    <a:bodyPr/>
+                    <a:lstStyle/>
+                    <a:p>
+                      <a:pPr marL="0" algn="ctr" defTabSz="914400" rtl="0" eaLnBrk="1" latinLnBrk="0" hangingPunct="1"/>
+                      <a:r>
+                        <a:rPr lang="cs-CZ" altLang="zh-CN" sz="1800" kern="1200" dirty="0" smtClean="0">
+                          <a:solidFill>
+                            <a:schemeClr val="dk1"/>
+                          </a:solidFill>
+                          <a:latin typeface="+mn-lt"/>
+                          <a:ea typeface="+mn-ea"/>
+                          <a:cs typeface="+mn-cs"/>
+                        </a:rPr>
+                        <a:t>9216</a:t>
+                      </a:r>
+                      <a:endParaRPr lang="zh-CN" altLang="en-US" sz="1800" kern="1200" dirty="0">
+                        <a:solidFill>
+                          <a:schemeClr val="dk1"/>
+                        </a:solidFill>
+                        <a:latin typeface="+mn-lt"/>
+                        <a:ea typeface="+mn-ea"/>
+                        <a:cs typeface="+mn-cs"/>
+                      </a:endParaRPr>
+                    </a:p>
+                  </a:txBody>
+                  <a:tcPr/>
+                </a:tc>
+                <a:tc>
+                  <a:txBody>
+                    <a:bodyPr/>
+                    <a:lstStyle/>
+                    <a:p>
+                      <a:pPr algn="ctr"/>
+                      <a:r>
+                        <a:rPr lang="en-US" altLang="zh-CN" dirty="0" smtClean="0"/>
+                        <a:t>1500</a:t>
+                      </a:r>
+                      <a:endParaRPr lang="zh-CN" altLang="en-US" dirty="0"/>
+                    </a:p>
+                  </a:txBody>
+                  <a:tcPr/>
+                </a:tc>
+                <a:tc>
+                  <a:txBody>
+                    <a:bodyPr/>
+                    <a:lstStyle/>
+                    <a:p>
+                      <a:pPr algn="ctr"/>
+                      <a:r>
+                        <a:rPr lang="en-US" altLang="zh-CN" dirty="0" smtClean="0"/>
+                        <a:t>94%</a:t>
+                      </a:r>
+                      <a:endParaRPr lang="zh-CN" altLang="en-US" dirty="0"/>
+                    </a:p>
+                  </a:txBody>
+                  <a:tcPr/>
+                </a:tc>
+                <a:tc>
+                  <a:txBody>
+                    <a:bodyPr/>
+                    <a:lstStyle/>
+                    <a:p>
+                      <a:pPr marL="0" algn="ctr" defTabSz="914400" rtl="0" eaLnBrk="1" fontAlgn="b" latinLnBrk="0" hangingPunct="1"/>
+                      <a:r>
+                        <a:rPr lang="hr-HR" sz="1800" kern="1200" dirty="0" smtClean="0">
+                          <a:solidFill>
+                            <a:schemeClr val="dk1"/>
+                          </a:solidFill>
+                          <a:latin typeface="+mn-lt"/>
+                          <a:ea typeface="+mn-ea"/>
+                          <a:cs typeface="+mn-cs"/>
+                        </a:rPr>
+                        <a:t>9</a:t>
+                      </a:r>
+                      <a:r>
+                        <a:rPr lang="en-US" altLang="zh-CN" sz="1800" kern="1200" dirty="0" smtClean="0">
+                          <a:solidFill>
+                            <a:schemeClr val="dk1"/>
+                          </a:solidFill>
+                          <a:latin typeface="+mn-lt"/>
+                          <a:ea typeface="+mn-ea"/>
+                          <a:cs typeface="+mn-cs"/>
+                        </a:rPr>
+                        <a:t>3</a:t>
+                      </a:r>
+                      <a:r>
+                        <a:rPr lang="hr-HR" sz="1800" kern="1200" dirty="0" smtClean="0">
+                          <a:solidFill>
+                            <a:schemeClr val="dk1"/>
+                          </a:solidFill>
+                          <a:latin typeface="+mn-lt"/>
+                          <a:ea typeface="+mn-ea"/>
+                          <a:cs typeface="+mn-cs"/>
+                        </a:rPr>
+                        <a:t>.25</a:t>
+                      </a:r>
+                      <a:r>
+                        <a:rPr lang="hr-HR" sz="1800" kern="1200" dirty="0">
+                          <a:solidFill>
+                            <a:schemeClr val="dk1"/>
+                          </a:solidFill>
+                          <a:latin typeface="+mn-lt"/>
+                          <a:ea typeface="+mn-ea"/>
+                          <a:cs typeface="+mn-cs"/>
+                        </a:rPr>
+                        <a:t>%</a:t>
+                      </a:r>
+                    </a:p>
+                  </a:txBody>
+                  <a:tcPr marL="6350" marR="6350" marT="6350" marB="0" anchor="ctr"/>
+                </a:tc>
+              </a:tr>
+              <a:tr h="357994">
+                <a:tc>
+                  <a:txBody>
+                    <a:bodyPr/>
+                    <a:lstStyle/>
+                    <a:p>
+                      <a:pPr algn="ctr"/>
+                      <a:r>
+                        <a:rPr lang="en-US" altLang="zh-CN" sz="1800" kern="1200" dirty="0" smtClean="0">
+                          <a:solidFill>
+                            <a:schemeClr val="dk1"/>
+                          </a:solidFill>
+                          <a:effectLst/>
+                          <a:latin typeface="+mn-lt"/>
+                          <a:ea typeface="+mn-ea"/>
+                          <a:cs typeface="+mn-cs"/>
+                        </a:rPr>
+                        <a:t>pool5</a:t>
+                      </a:r>
+                      <a:endParaRPr lang="zh-CN" altLang="en-US" dirty="0"/>
+                    </a:p>
+                  </a:txBody>
+                  <a:tcPr/>
+                </a:tc>
+                <a:tc>
+                  <a:txBody>
+                    <a:bodyPr/>
+                    <a:lstStyle/>
+                    <a:p>
+                      <a:pPr marL="0" algn="ctr" defTabSz="914400" rtl="0" eaLnBrk="1" latinLnBrk="0" hangingPunct="1"/>
+                      <a:r>
+                        <a:rPr lang="is-IS" altLang="zh-CN" sz="1800" kern="1200" dirty="0" smtClean="0">
+                          <a:solidFill>
+                            <a:schemeClr val="dk1"/>
+                          </a:solidFill>
+                          <a:latin typeface="+mn-lt"/>
+                          <a:ea typeface="+mn-ea"/>
+                          <a:cs typeface="+mn-cs"/>
+                        </a:rPr>
+                        <a:t>43264</a:t>
+                      </a:r>
+                      <a:endParaRPr lang="zh-CN" altLang="en-US" sz="1800" kern="1200" dirty="0">
+                        <a:solidFill>
+                          <a:schemeClr val="dk1"/>
+                        </a:solidFill>
+                        <a:latin typeface="+mn-lt"/>
+                        <a:ea typeface="+mn-ea"/>
+                        <a:cs typeface="+mn-cs"/>
+                      </a:endParaRPr>
+                    </a:p>
+                  </a:txBody>
+                  <a:tcPr/>
+                </a:tc>
+                <a:tc>
+                  <a:txBody>
+                    <a:bodyPr/>
+                    <a:lstStyle/>
+                    <a:p>
+                      <a:pPr algn="ctr"/>
+                      <a:r>
+                        <a:rPr lang="en-US" altLang="zh-CN" dirty="0" smtClean="0"/>
                         <a:t>1000</a:t>
                       </a:r>
                       <a:endParaRPr lang="zh-CN" altLang="en-US" dirty="0"/>
@@ -8828,6 +10320,440 @@
                       <a:pPr algn="ctr"/>
                       <a:r>
                         <a:rPr lang="en-US" altLang="zh-CN" dirty="0" smtClean="0"/>
+                        <a:t>91%</a:t>
+                      </a:r>
+                      <a:endParaRPr lang="zh-CN" altLang="en-US" dirty="0"/>
+                    </a:p>
+                  </a:txBody>
+                  <a:tcPr/>
+                </a:tc>
+                <a:tc>
+                  <a:txBody>
+                    <a:bodyPr/>
+                    <a:lstStyle/>
+                    <a:p>
+                      <a:pPr marL="0" algn="ctr" defTabSz="914400" rtl="0" eaLnBrk="1" fontAlgn="b" latinLnBrk="0" hangingPunct="1"/>
+                      <a:r>
+                        <a:rPr lang="pt-BR" sz="1800" kern="1200" dirty="0" smtClean="0">
+                          <a:solidFill>
+                            <a:schemeClr val="dk1"/>
+                          </a:solidFill>
+                          <a:latin typeface="+mn-lt"/>
+                          <a:ea typeface="+mn-ea"/>
+                          <a:cs typeface="+mn-cs"/>
+                        </a:rPr>
+                        <a:t>9</a:t>
+                      </a:r>
+                      <a:r>
+                        <a:rPr lang="en-US" altLang="zh-CN" sz="1800" kern="1200" dirty="0" smtClean="0">
+                          <a:solidFill>
+                            <a:schemeClr val="dk1"/>
+                          </a:solidFill>
+                          <a:latin typeface="+mn-lt"/>
+                          <a:ea typeface="+mn-ea"/>
+                          <a:cs typeface="+mn-cs"/>
+                        </a:rPr>
+                        <a:t>5</a:t>
+                      </a:r>
+                      <a:r>
+                        <a:rPr lang="pt-BR" sz="1800" kern="1200" dirty="0" smtClean="0">
+                          <a:solidFill>
+                            <a:schemeClr val="dk1"/>
+                          </a:solidFill>
+                          <a:latin typeface="+mn-lt"/>
+                          <a:ea typeface="+mn-ea"/>
+                          <a:cs typeface="+mn-cs"/>
+                        </a:rPr>
+                        <a:t>.00</a:t>
+                      </a:r>
+                      <a:r>
+                        <a:rPr lang="pt-BR" sz="1800" kern="1200" dirty="0">
+                          <a:solidFill>
+                            <a:schemeClr val="dk1"/>
+                          </a:solidFill>
+                          <a:latin typeface="+mn-lt"/>
+                          <a:ea typeface="+mn-ea"/>
+                          <a:cs typeface="+mn-cs"/>
+                        </a:rPr>
+                        <a:t>%</a:t>
+                      </a:r>
+                    </a:p>
+                  </a:txBody>
+                  <a:tcPr marL="6350" marR="6350" marT="6350" marB="0" anchor="ctr"/>
+                </a:tc>
+              </a:tr>
+              <a:tr h="357994">
+                <a:tc>
+                  <a:txBody>
+                    <a:bodyPr/>
+                    <a:lstStyle/>
+                    <a:p>
+                      <a:pPr algn="ctr"/>
+                      <a:r>
+                        <a:rPr lang="en-US" altLang="zh-CN" sz="1800" kern="1200" dirty="0" smtClean="0">
+                          <a:solidFill>
+                            <a:schemeClr val="dk1"/>
+                          </a:solidFill>
+                          <a:effectLst/>
+                          <a:latin typeface="+mn-lt"/>
+                          <a:ea typeface="+mn-ea"/>
+                          <a:cs typeface="+mn-cs"/>
+                        </a:rPr>
+                        <a:t>fc6</a:t>
+                      </a:r>
+                      <a:endParaRPr lang="zh-CN" altLang="en-US" dirty="0"/>
+                    </a:p>
+                  </a:txBody>
+                  <a:tcPr/>
+                </a:tc>
+                <a:tc>
+                  <a:txBody>
+                    <a:bodyPr/>
+                    <a:lstStyle/>
+                    <a:p>
+                      <a:pPr marL="0" algn="ctr" defTabSz="914400" rtl="0" eaLnBrk="1" latinLnBrk="0" hangingPunct="1"/>
+                      <a:r>
+                        <a:rPr lang="is-IS" altLang="zh-CN" sz="1800" kern="1200" dirty="0" smtClean="0">
+                          <a:solidFill>
+                            <a:schemeClr val="dk1"/>
+                          </a:solidFill>
+                          <a:latin typeface="+mn-lt"/>
+                          <a:ea typeface="+mn-ea"/>
+                          <a:cs typeface="+mn-cs"/>
+                        </a:rPr>
+                        <a:t>4096</a:t>
+                      </a:r>
+                      <a:endParaRPr lang="zh-CN" altLang="en-US" sz="1800" kern="1200" dirty="0">
+                        <a:solidFill>
+                          <a:schemeClr val="dk1"/>
+                        </a:solidFill>
+                        <a:latin typeface="+mn-lt"/>
+                        <a:ea typeface="+mn-ea"/>
+                        <a:cs typeface="+mn-cs"/>
+                      </a:endParaRPr>
+                    </a:p>
+                  </a:txBody>
+                  <a:tcPr/>
+                </a:tc>
+                <a:tc>
+                  <a:txBody>
+                    <a:bodyPr/>
+                    <a:lstStyle/>
+                    <a:p>
+                      <a:pPr algn="ctr"/>
+                      <a:r>
+                        <a:rPr lang="en-US" altLang="zh-CN" dirty="0" smtClean="0"/>
+                        <a:t>900</a:t>
+                      </a:r>
+                      <a:endParaRPr lang="zh-CN" altLang="en-US" dirty="0"/>
+                    </a:p>
+                  </a:txBody>
+                  <a:tcPr/>
+                </a:tc>
+                <a:tc>
+                  <a:txBody>
+                    <a:bodyPr/>
+                    <a:lstStyle/>
+                    <a:p>
+                      <a:pPr algn="ctr"/>
+                      <a:r>
+                        <a:rPr lang="en-US" altLang="zh-CN" dirty="0" smtClean="0"/>
+                        <a:t>91%</a:t>
+                      </a:r>
+                      <a:endParaRPr lang="zh-CN" altLang="en-US" dirty="0"/>
+                    </a:p>
+                  </a:txBody>
+                  <a:tcPr/>
+                </a:tc>
+                <a:tc>
+                  <a:txBody>
+                    <a:bodyPr/>
+                    <a:lstStyle/>
+                    <a:p>
+                      <a:pPr marL="0" algn="ctr" defTabSz="914400" rtl="0" eaLnBrk="1" fontAlgn="b" latinLnBrk="0" hangingPunct="1"/>
+                      <a:r>
+                        <a:rPr lang="hr-HR" sz="1800" kern="1200" dirty="0" smtClean="0">
+                          <a:solidFill>
+                            <a:schemeClr val="dk1"/>
+                          </a:solidFill>
+                          <a:latin typeface="+mn-lt"/>
+                          <a:ea typeface="+mn-ea"/>
+                          <a:cs typeface="+mn-cs"/>
+                        </a:rPr>
+                        <a:t>9</a:t>
+                      </a:r>
+                      <a:r>
+                        <a:rPr lang="en-US" altLang="zh-CN" sz="1800" kern="1200" dirty="0" smtClean="0">
+                          <a:solidFill>
+                            <a:schemeClr val="dk1"/>
+                          </a:solidFill>
+                          <a:latin typeface="+mn-lt"/>
+                          <a:ea typeface="+mn-ea"/>
+                          <a:cs typeface="+mn-cs"/>
+                        </a:rPr>
+                        <a:t>5</a:t>
+                      </a:r>
+                      <a:r>
+                        <a:rPr lang="hr-HR" sz="1800" kern="1200" dirty="0" smtClean="0">
+                          <a:solidFill>
+                            <a:schemeClr val="dk1"/>
+                          </a:solidFill>
+                          <a:latin typeface="+mn-lt"/>
+                          <a:ea typeface="+mn-ea"/>
+                          <a:cs typeface="+mn-cs"/>
+                        </a:rPr>
+                        <a:t>.25</a:t>
+                      </a:r>
+                      <a:r>
+                        <a:rPr lang="hr-HR" sz="1800" kern="1200" dirty="0">
+                          <a:solidFill>
+                            <a:schemeClr val="dk1"/>
+                          </a:solidFill>
+                          <a:latin typeface="+mn-lt"/>
+                          <a:ea typeface="+mn-ea"/>
+                          <a:cs typeface="+mn-cs"/>
+                        </a:rPr>
+                        <a:t>%</a:t>
+                      </a:r>
+                    </a:p>
+                  </a:txBody>
+                  <a:tcPr marL="6350" marR="6350" marT="6350" marB="0" anchor="ctr"/>
+                </a:tc>
+              </a:tr>
+              <a:tr h="357994">
+                <a:tc>
+                  <a:txBody>
+                    <a:bodyPr/>
+                    <a:lstStyle/>
+                    <a:p>
+                      <a:pPr algn="ctr"/>
+                      <a:r>
+                        <a:rPr lang="en-US" altLang="zh-CN" sz="1800" kern="1200" dirty="0" smtClean="0">
+                          <a:solidFill>
+                            <a:schemeClr val="tx1"/>
+                          </a:solidFill>
+                          <a:effectLst/>
+                          <a:latin typeface="+mn-lt"/>
+                          <a:ea typeface="+mn-ea"/>
+                          <a:cs typeface="+mn-cs"/>
+                        </a:rPr>
+                        <a:t>fc7</a:t>
+                      </a:r>
+                      <a:endParaRPr lang="zh-CN" altLang="en-US" dirty="0">
+                        <a:solidFill>
+                          <a:schemeClr val="tx1"/>
+                        </a:solidFill>
+                      </a:endParaRPr>
+                    </a:p>
+                  </a:txBody>
+                  <a:tcPr/>
+                </a:tc>
+                <a:tc>
+                  <a:txBody>
+                    <a:bodyPr/>
+                    <a:lstStyle/>
+                    <a:p>
+                      <a:pPr marL="0" algn="ctr" defTabSz="914400" rtl="0" eaLnBrk="1" latinLnBrk="0" hangingPunct="1"/>
+                      <a:r>
+                        <a:rPr lang="is-IS" altLang="zh-CN" sz="1800" kern="1200" dirty="0" smtClean="0">
+                          <a:solidFill>
+                            <a:schemeClr val="tx1"/>
+                          </a:solidFill>
+                          <a:latin typeface="+mn-lt"/>
+                          <a:ea typeface="+mn-ea"/>
+                          <a:cs typeface="+mn-cs"/>
+                        </a:rPr>
+                        <a:t>4096</a:t>
+                      </a:r>
+                      <a:endParaRPr lang="zh-CN" altLang="en-US" sz="1800" kern="1200" dirty="0">
+                        <a:solidFill>
+                          <a:schemeClr val="tx1"/>
+                        </a:solidFill>
+                        <a:latin typeface="+mn-lt"/>
+                        <a:ea typeface="+mn-ea"/>
+                        <a:cs typeface="+mn-cs"/>
+                      </a:endParaRPr>
+                    </a:p>
+                  </a:txBody>
+                  <a:tcPr/>
+                </a:tc>
+                <a:tc>
+                  <a:txBody>
+                    <a:bodyPr/>
+                    <a:lstStyle/>
+                    <a:p>
+                      <a:pPr algn="ctr"/>
+                      <a:r>
+                        <a:rPr lang="en-US" altLang="zh-CN" dirty="0" smtClean="0">
+                          <a:solidFill>
+                            <a:schemeClr val="tx1"/>
+                          </a:solidFill>
+                        </a:rPr>
+                        <a:t>1000</a:t>
+                      </a:r>
+                      <a:endParaRPr lang="zh-CN" altLang="en-US" dirty="0">
+                        <a:solidFill>
+                          <a:schemeClr val="tx1"/>
+                        </a:solidFill>
+                      </a:endParaRPr>
+                    </a:p>
+                  </a:txBody>
+                  <a:tcPr/>
+                </a:tc>
+                <a:tc>
+                  <a:txBody>
+                    <a:bodyPr/>
+                    <a:lstStyle/>
+                    <a:p>
+                      <a:pPr algn="ctr"/>
+                      <a:r>
+                        <a:rPr lang="en-US" altLang="zh-CN" dirty="0" smtClean="0">
+                          <a:solidFill>
+                            <a:schemeClr val="tx1"/>
+                          </a:solidFill>
+                        </a:rPr>
+                        <a:t>96%</a:t>
+                      </a:r>
+                      <a:endParaRPr lang="zh-CN" altLang="en-US" dirty="0">
+                        <a:solidFill>
+                          <a:schemeClr val="tx1"/>
+                        </a:solidFill>
+                      </a:endParaRPr>
+                    </a:p>
+                  </a:txBody>
+                  <a:tcPr/>
+                </a:tc>
+                <a:tc>
+                  <a:txBody>
+                    <a:bodyPr/>
+                    <a:lstStyle/>
+                    <a:p>
+                      <a:pPr marL="0" algn="ctr" defTabSz="914400" rtl="0" eaLnBrk="1" fontAlgn="b" latinLnBrk="0" hangingPunct="1"/>
+                      <a:r>
+                        <a:rPr lang="hr-HR" sz="1800" kern="1200" dirty="0" smtClean="0">
+                          <a:solidFill>
+                            <a:schemeClr val="dk1"/>
+                          </a:solidFill>
+                          <a:latin typeface="+mn-lt"/>
+                          <a:ea typeface="+mn-ea"/>
+                          <a:cs typeface="+mn-cs"/>
+                        </a:rPr>
+                        <a:t>9</a:t>
+                      </a:r>
+                      <a:r>
+                        <a:rPr lang="en-US" altLang="zh-CN" sz="1800" kern="1200" dirty="0" smtClean="0">
+                          <a:solidFill>
+                            <a:schemeClr val="dk1"/>
+                          </a:solidFill>
+                          <a:latin typeface="+mn-lt"/>
+                          <a:ea typeface="+mn-ea"/>
+                          <a:cs typeface="+mn-cs"/>
+                        </a:rPr>
+                        <a:t>6</a:t>
+                      </a:r>
+                      <a:r>
+                        <a:rPr lang="hr-HR" sz="1800" kern="1200" dirty="0" smtClean="0">
+                          <a:solidFill>
+                            <a:schemeClr val="dk1"/>
+                          </a:solidFill>
+                          <a:latin typeface="+mn-lt"/>
+                          <a:ea typeface="+mn-ea"/>
+                          <a:cs typeface="+mn-cs"/>
+                        </a:rPr>
+                        <a:t>.50</a:t>
+                      </a:r>
+                      <a:r>
+                        <a:rPr lang="hr-HR" sz="1800" kern="1200" dirty="0">
+                          <a:solidFill>
+                            <a:schemeClr val="dk1"/>
+                          </a:solidFill>
+                          <a:latin typeface="+mn-lt"/>
+                          <a:ea typeface="+mn-ea"/>
+                          <a:cs typeface="+mn-cs"/>
+                        </a:rPr>
+                        <a:t>%</a:t>
+                      </a:r>
+                    </a:p>
+                  </a:txBody>
+                  <a:tcPr marL="6350" marR="6350" marT="6350" marB="0" anchor="ctr"/>
+                </a:tc>
+              </a:tr>
+              <a:tr h="357994">
+                <a:tc>
+                  <a:txBody>
+                    <a:bodyPr/>
+                    <a:lstStyle/>
+                    <a:p>
+                      <a:pPr algn="ctr"/>
+                      <a:r>
+                        <a:rPr lang="en-US" altLang="zh-CN" sz="1800" kern="1200" dirty="0" smtClean="0">
+                          <a:solidFill>
+                            <a:schemeClr val="dk1"/>
+                          </a:solidFill>
+                          <a:effectLst/>
+                          <a:latin typeface="+mn-lt"/>
+                          <a:ea typeface="+mn-ea"/>
+                          <a:cs typeface="+mn-cs"/>
+                        </a:rPr>
+                        <a:t>fc8</a:t>
+                      </a:r>
+                      <a:endParaRPr lang="zh-CN" altLang="en-US" dirty="0"/>
+                    </a:p>
+                  </a:txBody>
+                  <a:tcPr/>
+                </a:tc>
+                <a:tc>
+                  <a:txBody>
+                    <a:bodyPr/>
+                    <a:lstStyle/>
+                    <a:p>
+                      <a:pPr marL="0" algn="ctr" defTabSz="914400" rtl="0" eaLnBrk="1" latinLnBrk="0" hangingPunct="1"/>
+                      <a:r>
+                        <a:rPr lang="is-IS" altLang="zh-CN" sz="1800" kern="1200" dirty="0" smtClean="0">
+                          <a:solidFill>
+                            <a:schemeClr val="dk1"/>
+                          </a:solidFill>
+                          <a:latin typeface="+mn-lt"/>
+                          <a:ea typeface="+mn-ea"/>
+                          <a:cs typeface="+mn-cs"/>
+                        </a:rPr>
+                        <a:t>1000</a:t>
+                      </a:r>
+                      <a:endParaRPr lang="zh-CN" altLang="en-US" sz="1800" kern="1200" dirty="0">
+                        <a:solidFill>
+                          <a:schemeClr val="dk1"/>
+                        </a:solidFill>
+                        <a:latin typeface="+mn-lt"/>
+                        <a:ea typeface="+mn-ea"/>
+                        <a:cs typeface="+mn-cs"/>
+                      </a:endParaRPr>
+                    </a:p>
+                  </a:txBody>
+                  <a:tcPr/>
+                </a:tc>
+                <a:tc>
+                  <a:txBody>
+                    <a:bodyPr/>
+                    <a:lstStyle/>
+                    <a:p>
+                      <a:pPr algn="ctr"/>
+                      <a:r>
+                        <a:rPr lang="en-US" altLang="zh-CN" dirty="0" smtClean="0"/>
+                        <a:t>1000</a:t>
+                      </a:r>
+                      <a:endParaRPr lang="zh-CN" altLang="en-US" dirty="0"/>
+                    </a:p>
+                  </a:txBody>
+                  <a:tcPr/>
+                </a:tc>
+                <a:tc>
+                  <a:txBody>
+                    <a:bodyPr/>
+                    <a:lstStyle/>
+                    <a:p>
+                      <a:pPr algn="ctr"/>
+                      <a:r>
+                        <a:rPr lang="en-US" altLang="zh-CN" dirty="0" smtClean="0"/>
                         <a:t>100%</a:t>
                       </a:r>
                       <a:endParaRPr lang="zh-CN" altLang="en-US" dirty="0"/>
@@ -8840,11 +10766,1823 @@
                     <a:bodyPr/>
                     <a:lstStyle/>
                     <a:p>
+                      <a:pPr marL="0" algn="ctr" defTabSz="914400" rtl="0" eaLnBrk="1" fontAlgn="b" latinLnBrk="0" hangingPunct="1"/>
+                      <a:r>
+                        <a:rPr lang="nb-NO" sz="1800" kern="1200" dirty="0" smtClean="0">
+                          <a:solidFill>
+                            <a:schemeClr val="dk1"/>
+                          </a:solidFill>
+                          <a:latin typeface="+mn-lt"/>
+                          <a:ea typeface="+mn-ea"/>
+                          <a:cs typeface="+mn-cs"/>
+                        </a:rPr>
+                        <a:t>9</a:t>
+                      </a:r>
+                      <a:r>
+                        <a:rPr lang="en-US" altLang="zh-CN" sz="1800" kern="1200" dirty="0" smtClean="0">
+                          <a:solidFill>
+                            <a:schemeClr val="dk1"/>
+                          </a:solidFill>
+                          <a:latin typeface="+mn-lt"/>
+                          <a:ea typeface="+mn-ea"/>
+                          <a:cs typeface="+mn-cs"/>
+                        </a:rPr>
+                        <a:t>5</a:t>
+                      </a:r>
+                      <a:r>
+                        <a:rPr lang="nb-NO" sz="1800" kern="1200" dirty="0" smtClean="0">
+                          <a:solidFill>
+                            <a:schemeClr val="dk1"/>
+                          </a:solidFill>
+                          <a:latin typeface="+mn-lt"/>
+                          <a:ea typeface="+mn-ea"/>
+                          <a:cs typeface="+mn-cs"/>
+                        </a:rPr>
+                        <a:t>.50</a:t>
+                      </a:r>
+                      <a:r>
+                        <a:rPr lang="nb-NO" sz="1800" kern="1200" dirty="0">
+                          <a:solidFill>
+                            <a:schemeClr val="dk1"/>
+                          </a:solidFill>
+                          <a:latin typeface="+mn-lt"/>
+                          <a:ea typeface="+mn-ea"/>
+                          <a:cs typeface="+mn-cs"/>
+                        </a:rPr>
+                        <a:t>%</a:t>
+                      </a:r>
+                    </a:p>
+                  </a:txBody>
+                  <a:tcPr marL="6350" marR="6350" marT="6350" marB="0" anchor="ctr"/>
+                </a:tc>
+              </a:tr>
+              <a:tr h="357994">
+                <a:tc>
+                  <a:txBody>
+                    <a:bodyPr/>
+                    <a:lstStyle/>
+                    <a:p>
                       <a:pPr algn="ctr"/>
-                      <a:endParaRPr lang="zh-CN" altLang="en-US" dirty="0"/>
-                    </a:p>
-                  </a:txBody>
-                  <a:tcPr/>
+                      <a:r>
+                        <a:rPr lang="en-US" altLang="zh-CN" sz="1800" kern="1200" dirty="0" err="1" smtClean="0">
+                          <a:solidFill>
+                            <a:schemeClr val="dk1"/>
+                          </a:solidFill>
+                          <a:effectLst/>
+                          <a:latin typeface="+mn-lt"/>
+                          <a:ea typeface="+mn-ea"/>
+                          <a:cs typeface="+mn-cs"/>
+                        </a:rPr>
+                        <a:t>prob</a:t>
+                      </a:r>
+                      <a:endParaRPr lang="zh-CN" altLang="en-US" dirty="0"/>
+                    </a:p>
+                  </a:txBody>
+                  <a:tcPr/>
+                </a:tc>
+                <a:tc>
+                  <a:txBody>
+                    <a:bodyPr/>
+                    <a:lstStyle/>
+                    <a:p>
+                      <a:pPr marL="0" algn="ctr" defTabSz="914400" rtl="0" eaLnBrk="1" latinLnBrk="0" hangingPunct="1"/>
+                      <a:r>
+                        <a:rPr lang="is-IS" altLang="zh-CN" sz="1800" kern="1200" dirty="0" smtClean="0">
+                          <a:solidFill>
+                            <a:schemeClr val="dk1"/>
+                          </a:solidFill>
+                          <a:latin typeface="+mn-lt"/>
+                          <a:ea typeface="+mn-ea"/>
+                          <a:cs typeface="+mn-cs"/>
+                        </a:rPr>
+                        <a:t>1000</a:t>
+                      </a:r>
+                      <a:endParaRPr lang="zh-CN" altLang="en-US" sz="1800" kern="1200" dirty="0">
+                        <a:solidFill>
+                          <a:schemeClr val="dk1"/>
+                        </a:solidFill>
+                        <a:latin typeface="+mn-lt"/>
+                        <a:ea typeface="+mn-ea"/>
+                        <a:cs typeface="+mn-cs"/>
+                      </a:endParaRPr>
+                    </a:p>
+                  </a:txBody>
+                  <a:tcPr/>
+                </a:tc>
+                <a:tc>
+                  <a:txBody>
+                    <a:bodyPr/>
+                    <a:lstStyle/>
+                    <a:p>
+                      <a:pPr algn="ctr"/>
+                      <a:r>
+                        <a:rPr lang="en-US" altLang="zh-CN" dirty="0" smtClean="0"/>
+                        <a:t>1000</a:t>
+                      </a:r>
+                      <a:endParaRPr lang="zh-CN" altLang="en-US" dirty="0"/>
+                    </a:p>
+                  </a:txBody>
+                  <a:tcPr/>
+                </a:tc>
+                <a:tc>
+                  <a:txBody>
+                    <a:bodyPr/>
+                    <a:lstStyle/>
+                    <a:p>
+                      <a:pPr algn="ctr"/>
+                      <a:r>
+                        <a:rPr lang="en-US" altLang="zh-CN" dirty="0" smtClean="0"/>
+                        <a:t>100%</a:t>
+                      </a:r>
+                      <a:endParaRPr lang="zh-CN" altLang="en-US" dirty="0"/>
+                    </a:p>
+                  </a:txBody>
+                  <a:tcPr/>
+                </a:tc>
+                <a:tc>
+                  <a:txBody>
+                    <a:bodyPr/>
+                    <a:lstStyle/>
+                    <a:p>
+                      <a:pPr marL="0" algn="ctr" defTabSz="914400" rtl="0" eaLnBrk="1" fontAlgn="b" latinLnBrk="0" hangingPunct="1"/>
+                      <a:r>
+                        <a:rPr lang="pt-BR" sz="1800" kern="1200" dirty="0" smtClean="0">
+                          <a:solidFill>
+                            <a:schemeClr val="dk1"/>
+                          </a:solidFill>
+                          <a:latin typeface="+mn-lt"/>
+                          <a:ea typeface="+mn-ea"/>
+                          <a:cs typeface="+mn-cs"/>
+                        </a:rPr>
+                        <a:t>9</a:t>
+                      </a:r>
+                      <a:r>
+                        <a:rPr lang="en-US" altLang="zh-CN" sz="1800" kern="1200" dirty="0" smtClean="0">
+                          <a:solidFill>
+                            <a:schemeClr val="dk1"/>
+                          </a:solidFill>
+                          <a:latin typeface="+mn-lt"/>
+                          <a:ea typeface="+mn-ea"/>
+                          <a:cs typeface="+mn-cs"/>
+                        </a:rPr>
+                        <a:t>3</a:t>
+                      </a:r>
+                      <a:r>
+                        <a:rPr lang="pt-BR" sz="1800" kern="1200" dirty="0" smtClean="0">
+                          <a:solidFill>
+                            <a:schemeClr val="dk1"/>
+                          </a:solidFill>
+                          <a:latin typeface="+mn-lt"/>
+                          <a:ea typeface="+mn-ea"/>
+                          <a:cs typeface="+mn-cs"/>
+                        </a:rPr>
+                        <a:t>.00</a:t>
+                      </a:r>
+                      <a:r>
+                        <a:rPr lang="pt-BR" sz="1800" kern="1200" dirty="0">
+                          <a:solidFill>
+                            <a:schemeClr val="dk1"/>
+                          </a:solidFill>
+                          <a:latin typeface="+mn-lt"/>
+                          <a:ea typeface="+mn-ea"/>
+                          <a:cs typeface="+mn-cs"/>
+                        </a:rPr>
+                        <a:t>%</a:t>
+                      </a:r>
+                    </a:p>
+                  </a:txBody>
+                  <a:tcPr marL="6350" marR="6350" marT="6350" marB="0" anchor="ctr"/>
+                </a:tc>
+              </a:tr>
+            </a:tbl>
+          </a:graphicData>
+        </a:graphic>
+      </p:graphicFrame>
+      <p:graphicFrame>
+        <p:nvGraphicFramePr>
+          <p:cNvPr id="10" name="表格 9"/>
+          <p:cNvGraphicFramePr>
+            <a:graphicFrameLocks noGrp="1"/>
+          </p:cNvGraphicFramePr>
+          <p:nvPr>
+            <p:extLst>
+              <p:ext uri="{D42A27DB-BD31-4B8C-83A1-F6EECF244321}">
+                <p14:modId xmlns:p14="http://schemas.microsoft.com/office/powerpoint/2010/main" val="2009989889"/>
+              </p:ext>
+            </p:extLst>
+          </p:nvPr>
+        </p:nvGraphicFramePr>
+        <p:xfrm>
+          <a:off x="642939" y="1716044"/>
+          <a:ext cx="10640757" cy="4847888"/>
+        </p:xfrm>
+        <a:graphic>
+          <a:graphicData uri="http://schemas.openxmlformats.org/drawingml/2006/table">
+            <a:tbl>
+              <a:tblPr firstRow="1" bandRow="1">
+                <a:tableStyleId>{93296810-A885-4BE3-A3E7-6D5BEEA58F35}</a:tableStyleId>
+              </a:tblPr>
+              <a:tblGrid>
+                <a:gridCol w="2014648"/>
+                <a:gridCol w="1589019"/>
+                <a:gridCol w="1844400"/>
+                <a:gridCol w="2596345"/>
+                <a:gridCol w="2596345"/>
+              </a:tblGrid>
+              <a:tr h="1172369">
+                <a:tc>
+                  <a:txBody>
+                    <a:bodyPr/>
+                    <a:lstStyle/>
+                    <a:p>
+                      <a:pPr algn="ctr"/>
+                      <a:r>
+                        <a:rPr lang="en-US" altLang="zh-CN" dirty="0" smtClean="0"/>
+                        <a:t>Layer</a:t>
+                      </a:r>
+                      <a:r>
+                        <a:rPr lang="zh-CN" altLang="en-US" dirty="0" smtClean="0"/>
+                        <a:t> </a:t>
+                      </a:r>
+                      <a:endParaRPr lang="en-US" altLang="zh-CN" dirty="0" smtClean="0"/>
+                    </a:p>
+                    <a:p>
+                      <a:pPr algn="ctr"/>
+                      <a:r>
+                        <a:rPr lang="en-US" altLang="zh-CN" dirty="0" smtClean="0"/>
+                        <a:t>(around</a:t>
+                      </a:r>
+                      <a:r>
+                        <a:rPr lang="zh-CN" altLang="en-US" baseline="0" dirty="0" smtClean="0"/>
+                        <a:t> </a:t>
+                      </a:r>
+                      <a:r>
+                        <a:rPr lang="en-US" altLang="zh-CN" baseline="0" dirty="0" smtClean="0"/>
+                        <a:t>10mins)</a:t>
+                      </a:r>
+                      <a:endParaRPr lang="zh-CN" altLang="en-US" dirty="0"/>
+                    </a:p>
+                  </a:txBody>
+                  <a:tcPr anchor="ctr"/>
+                </a:tc>
+                <a:tc>
+                  <a:txBody>
+                    <a:bodyPr/>
+                    <a:lstStyle/>
+                    <a:p>
+                      <a:pPr algn="ctr"/>
+                      <a:r>
+                        <a:rPr lang="en-US" altLang="zh-CN" dirty="0" smtClean="0"/>
+                        <a:t>Total</a:t>
+                      </a:r>
+                      <a:r>
+                        <a:rPr lang="zh-CN" altLang="en-US" dirty="0" smtClean="0"/>
+                        <a:t> </a:t>
+                      </a:r>
+                      <a:r>
+                        <a:rPr lang="en-US" altLang="zh-CN" dirty="0" smtClean="0"/>
+                        <a:t>Features</a:t>
+                      </a:r>
+                      <a:endParaRPr lang="zh-CN" altLang="en-US" dirty="0"/>
+                    </a:p>
+                  </a:txBody>
+                  <a:tcPr anchor="ctr"/>
+                </a:tc>
+                <a:tc>
+                  <a:txBody>
+                    <a:bodyPr/>
+                    <a:lstStyle/>
+                    <a:p>
+                      <a:pPr algn="ctr"/>
+                      <a:r>
+                        <a:rPr lang="en-US" altLang="zh-CN" dirty="0" smtClean="0"/>
+                        <a:t>Features</a:t>
+                      </a:r>
+                      <a:r>
+                        <a:rPr lang="zh-CN" altLang="en-US" baseline="0" dirty="0" smtClean="0"/>
+                        <a:t> </a:t>
+                      </a:r>
+                      <a:r>
+                        <a:rPr lang="en-US" altLang="zh-CN" baseline="0" dirty="0" smtClean="0"/>
+                        <a:t>Selected</a:t>
+                      </a:r>
+                      <a:endParaRPr lang="zh-CN" altLang="en-US" dirty="0"/>
+                    </a:p>
+                  </a:txBody>
+                  <a:tcPr anchor="ctr"/>
+                </a:tc>
+                <a:tc>
+                  <a:txBody>
+                    <a:bodyPr/>
+                    <a:lstStyle/>
+                    <a:p>
+                      <a:pPr algn="ctr"/>
+                      <a:r>
+                        <a:rPr lang="en-US" altLang="zh-CN" dirty="0" smtClean="0"/>
+                        <a:t>PCA:</a:t>
+                      </a:r>
+                      <a:r>
+                        <a:rPr lang="zh-CN" altLang="en-US" dirty="0" smtClean="0"/>
+                        <a:t> </a:t>
+                      </a:r>
+                      <a:r>
+                        <a:rPr lang="en-US" altLang="zh-CN" dirty="0" smtClean="0"/>
+                        <a:t>Total</a:t>
+                      </a:r>
+                      <a:r>
+                        <a:rPr lang="zh-CN" altLang="en-US" baseline="0" dirty="0" smtClean="0"/>
+                        <a:t> </a:t>
+                      </a:r>
+                      <a:r>
+                        <a:rPr lang="en-US" altLang="zh-CN" baseline="0" dirty="0" smtClean="0"/>
+                        <a:t>variance</a:t>
+                      </a:r>
+                      <a:r>
+                        <a:rPr lang="zh-CN" altLang="en-US" baseline="0" dirty="0" smtClean="0"/>
+                        <a:t> </a:t>
+                      </a:r>
+                      <a:r>
+                        <a:rPr lang="en-US" altLang="zh-CN" baseline="0" dirty="0" smtClean="0"/>
+                        <a:t>of</a:t>
+                      </a:r>
+                      <a:r>
+                        <a:rPr lang="zh-CN" altLang="en-US" baseline="0" dirty="0" smtClean="0"/>
+                        <a:t> </a:t>
+                      </a:r>
+                      <a:r>
+                        <a:rPr lang="en-US" altLang="zh-CN" baseline="0" dirty="0" smtClean="0"/>
+                        <a:t>Explanation</a:t>
+                      </a:r>
+                      <a:endParaRPr lang="zh-CN" altLang="en-US" dirty="0"/>
+                    </a:p>
+                  </a:txBody>
+                  <a:tcPr anchor="ctr"/>
+                </a:tc>
+                <a:tc>
+                  <a:txBody>
+                    <a:bodyPr/>
+                    <a:lstStyle/>
+                    <a:p>
+                      <a:pPr algn="ctr"/>
+                      <a:r>
+                        <a:rPr lang="en-US" altLang="zh-CN" dirty="0" smtClean="0">
+                          <a:solidFill>
+                            <a:srgbClr val="C00000"/>
+                          </a:solidFill>
+                        </a:rPr>
+                        <a:t>Logistic</a:t>
+                      </a:r>
+                      <a:r>
+                        <a:rPr lang="zh-CN" altLang="en-US" dirty="0" smtClean="0">
+                          <a:solidFill>
+                            <a:srgbClr val="C00000"/>
+                          </a:solidFill>
+                        </a:rPr>
+                        <a:t> </a:t>
+                      </a:r>
+                      <a:r>
+                        <a:rPr lang="en-US" altLang="zh-CN" dirty="0" smtClean="0">
+                          <a:solidFill>
+                            <a:srgbClr val="C00000"/>
+                          </a:solidFill>
+                        </a:rPr>
+                        <a:t>Regression</a:t>
+                      </a:r>
+                    </a:p>
+                    <a:p>
+                      <a:pPr algn="ctr"/>
+                      <a:r>
+                        <a:rPr lang="en-US" altLang="zh-CN" dirty="0" smtClean="0"/>
+                        <a:t>Testing</a:t>
+                      </a:r>
+                      <a:r>
+                        <a:rPr lang="zh-CN" altLang="en-US" dirty="0" smtClean="0"/>
+                        <a:t> </a:t>
+                      </a:r>
+                      <a:r>
+                        <a:rPr lang="en-US" altLang="zh-CN" dirty="0" smtClean="0"/>
+                        <a:t>Accuracy</a:t>
+                      </a:r>
+                    </a:p>
+                    <a:p>
+                      <a:pPr algn="ctr"/>
+                      <a:r>
+                        <a:rPr lang="zh-CN" altLang="en-US" baseline="0" dirty="0" smtClean="0"/>
+                        <a:t> </a:t>
+                      </a:r>
+                      <a:r>
+                        <a:rPr lang="en-US" altLang="zh-CN" dirty="0" smtClean="0"/>
+                        <a:t>(5</a:t>
+                      </a:r>
+                      <a:r>
+                        <a:rPr lang="zh-CN" altLang="en-US" baseline="0" dirty="0" smtClean="0"/>
+                        <a:t> </a:t>
+                      </a:r>
+                      <a:r>
+                        <a:rPr lang="en-US" altLang="zh-CN" baseline="0" dirty="0" smtClean="0"/>
+                        <a:t>Folds</a:t>
+                      </a:r>
+                      <a:r>
+                        <a:rPr lang="zh-CN" altLang="en-US" baseline="0" dirty="0" smtClean="0"/>
+                        <a:t> </a:t>
+                      </a:r>
+                      <a:r>
+                        <a:rPr lang="en-US" altLang="zh-CN" baseline="0" dirty="0" smtClean="0"/>
+                        <a:t>CV)</a:t>
+                      </a:r>
+                      <a:endParaRPr lang="zh-CN" altLang="en-US" dirty="0"/>
+                    </a:p>
+                  </a:txBody>
+                  <a:tcPr anchor="ctr"/>
+                </a:tc>
+              </a:tr>
+              <a:tr h="357994">
+                <a:tc>
+                  <a:txBody>
+                    <a:bodyPr/>
+                    <a:lstStyle/>
+                    <a:p>
+                      <a:pPr algn="ctr"/>
+                      <a:r>
+                        <a:rPr lang="en-US" altLang="zh-CN" dirty="0" smtClean="0"/>
+                        <a:t>norm1</a:t>
+                      </a:r>
+                      <a:endParaRPr lang="zh-CN" altLang="en-US" dirty="0"/>
+                    </a:p>
+                  </a:txBody>
+                  <a:tcPr/>
+                </a:tc>
+                <a:tc>
+                  <a:txBody>
+                    <a:bodyPr/>
+                    <a:lstStyle/>
+                    <a:p>
+                      <a:pPr marL="0" algn="ctr" defTabSz="914400" rtl="0" eaLnBrk="1" latinLnBrk="0" hangingPunct="1"/>
+                      <a:r>
+                        <a:rPr lang="en-US" altLang="zh-CN" sz="1800" kern="1200" dirty="0" smtClean="0">
+                          <a:solidFill>
+                            <a:schemeClr val="dk1"/>
+                          </a:solidFill>
+                          <a:latin typeface="+mn-lt"/>
+                          <a:ea typeface="+mn-ea"/>
+                          <a:cs typeface="+mn-cs"/>
+                        </a:rPr>
+                        <a:t>69984</a:t>
+                      </a:r>
+                      <a:endParaRPr lang="zh-CN" altLang="en-US" sz="1800" kern="1200" dirty="0">
+                        <a:solidFill>
+                          <a:schemeClr val="dk1"/>
+                        </a:solidFill>
+                        <a:latin typeface="+mn-lt"/>
+                        <a:ea typeface="+mn-ea"/>
+                        <a:cs typeface="+mn-cs"/>
+                      </a:endParaRPr>
+                    </a:p>
+                  </a:txBody>
+                  <a:tcPr/>
+                </a:tc>
+                <a:tc>
+                  <a:txBody>
+                    <a:bodyPr/>
+                    <a:lstStyle/>
+                    <a:p>
+                      <a:pPr algn="ctr"/>
+                      <a:r>
+                        <a:rPr lang="en-US" altLang="zh-CN" dirty="0" smtClean="0"/>
+                        <a:t>1200</a:t>
+                      </a:r>
+                      <a:endParaRPr lang="zh-CN" altLang="en-US" dirty="0"/>
+                    </a:p>
+                  </a:txBody>
+                  <a:tcPr/>
+                </a:tc>
+                <a:tc>
+                  <a:txBody>
+                    <a:bodyPr/>
+                    <a:lstStyle/>
+                    <a:p>
+                      <a:pPr algn="ctr"/>
+                      <a:r>
+                        <a:rPr lang="en-US" altLang="zh-CN" dirty="0" smtClean="0"/>
+                        <a:t>91%</a:t>
+                      </a:r>
+                      <a:endParaRPr lang="zh-CN" altLang="en-US" dirty="0"/>
+                    </a:p>
+                  </a:txBody>
+                  <a:tcPr/>
+                </a:tc>
+                <a:tc>
+                  <a:txBody>
+                    <a:bodyPr/>
+                    <a:lstStyle/>
+                    <a:p>
+                      <a:pPr marL="0" algn="ctr" defTabSz="914400" rtl="0" eaLnBrk="1" fontAlgn="b" latinLnBrk="0" hangingPunct="1"/>
+                      <a:r>
+                        <a:rPr lang="pt-BR" sz="1800" kern="1200" dirty="0" smtClean="0">
+                          <a:solidFill>
+                            <a:schemeClr val="dk1"/>
+                          </a:solidFill>
+                          <a:latin typeface="+mn-lt"/>
+                          <a:ea typeface="+mn-ea"/>
+                          <a:cs typeface="+mn-cs"/>
+                        </a:rPr>
+                        <a:t>8</a:t>
+                      </a:r>
+                      <a:r>
+                        <a:rPr lang="en-US" altLang="zh-CN" sz="1800" kern="1200" dirty="0" smtClean="0">
+                          <a:solidFill>
+                            <a:schemeClr val="dk1"/>
+                          </a:solidFill>
+                          <a:latin typeface="+mn-lt"/>
+                          <a:ea typeface="+mn-ea"/>
+                          <a:cs typeface="+mn-cs"/>
+                        </a:rPr>
+                        <a:t>5</a:t>
+                      </a:r>
+                      <a:r>
+                        <a:rPr lang="pt-BR" sz="1800" kern="1200" dirty="0" smtClean="0">
+                          <a:solidFill>
+                            <a:schemeClr val="dk1"/>
+                          </a:solidFill>
+                          <a:latin typeface="+mn-lt"/>
+                          <a:ea typeface="+mn-ea"/>
+                          <a:cs typeface="+mn-cs"/>
+                        </a:rPr>
+                        <a:t>.75</a:t>
+                      </a:r>
+                      <a:r>
+                        <a:rPr lang="pt-BR" sz="1800" kern="1200" dirty="0">
+                          <a:solidFill>
+                            <a:schemeClr val="dk1"/>
+                          </a:solidFill>
+                          <a:latin typeface="+mn-lt"/>
+                          <a:ea typeface="+mn-ea"/>
+                          <a:cs typeface="+mn-cs"/>
+                        </a:rPr>
+                        <a:t>%</a:t>
+                      </a:r>
+                    </a:p>
+                  </a:txBody>
+                  <a:tcPr marL="6350" marR="6350" marT="6350" marB="0" anchor="ctr"/>
+                </a:tc>
+              </a:tr>
+              <a:tr h="357994">
+                <a:tc>
+                  <a:txBody>
+                    <a:bodyPr/>
+                    <a:lstStyle/>
+                    <a:p>
+                      <a:pPr algn="ctr"/>
+                      <a:r>
+                        <a:rPr lang="en-US" altLang="zh-CN" sz="1800" kern="1200" dirty="0" smtClean="0">
+                          <a:solidFill>
+                            <a:schemeClr val="dk1"/>
+                          </a:solidFill>
+                          <a:effectLst/>
+                          <a:latin typeface="+mn-lt"/>
+                          <a:ea typeface="+mn-ea"/>
+                          <a:cs typeface="+mn-cs"/>
+                        </a:rPr>
+                        <a:t>norm2</a:t>
+                      </a:r>
+                      <a:endParaRPr lang="zh-CN" altLang="en-US" dirty="0"/>
+                    </a:p>
+                  </a:txBody>
+                  <a:tcPr/>
+                </a:tc>
+                <a:tc>
+                  <a:txBody>
+                    <a:bodyPr/>
+                    <a:lstStyle/>
+                    <a:p>
+                      <a:pPr marL="0" algn="ctr" defTabSz="914400" rtl="0" eaLnBrk="1" latinLnBrk="0" hangingPunct="1"/>
+                      <a:r>
+                        <a:rPr lang="is-IS" altLang="zh-CN" sz="1800" kern="1200" dirty="0" smtClean="0">
+                          <a:solidFill>
+                            <a:schemeClr val="dk1"/>
+                          </a:solidFill>
+                          <a:latin typeface="+mn-lt"/>
+                          <a:ea typeface="+mn-ea"/>
+                          <a:cs typeface="+mn-cs"/>
+                        </a:rPr>
+                        <a:t>43264</a:t>
+                      </a:r>
+                      <a:endParaRPr lang="zh-CN" altLang="en-US" sz="1800" kern="1200" dirty="0">
+                        <a:solidFill>
+                          <a:schemeClr val="dk1"/>
+                        </a:solidFill>
+                        <a:latin typeface="+mn-lt"/>
+                        <a:ea typeface="+mn-ea"/>
+                        <a:cs typeface="+mn-cs"/>
+                      </a:endParaRPr>
+                    </a:p>
+                  </a:txBody>
+                  <a:tcPr/>
+                </a:tc>
+                <a:tc>
+                  <a:txBody>
+                    <a:bodyPr/>
+                    <a:lstStyle/>
+                    <a:p>
+                      <a:pPr algn="ctr"/>
+                      <a:r>
+                        <a:rPr lang="en-US" altLang="zh-CN" dirty="0" smtClean="0"/>
+                        <a:t>1200</a:t>
+                      </a:r>
+                      <a:endParaRPr lang="zh-CN" altLang="en-US" dirty="0"/>
+                    </a:p>
+                  </a:txBody>
+                  <a:tcPr/>
+                </a:tc>
+                <a:tc>
+                  <a:txBody>
+                    <a:bodyPr/>
+                    <a:lstStyle/>
+                    <a:p>
+                      <a:pPr algn="ctr"/>
+                      <a:r>
+                        <a:rPr lang="en-US" altLang="zh-CN" dirty="0" smtClean="0"/>
+                        <a:t>91%</a:t>
+                      </a:r>
+                      <a:endParaRPr lang="zh-CN" altLang="en-US" dirty="0"/>
+                    </a:p>
+                  </a:txBody>
+                  <a:tcPr/>
+                </a:tc>
+                <a:tc>
+                  <a:txBody>
+                    <a:bodyPr/>
+                    <a:lstStyle/>
+                    <a:p>
+                      <a:pPr marL="0" algn="ctr" defTabSz="914400" rtl="0" eaLnBrk="1" fontAlgn="b" latinLnBrk="0" hangingPunct="1"/>
+                      <a:r>
+                        <a:rPr lang="pt-BR" sz="1800" kern="1200" dirty="0" smtClean="0">
+                          <a:solidFill>
+                            <a:schemeClr val="dk1"/>
+                          </a:solidFill>
+                          <a:latin typeface="+mn-lt"/>
+                          <a:ea typeface="+mn-ea"/>
+                          <a:cs typeface="+mn-cs"/>
+                        </a:rPr>
+                        <a:t>9</a:t>
+                      </a:r>
+                      <a:r>
+                        <a:rPr lang="en-US" altLang="zh-CN" sz="1800" kern="1200" dirty="0" smtClean="0">
+                          <a:solidFill>
+                            <a:schemeClr val="dk1"/>
+                          </a:solidFill>
+                          <a:latin typeface="+mn-lt"/>
+                          <a:ea typeface="+mn-ea"/>
+                          <a:cs typeface="+mn-cs"/>
+                        </a:rPr>
+                        <a:t>0</a:t>
+                      </a:r>
+                      <a:r>
+                        <a:rPr lang="pt-BR" sz="1800" kern="1200" dirty="0" smtClean="0">
+                          <a:solidFill>
+                            <a:schemeClr val="dk1"/>
+                          </a:solidFill>
+                          <a:latin typeface="+mn-lt"/>
+                          <a:ea typeface="+mn-ea"/>
+                          <a:cs typeface="+mn-cs"/>
+                        </a:rPr>
+                        <a:t>.00</a:t>
+                      </a:r>
+                      <a:r>
+                        <a:rPr lang="pt-BR" sz="1800" kern="1200" dirty="0">
+                          <a:solidFill>
+                            <a:schemeClr val="dk1"/>
+                          </a:solidFill>
+                          <a:latin typeface="+mn-lt"/>
+                          <a:ea typeface="+mn-ea"/>
+                          <a:cs typeface="+mn-cs"/>
+                        </a:rPr>
+                        <a:t>%</a:t>
+                      </a:r>
+                    </a:p>
+                  </a:txBody>
+                  <a:tcPr marL="6350" marR="6350" marT="6350" marB="0" anchor="ctr"/>
+                </a:tc>
+              </a:tr>
+              <a:tr h="357994">
+                <a:tc>
+                  <a:txBody>
+                    <a:bodyPr/>
+                    <a:lstStyle/>
+                    <a:p>
+                      <a:pPr algn="ctr"/>
+                      <a:r>
+                        <a:rPr lang="en-US" altLang="zh-CN" sz="1800" kern="1200" dirty="0" smtClean="0">
+                          <a:solidFill>
+                            <a:schemeClr val="dk1"/>
+                          </a:solidFill>
+                          <a:effectLst/>
+                          <a:latin typeface="+mn-lt"/>
+                          <a:ea typeface="+mn-ea"/>
+                          <a:cs typeface="+mn-cs"/>
+                        </a:rPr>
+                        <a:t>conv3</a:t>
+                      </a:r>
+                      <a:endParaRPr lang="zh-CN" altLang="en-US" dirty="0"/>
+                    </a:p>
+                  </a:txBody>
+                  <a:tcPr/>
+                </a:tc>
+                <a:tc>
+                  <a:txBody>
+                    <a:bodyPr/>
+                    <a:lstStyle/>
+                    <a:p>
+                      <a:pPr marL="0" algn="ctr" defTabSz="914400" rtl="0" eaLnBrk="1" latinLnBrk="0" hangingPunct="1"/>
+                      <a:r>
+                        <a:rPr lang="cs-CZ" altLang="zh-CN" sz="1800" kern="1200" dirty="0" smtClean="0">
+                          <a:solidFill>
+                            <a:schemeClr val="dk1"/>
+                          </a:solidFill>
+                          <a:latin typeface="+mn-lt"/>
+                          <a:ea typeface="+mn-ea"/>
+                          <a:cs typeface="+mn-cs"/>
+                        </a:rPr>
+                        <a:t>64896</a:t>
+                      </a:r>
+                      <a:endParaRPr lang="zh-CN" altLang="en-US" sz="1800" kern="1200" dirty="0">
+                        <a:solidFill>
+                          <a:schemeClr val="dk1"/>
+                        </a:solidFill>
+                        <a:latin typeface="+mn-lt"/>
+                        <a:ea typeface="+mn-ea"/>
+                        <a:cs typeface="+mn-cs"/>
+                      </a:endParaRPr>
+                    </a:p>
+                  </a:txBody>
+                  <a:tcPr/>
+                </a:tc>
+                <a:tc>
+                  <a:txBody>
+                    <a:bodyPr/>
+                    <a:lstStyle/>
+                    <a:p>
+                      <a:pPr algn="ctr"/>
+                      <a:r>
+                        <a:rPr lang="en-US" altLang="zh-CN" dirty="0" smtClean="0"/>
+                        <a:t>1200</a:t>
+                      </a:r>
+                      <a:endParaRPr lang="zh-CN" altLang="en-US" dirty="0"/>
+                    </a:p>
+                  </a:txBody>
+                  <a:tcPr/>
+                </a:tc>
+                <a:tc>
+                  <a:txBody>
+                    <a:bodyPr/>
+                    <a:lstStyle/>
+                    <a:p>
+                      <a:pPr algn="ctr"/>
+                      <a:r>
+                        <a:rPr lang="en-US" altLang="zh-CN" dirty="0" smtClean="0"/>
+                        <a:t>90%</a:t>
+                      </a:r>
+                      <a:endParaRPr lang="zh-CN" altLang="en-US" dirty="0"/>
+                    </a:p>
+                  </a:txBody>
+                  <a:tcPr/>
+                </a:tc>
+                <a:tc>
+                  <a:txBody>
+                    <a:bodyPr/>
+                    <a:lstStyle/>
+                    <a:p>
+                      <a:pPr marL="0" algn="ctr" defTabSz="914400" rtl="0" eaLnBrk="1" fontAlgn="b" latinLnBrk="0" hangingPunct="1"/>
+                      <a:r>
+                        <a:rPr lang="hr-HR" sz="1800" kern="1200" dirty="0" smtClean="0">
+                          <a:solidFill>
+                            <a:schemeClr val="dk1"/>
+                          </a:solidFill>
+                          <a:latin typeface="+mn-lt"/>
+                          <a:ea typeface="+mn-ea"/>
+                          <a:cs typeface="+mn-cs"/>
+                        </a:rPr>
+                        <a:t>9</a:t>
+                      </a:r>
+                      <a:r>
+                        <a:rPr lang="en-US" altLang="zh-CN" sz="1800" kern="1200" dirty="0" smtClean="0">
+                          <a:solidFill>
+                            <a:schemeClr val="dk1"/>
+                          </a:solidFill>
+                          <a:latin typeface="+mn-lt"/>
+                          <a:ea typeface="+mn-ea"/>
+                          <a:cs typeface="+mn-cs"/>
+                        </a:rPr>
+                        <a:t>1</a:t>
+                      </a:r>
+                      <a:r>
+                        <a:rPr lang="hr-HR" sz="1800" kern="1200" dirty="0" smtClean="0">
+                          <a:solidFill>
+                            <a:schemeClr val="dk1"/>
+                          </a:solidFill>
+                          <a:latin typeface="+mn-lt"/>
+                          <a:ea typeface="+mn-ea"/>
+                          <a:cs typeface="+mn-cs"/>
+                        </a:rPr>
+                        <a:t>.75</a:t>
+                      </a:r>
+                      <a:r>
+                        <a:rPr lang="hr-HR" sz="1800" kern="1200" dirty="0">
+                          <a:solidFill>
+                            <a:schemeClr val="dk1"/>
+                          </a:solidFill>
+                          <a:latin typeface="+mn-lt"/>
+                          <a:ea typeface="+mn-ea"/>
+                          <a:cs typeface="+mn-cs"/>
+                        </a:rPr>
+                        <a:t>%</a:t>
+                      </a:r>
+                    </a:p>
+                  </a:txBody>
+                  <a:tcPr marL="6350" marR="6350" marT="6350" marB="0" anchor="ctr"/>
+                </a:tc>
+              </a:tr>
+              <a:tr h="0">
+                <a:tc>
+                  <a:txBody>
+                    <a:bodyPr/>
+                    <a:lstStyle/>
+                    <a:p>
+                      <a:pPr algn="ctr"/>
+                      <a:r>
+                        <a:rPr lang="en-US" altLang="zh-CN" sz="1800" kern="1200" dirty="0" smtClean="0">
+                          <a:solidFill>
+                            <a:schemeClr val="dk1"/>
+                          </a:solidFill>
+                          <a:effectLst/>
+                          <a:latin typeface="+mn-lt"/>
+                          <a:ea typeface="+mn-ea"/>
+                          <a:cs typeface="+mn-cs"/>
+                        </a:rPr>
+                        <a:t>conv4</a:t>
+                      </a:r>
+                      <a:endParaRPr lang="zh-CN" altLang="en-US" dirty="0"/>
+                    </a:p>
+                  </a:txBody>
+                  <a:tcPr/>
+                </a:tc>
+                <a:tc>
+                  <a:txBody>
+                    <a:bodyPr/>
+                    <a:lstStyle/>
+                    <a:p>
+                      <a:pPr marL="0" algn="ctr" defTabSz="914400" rtl="0" eaLnBrk="1" latinLnBrk="0" hangingPunct="1"/>
+                      <a:r>
+                        <a:rPr lang="cs-CZ" altLang="zh-CN" sz="1800" kern="1200" dirty="0" smtClean="0">
+                          <a:solidFill>
+                            <a:schemeClr val="dk1"/>
+                          </a:solidFill>
+                          <a:latin typeface="+mn-lt"/>
+                          <a:ea typeface="+mn-ea"/>
+                          <a:cs typeface="+mn-cs"/>
+                        </a:rPr>
+                        <a:t>64896</a:t>
+                      </a:r>
+                      <a:endParaRPr lang="zh-CN" altLang="en-US" sz="1800" kern="1200" dirty="0">
+                        <a:solidFill>
+                          <a:schemeClr val="dk1"/>
+                        </a:solidFill>
+                        <a:latin typeface="+mn-lt"/>
+                        <a:ea typeface="+mn-ea"/>
+                        <a:cs typeface="+mn-cs"/>
+                      </a:endParaRPr>
+                    </a:p>
+                  </a:txBody>
+                  <a:tcPr/>
+                </a:tc>
+                <a:tc>
+                  <a:txBody>
+                    <a:bodyPr/>
+                    <a:lstStyle/>
+                    <a:p>
+                      <a:pPr algn="ctr"/>
+                      <a:r>
+                        <a:rPr lang="en-US" altLang="zh-CN" dirty="0" smtClean="0"/>
+                        <a:t>1200</a:t>
+                      </a:r>
+                      <a:endParaRPr lang="zh-CN" altLang="en-US" dirty="0"/>
+                    </a:p>
+                  </a:txBody>
+                  <a:tcPr/>
+                </a:tc>
+                <a:tc>
+                  <a:txBody>
+                    <a:bodyPr/>
+                    <a:lstStyle/>
+                    <a:p>
+                      <a:pPr algn="ctr"/>
+                      <a:r>
+                        <a:rPr lang="en-US" altLang="zh-CN" dirty="0" smtClean="0"/>
+                        <a:t>90%</a:t>
+                      </a:r>
+                      <a:endParaRPr lang="zh-CN" altLang="en-US" dirty="0"/>
+                    </a:p>
+                  </a:txBody>
+                  <a:tcPr/>
+                </a:tc>
+                <a:tc>
+                  <a:txBody>
+                    <a:bodyPr/>
+                    <a:lstStyle/>
+                    <a:p>
+                      <a:pPr marL="0" algn="ctr" defTabSz="914400" rtl="0" eaLnBrk="1" fontAlgn="b" latinLnBrk="0" hangingPunct="1"/>
+                      <a:r>
+                        <a:rPr lang="nb-NO" sz="1800" kern="1200" dirty="0" smtClean="0">
+                          <a:solidFill>
+                            <a:schemeClr val="dk1"/>
+                          </a:solidFill>
+                          <a:latin typeface="+mn-lt"/>
+                          <a:ea typeface="+mn-ea"/>
+                          <a:cs typeface="+mn-cs"/>
+                        </a:rPr>
+                        <a:t>9</a:t>
+                      </a:r>
+                      <a:r>
+                        <a:rPr lang="en-US" altLang="zh-CN" sz="1800" kern="1200" dirty="0" smtClean="0">
+                          <a:solidFill>
+                            <a:schemeClr val="dk1"/>
+                          </a:solidFill>
+                          <a:latin typeface="+mn-lt"/>
+                          <a:ea typeface="+mn-ea"/>
+                          <a:cs typeface="+mn-cs"/>
+                        </a:rPr>
+                        <a:t>3</a:t>
+                      </a:r>
+                      <a:r>
+                        <a:rPr lang="nb-NO" sz="1800" kern="1200" dirty="0" smtClean="0">
+                          <a:solidFill>
+                            <a:schemeClr val="dk1"/>
+                          </a:solidFill>
+                          <a:latin typeface="+mn-lt"/>
+                          <a:ea typeface="+mn-ea"/>
+                          <a:cs typeface="+mn-cs"/>
+                        </a:rPr>
+                        <a:t>.50%</a:t>
+                      </a:r>
+                      <a:endParaRPr lang="nb-NO" sz="1800" kern="1200" dirty="0">
+                        <a:solidFill>
+                          <a:schemeClr val="dk1"/>
+                        </a:solidFill>
+                        <a:latin typeface="+mn-lt"/>
+                        <a:ea typeface="+mn-ea"/>
+                        <a:cs typeface="+mn-cs"/>
+                      </a:endParaRPr>
+                    </a:p>
+                  </a:txBody>
+                  <a:tcPr marL="6350" marR="6350" marT="6350" marB="0" anchor="ctr"/>
+                </a:tc>
+              </a:tr>
+              <a:tr h="383679">
+                <a:tc>
+                  <a:txBody>
+                    <a:bodyPr/>
+                    <a:lstStyle/>
+                    <a:p>
+                      <a:pPr algn="ctr"/>
+                      <a:r>
+                        <a:rPr lang="en-US" altLang="zh-CN" sz="1800" kern="1200" dirty="0" smtClean="0">
+                          <a:solidFill>
+                            <a:schemeClr val="dk1"/>
+                          </a:solidFill>
+                          <a:effectLst/>
+                          <a:latin typeface="+mn-lt"/>
+                          <a:ea typeface="+mn-ea"/>
+                          <a:cs typeface="+mn-cs"/>
+                        </a:rPr>
+                        <a:t>conv5</a:t>
+                      </a:r>
+                      <a:endParaRPr lang="zh-CN" altLang="en-US" dirty="0"/>
+                    </a:p>
+                  </a:txBody>
+                  <a:tcPr/>
+                </a:tc>
+                <a:tc>
+                  <a:txBody>
+                    <a:bodyPr/>
+                    <a:lstStyle/>
+                    <a:p>
+                      <a:pPr marL="0" algn="ctr" defTabSz="914400" rtl="0" eaLnBrk="1" latinLnBrk="0" hangingPunct="1"/>
+                      <a:r>
+                        <a:rPr lang="cs-CZ" altLang="zh-CN" sz="1800" kern="1200" dirty="0" smtClean="0">
+                          <a:solidFill>
+                            <a:schemeClr val="dk1"/>
+                          </a:solidFill>
+                          <a:latin typeface="+mn-lt"/>
+                          <a:ea typeface="+mn-ea"/>
+                          <a:cs typeface="+mn-cs"/>
+                        </a:rPr>
+                        <a:t>9216</a:t>
+                      </a:r>
+                      <a:endParaRPr lang="zh-CN" altLang="en-US" sz="1800" kern="1200" dirty="0">
+                        <a:solidFill>
+                          <a:schemeClr val="dk1"/>
+                        </a:solidFill>
+                        <a:latin typeface="+mn-lt"/>
+                        <a:ea typeface="+mn-ea"/>
+                        <a:cs typeface="+mn-cs"/>
+                      </a:endParaRPr>
+                    </a:p>
+                  </a:txBody>
+                  <a:tcPr/>
+                </a:tc>
+                <a:tc>
+                  <a:txBody>
+                    <a:bodyPr/>
+                    <a:lstStyle/>
+                    <a:p>
+                      <a:pPr algn="ctr"/>
+                      <a:r>
+                        <a:rPr lang="en-US" altLang="zh-CN" dirty="0" smtClean="0"/>
+                        <a:t>1500</a:t>
+                      </a:r>
+                      <a:endParaRPr lang="zh-CN" altLang="en-US" dirty="0"/>
+                    </a:p>
+                  </a:txBody>
+                  <a:tcPr/>
+                </a:tc>
+                <a:tc>
+                  <a:txBody>
+                    <a:bodyPr/>
+                    <a:lstStyle/>
+                    <a:p>
+                      <a:pPr algn="ctr"/>
+                      <a:r>
+                        <a:rPr lang="en-US" altLang="zh-CN" dirty="0" smtClean="0"/>
+                        <a:t>94%</a:t>
+                      </a:r>
+                      <a:endParaRPr lang="zh-CN" altLang="en-US" dirty="0"/>
+                    </a:p>
+                  </a:txBody>
+                  <a:tcPr/>
+                </a:tc>
+                <a:tc>
+                  <a:txBody>
+                    <a:bodyPr/>
+                    <a:lstStyle/>
+                    <a:p>
+                      <a:pPr marL="0" algn="ctr" defTabSz="914400" rtl="0" eaLnBrk="1" fontAlgn="b" latinLnBrk="0" hangingPunct="1"/>
+                      <a:r>
+                        <a:rPr lang="hr-HR" sz="1800" kern="1200" dirty="0" smtClean="0">
+                          <a:solidFill>
+                            <a:schemeClr val="dk1"/>
+                          </a:solidFill>
+                          <a:latin typeface="+mn-lt"/>
+                          <a:ea typeface="+mn-ea"/>
+                          <a:cs typeface="+mn-cs"/>
+                        </a:rPr>
+                        <a:t>9</a:t>
+                      </a:r>
+                      <a:r>
+                        <a:rPr lang="en-US" altLang="zh-CN" sz="1800" kern="1200" dirty="0" smtClean="0">
+                          <a:solidFill>
+                            <a:schemeClr val="dk1"/>
+                          </a:solidFill>
+                          <a:latin typeface="+mn-lt"/>
+                          <a:ea typeface="+mn-ea"/>
+                          <a:cs typeface="+mn-cs"/>
+                        </a:rPr>
+                        <a:t>3</a:t>
+                      </a:r>
+                      <a:r>
+                        <a:rPr lang="hr-HR" sz="1800" kern="1200" dirty="0" smtClean="0">
+                          <a:solidFill>
+                            <a:schemeClr val="dk1"/>
+                          </a:solidFill>
+                          <a:latin typeface="+mn-lt"/>
+                          <a:ea typeface="+mn-ea"/>
+                          <a:cs typeface="+mn-cs"/>
+                        </a:rPr>
+                        <a:t>.25</a:t>
+                      </a:r>
+                      <a:r>
+                        <a:rPr lang="hr-HR" sz="1800" kern="1200" dirty="0">
+                          <a:solidFill>
+                            <a:schemeClr val="dk1"/>
+                          </a:solidFill>
+                          <a:latin typeface="+mn-lt"/>
+                          <a:ea typeface="+mn-ea"/>
+                          <a:cs typeface="+mn-cs"/>
+                        </a:rPr>
+                        <a:t>%</a:t>
+                      </a:r>
+                    </a:p>
+                  </a:txBody>
+                  <a:tcPr marL="6350" marR="6350" marT="6350" marB="0" anchor="ctr"/>
+                </a:tc>
+              </a:tr>
+              <a:tr h="357994">
+                <a:tc>
+                  <a:txBody>
+                    <a:bodyPr/>
+                    <a:lstStyle/>
+                    <a:p>
+                      <a:pPr algn="ctr"/>
+                      <a:r>
+                        <a:rPr lang="en-US" altLang="zh-CN" sz="1800" kern="1200" dirty="0" smtClean="0">
+                          <a:solidFill>
+                            <a:schemeClr val="dk1"/>
+                          </a:solidFill>
+                          <a:effectLst/>
+                          <a:latin typeface="+mn-lt"/>
+                          <a:ea typeface="+mn-ea"/>
+                          <a:cs typeface="+mn-cs"/>
+                        </a:rPr>
+                        <a:t>pool5</a:t>
+                      </a:r>
+                      <a:endParaRPr lang="zh-CN" altLang="en-US" dirty="0"/>
+                    </a:p>
+                  </a:txBody>
+                  <a:tcPr/>
+                </a:tc>
+                <a:tc>
+                  <a:txBody>
+                    <a:bodyPr/>
+                    <a:lstStyle/>
+                    <a:p>
+                      <a:pPr marL="0" algn="ctr" defTabSz="914400" rtl="0" eaLnBrk="1" latinLnBrk="0" hangingPunct="1"/>
+                      <a:r>
+                        <a:rPr lang="is-IS" altLang="zh-CN" sz="1800" kern="1200" dirty="0" smtClean="0">
+                          <a:solidFill>
+                            <a:schemeClr val="dk1"/>
+                          </a:solidFill>
+                          <a:latin typeface="+mn-lt"/>
+                          <a:ea typeface="+mn-ea"/>
+                          <a:cs typeface="+mn-cs"/>
+                        </a:rPr>
+                        <a:t>43264</a:t>
+                      </a:r>
+                      <a:endParaRPr lang="zh-CN" altLang="en-US" sz="1800" kern="1200" dirty="0">
+                        <a:solidFill>
+                          <a:schemeClr val="dk1"/>
+                        </a:solidFill>
+                        <a:latin typeface="+mn-lt"/>
+                        <a:ea typeface="+mn-ea"/>
+                        <a:cs typeface="+mn-cs"/>
+                      </a:endParaRPr>
+                    </a:p>
+                  </a:txBody>
+                  <a:tcPr/>
+                </a:tc>
+                <a:tc>
+                  <a:txBody>
+                    <a:bodyPr/>
+                    <a:lstStyle/>
+                    <a:p>
+                      <a:pPr algn="ctr"/>
+                      <a:r>
+                        <a:rPr lang="en-US" altLang="zh-CN" dirty="0" smtClean="0"/>
+                        <a:t>1000</a:t>
+                      </a:r>
+                      <a:endParaRPr lang="zh-CN" altLang="en-US" dirty="0"/>
+                    </a:p>
+                  </a:txBody>
+                  <a:tcPr/>
+                </a:tc>
+                <a:tc>
+                  <a:txBody>
+                    <a:bodyPr/>
+                    <a:lstStyle/>
+                    <a:p>
+                      <a:pPr algn="ctr"/>
+                      <a:r>
+                        <a:rPr lang="en-US" altLang="zh-CN" dirty="0" smtClean="0"/>
+                        <a:t>91%</a:t>
+                      </a:r>
+                      <a:endParaRPr lang="zh-CN" altLang="en-US" dirty="0"/>
+                    </a:p>
+                  </a:txBody>
+                  <a:tcPr/>
+                </a:tc>
+                <a:tc>
+                  <a:txBody>
+                    <a:bodyPr/>
+                    <a:lstStyle/>
+                    <a:p>
+                      <a:pPr marL="0" algn="ctr" defTabSz="914400" rtl="0" eaLnBrk="1" fontAlgn="b" latinLnBrk="0" hangingPunct="1"/>
+                      <a:r>
+                        <a:rPr lang="pt-BR" sz="1800" kern="1200" dirty="0" smtClean="0">
+                          <a:solidFill>
+                            <a:schemeClr val="dk1"/>
+                          </a:solidFill>
+                          <a:latin typeface="+mn-lt"/>
+                          <a:ea typeface="+mn-ea"/>
+                          <a:cs typeface="+mn-cs"/>
+                        </a:rPr>
+                        <a:t>9</a:t>
+                      </a:r>
+                      <a:r>
+                        <a:rPr lang="en-US" altLang="zh-CN" sz="1800" kern="1200" dirty="0" smtClean="0">
+                          <a:solidFill>
+                            <a:schemeClr val="dk1"/>
+                          </a:solidFill>
+                          <a:latin typeface="+mn-lt"/>
+                          <a:ea typeface="+mn-ea"/>
+                          <a:cs typeface="+mn-cs"/>
+                        </a:rPr>
+                        <a:t>5</a:t>
+                      </a:r>
+                      <a:r>
+                        <a:rPr lang="pt-BR" sz="1800" kern="1200" dirty="0" smtClean="0">
+                          <a:solidFill>
+                            <a:schemeClr val="dk1"/>
+                          </a:solidFill>
+                          <a:latin typeface="+mn-lt"/>
+                          <a:ea typeface="+mn-ea"/>
+                          <a:cs typeface="+mn-cs"/>
+                        </a:rPr>
+                        <a:t>.00</a:t>
+                      </a:r>
+                      <a:r>
+                        <a:rPr lang="pt-BR" sz="1800" kern="1200" dirty="0">
+                          <a:solidFill>
+                            <a:schemeClr val="dk1"/>
+                          </a:solidFill>
+                          <a:latin typeface="+mn-lt"/>
+                          <a:ea typeface="+mn-ea"/>
+                          <a:cs typeface="+mn-cs"/>
+                        </a:rPr>
+                        <a:t>%</a:t>
+                      </a:r>
+                    </a:p>
+                  </a:txBody>
+                  <a:tcPr marL="6350" marR="6350" marT="6350" marB="0" anchor="ctr"/>
+                </a:tc>
+              </a:tr>
+              <a:tr h="357994">
+                <a:tc>
+                  <a:txBody>
+                    <a:bodyPr/>
+                    <a:lstStyle/>
+                    <a:p>
+                      <a:pPr algn="ctr"/>
+                      <a:r>
+                        <a:rPr lang="en-US" altLang="zh-CN" sz="1800" kern="1200" dirty="0" smtClean="0">
+                          <a:solidFill>
+                            <a:schemeClr val="dk1"/>
+                          </a:solidFill>
+                          <a:effectLst/>
+                          <a:latin typeface="+mn-lt"/>
+                          <a:ea typeface="+mn-ea"/>
+                          <a:cs typeface="+mn-cs"/>
+                        </a:rPr>
+                        <a:t>fc6</a:t>
+                      </a:r>
+                      <a:endParaRPr lang="zh-CN" altLang="en-US" dirty="0"/>
+                    </a:p>
+                  </a:txBody>
+                  <a:tcPr/>
+                </a:tc>
+                <a:tc>
+                  <a:txBody>
+                    <a:bodyPr/>
+                    <a:lstStyle/>
+                    <a:p>
+                      <a:pPr marL="0" algn="ctr" defTabSz="914400" rtl="0" eaLnBrk="1" latinLnBrk="0" hangingPunct="1"/>
+                      <a:r>
+                        <a:rPr lang="is-IS" altLang="zh-CN" sz="1800" kern="1200" dirty="0" smtClean="0">
+                          <a:solidFill>
+                            <a:schemeClr val="dk1"/>
+                          </a:solidFill>
+                          <a:latin typeface="+mn-lt"/>
+                          <a:ea typeface="+mn-ea"/>
+                          <a:cs typeface="+mn-cs"/>
+                        </a:rPr>
+                        <a:t>4096</a:t>
+                      </a:r>
+                      <a:endParaRPr lang="zh-CN" altLang="en-US" sz="1800" kern="1200" dirty="0">
+                        <a:solidFill>
+                          <a:schemeClr val="dk1"/>
+                        </a:solidFill>
+                        <a:latin typeface="+mn-lt"/>
+                        <a:ea typeface="+mn-ea"/>
+                        <a:cs typeface="+mn-cs"/>
+                      </a:endParaRPr>
+                    </a:p>
+                  </a:txBody>
+                  <a:tcPr/>
+                </a:tc>
+                <a:tc>
+                  <a:txBody>
+                    <a:bodyPr/>
+                    <a:lstStyle/>
+                    <a:p>
+                      <a:pPr algn="ctr"/>
+                      <a:r>
+                        <a:rPr lang="en-US" altLang="zh-CN" dirty="0" smtClean="0"/>
+                        <a:t>900</a:t>
+                      </a:r>
+                      <a:endParaRPr lang="zh-CN" altLang="en-US" dirty="0"/>
+                    </a:p>
+                  </a:txBody>
+                  <a:tcPr/>
+                </a:tc>
+                <a:tc>
+                  <a:txBody>
+                    <a:bodyPr/>
+                    <a:lstStyle/>
+                    <a:p>
+                      <a:pPr algn="ctr"/>
+                      <a:r>
+                        <a:rPr lang="en-US" altLang="zh-CN" dirty="0" smtClean="0"/>
+                        <a:t>91%</a:t>
+                      </a:r>
+                      <a:endParaRPr lang="zh-CN" altLang="en-US" dirty="0"/>
+                    </a:p>
+                  </a:txBody>
+                  <a:tcPr/>
+                </a:tc>
+                <a:tc>
+                  <a:txBody>
+                    <a:bodyPr/>
+                    <a:lstStyle/>
+                    <a:p>
+                      <a:pPr marL="0" algn="ctr" defTabSz="914400" rtl="0" eaLnBrk="1" fontAlgn="b" latinLnBrk="0" hangingPunct="1"/>
+                      <a:r>
+                        <a:rPr lang="hr-HR" sz="1800" kern="1200" dirty="0" smtClean="0">
+                          <a:solidFill>
+                            <a:schemeClr val="dk1"/>
+                          </a:solidFill>
+                          <a:latin typeface="+mn-lt"/>
+                          <a:ea typeface="+mn-ea"/>
+                          <a:cs typeface="+mn-cs"/>
+                        </a:rPr>
+                        <a:t>9</a:t>
+                      </a:r>
+                      <a:r>
+                        <a:rPr lang="en-US" altLang="zh-CN" sz="1800" kern="1200" dirty="0" smtClean="0">
+                          <a:solidFill>
+                            <a:schemeClr val="dk1"/>
+                          </a:solidFill>
+                          <a:latin typeface="+mn-lt"/>
+                          <a:ea typeface="+mn-ea"/>
+                          <a:cs typeface="+mn-cs"/>
+                        </a:rPr>
+                        <a:t>5</a:t>
+                      </a:r>
+                      <a:r>
+                        <a:rPr lang="hr-HR" sz="1800" kern="1200" dirty="0" smtClean="0">
+                          <a:solidFill>
+                            <a:schemeClr val="dk1"/>
+                          </a:solidFill>
+                          <a:latin typeface="+mn-lt"/>
+                          <a:ea typeface="+mn-ea"/>
+                          <a:cs typeface="+mn-cs"/>
+                        </a:rPr>
+                        <a:t>.25</a:t>
+                      </a:r>
+                      <a:r>
+                        <a:rPr lang="hr-HR" sz="1800" kern="1200" dirty="0">
+                          <a:solidFill>
+                            <a:schemeClr val="dk1"/>
+                          </a:solidFill>
+                          <a:latin typeface="+mn-lt"/>
+                          <a:ea typeface="+mn-ea"/>
+                          <a:cs typeface="+mn-cs"/>
+                        </a:rPr>
+                        <a:t>%</a:t>
+                      </a:r>
+                    </a:p>
+                  </a:txBody>
+                  <a:tcPr marL="6350" marR="6350" marT="6350" marB="0" anchor="ctr"/>
+                </a:tc>
+              </a:tr>
+              <a:tr h="357994">
+                <a:tc>
+                  <a:txBody>
+                    <a:bodyPr/>
+                    <a:lstStyle/>
+                    <a:p>
+                      <a:pPr algn="ctr"/>
+                      <a:r>
+                        <a:rPr lang="en-US" altLang="zh-CN" sz="1800" kern="1200" dirty="0" smtClean="0">
+                          <a:solidFill>
+                            <a:srgbClr val="C00000"/>
+                          </a:solidFill>
+                          <a:effectLst/>
+                          <a:latin typeface="+mn-lt"/>
+                          <a:ea typeface="+mn-ea"/>
+                          <a:cs typeface="+mn-cs"/>
+                        </a:rPr>
+                        <a:t>fc7</a:t>
+                      </a:r>
+                      <a:endParaRPr lang="zh-CN" altLang="en-US" dirty="0">
+                        <a:solidFill>
+                          <a:srgbClr val="C00000"/>
+                        </a:solidFill>
+                      </a:endParaRPr>
+                    </a:p>
+                  </a:txBody>
+                  <a:tcPr/>
+                </a:tc>
+                <a:tc>
+                  <a:txBody>
+                    <a:bodyPr/>
+                    <a:lstStyle/>
+                    <a:p>
+                      <a:pPr marL="0" algn="ctr" defTabSz="914400" rtl="0" eaLnBrk="1" latinLnBrk="0" hangingPunct="1"/>
+                      <a:r>
+                        <a:rPr lang="is-IS" altLang="zh-CN" sz="1800" kern="1200" dirty="0" smtClean="0">
+                          <a:solidFill>
+                            <a:srgbClr val="C00000"/>
+                          </a:solidFill>
+                          <a:latin typeface="+mn-lt"/>
+                          <a:ea typeface="+mn-ea"/>
+                          <a:cs typeface="+mn-cs"/>
+                        </a:rPr>
+                        <a:t>4096</a:t>
+                      </a:r>
+                      <a:endParaRPr lang="zh-CN" altLang="en-US" sz="1800" kern="1200" dirty="0">
+                        <a:solidFill>
+                          <a:srgbClr val="C00000"/>
+                        </a:solidFill>
+                        <a:latin typeface="+mn-lt"/>
+                        <a:ea typeface="+mn-ea"/>
+                        <a:cs typeface="+mn-cs"/>
+                      </a:endParaRPr>
+                    </a:p>
+                  </a:txBody>
+                  <a:tcPr/>
+                </a:tc>
+                <a:tc>
+                  <a:txBody>
+                    <a:bodyPr/>
+                    <a:lstStyle/>
+                    <a:p>
+                      <a:pPr algn="ctr"/>
+                      <a:r>
+                        <a:rPr lang="en-US" altLang="zh-CN" dirty="0" smtClean="0">
+                          <a:solidFill>
+                            <a:srgbClr val="C00000"/>
+                          </a:solidFill>
+                        </a:rPr>
+                        <a:t>1000</a:t>
+                      </a:r>
+                      <a:endParaRPr lang="zh-CN" altLang="en-US" dirty="0">
+                        <a:solidFill>
+                          <a:srgbClr val="C00000"/>
+                        </a:solidFill>
+                      </a:endParaRPr>
+                    </a:p>
+                  </a:txBody>
+                  <a:tcPr/>
+                </a:tc>
+                <a:tc>
+                  <a:txBody>
+                    <a:bodyPr/>
+                    <a:lstStyle/>
+                    <a:p>
+                      <a:pPr algn="ctr"/>
+                      <a:r>
+                        <a:rPr lang="en-US" altLang="zh-CN" dirty="0" smtClean="0">
+                          <a:solidFill>
+                            <a:srgbClr val="C00000"/>
+                          </a:solidFill>
+                        </a:rPr>
+                        <a:t>96%</a:t>
+                      </a:r>
+                      <a:endParaRPr lang="zh-CN" altLang="en-US" dirty="0">
+                        <a:solidFill>
+                          <a:srgbClr val="C00000"/>
+                        </a:solidFill>
+                      </a:endParaRPr>
+                    </a:p>
+                  </a:txBody>
+                  <a:tcPr/>
+                </a:tc>
+                <a:tc>
+                  <a:txBody>
+                    <a:bodyPr/>
+                    <a:lstStyle/>
+                    <a:p>
+                      <a:pPr marL="0" algn="ctr" defTabSz="914400" rtl="0" eaLnBrk="1" fontAlgn="b" latinLnBrk="0" hangingPunct="1"/>
+                      <a:r>
+                        <a:rPr lang="hr-HR" sz="1800" kern="1200" dirty="0" smtClean="0">
+                          <a:solidFill>
+                            <a:srgbClr val="C00000"/>
+                          </a:solidFill>
+                          <a:latin typeface="+mn-lt"/>
+                          <a:ea typeface="+mn-ea"/>
+                          <a:cs typeface="+mn-cs"/>
+                        </a:rPr>
+                        <a:t>9</a:t>
+                      </a:r>
+                      <a:r>
+                        <a:rPr lang="en-US" altLang="zh-CN" sz="1800" kern="1200" dirty="0" smtClean="0">
+                          <a:solidFill>
+                            <a:srgbClr val="C00000"/>
+                          </a:solidFill>
+                          <a:latin typeface="+mn-lt"/>
+                          <a:ea typeface="+mn-ea"/>
+                          <a:cs typeface="+mn-cs"/>
+                        </a:rPr>
+                        <a:t>6</a:t>
+                      </a:r>
+                      <a:r>
+                        <a:rPr lang="hr-HR" sz="1800" kern="1200" dirty="0" smtClean="0">
+                          <a:solidFill>
+                            <a:srgbClr val="C00000"/>
+                          </a:solidFill>
+                          <a:latin typeface="+mn-lt"/>
+                          <a:ea typeface="+mn-ea"/>
+                          <a:cs typeface="+mn-cs"/>
+                        </a:rPr>
+                        <a:t>.50</a:t>
+                      </a:r>
+                      <a:r>
+                        <a:rPr lang="hr-HR" sz="1800" kern="1200" dirty="0">
+                          <a:solidFill>
+                            <a:srgbClr val="C00000"/>
+                          </a:solidFill>
+                          <a:latin typeface="+mn-lt"/>
+                          <a:ea typeface="+mn-ea"/>
+                          <a:cs typeface="+mn-cs"/>
+                        </a:rPr>
+                        <a:t>%</a:t>
+                      </a:r>
+                    </a:p>
+                  </a:txBody>
+                  <a:tcPr marL="6350" marR="6350" marT="6350" marB="0" anchor="ctr"/>
+                </a:tc>
+              </a:tr>
+              <a:tr h="357994">
+                <a:tc>
+                  <a:txBody>
+                    <a:bodyPr/>
+                    <a:lstStyle/>
+                    <a:p>
+                      <a:pPr algn="ctr"/>
+                      <a:r>
+                        <a:rPr lang="en-US" altLang="zh-CN" sz="1800" kern="1200" dirty="0" smtClean="0">
+                          <a:solidFill>
+                            <a:schemeClr val="dk1"/>
+                          </a:solidFill>
+                          <a:effectLst/>
+                          <a:latin typeface="+mn-lt"/>
+                          <a:ea typeface="+mn-ea"/>
+                          <a:cs typeface="+mn-cs"/>
+                        </a:rPr>
+                        <a:t>fc8</a:t>
+                      </a:r>
+                      <a:endParaRPr lang="zh-CN" altLang="en-US" dirty="0"/>
+                    </a:p>
+                  </a:txBody>
+                  <a:tcPr/>
+                </a:tc>
+                <a:tc>
+                  <a:txBody>
+                    <a:bodyPr/>
+                    <a:lstStyle/>
+                    <a:p>
+                      <a:pPr marL="0" algn="ctr" defTabSz="914400" rtl="0" eaLnBrk="1" latinLnBrk="0" hangingPunct="1"/>
+                      <a:r>
+                        <a:rPr lang="is-IS" altLang="zh-CN" sz="1800" kern="1200" dirty="0" smtClean="0">
+                          <a:solidFill>
+                            <a:schemeClr val="dk1"/>
+                          </a:solidFill>
+                          <a:latin typeface="+mn-lt"/>
+                          <a:ea typeface="+mn-ea"/>
+                          <a:cs typeface="+mn-cs"/>
+                        </a:rPr>
+                        <a:t>1000</a:t>
+                      </a:r>
+                      <a:endParaRPr lang="zh-CN" altLang="en-US" sz="1800" kern="1200" dirty="0">
+                        <a:solidFill>
+                          <a:schemeClr val="dk1"/>
+                        </a:solidFill>
+                        <a:latin typeface="+mn-lt"/>
+                        <a:ea typeface="+mn-ea"/>
+                        <a:cs typeface="+mn-cs"/>
+                      </a:endParaRPr>
+                    </a:p>
+                  </a:txBody>
+                  <a:tcPr/>
+                </a:tc>
+                <a:tc>
+                  <a:txBody>
+                    <a:bodyPr/>
+                    <a:lstStyle/>
+                    <a:p>
+                      <a:pPr algn="ctr"/>
+                      <a:r>
+                        <a:rPr lang="en-US" altLang="zh-CN" dirty="0" smtClean="0"/>
+                        <a:t>1000</a:t>
+                      </a:r>
+                      <a:endParaRPr lang="zh-CN" altLang="en-US" dirty="0"/>
+                    </a:p>
+                  </a:txBody>
+                  <a:tcPr/>
+                </a:tc>
+                <a:tc>
+                  <a:txBody>
+                    <a:bodyPr/>
+                    <a:lstStyle/>
+                    <a:p>
+                      <a:pPr algn="ctr"/>
+                      <a:r>
+                        <a:rPr lang="en-US" altLang="zh-CN" dirty="0" smtClean="0"/>
+                        <a:t>100%</a:t>
+                      </a:r>
+                      <a:endParaRPr lang="zh-CN" altLang="en-US" dirty="0"/>
+                    </a:p>
+                  </a:txBody>
+                  <a:tcPr/>
+                </a:tc>
+                <a:tc>
+                  <a:txBody>
+                    <a:bodyPr/>
+                    <a:lstStyle/>
+                    <a:p>
+                      <a:pPr marL="0" algn="ctr" defTabSz="914400" rtl="0" eaLnBrk="1" fontAlgn="b" latinLnBrk="0" hangingPunct="1"/>
+                      <a:r>
+                        <a:rPr lang="nb-NO" sz="1800" kern="1200" dirty="0" smtClean="0">
+                          <a:solidFill>
+                            <a:schemeClr val="dk1"/>
+                          </a:solidFill>
+                          <a:latin typeface="+mn-lt"/>
+                          <a:ea typeface="+mn-ea"/>
+                          <a:cs typeface="+mn-cs"/>
+                        </a:rPr>
+                        <a:t>9</a:t>
+                      </a:r>
+                      <a:r>
+                        <a:rPr lang="en-US" altLang="zh-CN" sz="1800" kern="1200" dirty="0" smtClean="0">
+                          <a:solidFill>
+                            <a:schemeClr val="dk1"/>
+                          </a:solidFill>
+                          <a:latin typeface="+mn-lt"/>
+                          <a:ea typeface="+mn-ea"/>
+                          <a:cs typeface="+mn-cs"/>
+                        </a:rPr>
+                        <a:t>5</a:t>
+                      </a:r>
+                      <a:r>
+                        <a:rPr lang="nb-NO" sz="1800" kern="1200" dirty="0" smtClean="0">
+                          <a:solidFill>
+                            <a:schemeClr val="dk1"/>
+                          </a:solidFill>
+                          <a:latin typeface="+mn-lt"/>
+                          <a:ea typeface="+mn-ea"/>
+                          <a:cs typeface="+mn-cs"/>
+                        </a:rPr>
+                        <a:t>.50</a:t>
+                      </a:r>
+                      <a:r>
+                        <a:rPr lang="nb-NO" sz="1800" kern="1200" dirty="0">
+                          <a:solidFill>
+                            <a:schemeClr val="dk1"/>
+                          </a:solidFill>
+                          <a:latin typeface="+mn-lt"/>
+                          <a:ea typeface="+mn-ea"/>
+                          <a:cs typeface="+mn-cs"/>
+                        </a:rPr>
+                        <a:t>%</a:t>
+                      </a:r>
+                    </a:p>
+                  </a:txBody>
+                  <a:tcPr marL="6350" marR="6350" marT="6350" marB="0" anchor="ctr"/>
+                </a:tc>
+              </a:tr>
+              <a:tr h="357994">
+                <a:tc>
+                  <a:txBody>
+                    <a:bodyPr/>
+                    <a:lstStyle/>
+                    <a:p>
+                      <a:pPr algn="ctr"/>
+                      <a:r>
+                        <a:rPr lang="en-US" altLang="zh-CN" sz="1800" kern="1200" dirty="0" err="1" smtClean="0">
+                          <a:solidFill>
+                            <a:schemeClr val="dk1"/>
+                          </a:solidFill>
+                          <a:effectLst/>
+                          <a:latin typeface="+mn-lt"/>
+                          <a:ea typeface="+mn-ea"/>
+                          <a:cs typeface="+mn-cs"/>
+                        </a:rPr>
+                        <a:t>prob</a:t>
+                      </a:r>
+                      <a:endParaRPr lang="zh-CN" altLang="en-US" dirty="0"/>
+                    </a:p>
+                  </a:txBody>
+                  <a:tcPr/>
+                </a:tc>
+                <a:tc>
+                  <a:txBody>
+                    <a:bodyPr/>
+                    <a:lstStyle/>
+                    <a:p>
+                      <a:pPr marL="0" algn="ctr" defTabSz="914400" rtl="0" eaLnBrk="1" latinLnBrk="0" hangingPunct="1"/>
+                      <a:r>
+                        <a:rPr lang="is-IS" altLang="zh-CN" sz="1800" kern="1200" dirty="0" smtClean="0">
+                          <a:solidFill>
+                            <a:schemeClr val="dk1"/>
+                          </a:solidFill>
+                          <a:latin typeface="+mn-lt"/>
+                          <a:ea typeface="+mn-ea"/>
+                          <a:cs typeface="+mn-cs"/>
+                        </a:rPr>
+                        <a:t>1000</a:t>
+                      </a:r>
+                      <a:endParaRPr lang="zh-CN" altLang="en-US" sz="1800" kern="1200" dirty="0">
+                        <a:solidFill>
+                          <a:schemeClr val="dk1"/>
+                        </a:solidFill>
+                        <a:latin typeface="+mn-lt"/>
+                        <a:ea typeface="+mn-ea"/>
+                        <a:cs typeface="+mn-cs"/>
+                      </a:endParaRPr>
+                    </a:p>
+                  </a:txBody>
+                  <a:tcPr/>
+                </a:tc>
+                <a:tc>
+                  <a:txBody>
+                    <a:bodyPr/>
+                    <a:lstStyle/>
+                    <a:p>
+                      <a:pPr algn="ctr"/>
+                      <a:r>
+                        <a:rPr lang="en-US" altLang="zh-CN" dirty="0" smtClean="0"/>
+                        <a:t>1000</a:t>
+                      </a:r>
+                      <a:endParaRPr lang="zh-CN" altLang="en-US" dirty="0"/>
+                    </a:p>
+                  </a:txBody>
+                  <a:tcPr/>
+                </a:tc>
+                <a:tc>
+                  <a:txBody>
+                    <a:bodyPr/>
+                    <a:lstStyle/>
+                    <a:p>
+                      <a:pPr algn="ctr"/>
+                      <a:r>
+                        <a:rPr lang="en-US" altLang="zh-CN" dirty="0" smtClean="0"/>
+                        <a:t>100%</a:t>
+                      </a:r>
+                      <a:endParaRPr lang="zh-CN" altLang="en-US" dirty="0"/>
+                    </a:p>
+                  </a:txBody>
+                  <a:tcPr/>
+                </a:tc>
+                <a:tc>
+                  <a:txBody>
+                    <a:bodyPr/>
+                    <a:lstStyle/>
+                    <a:p>
+                      <a:pPr marL="0" algn="ctr" defTabSz="914400" rtl="0" eaLnBrk="1" fontAlgn="b" latinLnBrk="0" hangingPunct="1"/>
+                      <a:r>
+                        <a:rPr lang="pt-BR" sz="1800" kern="1200" dirty="0" smtClean="0">
+                          <a:solidFill>
+                            <a:schemeClr val="dk1"/>
+                          </a:solidFill>
+                          <a:latin typeface="+mn-lt"/>
+                          <a:ea typeface="+mn-ea"/>
+                          <a:cs typeface="+mn-cs"/>
+                        </a:rPr>
+                        <a:t>9</a:t>
+                      </a:r>
+                      <a:r>
+                        <a:rPr lang="en-US" altLang="zh-CN" sz="1800" kern="1200" dirty="0" smtClean="0">
+                          <a:solidFill>
+                            <a:schemeClr val="dk1"/>
+                          </a:solidFill>
+                          <a:latin typeface="+mn-lt"/>
+                          <a:ea typeface="+mn-ea"/>
+                          <a:cs typeface="+mn-cs"/>
+                        </a:rPr>
+                        <a:t>3</a:t>
+                      </a:r>
+                      <a:r>
+                        <a:rPr lang="pt-BR" sz="1800" kern="1200" dirty="0" smtClean="0">
+                          <a:solidFill>
+                            <a:schemeClr val="dk1"/>
+                          </a:solidFill>
+                          <a:latin typeface="+mn-lt"/>
+                          <a:ea typeface="+mn-ea"/>
+                          <a:cs typeface="+mn-cs"/>
+                        </a:rPr>
+                        <a:t>.00</a:t>
+                      </a:r>
+                      <a:r>
+                        <a:rPr lang="pt-BR" sz="1800" kern="1200" dirty="0">
+                          <a:solidFill>
+                            <a:schemeClr val="dk1"/>
+                          </a:solidFill>
+                          <a:latin typeface="+mn-lt"/>
+                          <a:ea typeface="+mn-ea"/>
+                          <a:cs typeface="+mn-cs"/>
+                        </a:rPr>
+                        <a:t>%</a:t>
+                      </a:r>
+                    </a:p>
+                  </a:txBody>
+                  <a:tcPr marL="6350" marR="6350" marT="6350" marB="0" anchor="ctr"/>
                 </a:tc>
               </a:tr>
             </a:tbl>
@@ -8864,14 +12602,172 @@
   <p:timing>
     <p:tnLst>
       <p:par>
-        <p:cTn id="1" dur="indefinite" restart="never" nodeType="tmRoot"/>
+        <p:cTn id="1" dur="indefinite" restart="never" nodeType="tmRoot">
+          <p:childTnLst>
+            <p:seq concurrent="1" nextAc="seek">
+              <p:cTn id="2" dur="indefinite" nodeType="mainSeq">
+                <p:childTnLst>
+                  <p:par>
+                    <p:cTn id="3" fill="hold">
+                      <p:stCondLst>
+                        <p:cond delay="indefinite"/>
+                      </p:stCondLst>
+                      <p:childTnLst>
+                        <p:par>
+                          <p:cTn id="4" fill="hold">
+                            <p:stCondLst>
+                              <p:cond delay="0"/>
+                            </p:stCondLst>
+                            <p:childTnLst>
+                              <p:par>
+                                <p:cTn id="5" presetID="1" presetClass="entr" presetSubtype="0" fill="hold" nodeType="clickEffect">
+                                  <p:stCondLst>
+                                    <p:cond delay="0"/>
+                                  </p:stCondLst>
+                                  <p:childTnLst>
+                                    <p:set>
+                                      <p:cBhvr>
+                                        <p:cTn id="6" dur="1" fill="hold">
+                                          <p:stCondLst>
+                                            <p:cond delay="0"/>
+                                          </p:stCondLst>
+                                        </p:cTn>
+                                        <p:tgtEl>
+                                          <p:spTgt spid="9"/>
+                                        </p:tgtEl>
+                                        <p:attrNameLst>
+                                          <p:attrName>style.visibility</p:attrName>
+                                        </p:attrNameLst>
+                                      </p:cBhvr>
+                                      <p:to>
+                                        <p:strVal val="visible"/>
+                                      </p:to>
+                                    </p:set>
+                                  </p:childTnLst>
+                                </p:cTn>
+                              </p:par>
+                            </p:childTnLst>
+                          </p:cTn>
+                        </p:par>
+                      </p:childTnLst>
+                    </p:cTn>
+                  </p:par>
+                  <p:par>
+                    <p:cTn id="7" fill="hold">
+                      <p:stCondLst>
+                        <p:cond delay="indefinite"/>
+                      </p:stCondLst>
+                      <p:childTnLst>
+                        <p:par>
+                          <p:cTn id="8" fill="hold">
+                            <p:stCondLst>
+                              <p:cond delay="0"/>
+                            </p:stCondLst>
+                            <p:childTnLst>
+                              <p:par>
+                                <p:cTn id="9" presetID="1" presetClass="entr" presetSubtype="0" fill="hold" nodeType="clickEffect">
+                                  <p:stCondLst>
+                                    <p:cond delay="0"/>
+                                  </p:stCondLst>
+                                  <p:childTnLst>
+                                    <p:set>
+                                      <p:cBhvr>
+                                        <p:cTn id="10" dur="1" fill="hold">
+                                          <p:stCondLst>
+                                            <p:cond delay="0"/>
+                                          </p:stCondLst>
+                                        </p:cTn>
+                                        <p:tgtEl>
+                                          <p:spTgt spid="10"/>
+                                        </p:tgtEl>
+                                        <p:attrNameLst>
+                                          <p:attrName>style.visibility</p:attrName>
+                                        </p:attrNameLst>
+                                      </p:cBhvr>
+                                      <p:to>
+                                        <p:strVal val="visible"/>
+                                      </p:to>
+                                    </p:set>
+                                  </p:childTnLst>
+                                </p:cTn>
+                              </p:par>
+                            </p:childTnLst>
+                          </p:cTn>
+                        </p:par>
+                      </p:childTnLst>
+                    </p:cTn>
+                  </p:par>
+                  <p:par>
+                    <p:cTn id="11" fill="hold">
+                      <p:stCondLst>
+                        <p:cond delay="indefinite"/>
+                      </p:stCondLst>
+                      <p:childTnLst>
+                        <p:par>
+                          <p:cTn id="12" fill="hold">
+                            <p:stCondLst>
+                              <p:cond delay="0"/>
+                            </p:stCondLst>
+                            <p:childTnLst>
+                              <p:par>
+                                <p:cTn id="13" presetID="1" presetClass="entr" presetSubtype="0" fill="hold" nodeType="clickEffect">
+                                  <p:stCondLst>
+                                    <p:cond delay="0"/>
+                                  </p:stCondLst>
+                                  <p:childTnLst>
+                                    <p:set>
+                                      <p:cBhvr>
+                                        <p:cTn id="14" dur="1" fill="hold">
+                                          <p:stCondLst>
+                                            <p:cond delay="0"/>
+                                          </p:stCondLst>
+                                        </p:cTn>
+                                        <p:tgtEl>
+                                          <p:spTgt spid="10"/>
+                                        </p:tgtEl>
+                                        <p:attrNameLst>
+                                          <p:attrName>style.visibility</p:attrName>
+                                        </p:attrNameLst>
+                                      </p:cBhvr>
+                                      <p:to>
+                                        <p:strVal val="visible"/>
+                                      </p:to>
+                                    </p:set>
+                                  </p:childTnLst>
+                                </p:cTn>
+                              </p:par>
+                            </p:childTnLst>
+                          </p:cTn>
+                        </p:par>
+                      </p:childTnLst>
+                    </p:cTn>
+                  </p:par>
+                </p:childTnLst>
+              </p:cTn>
+              <p:prevCondLst>
+                <p:cond evt="onPrev" delay="0">
+                  <p:tgtEl>
+                    <p:sldTgt/>
+                  </p:tgtEl>
+                </p:cond>
+              </p:prevCondLst>
+              <p:nextCondLst>
+                <p:cond evt="onNext" delay="0">
+                  <p:tgtEl>
+                    <p:sldTgt/>
+                  </p:tgtEl>
+                </p:cond>
+              </p:nextCondLst>
+            </p:seq>
+          </p:childTnLst>
+        </p:cTn>
       </p:par>
     </p:tnLst>
   </p:timing>
 </p:sld>
 </file>
 
-<file path=ppt/slides/slide15.xml><?xml version="1.0" encoding="utf-8"?>
+<file path=ppt/slides/slide16.xml><?xml version="1.0" encoding="utf-8"?>
 <p:sld xmlns:a="http://schemas.openxmlformats.org/drawingml/2006/main" xmlns:r="http://schemas.openxmlformats.org/officeDocument/2006/relationships" xmlns:p="http://schemas.openxmlformats.org/presentationml/2006/main">
   <p:cSld>
     <p:spTree>
@@ -8947,8 +12843,16 @@
               <a:buSzTx/>
             </a:pPr>
             <a:r>
+              <a:rPr kumimoji="1" lang="en-US" altLang="zh-CN" dirty="0" err="1" smtClean="0"/>
+              <a:t>Caffe</a:t>
+            </a:r>
+            <a:r>
+              <a:rPr kumimoji="1" lang="zh-CN" altLang="en-US" dirty="0" smtClean="0"/>
+              <a:t> </a:t>
+            </a:r>
+            <a:r>
               <a:rPr kumimoji="1" lang="en-US" altLang="zh-CN" dirty="0"/>
-              <a:t>Advanced</a:t>
+              <a:t>+</a:t>
             </a:r>
             <a:r>
               <a:rPr kumimoji="1" lang="zh-CN" altLang="en-US" dirty="0"/>
@@ -8956,16 +12860,36 @@
             </a:r>
             <a:r>
               <a:rPr kumimoji="1" lang="en-US" altLang="zh-CN" dirty="0"/>
-              <a:t>model:</a:t>
+              <a:t>PCA</a:t>
             </a:r>
             <a:r>
               <a:rPr kumimoji="1" lang="zh-CN" altLang="en-US" dirty="0"/>
               <a:t> </a:t>
             </a:r>
+            <a:r>
+              <a:rPr kumimoji="1" lang="en-US" altLang="zh-CN" dirty="0"/>
+              <a:t>+</a:t>
+            </a:r>
+            <a:r>
+              <a:rPr kumimoji="1" lang="zh-CN" altLang="en-US" dirty="0"/>
+              <a:t> </a:t>
+            </a:r>
+            <a:r>
+              <a:rPr kumimoji="1" lang="en-US" altLang="zh-CN" dirty="0" err="1" smtClean="0"/>
+              <a:t>Xgboost</a:t>
+            </a:r>
+            <a:r>
+              <a:rPr kumimoji="1" lang="en-US" altLang="zh-CN" dirty="0" smtClean="0"/>
+              <a:t>:</a:t>
+            </a:r>
+            <a:r>
+              <a:rPr kumimoji="1" lang="zh-CN" altLang="en-US" dirty="0" smtClean="0"/>
+              <a:t> </a:t>
+            </a:r>
             <a:endParaRPr kumimoji="1" lang="en-US" altLang="zh-CN" dirty="0" smtClean="0"/>
           </a:p>
           <a:p>
-            <a:pPr marL="0" indent="0">
+            <a:pPr lvl="1">
               <a:lnSpc>
                 <a:spcPct val="100000"/>
               </a:lnSpc>
@@ -8974,12 +12898,30 @@
               </a:spcBef>
               <a:buClrTx/>
               <a:buSzTx/>
-              <a:buNone/>
             </a:pPr>
-            <a:endParaRPr kumimoji="1" lang="en-US" altLang="zh-CN" dirty="0" smtClean="0"/>
-          </a:p>
-          <a:p>
-            <a:pPr marL="274320" lvl="1" indent="0">
+            <a:r>
+              <a:rPr kumimoji="1" lang="en-US" altLang="zh-CN" dirty="0" smtClean="0"/>
+              <a:t>9</a:t>
+            </a:r>
+            <a:r>
+              <a:rPr kumimoji="1" lang="zh-CN" altLang="en-US" dirty="0" smtClean="0"/>
+              <a:t> </a:t>
+            </a:r>
+            <a:r>
+              <a:rPr kumimoji="1" lang="en-US" altLang="zh-CN" dirty="0" smtClean="0"/>
+              <a:t>hours</a:t>
+            </a:r>
+            <a:r>
+              <a:rPr kumimoji="1" lang="zh-CN" altLang="en-US" dirty="0" smtClean="0"/>
+              <a:t> </a:t>
+            </a:r>
+            <a:r>
+              <a:rPr kumimoji="1" lang="en-US" altLang="zh-CN" dirty="0" smtClean="0"/>
+              <a:t>training</a:t>
+            </a:r>
+          </a:p>
+          <a:p>
+            <a:pPr lvl="1">
               <a:lnSpc>
                 <a:spcPct val="100000"/>
               </a:lnSpc>
@@ -8988,133 +12930,165 @@
               </a:spcBef>
               <a:buClrTx/>
               <a:buSzTx/>
-              <a:buNone/>
             </a:pPr>
             <a:r>
-              <a:rPr kumimoji="1" lang="en-US" altLang="zh-CN" sz="2400" dirty="0" err="1" smtClean="0">
-                <a:solidFill>
-                  <a:srgbClr val="C00000"/>
-                </a:solidFill>
-              </a:rPr>
+              <a:rPr kumimoji="1" lang="en-US" altLang="zh-CN" dirty="0" smtClean="0"/>
+              <a:t>95</a:t>
+            </a:r>
+            <a:r>
+              <a:rPr kumimoji="1" lang="en-US" altLang="zh-CN" dirty="0"/>
+              <a:t>%</a:t>
+            </a:r>
+            <a:r>
+              <a:rPr kumimoji="1" lang="zh-CN" altLang="en-US" dirty="0"/>
+              <a:t> </a:t>
+            </a:r>
+            <a:r>
+              <a:rPr kumimoji="1" lang="en-US" altLang="zh-CN" dirty="0" smtClean="0"/>
+              <a:t>accuracy</a:t>
+            </a:r>
+          </a:p>
+          <a:p>
+            <a:pPr lvl="1">
+              <a:lnSpc>
+                <a:spcPct val="100000"/>
+              </a:lnSpc>
+              <a:spcBef>
+                <a:spcPts val="0"/>
+              </a:spcBef>
+              <a:buClrTx/>
+              <a:buSzTx/>
+            </a:pPr>
+            <a:endParaRPr kumimoji="1" lang="en-US" altLang="zh-CN" dirty="0"/>
+          </a:p>
+          <a:p>
+            <a:pPr>
+              <a:lnSpc>
+                <a:spcPct val="100000"/>
+              </a:lnSpc>
+              <a:spcBef>
+                <a:spcPts val="0"/>
+              </a:spcBef>
+              <a:buClrTx/>
+              <a:buSzTx/>
+            </a:pPr>
+            <a:r>
+              <a:rPr kumimoji="1" lang="en-US" altLang="zh-CN" dirty="0" smtClean="0"/>
+              <a:t>Scraping</a:t>
+            </a:r>
+            <a:r>
+              <a:rPr kumimoji="1" lang="zh-CN" altLang="en-US" dirty="0" smtClean="0"/>
+              <a:t> </a:t>
+            </a:r>
+            <a:r>
+              <a:rPr kumimoji="1" lang="en-US" altLang="zh-CN" dirty="0"/>
+              <a:t>2000</a:t>
+            </a:r>
+            <a:r>
+              <a:rPr kumimoji="1" lang="zh-CN" altLang="en-US" dirty="0"/>
+              <a:t> </a:t>
+            </a:r>
+            <a:r>
+              <a:rPr kumimoji="1" lang="en-US" altLang="zh-CN" dirty="0"/>
+              <a:t>pictures</a:t>
+            </a:r>
+            <a:r>
+              <a:rPr kumimoji="1" lang="zh-CN" altLang="en-US" dirty="0"/>
+              <a:t> </a:t>
+            </a:r>
+            <a:r>
+              <a:rPr kumimoji="1" lang="en-US" altLang="zh-CN" dirty="0"/>
+              <a:t>from</a:t>
+            </a:r>
+            <a:r>
+              <a:rPr kumimoji="1" lang="zh-CN" altLang="en-US" dirty="0"/>
+              <a:t> </a:t>
+            </a:r>
+            <a:r>
+              <a:rPr kumimoji="1" lang="en-US" altLang="zh-CN" dirty="0"/>
+              <a:t>the</a:t>
+            </a:r>
+            <a:r>
+              <a:rPr kumimoji="1" lang="zh-CN" altLang="en-US" dirty="0"/>
+              <a:t> </a:t>
+            </a:r>
+            <a:r>
+              <a:rPr kumimoji="1" lang="en-US" altLang="zh-CN" dirty="0" smtClean="0"/>
+              <a:t>internet</a:t>
+            </a:r>
+          </a:p>
+          <a:p>
+            <a:pPr>
+              <a:lnSpc>
+                <a:spcPct val="100000"/>
+              </a:lnSpc>
+              <a:spcBef>
+                <a:spcPts val="0"/>
+              </a:spcBef>
+              <a:buClrTx/>
+              <a:buSzTx/>
+            </a:pPr>
+            <a:r>
+              <a:rPr kumimoji="1" lang="en-US" altLang="zh-CN" dirty="0" smtClean="0"/>
+              <a:t>Advanced</a:t>
+            </a:r>
+            <a:r>
+              <a:rPr kumimoji="1" lang="zh-CN" altLang="en-US" dirty="0" smtClean="0"/>
+              <a:t> </a:t>
+            </a:r>
+            <a:r>
+              <a:rPr kumimoji="1" lang="en-US" altLang="zh-CN" dirty="0" smtClean="0"/>
+              <a:t>model:</a:t>
+            </a:r>
+            <a:r>
+              <a:rPr kumimoji="1" lang="zh-CN" altLang="en-US" dirty="0" smtClean="0"/>
+              <a:t> </a:t>
+            </a:r>
+            <a:r>
+              <a:rPr kumimoji="1" lang="en-US" altLang="zh-CN" dirty="0" err="1" smtClean="0"/>
               <a:t>Caffe</a:t>
             </a:r>
             <a:r>
-              <a:rPr kumimoji="1" lang="zh-CN" altLang="en-US" sz="2400" dirty="0" smtClean="0">
-                <a:solidFill>
-                  <a:srgbClr val="C00000"/>
-                </a:solidFill>
-              </a:rPr>
-              <a:t> </a:t>
-            </a:r>
-            <a:r>
-              <a:rPr kumimoji="1" lang="en-US" altLang="zh-CN" sz="2400" dirty="0" smtClean="0">
-                <a:solidFill>
-                  <a:srgbClr val="C00000"/>
-                </a:solidFill>
-              </a:rPr>
-              <a:t>Feature</a:t>
-            </a:r>
-            <a:r>
-              <a:rPr kumimoji="1" lang="zh-CN" altLang="en-US" sz="2400" dirty="0" smtClean="0">
-                <a:solidFill>
-                  <a:srgbClr val="C00000"/>
-                </a:solidFill>
-              </a:rPr>
-              <a:t> </a:t>
-            </a:r>
-            <a:r>
-              <a:rPr kumimoji="1" lang="en-US" altLang="zh-CN" sz="2400" dirty="0" smtClean="0">
-                <a:solidFill>
-                  <a:srgbClr val="C00000"/>
-                </a:solidFill>
-              </a:rPr>
-              <a:t>Extraction</a:t>
-            </a:r>
-            <a:r>
-              <a:rPr kumimoji="1" lang="zh-CN" altLang="en-US" sz="2400" dirty="0" smtClean="0">
-                <a:solidFill>
-                  <a:srgbClr val="C00000"/>
-                </a:solidFill>
-              </a:rPr>
-              <a:t> </a:t>
-            </a:r>
-            <a:r>
-              <a:rPr kumimoji="1" lang="en-US" altLang="zh-CN" sz="2400" dirty="0" smtClean="0">
-                <a:solidFill>
-                  <a:srgbClr val="C00000"/>
-                </a:solidFill>
-              </a:rPr>
+              <a:rPr kumimoji="1" lang="zh-CN" altLang="en-US" dirty="0" smtClean="0"/>
+              <a:t> </a:t>
+            </a:r>
+            <a:r>
+              <a:rPr kumimoji="1" lang="en-US" altLang="zh-CN" dirty="0" smtClean="0"/>
               <a:t>+</a:t>
             </a:r>
             <a:r>
-              <a:rPr kumimoji="1" lang="zh-CN" altLang="en-US" sz="2400" dirty="0" smtClean="0">
-                <a:solidFill>
-                  <a:srgbClr val="C00000"/>
-                </a:solidFill>
-              </a:rPr>
-              <a:t> </a:t>
-            </a:r>
-            <a:r>
-              <a:rPr kumimoji="1" lang="en-US" altLang="zh-CN" sz="2400" dirty="0" smtClean="0">
-                <a:solidFill>
-                  <a:srgbClr val="C00000"/>
-                </a:solidFill>
-              </a:rPr>
+              <a:rPr kumimoji="1" lang="zh-CN" altLang="en-US" dirty="0" smtClean="0"/>
+              <a:t> </a:t>
+            </a:r>
+            <a:r>
+              <a:rPr kumimoji="1" lang="en-US" altLang="zh-CN" dirty="0" smtClean="0"/>
               <a:t>PCA</a:t>
             </a:r>
             <a:r>
-              <a:rPr kumimoji="1" lang="zh-CN" altLang="en-US" sz="2400" dirty="0" smtClean="0">
-                <a:solidFill>
-                  <a:srgbClr val="C00000"/>
-                </a:solidFill>
-              </a:rPr>
-              <a:t> </a:t>
-            </a:r>
-            <a:r>
-              <a:rPr kumimoji="1" lang="en-US" altLang="zh-CN" sz="2400" dirty="0" smtClean="0">
-                <a:solidFill>
-                  <a:srgbClr val="C00000"/>
-                </a:solidFill>
-              </a:rPr>
+              <a:rPr kumimoji="1" lang="zh-CN" altLang="en-US" dirty="0" smtClean="0"/>
+              <a:t> </a:t>
+            </a:r>
+            <a:r>
+              <a:rPr kumimoji="1" lang="en-US" altLang="zh-CN" dirty="0" smtClean="0"/>
               <a:t>+</a:t>
             </a:r>
             <a:r>
-              <a:rPr kumimoji="1" lang="zh-CN" altLang="en-US" sz="2400" dirty="0" smtClean="0">
-                <a:solidFill>
-                  <a:srgbClr val="C00000"/>
-                </a:solidFill>
-              </a:rPr>
-              <a:t> </a:t>
-            </a:r>
-            <a:r>
-              <a:rPr kumimoji="1" lang="en-US" altLang="zh-CN" sz="2400" dirty="0" smtClean="0">
-                <a:solidFill>
-                  <a:srgbClr val="C00000"/>
-                </a:solidFill>
-              </a:rPr>
+              <a:rPr kumimoji="1" lang="zh-CN" altLang="en-US" dirty="0" smtClean="0"/>
+              <a:t> </a:t>
+            </a:r>
+            <a:r>
+              <a:rPr kumimoji="1" lang="en-US" altLang="zh-CN" dirty="0" smtClean="0"/>
               <a:t>Logistic</a:t>
             </a:r>
             <a:r>
-              <a:rPr kumimoji="1" lang="zh-CN" altLang="en-US" sz="2400" dirty="0" smtClean="0">
-                <a:solidFill>
-                  <a:srgbClr val="C00000"/>
-                </a:solidFill>
-              </a:rPr>
-              <a:t> </a:t>
-            </a:r>
-            <a:r>
-              <a:rPr kumimoji="1" lang="en-US" altLang="zh-CN" sz="2400" dirty="0" smtClean="0">
-                <a:solidFill>
-                  <a:srgbClr val="C00000"/>
-                </a:solidFill>
-              </a:rPr>
+              <a:rPr kumimoji="1" lang="zh-CN" altLang="en-US" dirty="0" smtClean="0"/>
+              <a:t> </a:t>
+            </a:r>
+            <a:r>
+              <a:rPr kumimoji="1" lang="en-US" altLang="zh-CN" dirty="0" smtClean="0"/>
               <a:t>Regression</a:t>
             </a:r>
-            <a:endParaRPr kumimoji="1" lang="en-US" altLang="zh-CN" sz="2400" dirty="0">
-              <a:solidFill>
-                <a:srgbClr val="C00000"/>
-              </a:solidFill>
-            </a:endParaRPr>
+            <a:endParaRPr kumimoji="1" lang="en-US" altLang="zh-CN" dirty="0" smtClean="0"/>
           </a:p>
           <a:p>
             <a:pPr>
@@ -9140,54 +13114,592 @@
               <a:buClrTx/>
               <a:buSzTx/>
             </a:pPr>
-            <a:r>
-              <a:rPr kumimoji="1" lang="en-US" altLang="zh-CN" dirty="0" smtClean="0"/>
-              <a:t>Scraping</a:t>
-            </a:r>
-            <a:r>
-              <a:rPr kumimoji="1" lang="zh-CN" altLang="en-US" dirty="0" smtClean="0"/>
-              <a:t> </a:t>
-            </a:r>
-            <a:r>
-              <a:rPr kumimoji="1" lang="en-US" altLang="zh-CN" dirty="0"/>
-              <a:t>2000</a:t>
-            </a:r>
-            <a:r>
-              <a:rPr kumimoji="1" lang="zh-CN" altLang="en-US" dirty="0"/>
-              <a:t> </a:t>
-            </a:r>
-            <a:r>
-              <a:rPr kumimoji="1" lang="en-US" altLang="zh-CN" dirty="0"/>
-              <a:t>pictures</a:t>
-            </a:r>
-            <a:r>
-              <a:rPr kumimoji="1" lang="zh-CN" altLang="en-US" dirty="0"/>
-              <a:t> </a:t>
-            </a:r>
-            <a:r>
-              <a:rPr kumimoji="1" lang="en-US" altLang="zh-CN" dirty="0"/>
-              <a:t>from</a:t>
-            </a:r>
-            <a:r>
-              <a:rPr kumimoji="1" lang="zh-CN" altLang="en-US" dirty="0"/>
-              <a:t> </a:t>
-            </a:r>
-            <a:r>
-              <a:rPr kumimoji="1" lang="en-US" altLang="zh-CN" dirty="0"/>
-              <a:t>the</a:t>
-            </a:r>
-            <a:r>
-              <a:rPr kumimoji="1" lang="zh-CN" altLang="en-US" dirty="0"/>
-              <a:t> </a:t>
-            </a:r>
-            <a:r>
-              <a:rPr kumimoji="1" lang="en-US" altLang="zh-CN" dirty="0"/>
-              <a:t>internet</a:t>
-            </a:r>
+            <a:endParaRPr kumimoji="1" lang="en-US" altLang="zh-CN" dirty="0"/>
+          </a:p>
+          <a:p>
+            <a:pPr>
+              <a:lnSpc>
+                <a:spcPct val="100000"/>
+              </a:lnSpc>
+              <a:spcBef>
+                <a:spcPts val="0"/>
+              </a:spcBef>
+              <a:buClrTx/>
+              <a:buSzTx/>
+            </a:pPr>
             <a:endParaRPr kumimoji="1" lang="zh-CN" altLang="en-US" dirty="0"/>
           </a:p>
         </p:txBody>
       </p:sp>
+      <p:graphicFrame>
+        <p:nvGraphicFramePr>
+          <p:cNvPr id="5" name="表格 4"/>
+          <p:cNvGraphicFramePr>
+            <a:graphicFrameLocks noGrp="1"/>
+          </p:cNvGraphicFramePr>
+          <p:nvPr>
+            <p:extLst>
+              <p:ext uri="{D42A27DB-BD31-4B8C-83A1-F6EECF244321}">
+                <p14:modId xmlns:p14="http://schemas.microsoft.com/office/powerpoint/2010/main" val="1742223207"/>
+              </p:ext>
+            </p:extLst>
+          </p:nvPr>
+        </p:nvGraphicFramePr>
+        <p:xfrm>
+          <a:off x="2069084" y="4146804"/>
+          <a:ext cx="8059928" cy="2336546"/>
+        </p:xfrm>
+        <a:graphic>
+          <a:graphicData uri="http://schemas.openxmlformats.org/drawingml/2006/table">
+            <a:tbl>
+              <a:tblPr firstRow="1" bandRow="1">
+                <a:tableStyleId>{93296810-A885-4BE3-A3E7-6D5BEEA58F35}</a:tableStyleId>
+              </a:tblPr>
+              <a:tblGrid>
+                <a:gridCol w="1963928"/>
+                <a:gridCol w="2032000"/>
+                <a:gridCol w="2032000"/>
+                <a:gridCol w="2032000"/>
+              </a:tblGrid>
+              <a:tr h="482346">
+                <a:tc>
+                  <a:txBody>
+                    <a:bodyPr/>
+                    <a:lstStyle/>
+                    <a:p>
+                      <a:pPr algn="ctr"/>
+                      <a:r>
+                        <a:rPr lang="en-US" altLang="zh-CN" dirty="0" smtClean="0"/>
+                        <a:t>Layer</a:t>
+                      </a:r>
+                      <a:endParaRPr lang="zh-CN" altLang="en-US" dirty="0"/>
+                    </a:p>
+                  </a:txBody>
+                  <a:tcPr anchor="ctr"/>
+                </a:tc>
+                <a:tc>
+                  <a:txBody>
+                    <a:bodyPr/>
+                    <a:lstStyle/>
+                    <a:p>
+                      <a:pPr algn="ctr"/>
+                      <a:r>
+                        <a:rPr lang="en-US" altLang="zh-CN" dirty="0" smtClean="0"/>
+                        <a:t>Testing</a:t>
+                      </a:r>
+                      <a:r>
+                        <a:rPr lang="zh-CN" altLang="en-US" dirty="0" smtClean="0"/>
+                        <a:t> </a:t>
+                      </a:r>
+                      <a:r>
+                        <a:rPr lang="en-US" altLang="zh-CN" dirty="0" smtClean="0"/>
+                        <a:t>Accuracy</a:t>
+                      </a:r>
+                    </a:p>
+                  </a:txBody>
+                  <a:tcPr anchor="ctr"/>
+                </a:tc>
+                <a:tc>
+                  <a:txBody>
+                    <a:bodyPr/>
+                    <a:lstStyle/>
+                    <a:p>
+                      <a:pPr algn="ctr"/>
+                      <a:r>
+                        <a:rPr lang="en-US" altLang="zh-CN" dirty="0" smtClean="0"/>
+                        <a:t>Layer</a:t>
+                      </a:r>
+                      <a:endParaRPr lang="zh-CN" altLang="en-US" dirty="0"/>
+                    </a:p>
+                  </a:txBody>
+                  <a:tcPr anchor="ctr"/>
+                </a:tc>
+                <a:tc>
+                  <a:txBody>
+                    <a:bodyPr/>
+                    <a:lstStyle/>
+                    <a:p>
+                      <a:pPr algn="ctr"/>
+                      <a:r>
+                        <a:rPr lang="en-US" altLang="zh-CN" dirty="0" smtClean="0"/>
+                        <a:t>Testing</a:t>
+                      </a:r>
+                      <a:r>
+                        <a:rPr lang="zh-CN" altLang="en-US" dirty="0" smtClean="0"/>
+                        <a:t> </a:t>
+                      </a:r>
+                      <a:r>
+                        <a:rPr lang="en-US" altLang="zh-CN" dirty="0" smtClean="0"/>
+                        <a:t>Accuracy</a:t>
+                      </a:r>
+                    </a:p>
+                  </a:txBody>
+                  <a:tcPr anchor="ctr"/>
+                </a:tc>
+              </a:tr>
+              <a:tr h="370840">
+                <a:tc>
+                  <a:txBody>
+                    <a:bodyPr/>
+                    <a:lstStyle/>
+                    <a:p>
+                      <a:pPr marL="0" algn="ctr" defTabSz="914400" rtl="0" eaLnBrk="1" fontAlgn="b" latinLnBrk="0" hangingPunct="1"/>
+                      <a:r>
+                        <a:rPr lang="en-US" sz="1800" kern="1200" dirty="0">
+                          <a:solidFill>
+                            <a:schemeClr val="dk1"/>
+                          </a:solidFill>
+                          <a:effectLst/>
+                          <a:latin typeface="+mn-lt"/>
+                          <a:ea typeface="+mn-ea"/>
+                          <a:cs typeface="+mn-cs"/>
+                        </a:rPr>
+                        <a:t>Norm1</a:t>
+                      </a:r>
+                    </a:p>
+                  </a:txBody>
+                  <a:tcPr marL="6350" marR="6350" marT="6350" marB="0" anchor="ctr"/>
+                </a:tc>
+                <a:tc>
+                  <a:txBody>
+                    <a:bodyPr/>
+                    <a:lstStyle/>
+                    <a:p>
+                      <a:pPr marL="0" algn="ctr" defTabSz="914400" rtl="0" eaLnBrk="1" fontAlgn="b" latinLnBrk="0" hangingPunct="1"/>
+                      <a:r>
+                        <a:rPr lang="pt-BR" sz="1800" kern="1200" dirty="0">
+                          <a:solidFill>
+                            <a:schemeClr val="dk1"/>
+                          </a:solidFill>
+                          <a:effectLst/>
+                          <a:latin typeface="+mn-lt"/>
+                          <a:ea typeface="+mn-ea"/>
+                          <a:cs typeface="+mn-cs"/>
+                        </a:rPr>
+                        <a:t>92.00%</a:t>
+                      </a:r>
+                    </a:p>
+                  </a:txBody>
+                  <a:tcPr marL="6350" marR="6350" marT="6350" marB="0" anchor="ctr"/>
+                </a:tc>
+                <a:tc>
+                  <a:txBody>
+                    <a:bodyPr/>
+                    <a:lstStyle/>
+                    <a:p>
+                      <a:pPr marL="0" algn="ctr" defTabSz="914400" rtl="0" eaLnBrk="1" fontAlgn="b" latinLnBrk="0" hangingPunct="1"/>
+                      <a:r>
+                        <a:rPr lang="en-US" sz="1800" kern="1200" dirty="0">
+                          <a:solidFill>
+                            <a:schemeClr val="dk1"/>
+                          </a:solidFill>
+                          <a:effectLst/>
+                          <a:latin typeface="+mn-lt"/>
+                          <a:ea typeface="+mn-ea"/>
+                          <a:cs typeface="+mn-cs"/>
+                        </a:rPr>
+                        <a:t>Pool5</a:t>
+                      </a:r>
+                    </a:p>
+                  </a:txBody>
+                  <a:tcPr marL="6350" marR="6350" marT="6350" marB="0" anchor="ctr"/>
+                </a:tc>
+                <a:tc>
+                  <a:txBody>
+                    <a:bodyPr/>
+                    <a:lstStyle/>
+                    <a:p>
+                      <a:pPr marL="0" algn="ctr" defTabSz="914400" rtl="0" eaLnBrk="1" fontAlgn="b" latinLnBrk="0" hangingPunct="1"/>
+                      <a:r>
+                        <a:rPr lang="hr-HR" sz="1800" kern="1200" dirty="0">
+                          <a:solidFill>
+                            <a:schemeClr val="dk1"/>
+                          </a:solidFill>
+                          <a:effectLst/>
+                          <a:latin typeface="+mn-lt"/>
+                          <a:ea typeface="+mn-ea"/>
+                          <a:cs typeface="+mn-cs"/>
+                        </a:rPr>
+                        <a:t>97.05%</a:t>
+                      </a:r>
+                    </a:p>
+                  </a:txBody>
+                  <a:tcPr marL="6350" marR="6350" marT="6350" marB="0" anchor="ctr"/>
+                </a:tc>
+              </a:tr>
+              <a:tr h="370840">
+                <a:tc>
+                  <a:txBody>
+                    <a:bodyPr/>
+                    <a:lstStyle/>
+                    <a:p>
+                      <a:pPr marL="0" algn="ctr" defTabSz="914400" rtl="0" eaLnBrk="1" fontAlgn="b" latinLnBrk="0" hangingPunct="1"/>
+                      <a:r>
+                        <a:rPr lang="en-US" sz="1800" kern="1200" dirty="0">
+                          <a:solidFill>
+                            <a:schemeClr val="dk1"/>
+                          </a:solidFill>
+                          <a:effectLst/>
+                          <a:latin typeface="+mn-lt"/>
+                          <a:ea typeface="+mn-ea"/>
+                          <a:cs typeface="+mn-cs"/>
+                        </a:rPr>
+                        <a:t>Norm2</a:t>
+                      </a:r>
+                    </a:p>
+                  </a:txBody>
+                  <a:tcPr marL="6350" marR="6350" marT="6350" marB="0" anchor="ctr"/>
+                </a:tc>
+                <a:tc>
+                  <a:txBody>
+                    <a:bodyPr/>
+                    <a:lstStyle/>
+                    <a:p>
+                      <a:pPr marL="0" algn="ctr" defTabSz="914400" rtl="0" eaLnBrk="1" fontAlgn="b" latinLnBrk="0" hangingPunct="1"/>
+                      <a:r>
+                        <a:rPr lang="hr-HR" sz="1800" kern="1200" dirty="0">
+                          <a:solidFill>
+                            <a:schemeClr val="dk1"/>
+                          </a:solidFill>
+                          <a:effectLst/>
+                          <a:latin typeface="+mn-lt"/>
+                          <a:ea typeface="+mn-ea"/>
+                          <a:cs typeface="+mn-cs"/>
+                        </a:rPr>
+                        <a:t>94.20%</a:t>
+                      </a:r>
+                    </a:p>
+                  </a:txBody>
+                  <a:tcPr marL="6350" marR="6350" marT="6350" marB="0" anchor="ctr"/>
+                </a:tc>
+                <a:tc>
+                  <a:txBody>
+                    <a:bodyPr/>
+                    <a:lstStyle/>
+                    <a:p>
+                      <a:pPr marL="0" algn="ctr" defTabSz="914400" rtl="0" eaLnBrk="1" fontAlgn="b" latinLnBrk="0" hangingPunct="1"/>
+                      <a:r>
+                        <a:rPr lang="en-US" altLang="zh-CN" sz="1800" kern="1200">
+                          <a:solidFill>
+                            <a:schemeClr val="dk1"/>
+                          </a:solidFill>
+                          <a:effectLst/>
+                          <a:latin typeface="+mn-lt"/>
+                          <a:ea typeface="+mn-ea"/>
+                          <a:cs typeface="+mn-cs"/>
+                        </a:rPr>
+                        <a:t>Fc6</a:t>
+                      </a:r>
+                    </a:p>
+                  </a:txBody>
+                  <a:tcPr marL="6350" marR="6350" marT="6350" marB="0" anchor="ctr"/>
+                </a:tc>
+                <a:tc>
+                  <a:txBody>
+                    <a:bodyPr/>
+                    <a:lstStyle/>
+                    <a:p>
+                      <a:pPr marL="0" algn="ctr" defTabSz="914400" rtl="0" eaLnBrk="1" fontAlgn="b" latinLnBrk="0" hangingPunct="1"/>
+                      <a:r>
+                        <a:rPr lang="hr-HR" sz="1800" kern="1200">
+                          <a:solidFill>
+                            <a:schemeClr val="dk1"/>
+                          </a:solidFill>
+                          <a:effectLst/>
+                          <a:latin typeface="+mn-lt"/>
+                          <a:ea typeface="+mn-ea"/>
+                          <a:cs typeface="+mn-cs"/>
+                        </a:rPr>
+                        <a:t>96.75%</a:t>
+                      </a:r>
+                    </a:p>
+                  </a:txBody>
+                  <a:tcPr marL="6350" marR="6350" marT="6350" marB="0" anchor="ctr"/>
+                </a:tc>
+              </a:tr>
+              <a:tr h="370840">
+                <a:tc>
+                  <a:txBody>
+                    <a:bodyPr/>
+                    <a:lstStyle/>
+                    <a:p>
+                      <a:pPr marL="0" algn="ctr" defTabSz="914400" rtl="0" eaLnBrk="1" fontAlgn="b" latinLnBrk="0" hangingPunct="1"/>
+                      <a:r>
+                        <a:rPr lang="en-US" sz="1800" kern="1200" dirty="0">
+                          <a:solidFill>
+                            <a:schemeClr val="dk1"/>
+                          </a:solidFill>
+                          <a:effectLst/>
+                          <a:latin typeface="+mn-lt"/>
+                          <a:ea typeface="+mn-ea"/>
+                          <a:cs typeface="+mn-cs"/>
+                        </a:rPr>
+                        <a:t>Conv3</a:t>
+                      </a:r>
+                    </a:p>
+                  </a:txBody>
+                  <a:tcPr marL="6350" marR="6350" marT="6350" marB="0" anchor="ctr"/>
+                </a:tc>
+                <a:tc>
+                  <a:txBody>
+                    <a:bodyPr/>
+                    <a:lstStyle/>
+                    <a:p>
+                      <a:pPr marL="0" algn="ctr" defTabSz="914400" rtl="0" eaLnBrk="1" fontAlgn="b" latinLnBrk="0" hangingPunct="1"/>
+                      <a:r>
+                        <a:rPr lang="pt-BR" sz="1800" kern="1200">
+                          <a:solidFill>
+                            <a:schemeClr val="dk1"/>
+                          </a:solidFill>
+                          <a:effectLst/>
+                          <a:latin typeface="+mn-lt"/>
+                          <a:ea typeface="+mn-ea"/>
+                          <a:cs typeface="+mn-cs"/>
+                        </a:rPr>
+                        <a:t>95.00%</a:t>
+                      </a:r>
+                    </a:p>
+                  </a:txBody>
+                  <a:tcPr marL="6350" marR="6350" marT="6350" marB="0" anchor="ctr"/>
+                </a:tc>
+                <a:tc>
+                  <a:txBody>
+                    <a:bodyPr/>
+                    <a:lstStyle/>
+                    <a:p>
+                      <a:pPr marL="0" algn="ctr" defTabSz="914400" rtl="0" eaLnBrk="1" fontAlgn="b" latinLnBrk="0" hangingPunct="1"/>
+                      <a:r>
+                        <a:rPr lang="en-US" altLang="zh-CN" sz="1800" kern="1200" dirty="0">
+                          <a:solidFill>
+                            <a:schemeClr val="dk1"/>
+                          </a:solidFill>
+                          <a:effectLst/>
+                          <a:latin typeface="+mn-lt"/>
+                          <a:ea typeface="+mn-ea"/>
+                          <a:cs typeface="+mn-cs"/>
+                        </a:rPr>
+                        <a:t>Fc7</a:t>
+                      </a:r>
+                    </a:p>
+                  </a:txBody>
+                  <a:tcPr marL="6350" marR="6350" marT="6350" marB="0" anchor="ctr"/>
+                </a:tc>
+                <a:tc>
+                  <a:txBody>
+                    <a:bodyPr/>
+                    <a:lstStyle/>
+                    <a:p>
+                      <a:pPr marL="0" algn="ctr" defTabSz="914400" rtl="0" eaLnBrk="1" fontAlgn="b" latinLnBrk="0" hangingPunct="1"/>
+                      <a:r>
+                        <a:rPr lang="hr-HR" sz="1800" kern="1200">
+                          <a:solidFill>
+                            <a:schemeClr val="dk1"/>
+                          </a:solidFill>
+                          <a:effectLst/>
+                          <a:latin typeface="+mn-lt"/>
+                          <a:ea typeface="+mn-ea"/>
+                          <a:cs typeface="+mn-cs"/>
+                        </a:rPr>
+                        <a:t>97.25%</a:t>
+                      </a:r>
+                    </a:p>
+                  </a:txBody>
+                  <a:tcPr marL="6350" marR="6350" marT="6350" marB="0" anchor="ctr"/>
+                </a:tc>
+              </a:tr>
+              <a:tr h="370840">
+                <a:tc>
+                  <a:txBody>
+                    <a:bodyPr/>
+                    <a:lstStyle/>
+                    <a:p>
+                      <a:pPr marL="0" algn="ctr" defTabSz="914400" rtl="0" eaLnBrk="1" fontAlgn="b" latinLnBrk="0" hangingPunct="1"/>
+                      <a:r>
+                        <a:rPr lang="en-US" sz="1800" kern="1200" dirty="0">
+                          <a:solidFill>
+                            <a:schemeClr val="dk1"/>
+                          </a:solidFill>
+                          <a:effectLst/>
+                          <a:latin typeface="+mn-lt"/>
+                          <a:ea typeface="+mn-ea"/>
+                          <a:cs typeface="+mn-cs"/>
+                        </a:rPr>
+                        <a:t>Conv4</a:t>
+                      </a:r>
+                    </a:p>
+                  </a:txBody>
+                  <a:tcPr marL="6350" marR="6350" marT="6350" marB="0" anchor="ctr"/>
+                </a:tc>
+                <a:tc>
+                  <a:txBody>
+                    <a:bodyPr/>
+                    <a:lstStyle/>
+                    <a:p>
+                      <a:pPr marL="0" algn="ctr" defTabSz="914400" rtl="0" eaLnBrk="1" fontAlgn="b" latinLnBrk="0" hangingPunct="1"/>
+                      <a:r>
+                        <a:rPr lang="hr-HR" sz="1800" kern="1200">
+                          <a:solidFill>
+                            <a:schemeClr val="dk1"/>
+                          </a:solidFill>
+                          <a:effectLst/>
+                          <a:latin typeface="+mn-lt"/>
+                          <a:ea typeface="+mn-ea"/>
+                          <a:cs typeface="+mn-cs"/>
+                        </a:rPr>
+                        <a:t>96.00%</a:t>
+                      </a:r>
+                    </a:p>
+                  </a:txBody>
+                  <a:tcPr marL="6350" marR="6350" marT="6350" marB="0" anchor="ctr"/>
+                </a:tc>
+                <a:tc>
+                  <a:txBody>
+                    <a:bodyPr/>
+                    <a:lstStyle/>
+                    <a:p>
+                      <a:pPr marL="0" algn="ctr" defTabSz="914400" rtl="0" eaLnBrk="1" fontAlgn="b" latinLnBrk="0" hangingPunct="1"/>
+                      <a:r>
+                        <a:rPr lang="en-US" altLang="zh-CN" sz="1800" kern="1200" dirty="0">
+                          <a:solidFill>
+                            <a:schemeClr val="dk1"/>
+                          </a:solidFill>
+                          <a:effectLst/>
+                          <a:latin typeface="+mn-lt"/>
+                          <a:ea typeface="+mn-ea"/>
+                          <a:cs typeface="+mn-cs"/>
+                        </a:rPr>
+                        <a:t>Fc8</a:t>
+                      </a:r>
+                    </a:p>
+                  </a:txBody>
+                  <a:tcPr marL="6350" marR="6350" marT="6350" marB="0" anchor="ctr"/>
+                </a:tc>
+                <a:tc>
+                  <a:txBody>
+                    <a:bodyPr/>
+                    <a:lstStyle/>
+                    <a:p>
+                      <a:pPr marL="0" algn="ctr" defTabSz="914400" rtl="0" eaLnBrk="1" fontAlgn="b" latinLnBrk="0" hangingPunct="1"/>
+                      <a:r>
+                        <a:rPr lang="pt-BR" sz="1800" kern="1200" dirty="0">
+                          <a:solidFill>
+                            <a:schemeClr val="dk1"/>
+                          </a:solidFill>
+                          <a:effectLst/>
+                          <a:latin typeface="+mn-lt"/>
+                          <a:ea typeface="+mn-ea"/>
+                          <a:cs typeface="+mn-cs"/>
+                        </a:rPr>
+                        <a:t>97.30%</a:t>
+                      </a:r>
+                    </a:p>
+                  </a:txBody>
+                  <a:tcPr marL="6350" marR="6350" marT="6350" marB="0" anchor="ctr"/>
+                </a:tc>
+              </a:tr>
+              <a:tr h="370840">
+                <a:tc>
+                  <a:txBody>
+                    <a:bodyPr/>
+                    <a:lstStyle/>
+                    <a:p>
+                      <a:pPr marL="0" algn="ctr" defTabSz="914400" rtl="0" eaLnBrk="1" fontAlgn="b" latinLnBrk="0" hangingPunct="1"/>
+                      <a:r>
+                        <a:rPr lang="en-US" sz="1800" kern="1200" dirty="0">
+                          <a:solidFill>
+                            <a:schemeClr val="dk1"/>
+                          </a:solidFill>
+                          <a:effectLst/>
+                          <a:latin typeface="+mn-lt"/>
+                          <a:ea typeface="+mn-ea"/>
+                          <a:cs typeface="+mn-cs"/>
+                        </a:rPr>
+                        <a:t>Conv5</a:t>
+                      </a:r>
+                    </a:p>
+                  </a:txBody>
+                  <a:tcPr marL="6350" marR="6350" marT="6350" marB="0" anchor="ctr"/>
+                </a:tc>
+                <a:tc>
+                  <a:txBody>
+                    <a:bodyPr/>
+                    <a:lstStyle/>
+                    <a:p>
+                      <a:pPr marL="0" algn="ctr" defTabSz="914400" rtl="0" eaLnBrk="1" fontAlgn="b" latinLnBrk="0" hangingPunct="1"/>
+                      <a:r>
+                        <a:rPr lang="hr-HR" sz="1800" kern="1200" dirty="0">
+                          <a:solidFill>
+                            <a:schemeClr val="dk1"/>
+                          </a:solidFill>
+                          <a:effectLst/>
+                          <a:latin typeface="+mn-lt"/>
+                          <a:ea typeface="+mn-ea"/>
+                          <a:cs typeface="+mn-cs"/>
+                        </a:rPr>
+                        <a:t>96.20%</a:t>
+                      </a:r>
+                    </a:p>
+                  </a:txBody>
+                  <a:tcPr marL="6350" marR="6350" marT="6350" marB="0" anchor="ctr"/>
+                </a:tc>
+                <a:tc>
+                  <a:txBody>
+                    <a:bodyPr/>
+                    <a:lstStyle/>
+                    <a:p>
+                      <a:pPr marL="0" algn="ctr" defTabSz="914400" rtl="0" eaLnBrk="1" fontAlgn="b" latinLnBrk="0" hangingPunct="1"/>
+                      <a:r>
+                        <a:rPr lang="en-US" sz="1800" kern="1200" dirty="0" err="1">
+                          <a:solidFill>
+                            <a:schemeClr val="dk1"/>
+                          </a:solidFill>
+                          <a:effectLst/>
+                          <a:latin typeface="+mn-lt"/>
+                          <a:ea typeface="+mn-ea"/>
+                          <a:cs typeface="+mn-cs"/>
+                        </a:rPr>
+                        <a:t>Prob</a:t>
+                      </a:r>
+                      <a:endParaRPr lang="en-US" sz="1800" kern="1200" dirty="0">
+                        <a:solidFill>
+                          <a:schemeClr val="dk1"/>
+                        </a:solidFill>
+                        <a:effectLst/>
+                        <a:latin typeface="+mn-lt"/>
+                        <a:ea typeface="+mn-ea"/>
+                        <a:cs typeface="+mn-cs"/>
+                      </a:endParaRPr>
+                    </a:p>
+                  </a:txBody>
+                  <a:tcPr marL="6350" marR="6350" marT="6350" marB="0" anchor="ctr"/>
+                </a:tc>
+                <a:tc>
+                  <a:txBody>
+                    <a:bodyPr/>
+                    <a:lstStyle/>
+                    <a:p>
+                      <a:pPr marL="0" algn="ctr" defTabSz="914400" rtl="0" eaLnBrk="1" fontAlgn="b" latinLnBrk="0" hangingPunct="1"/>
+                      <a:r>
+                        <a:rPr lang="pt-BR" sz="1800" kern="1200" dirty="0">
+                          <a:solidFill>
+                            <a:schemeClr val="dk1"/>
+                          </a:solidFill>
+                          <a:effectLst/>
+                          <a:latin typeface="+mn-lt"/>
+                          <a:ea typeface="+mn-ea"/>
+                          <a:cs typeface="+mn-cs"/>
+                        </a:rPr>
+                        <a:t>95.30%</a:t>
+                      </a:r>
+                    </a:p>
+                  </a:txBody>
+                  <a:tcPr marL="6350" marR="6350" marT="6350" marB="0" anchor="ctr"/>
+                </a:tc>
+              </a:tr>
+            </a:tbl>
+          </a:graphicData>
+        </a:graphic>
+      </p:graphicFrame>
     </p:spTree>
     <p:extLst>
       <p:ext uri="{BB962C8B-B14F-4D97-AF65-F5344CB8AC3E}">
@@ -9198,6 +13710,560 @@
   <p:clrMapOvr>
     <a:masterClrMapping/>
   </p:clrMapOvr>
+  <p:timing>
+    <p:tnLst>
+      <p:par>
+        <p:cTn id="1" dur="indefinite" restart="never" nodeType="tmRoot">
+          <p:childTnLst>
+            <p:seq concurrent="1" nextAc="seek">
+              <p:cTn id="2" dur="indefinite" nodeType="mainSeq">
+                <p:childTnLst>
+                  <p:par>
+                    <p:cTn id="3" fill="hold">
+                      <p:stCondLst>
+                        <p:cond delay="indefinite"/>
+                      </p:stCondLst>
+                      <p:childTnLst>
+                        <p:par>
+                          <p:cTn id="4" fill="hold">
+                            <p:stCondLst>
+                              <p:cond delay="0"/>
+                            </p:stCondLst>
+                            <p:childTnLst>
+                              <p:par>
+                                <p:cTn id="5" presetID="1" presetClass="entr" presetSubtype="0" fill="hold" nodeType="clickEffect">
+                                  <p:stCondLst>
+                                    <p:cond delay="0"/>
+                                  </p:stCondLst>
+                                  <p:childTnLst>
+                                    <p:set>
+                                      <p:cBhvr>
+                                        <p:cTn id="6" dur="1" fill="hold">
+                                          <p:stCondLst>
+                                            <p:cond delay="0"/>
+                                          </p:stCondLst>
+                                        </p:cTn>
+                                        <p:tgtEl>
+                                          <p:spTgt spid="3">
+                                            <p:txEl>
+                                              <p:pRg st="4" end="4"/>
+                                            </p:txEl>
+                                          </p:spTgt>
+                                        </p:tgtEl>
+                                        <p:attrNameLst>
+                                          <p:attrName>style.visibility</p:attrName>
+                                        </p:attrNameLst>
+                                      </p:cBhvr>
+                                      <p:to>
+                                        <p:strVal val="visible"/>
+                                      </p:to>
+                                    </p:set>
+                                  </p:childTnLst>
+                                </p:cTn>
+                              </p:par>
+                              <p:par>
+                                <p:cTn id="7" presetID="1" presetClass="entr" presetSubtype="0" fill="hold" nodeType="withEffect">
+                                  <p:stCondLst>
+                                    <p:cond delay="0"/>
+                                  </p:stCondLst>
+                                  <p:childTnLst>
+                                    <p:set>
+                                      <p:cBhvr>
+                                        <p:cTn id="8" dur="1" fill="hold">
+                                          <p:stCondLst>
+                                            <p:cond delay="0"/>
+                                          </p:stCondLst>
+                                        </p:cTn>
+                                        <p:tgtEl>
+                                          <p:spTgt spid="3">
+                                            <p:txEl>
+                                              <p:pRg st="5" end="5"/>
+                                            </p:txEl>
+                                          </p:spTgt>
+                                        </p:tgtEl>
+                                        <p:attrNameLst>
+                                          <p:attrName>style.visibility</p:attrName>
+                                        </p:attrNameLst>
+                                      </p:cBhvr>
+                                      <p:to>
+                                        <p:strVal val="visible"/>
+                                      </p:to>
+                                    </p:set>
+                                  </p:childTnLst>
+                                </p:cTn>
+                              </p:par>
+                            </p:childTnLst>
+                          </p:cTn>
+                        </p:par>
+                      </p:childTnLst>
+                    </p:cTn>
+                  </p:par>
+                  <p:par>
+                    <p:cTn id="9" fill="hold">
+                      <p:stCondLst>
+                        <p:cond delay="indefinite"/>
+                      </p:stCondLst>
+                      <p:childTnLst>
+                        <p:par>
+                          <p:cTn id="10" fill="hold">
+                            <p:stCondLst>
+                              <p:cond delay="0"/>
+                            </p:stCondLst>
+                            <p:childTnLst>
+                              <p:par>
+                                <p:cTn id="11" presetID="9" presetClass="entr" presetSubtype="0" fill="hold" nodeType="clickEffect">
+                                  <p:stCondLst>
+                                    <p:cond delay="0"/>
+                                  </p:stCondLst>
+                                  <p:childTnLst>
+                                    <p:set>
+                                      <p:cBhvr>
+                                        <p:cTn id="12" dur="1" fill="hold">
+                                          <p:stCondLst>
+                                            <p:cond delay="0"/>
+                                          </p:stCondLst>
+                                        </p:cTn>
+                                        <p:tgtEl>
+                                          <p:spTgt spid="5"/>
+                                        </p:tgtEl>
+                                        <p:attrNameLst>
+                                          <p:attrName>style.visibility</p:attrName>
+                                        </p:attrNameLst>
+                                      </p:cBhvr>
+                                      <p:to>
+                                        <p:strVal val="visible"/>
+                                      </p:to>
+                                    </p:set>
+                                    <p:animEffect transition="in" filter="dissolve">
+                                      <p:cBhvr>
+                                        <p:cTn id="13" dur="500"/>
+                                        <p:tgtEl>
+                                          <p:spTgt spid="5"/>
+                                        </p:tgtEl>
+                                      </p:cBhvr>
+                                    </p:animEffect>
+                                  </p:childTnLst>
+                                </p:cTn>
+                              </p:par>
+                            </p:childTnLst>
+                          </p:cTn>
+                        </p:par>
+                      </p:childTnLst>
+                    </p:cTn>
+                  </p:par>
+                </p:childTnLst>
+              </p:cTn>
+              <p:prevCondLst>
+                <p:cond evt="onPrev" delay="0">
+                  <p:tgtEl>
+                    <p:sldTgt/>
+                  </p:tgtEl>
+                </p:cond>
+              </p:prevCondLst>
+              <p:nextCondLst>
+                <p:cond evt="onNext" delay="0">
+                  <p:tgtEl>
+                    <p:sldTgt/>
+                  </p:tgtEl>
+                </p:cond>
+              </p:nextCondLst>
+            </p:seq>
+          </p:childTnLst>
+        </p:cTn>
+      </p:par>
+    </p:tnLst>
+  </p:timing>
+</p:sld>
+</file>
+
+<file path=ppt/slides/slide17.xml><?xml version="1.0" encoding="utf-8"?>
+<p:sld xmlns:a="http://schemas.openxmlformats.org/drawingml/2006/main" xmlns:r="http://schemas.openxmlformats.org/officeDocument/2006/relationships" xmlns:p="http://schemas.openxmlformats.org/presentationml/2006/main">
+  <p:cSld>
+    <p:spTree>
+      <p:nvGrpSpPr>
+        <p:cNvPr id="1" name=""/>
+        <p:cNvGrpSpPr/>
+        <p:nvPr/>
+      </p:nvGrpSpPr>
+      <p:grpSpPr>
+        <a:xfrm>
+          <a:off x="0" y="0"/>
+          <a:ext cx="0" cy="0"/>
+          <a:chOff x="0" y="0"/>
+          <a:chExt cx="0" cy="0"/>
+        </a:xfrm>
+      </p:grpSpPr>
+      <p:sp>
+        <p:nvSpPr>
+          <p:cNvPr id="2" name="标题 1"/>
+          <p:cNvSpPr>
+            <a:spLocks noGrp="1"/>
+          </p:cNvSpPr>
+          <p:nvPr>
+            <p:ph type="title"/>
+          </p:nvPr>
+        </p:nvSpPr>
+        <p:spPr/>
+        <p:txBody>
+          <a:bodyPr/>
+          <a:lstStyle/>
+          <a:p>
+            <a:r>
+              <a:rPr kumimoji="1" lang="en-US" altLang="zh-CN" dirty="0" smtClean="0"/>
+              <a:t>Summary</a:t>
+            </a:r>
+            <a:endParaRPr kumimoji="1" lang="zh-CN" altLang="en-US" dirty="0"/>
+          </a:p>
+        </p:txBody>
+      </p:sp>
+      <p:sp>
+        <p:nvSpPr>
+          <p:cNvPr id="3" name="内容占位符 2"/>
+          <p:cNvSpPr>
+            <a:spLocks noGrp="1"/>
+          </p:cNvSpPr>
+          <p:nvPr>
+            <p:ph idx="1"/>
+          </p:nvPr>
+        </p:nvSpPr>
+        <p:spPr/>
+        <p:txBody>
+          <a:bodyPr/>
+          <a:lstStyle/>
+          <a:p>
+            <a:pPr>
+              <a:lnSpc>
+                <a:spcPct val="100000"/>
+              </a:lnSpc>
+              <a:spcBef>
+                <a:spcPts val="0"/>
+              </a:spcBef>
+              <a:buClrTx/>
+              <a:buSzTx/>
+            </a:pPr>
+            <a:r>
+              <a:rPr kumimoji="1" lang="en-US" altLang="zh-CN" dirty="0" smtClean="0"/>
+              <a:t>Base</a:t>
+            </a:r>
+            <a:r>
+              <a:rPr kumimoji="1" lang="zh-CN" altLang="en-US" dirty="0" smtClean="0"/>
+              <a:t> </a:t>
+            </a:r>
+            <a:r>
+              <a:rPr kumimoji="1" lang="en-US" altLang="zh-CN" dirty="0" smtClean="0"/>
+              <a:t>Model</a:t>
+            </a:r>
+            <a:r>
+              <a:rPr kumimoji="1" lang="zh-CN" altLang="en-US" dirty="0" smtClean="0"/>
+              <a:t>：</a:t>
+            </a:r>
+            <a:r>
+              <a:rPr kumimoji="1" lang="en-US" altLang="zh-CN" dirty="0" smtClean="0"/>
+              <a:t>SIFT</a:t>
+            </a:r>
+            <a:r>
+              <a:rPr kumimoji="1" lang="zh-CN" altLang="en-US" dirty="0" smtClean="0"/>
+              <a:t> </a:t>
+            </a:r>
+            <a:r>
+              <a:rPr kumimoji="1" lang="en-US" altLang="zh-CN" dirty="0" smtClean="0"/>
+              <a:t>+</a:t>
+            </a:r>
+            <a:r>
+              <a:rPr kumimoji="1" lang="zh-CN" altLang="en-US" dirty="0" smtClean="0"/>
+              <a:t> </a:t>
+            </a:r>
+            <a:r>
+              <a:rPr kumimoji="1" lang="en-US" altLang="zh-CN" dirty="0" smtClean="0"/>
+              <a:t>PCA</a:t>
+            </a:r>
+            <a:r>
+              <a:rPr kumimoji="1" lang="zh-CN" altLang="en-US" dirty="0" smtClean="0"/>
+              <a:t> </a:t>
+            </a:r>
+            <a:r>
+              <a:rPr kumimoji="1" lang="en-US" altLang="zh-CN" dirty="0" smtClean="0"/>
+              <a:t>+</a:t>
+            </a:r>
+            <a:r>
+              <a:rPr kumimoji="1" lang="zh-CN" altLang="en-US" dirty="0" smtClean="0"/>
+              <a:t> </a:t>
+            </a:r>
+            <a:r>
+              <a:rPr kumimoji="1" lang="en-US" altLang="zh-CN" dirty="0" err="1" smtClean="0"/>
+              <a:t>Xgboost</a:t>
+            </a:r>
+            <a:endParaRPr kumimoji="1" lang="en-US" altLang="zh-CN" dirty="0" smtClean="0"/>
+          </a:p>
+          <a:p>
+            <a:pPr lvl="1">
+              <a:lnSpc>
+                <a:spcPct val="100000"/>
+              </a:lnSpc>
+              <a:spcBef>
+                <a:spcPts val="0"/>
+              </a:spcBef>
+              <a:buClrTx/>
+              <a:buSzTx/>
+            </a:pPr>
+            <a:r>
+              <a:rPr kumimoji="1" lang="en-US" altLang="zh-CN" dirty="0" smtClean="0"/>
+              <a:t>Training</a:t>
+            </a:r>
+            <a:r>
+              <a:rPr kumimoji="1" lang="zh-CN" altLang="en-US" dirty="0" smtClean="0"/>
+              <a:t> </a:t>
+            </a:r>
+            <a:r>
+              <a:rPr kumimoji="1" lang="en-US" altLang="zh-CN" dirty="0" smtClean="0"/>
+              <a:t>time:</a:t>
+            </a:r>
+            <a:r>
+              <a:rPr kumimoji="1" lang="zh-CN" altLang="en-US" dirty="0" smtClean="0"/>
+              <a:t> </a:t>
+            </a:r>
+            <a:r>
+              <a:rPr kumimoji="1" lang="en-US" altLang="zh-CN" dirty="0" smtClean="0"/>
+              <a:t>6</a:t>
+            </a:r>
+            <a:r>
+              <a:rPr kumimoji="1" lang="zh-CN" altLang="en-US" dirty="0" smtClean="0"/>
+              <a:t> </a:t>
+            </a:r>
+            <a:r>
+              <a:rPr kumimoji="1" lang="en-US" altLang="zh-CN" dirty="0" smtClean="0"/>
+              <a:t>hours</a:t>
+            </a:r>
+          </a:p>
+          <a:p>
+            <a:pPr lvl="1">
+              <a:lnSpc>
+                <a:spcPct val="100000"/>
+              </a:lnSpc>
+              <a:spcBef>
+                <a:spcPts val="0"/>
+              </a:spcBef>
+              <a:buClrTx/>
+              <a:buSzTx/>
+            </a:pPr>
+            <a:r>
+              <a:rPr kumimoji="1" lang="en-US" altLang="zh-CN" dirty="0" smtClean="0"/>
+              <a:t>Accuracy:</a:t>
+            </a:r>
+            <a:r>
+              <a:rPr kumimoji="1" lang="zh-CN" altLang="en-US" dirty="0" smtClean="0"/>
+              <a:t> </a:t>
+            </a:r>
+            <a:r>
+              <a:rPr kumimoji="1" lang="en-US" altLang="zh-CN" dirty="0" smtClean="0"/>
+              <a:t>71.3%</a:t>
+            </a:r>
+          </a:p>
+          <a:p>
+            <a:pPr>
+              <a:lnSpc>
+                <a:spcPct val="100000"/>
+              </a:lnSpc>
+              <a:spcBef>
+                <a:spcPts val="0"/>
+              </a:spcBef>
+              <a:buClrTx/>
+              <a:buSzTx/>
+            </a:pPr>
+            <a:endParaRPr kumimoji="1" lang="en-US" altLang="zh-CN" dirty="0"/>
+          </a:p>
+          <a:p>
+            <a:pPr>
+              <a:lnSpc>
+                <a:spcPct val="100000"/>
+              </a:lnSpc>
+              <a:spcBef>
+                <a:spcPts val="0"/>
+              </a:spcBef>
+              <a:buClrTx/>
+              <a:buSzTx/>
+            </a:pPr>
+            <a:r>
+              <a:rPr kumimoji="1" lang="en-US" altLang="zh-CN" dirty="0" smtClean="0"/>
+              <a:t>Advanced</a:t>
+            </a:r>
+            <a:r>
+              <a:rPr kumimoji="1" lang="zh-CN" altLang="en-US" dirty="0" smtClean="0"/>
+              <a:t> </a:t>
+            </a:r>
+            <a:r>
+              <a:rPr kumimoji="1" lang="en-US" altLang="zh-CN" dirty="0" smtClean="0"/>
+              <a:t>Model</a:t>
+            </a:r>
+            <a:r>
+              <a:rPr kumimoji="1" lang="zh-CN" altLang="en-US" dirty="0" smtClean="0"/>
+              <a:t>：</a:t>
+            </a:r>
+            <a:r>
+              <a:rPr kumimoji="1" lang="en-US" altLang="zh-CN" dirty="0" err="1" smtClean="0"/>
+              <a:t>Caffe</a:t>
+            </a:r>
+            <a:r>
+              <a:rPr kumimoji="1" lang="zh-CN" altLang="en-US" dirty="0" smtClean="0"/>
+              <a:t> </a:t>
+            </a:r>
+            <a:r>
+              <a:rPr kumimoji="1" lang="en-US" altLang="zh-CN" dirty="0" smtClean="0"/>
+              <a:t>+</a:t>
+            </a:r>
+            <a:r>
+              <a:rPr kumimoji="1" lang="zh-CN" altLang="en-US" dirty="0" smtClean="0"/>
+              <a:t> </a:t>
+            </a:r>
+            <a:r>
+              <a:rPr kumimoji="1" lang="en-US" altLang="zh-CN" dirty="0" smtClean="0"/>
+              <a:t>PCA</a:t>
+            </a:r>
+            <a:r>
+              <a:rPr kumimoji="1" lang="zh-CN" altLang="en-US" dirty="0" smtClean="0"/>
+              <a:t> </a:t>
+            </a:r>
+            <a:r>
+              <a:rPr kumimoji="1" lang="en-US" altLang="zh-CN" dirty="0" smtClean="0"/>
+              <a:t>+</a:t>
+            </a:r>
+            <a:r>
+              <a:rPr kumimoji="1" lang="zh-CN" altLang="en-US" dirty="0" smtClean="0"/>
+              <a:t> </a:t>
+            </a:r>
+            <a:r>
+              <a:rPr kumimoji="1" lang="en-US" altLang="zh-CN" dirty="0" smtClean="0"/>
+              <a:t>Logistic</a:t>
+            </a:r>
+            <a:r>
+              <a:rPr kumimoji="1" lang="zh-CN" altLang="en-US" dirty="0" smtClean="0"/>
+              <a:t> </a:t>
+            </a:r>
+            <a:r>
+              <a:rPr kumimoji="1" lang="en-US" altLang="zh-CN" dirty="0" smtClean="0"/>
+              <a:t>Regression</a:t>
+            </a:r>
+          </a:p>
+          <a:p>
+            <a:pPr lvl="1">
+              <a:lnSpc>
+                <a:spcPct val="100000"/>
+              </a:lnSpc>
+              <a:spcBef>
+                <a:spcPts val="0"/>
+              </a:spcBef>
+              <a:buClrTx/>
+              <a:buSzTx/>
+            </a:pPr>
+            <a:r>
+              <a:rPr kumimoji="1" lang="en-US" altLang="zh-CN" dirty="0" smtClean="0"/>
+              <a:t>Feature</a:t>
+            </a:r>
+            <a:r>
+              <a:rPr kumimoji="1" lang="zh-CN" altLang="en-US" dirty="0" smtClean="0"/>
+              <a:t> </a:t>
+            </a:r>
+            <a:r>
+              <a:rPr kumimoji="1" lang="en-US" altLang="zh-CN" dirty="0" smtClean="0"/>
+              <a:t>Extraction</a:t>
+            </a:r>
+            <a:r>
+              <a:rPr kumimoji="1" lang="zh-CN" altLang="en-US" dirty="0" smtClean="0"/>
+              <a:t> </a:t>
+            </a:r>
+            <a:r>
+              <a:rPr kumimoji="1" lang="en-US" altLang="zh-CN" dirty="0" smtClean="0"/>
+              <a:t>+</a:t>
+            </a:r>
+            <a:r>
+              <a:rPr kumimoji="1" lang="zh-CN" altLang="en-US" dirty="0" smtClean="0"/>
+              <a:t> </a:t>
+            </a:r>
+            <a:r>
+              <a:rPr kumimoji="1" lang="en-US" altLang="zh-CN" dirty="0" smtClean="0"/>
+              <a:t>training</a:t>
+            </a:r>
+            <a:r>
+              <a:rPr kumimoji="1" lang="zh-CN" altLang="en-US" dirty="0" smtClean="0"/>
+              <a:t> </a:t>
+            </a:r>
+            <a:r>
+              <a:rPr kumimoji="1" lang="en-US" altLang="zh-CN" dirty="0" smtClean="0"/>
+              <a:t>time:</a:t>
+            </a:r>
+            <a:r>
+              <a:rPr kumimoji="1" lang="zh-CN" altLang="en-US" dirty="0" smtClean="0"/>
+              <a:t> </a:t>
+            </a:r>
+            <a:r>
+              <a:rPr kumimoji="1" lang="en-US" altLang="zh-CN" dirty="0" smtClean="0"/>
+              <a:t>12</a:t>
+            </a:r>
+            <a:r>
+              <a:rPr kumimoji="1" lang="zh-CN" altLang="en-US" dirty="0" smtClean="0"/>
+              <a:t> </a:t>
+            </a:r>
+            <a:r>
+              <a:rPr kumimoji="1" lang="en-US" altLang="zh-CN" dirty="0" smtClean="0"/>
+              <a:t>mins</a:t>
+            </a:r>
+          </a:p>
+          <a:p>
+            <a:pPr lvl="1">
+              <a:lnSpc>
+                <a:spcPct val="100000"/>
+              </a:lnSpc>
+              <a:spcBef>
+                <a:spcPts val="0"/>
+              </a:spcBef>
+              <a:buClrTx/>
+              <a:buSzTx/>
+            </a:pPr>
+            <a:r>
+              <a:rPr kumimoji="1" lang="en-US" altLang="zh-CN" dirty="0" smtClean="0"/>
+              <a:t>Accuracy:</a:t>
+            </a:r>
+            <a:r>
+              <a:rPr kumimoji="1" lang="zh-CN" altLang="en-US" dirty="0" smtClean="0"/>
+              <a:t> </a:t>
+            </a:r>
+            <a:r>
+              <a:rPr kumimoji="1" lang="en-US" altLang="zh-CN" dirty="0" smtClean="0"/>
+              <a:t>96.5%</a:t>
+            </a:r>
+          </a:p>
+          <a:p>
+            <a:pPr>
+              <a:lnSpc>
+                <a:spcPct val="100000"/>
+              </a:lnSpc>
+              <a:spcBef>
+                <a:spcPts val="0"/>
+              </a:spcBef>
+              <a:buClrTx/>
+              <a:buSzTx/>
+            </a:pPr>
+            <a:endParaRPr kumimoji="1" lang="en-US" altLang="zh-CN" dirty="0"/>
+          </a:p>
+        </p:txBody>
+      </p:sp>
+    </p:spTree>
+    <p:extLst>
+      <p:ext uri="{BB962C8B-B14F-4D97-AF65-F5344CB8AC3E}">
+        <p14:creationId xmlns:p14="http://schemas.microsoft.com/office/powerpoint/2010/main" val="1897681939"/>
+      </p:ext>
+    </p:extLst>
+  </p:cSld>
+  <p:clrMapOvr>
+    <a:masterClrMapping/>
+  </p:clrMapOvr>
+  <p:timing>
+    <p:tnLst>
+      <p:par>
+        <p:cTn id="1" dur="indefinite" restart="never" nodeType="tmRoot"/>
+      </p:par>
+    </p:tnLst>
+  </p:timing>
 </p:sld>
 </file>
 
@@ -10414,7 +15480,9 @@
         </p:nvSpPr>
         <p:spPr/>
         <p:txBody>
-          <a:bodyPr/>
+          <a:bodyPr>
+            <a:normAutofit/>
+          </a:bodyPr>
           <a:lstStyle/>
           <a:p>
             <a:r>
@@ -10457,8 +15525,16 @@
           <a:p>
             <a:pPr lvl="1"/>
             <a:r>
-              <a:rPr lang="en-US" altLang="zh-CN" dirty="0"/>
-              <a:t>Binomial loss </a:t>
+              <a:rPr lang="en-US" altLang="zh-CN" dirty="0" smtClean="0"/>
+              <a:t>Bernoulli</a:t>
+            </a:r>
+            <a:r>
+              <a:rPr lang="zh-CN" altLang="en-US" dirty="0" smtClean="0"/>
+              <a:t> </a:t>
+            </a:r>
+            <a:r>
+              <a:rPr lang="en-US" altLang="zh-CN" dirty="0" smtClean="0"/>
+              <a:t>loss </a:t>
             </a:r>
             <a:r>
               <a:rPr lang="en-US" altLang="zh-CN" dirty="0" smtClean="0"/>
@@ -10499,119 +15575,119 @@
           <a:p>
             <a:r>
               <a:rPr kumimoji="1" lang="en-US" altLang="zh-CN" dirty="0"/>
+              <a:t>Base</a:t>
+            </a:r>
+            <a:r>
+              <a:rPr kumimoji="1" lang="zh-CN" altLang="en-US" dirty="0"/>
+              <a:t> </a:t>
+            </a:r>
+            <a:r>
+              <a:rPr kumimoji="1" lang="en-US" altLang="zh-CN" dirty="0"/>
+              <a:t>learners:</a:t>
+            </a:r>
+            <a:r>
+              <a:rPr kumimoji="1" lang="zh-CN" altLang="en-US" dirty="0"/>
+              <a:t> </a:t>
+            </a:r>
+            <a:r>
+              <a:rPr kumimoji="1" lang="en-US" altLang="zh-CN" dirty="0"/>
+              <a:t>Decision</a:t>
+            </a:r>
+            <a:r>
+              <a:rPr kumimoji="1" lang="zh-CN" altLang="en-US" dirty="0"/>
+              <a:t> </a:t>
+            </a:r>
+            <a:r>
+              <a:rPr kumimoji="1" lang="en-US" altLang="zh-CN" dirty="0" smtClean="0"/>
+              <a:t>Tree</a:t>
+            </a:r>
+            <a:endParaRPr kumimoji="1" lang="en-US" altLang="zh-CN" dirty="0" smtClean="0"/>
+          </a:p>
+          <a:p>
+            <a:r>
+              <a:rPr kumimoji="1" lang="en-US" altLang="zh-CN" dirty="0" smtClean="0"/>
               <a:t>Shrinkage:</a:t>
             </a:r>
             <a:r>
-              <a:rPr kumimoji="1" lang="zh-CN" altLang="en-US" dirty="0"/>
-              <a:t> </a:t>
-            </a:r>
-            <a:r>
-              <a:rPr kumimoji="1" lang="en-US" altLang="zh-CN" dirty="0"/>
+              <a:rPr kumimoji="1" lang="zh-CN" altLang="en-US" dirty="0" smtClean="0"/>
+              <a:t> </a:t>
+            </a:r>
+            <a:r>
+              <a:rPr kumimoji="1" lang="en-US" altLang="zh-CN" dirty="0" smtClean="0"/>
               <a:t>The</a:t>
             </a:r>
             <a:r>
-              <a:rPr kumimoji="1" lang="zh-CN" altLang="en-US" dirty="0"/>
-              <a:t> </a:t>
-            </a:r>
-            <a:r>
-              <a:rPr kumimoji="1" lang="en-US" altLang="zh-CN" dirty="0"/>
+              <a:rPr kumimoji="1" lang="zh-CN" altLang="en-US" dirty="0" smtClean="0"/>
+              <a:t> </a:t>
+            </a:r>
+            <a:r>
+              <a:rPr kumimoji="1" lang="en-US" altLang="zh-CN" dirty="0" smtClean="0"/>
               <a:t>learning</a:t>
             </a:r>
             <a:r>
-              <a:rPr kumimoji="1" lang="zh-CN" altLang="en-US" dirty="0"/>
-              <a:t> </a:t>
-            </a:r>
-            <a:r>
-              <a:rPr kumimoji="1" lang="en-US" altLang="zh-CN" dirty="0"/>
+              <a:rPr kumimoji="1" lang="zh-CN" altLang="en-US" dirty="0" smtClean="0"/>
+              <a:t> </a:t>
+            </a:r>
+            <a:r>
+              <a:rPr kumimoji="1" lang="en-US" altLang="zh-CN" dirty="0" smtClean="0"/>
               <a:t>rate</a:t>
             </a:r>
             <a:r>
-              <a:rPr kumimoji="1" lang="zh-CN" altLang="en-US" dirty="0"/>
-              <a:t> </a:t>
-            </a:r>
-            <a:r>
-              <a:rPr kumimoji="1" lang="en-US" altLang="zh-CN" dirty="0"/>
+              <a:rPr kumimoji="1" lang="zh-CN" altLang="en-US" dirty="0" smtClean="0"/>
+              <a:t> </a:t>
+            </a:r>
+            <a:r>
+              <a:rPr kumimoji="1" lang="en-US" altLang="zh-CN" dirty="0" smtClean="0"/>
               <a:t>applied</a:t>
             </a:r>
             <a:r>
-              <a:rPr kumimoji="1" lang="zh-CN" altLang="en-US" dirty="0"/>
-              <a:t> </a:t>
-            </a:r>
-            <a:r>
-              <a:rPr kumimoji="1" lang="en-US" altLang="zh-CN" dirty="0"/>
+              <a:rPr kumimoji="1" lang="zh-CN" altLang="en-US" dirty="0" smtClean="0"/>
+              <a:t> </a:t>
+            </a:r>
+            <a:r>
+              <a:rPr kumimoji="1" lang="en-US" altLang="zh-CN" dirty="0" smtClean="0"/>
               <a:t>to</a:t>
             </a:r>
             <a:r>
-              <a:rPr kumimoji="1" lang="zh-CN" altLang="en-US" dirty="0"/>
-              <a:t> </a:t>
-            </a:r>
-            <a:r>
-              <a:rPr kumimoji="1" lang="en-US" altLang="zh-CN" dirty="0"/>
+              <a:rPr kumimoji="1" lang="zh-CN" altLang="en-US" dirty="0" smtClean="0"/>
+              <a:t> </a:t>
+            </a:r>
+            <a:r>
+              <a:rPr kumimoji="1" lang="en-US" altLang="zh-CN" dirty="0" smtClean="0"/>
               <a:t>each</a:t>
             </a:r>
             <a:r>
-              <a:rPr kumimoji="1" lang="zh-CN" altLang="en-US" dirty="0"/>
-              <a:t> </a:t>
-            </a:r>
-            <a:r>
-              <a:rPr kumimoji="1" lang="en-US" altLang="zh-CN" dirty="0"/>
+              <a:rPr kumimoji="1" lang="zh-CN" altLang="en-US" dirty="0" smtClean="0"/>
+              <a:t> </a:t>
+            </a:r>
+            <a:r>
+              <a:rPr kumimoji="1" lang="en-US" altLang="zh-CN" dirty="0" smtClean="0"/>
               <a:t>tree</a:t>
             </a:r>
             <a:r>
-              <a:rPr kumimoji="1" lang="zh-CN" altLang="en-US" dirty="0"/>
-              <a:t> </a:t>
-            </a:r>
-            <a:r>
-              <a:rPr kumimoji="1" lang="en-US" altLang="zh-CN" dirty="0"/>
+              <a:rPr kumimoji="1" lang="zh-CN" altLang="en-US" dirty="0" smtClean="0"/>
+              <a:t> </a:t>
+            </a:r>
+            <a:r>
+              <a:rPr kumimoji="1" lang="en-US" altLang="zh-CN" dirty="0" smtClean="0"/>
               <a:t>during</a:t>
             </a:r>
             <a:r>
-              <a:rPr kumimoji="1" lang="zh-CN" altLang="en-US" dirty="0"/>
-              <a:t> </a:t>
-            </a:r>
-            <a:r>
-              <a:rPr kumimoji="1" lang="en-US" altLang="zh-CN" dirty="0"/>
+              <a:rPr kumimoji="1" lang="zh-CN" altLang="en-US" dirty="0" smtClean="0"/>
+              <a:t> </a:t>
+            </a:r>
+            <a:r>
+              <a:rPr kumimoji="1" lang="en-US" altLang="zh-CN" dirty="0" smtClean="0"/>
               <a:t>the</a:t>
             </a:r>
             <a:r>
-              <a:rPr kumimoji="1" lang="zh-CN" altLang="en-US" dirty="0"/>
+              <a:rPr kumimoji="1" lang="zh-CN" altLang="en-US" dirty="0" smtClean="0"/>
               <a:t> </a:t>
             </a:r>
             <a:r>
               <a:rPr kumimoji="1" lang="en-US" altLang="zh-CN" dirty="0" smtClean="0"/>
               <a:t>expansion</a:t>
             </a:r>
-          </a:p>
-          <a:p>
-            <a:r>
-              <a:rPr kumimoji="1" lang="en-US" altLang="zh-CN" dirty="0" smtClean="0"/>
-              <a:t>Base</a:t>
-            </a:r>
-            <a:r>
-              <a:rPr kumimoji="1" lang="zh-CN" altLang="en-US" dirty="0" smtClean="0"/>
-              <a:t> </a:t>
-            </a:r>
-            <a:r>
-              <a:rPr kumimoji="1" lang="en-US" altLang="zh-CN" dirty="0" smtClean="0"/>
-              <a:t>learners:</a:t>
-            </a:r>
-            <a:r>
-              <a:rPr kumimoji="1" lang="zh-CN" altLang="en-US" dirty="0" smtClean="0"/>
-              <a:t> </a:t>
-            </a:r>
-            <a:r>
-              <a:rPr kumimoji="1" lang="en-US" altLang="zh-CN" dirty="0" smtClean="0"/>
-              <a:t>Decision</a:t>
-            </a:r>
-            <a:r>
-              <a:rPr kumimoji="1" lang="zh-CN" altLang="en-US" dirty="0" smtClean="0"/>
-              <a:t> </a:t>
-            </a:r>
-            <a:r>
-              <a:rPr kumimoji="1" lang="en-US" altLang="zh-CN" dirty="0" smtClean="0"/>
-              <a:t>Tree</a:t>
-            </a:r>
-            <a:endParaRPr kumimoji="1" lang="en-US" altLang="zh-CN" dirty="0"/>
           </a:p>
           <a:p>
             <a:r>
@@ -11144,14 +16220,14 @@
           <p:nvPr>
             <p:extLst>
               <p:ext uri="{D42A27DB-BD31-4B8C-83A1-F6EECF244321}">
-                <p14:modId xmlns:p14="http://schemas.microsoft.com/office/powerpoint/2010/main" val="2038409259"/>
+                <p14:modId xmlns:p14="http://schemas.microsoft.com/office/powerpoint/2010/main" val="638119793"/>
               </p:ext>
             </p:extLst>
           </p:nvPr>
         </p:nvGraphicFramePr>
         <p:xfrm>
           <a:off x="999508" y="4724400"/>
-          <a:ext cx="10199080" cy="736600"/>
+          <a:ext cx="10199082" cy="736600"/>
         </p:xfrm>
         <a:graphic>
           <a:graphicData uri="http://schemas.openxmlformats.org/drawingml/2006/table">
@@ -11160,11 +16236,12 @@
                 <a:tableStyleId>{93296810-A885-4BE3-A3E7-6D5BEEA58F35}</a:tableStyleId>
               </a:tblPr>
               <a:tblGrid>
-                <a:gridCol w="1702193"/>
-                <a:gridCol w="2377439"/>
-                <a:gridCol w="1645921"/>
-                <a:gridCol w="2433711"/>
-                <a:gridCol w="2039816"/>
+                <a:gridCol w="1374265"/>
+                <a:gridCol w="2312527"/>
+                <a:gridCol w="1328738"/>
+                <a:gridCol w="1571851"/>
+                <a:gridCol w="1964856"/>
+                <a:gridCol w="1646845"/>
               </a:tblGrid>
               <a:tr h="0">
                 <a:tc>
@@ -11220,6 +16297,20 @@
                     <a:p>
                       <a:r>
                         <a:rPr lang="en-US" altLang="zh-CN" dirty="0" smtClean="0"/>
+                        <a:t>Combination</a:t>
+                      </a:r>
+                      <a:endParaRPr lang="zh-CN" altLang="en-US" dirty="0"/>
+                    </a:p>
+                  </a:txBody>
+                  <a:tcPr/>
+                </a:tc>
+                <a:tc>
+                  <a:txBody>
+                    <a:bodyPr/>
+                    <a:lstStyle/>
+                    <a:p>
+                      <a:r>
+                        <a:rPr lang="en-US" altLang="zh-CN" dirty="0" smtClean="0"/>
                         <a:t>Training</a:t>
                       </a:r>
                       <a:r>
@@ -11287,6 +16378,20 @@
                       <a:r>
                         <a:rPr lang="en-US" altLang="zh-CN" dirty="0" smtClean="0"/>
                         <a:t>4000</a:t>
+                      </a:r>
+                      <a:endParaRPr lang="zh-CN" altLang="en-US" dirty="0"/>
+                    </a:p>
+                  </a:txBody>
+                  <a:tcPr/>
+                </a:tc>
+                <a:tc>
+                  <a:txBody>
+                    <a:bodyPr/>
+                    <a:lstStyle/>
+                    <a:p>
+                      <a:r>
+                        <a:rPr lang="en-US" altLang="zh-CN" dirty="0" smtClean="0"/>
+                        <a:t>80</a:t>
                       </a:r>
                       <a:endParaRPr lang="zh-CN" altLang="en-US" dirty="0"/>
                     </a:p>
@@ -11729,14 +16834,14 @@
           <p:nvPr>
             <p:extLst>
               <p:ext uri="{D42A27DB-BD31-4B8C-83A1-F6EECF244321}">
-                <p14:modId xmlns:p14="http://schemas.microsoft.com/office/powerpoint/2010/main" val="85036965"/>
+                <p14:modId xmlns:p14="http://schemas.microsoft.com/office/powerpoint/2010/main" val="1227350620"/>
               </p:ext>
             </p:extLst>
           </p:nvPr>
         </p:nvGraphicFramePr>
         <p:xfrm>
           <a:off x="999508" y="4724402"/>
-          <a:ext cx="10199080" cy="736600"/>
+          <a:ext cx="10199083" cy="736600"/>
         </p:xfrm>
         <a:graphic>
           <a:graphicData uri="http://schemas.openxmlformats.org/drawingml/2006/table">
@@ -11745,11 +16850,12 @@
                 <a:tableStyleId>{93296810-A885-4BE3-A3E7-6D5BEEA58F35}</a:tableStyleId>
               </a:tblPr>
               <a:tblGrid>
-                <a:gridCol w="1702193"/>
-                <a:gridCol w="2377439"/>
-                <a:gridCol w="1645921"/>
-                <a:gridCol w="2433711"/>
-                <a:gridCol w="2039816"/>
+                <a:gridCol w="1374265"/>
+                <a:gridCol w="2326815"/>
+                <a:gridCol w="1228726"/>
+                <a:gridCol w="1657576"/>
+                <a:gridCol w="1964856"/>
+                <a:gridCol w="1646845"/>
               </a:tblGrid>
               <a:tr h="0">
                 <a:tc>
@@ -11805,6 +16911,20 @@
                     <a:p>
                       <a:r>
                         <a:rPr lang="en-US" altLang="zh-CN" dirty="0" smtClean="0"/>
+                        <a:t>Combination</a:t>
+                      </a:r>
+                      <a:endParaRPr lang="zh-CN" altLang="en-US" dirty="0"/>
+                    </a:p>
+                  </a:txBody>
+                  <a:tcPr/>
+                </a:tc>
+                <a:tc>
+                  <a:txBody>
+                    <a:bodyPr/>
+                    <a:lstStyle/>
+                    <a:p>
+                      <a:r>
+                        <a:rPr lang="en-US" altLang="zh-CN" dirty="0" smtClean="0"/>
                         <a:t>Training</a:t>
                       </a:r>
                       <a:r>
@@ -11884,11 +17004,21 @@
                     <a:lstStyle/>
                     <a:p>
                       <a:r>
-                        <a:rPr lang="zh-CN" altLang="en-US" baseline="0" dirty="0" smtClean="0"/>
-                        <a:t> </a:t>
-                      </a:r>
-                      <a:r>
-                        <a:rPr lang="en-US" altLang="zh-CN" baseline="0" dirty="0" smtClean="0"/>
+                        <a:rPr lang="en-US" altLang="zh-CN" dirty="0" smtClean="0"/>
+                        <a:t>80</a:t>
+                      </a:r>
+                      <a:endParaRPr lang="zh-CN" altLang="en-US" dirty="0"/>
+                    </a:p>
+                  </a:txBody>
+                  <a:tcPr/>
+                </a:tc>
+                <a:tc>
+                  <a:txBody>
+                    <a:bodyPr/>
+                    <a:lstStyle/>
+                    <a:p>
+                      <a:r>
+                        <a:rPr lang="en-US" altLang="zh-CN" dirty="0" smtClean="0"/>
                         <a:t>12</a:t>
                       </a:r>
                       <a:r>
@@ -12385,14 +17515,14 @@
           <p:nvPr>
             <p:extLst>
               <p:ext uri="{D42A27DB-BD31-4B8C-83A1-F6EECF244321}">
-                <p14:modId xmlns:p14="http://schemas.microsoft.com/office/powerpoint/2010/main" val="757846701"/>
+                <p14:modId xmlns:p14="http://schemas.microsoft.com/office/powerpoint/2010/main" val="663780233"/>
               </p:ext>
             </p:extLst>
           </p:nvPr>
         </p:nvGraphicFramePr>
         <p:xfrm>
           <a:off x="2035048" y="5457952"/>
-          <a:ext cx="8128000" cy="741680"/>
+          <a:ext cx="8128002" cy="741680"/>
         </p:xfrm>
         <a:graphic>
           <a:graphicData uri="http://schemas.openxmlformats.org/drawingml/2006/table">
@@ -12401,10 +17531,11 @@
                 <a:tableStyleId>{93296810-A885-4BE3-A3E7-6D5BEEA58F35}</a:tableStyleId>
               </a:tblPr>
               <a:tblGrid>
-                <a:gridCol w="2032000"/>
-                <a:gridCol w="2032000"/>
-                <a:gridCol w="2032000"/>
-                <a:gridCol w="2032000"/>
+                <a:gridCol w="1179640"/>
+                <a:gridCol w="1228726"/>
+                <a:gridCol w="1928811"/>
+                <a:gridCol w="2165225"/>
+                <a:gridCol w="1625600"/>
               </a:tblGrid>
               <a:tr h="370840">
                 <a:tc>
@@ -12442,6 +17573,20 @@
                     <a:p>
                       <a:r>
                         <a:rPr lang="en-US" altLang="zh-CN" dirty="0" smtClean="0"/>
+                        <a:t>Combination</a:t>
+                      </a:r>
+                      <a:endParaRPr lang="zh-CN" altLang="en-US" dirty="0"/>
+                    </a:p>
+                  </a:txBody>
+                  <a:tcPr/>
+                </a:tc>
+                <a:tc>
+                  <a:txBody>
+                    <a:bodyPr/>
+                    <a:lstStyle/>
+                    <a:p>
+                      <a:r>
+                        <a:rPr lang="en-US" altLang="zh-CN" dirty="0" smtClean="0"/>
                         <a:t>Training</a:t>
                       </a:r>
                       <a:r>
@@ -12495,6 +17640,20 @@
                       <a:r>
                         <a:rPr lang="en-US" altLang="zh-CN" dirty="0" smtClean="0"/>
                         <a:t>200</a:t>
+                      </a:r>
+                      <a:endParaRPr lang="zh-CN" altLang="en-US" dirty="0"/>
+                    </a:p>
+                  </a:txBody>
+                  <a:tcPr/>
+                </a:tc>
+                <a:tc>
+                  <a:txBody>
+                    <a:bodyPr/>
+                    <a:lstStyle/>
+                    <a:p>
+                      <a:r>
+                        <a:rPr lang="en-US" altLang="zh-CN" dirty="0" smtClean="0"/>
+                        <a:t>27</a:t>
                       </a:r>
                       <a:endParaRPr lang="zh-CN" altLang="en-US" dirty="0"/>
                     </a:p>

--- a/output/ads proj3.pptx
+++ b/output/ads proj3.pptx
@@ -5,7 +5,7 @@
     <p:sldMasterId id="2147483897" r:id="rId1"/>
   </p:sldMasterIdLst>
   <p:notesMasterIdLst>
-    <p:notesMasterId r:id="rId19"/>
+    <p:notesMasterId r:id="rId21"/>
   </p:notesMasterIdLst>
   <p:sldIdLst>
     <p:sldId id="256" r:id="rId2"/>
@@ -13,18 +13,20 @@
     <p:sldId id="258" r:id="rId4"/>
     <p:sldId id="260" r:id="rId5"/>
     <p:sldId id="266" r:id="rId6"/>
-    <p:sldId id="272" r:id="rId7"/>
-    <p:sldId id="259" r:id="rId8"/>
-    <p:sldId id="267" r:id="rId9"/>
-    <p:sldId id="261" r:id="rId10"/>
-    <p:sldId id="262" r:id="rId11"/>
-    <p:sldId id="271" r:id="rId12"/>
-    <p:sldId id="268" r:id="rId13"/>
-    <p:sldId id="274" r:id="rId14"/>
-    <p:sldId id="263" r:id="rId15"/>
-    <p:sldId id="269" r:id="rId16"/>
-    <p:sldId id="273" r:id="rId17"/>
-    <p:sldId id="275" r:id="rId18"/>
+    <p:sldId id="276" r:id="rId7"/>
+    <p:sldId id="272" r:id="rId8"/>
+    <p:sldId id="259" r:id="rId9"/>
+    <p:sldId id="267" r:id="rId10"/>
+    <p:sldId id="261" r:id="rId11"/>
+    <p:sldId id="262" r:id="rId12"/>
+    <p:sldId id="271" r:id="rId13"/>
+    <p:sldId id="268" r:id="rId14"/>
+    <p:sldId id="274" r:id="rId15"/>
+    <p:sldId id="263" r:id="rId16"/>
+    <p:sldId id="269" r:id="rId17"/>
+    <p:sldId id="273" r:id="rId18"/>
+    <p:sldId id="275" r:id="rId19"/>
+    <p:sldId id="277" r:id="rId20"/>
   </p:sldIdLst>
   <p:sldSz cx="12192000" cy="6858000"/>
   <p:notesSz cx="6858000" cy="9144000"/>
@@ -715,7 +717,7 @@
           <a:p>
             <a:fld id="{623E7F16-0BD2-D047-9CFF-0A84637FC012}" type="slidenum">
               <a:rPr kumimoji="1" lang="zh-CN" altLang="en-US" smtClean="0"/>
-              <a:t>9</a:t>
+              <a:t>10</a:t>
             </a:fld>
             <a:endParaRPr kumimoji="1" lang="zh-CN" altLang="en-US"/>
           </a:p>
@@ -896,7 +898,7 @@
           <a:p>
             <a:fld id="{623E7F16-0BD2-D047-9CFF-0A84637FC012}" type="slidenum">
               <a:rPr kumimoji="1" lang="zh-CN" altLang="en-US" smtClean="0"/>
-              <a:t>15</a:t>
+              <a:t>16</a:t>
             </a:fld>
             <a:endParaRPr kumimoji="1" lang="zh-CN" altLang="en-US"/>
           </a:p>
@@ -5422,55 +5424,48 @@
             <p:ph type="title"/>
           </p:nvPr>
         </p:nvSpPr>
-        <p:spPr>
-          <a:xfrm>
-            <a:off x="1069847" y="484632"/>
-            <a:ext cx="10058401" cy="1609344"/>
-          </a:xfrm>
-        </p:spPr>
+        <p:spPr/>
         <p:txBody>
-          <a:bodyPr>
-            <a:normAutofit/>
-          </a:bodyPr>
+          <a:bodyPr/>
           <a:lstStyle/>
           <a:p>
             <a:r>
-              <a:rPr kumimoji="1" lang="en-US" altLang="zh-CN" sz="4400" dirty="0"/>
+              <a:rPr kumimoji="1" lang="en-US" altLang="zh-CN" dirty="0"/>
               <a:t>SIFT</a:t>
             </a:r>
             <a:r>
-              <a:rPr kumimoji="1" lang="zh-CN" altLang="en-US" sz="4400" dirty="0"/>
-              <a:t> </a:t>
-            </a:r>
-            <a:r>
-              <a:rPr kumimoji="1" lang="en-US" altLang="zh-CN" sz="4400" dirty="0"/>
+              <a:rPr kumimoji="1" lang="zh-CN" altLang="en-US" dirty="0"/>
+              <a:t> </a:t>
+            </a:r>
+            <a:r>
+              <a:rPr kumimoji="1" lang="en-US" altLang="zh-CN" dirty="0"/>
               <a:t>+</a:t>
             </a:r>
             <a:r>
-              <a:rPr kumimoji="1" lang="zh-CN" altLang="en-US" sz="4400" dirty="0"/>
-              <a:t> </a:t>
-            </a:r>
-            <a:r>
-              <a:rPr kumimoji="1" lang="en-US" altLang="zh-CN" sz="4400" dirty="0"/>
+              <a:rPr kumimoji="1" lang="zh-CN" altLang="en-US" dirty="0"/>
+              <a:t> </a:t>
+            </a:r>
+            <a:r>
+              <a:rPr kumimoji="1" lang="en-US" altLang="zh-CN" dirty="0"/>
               <a:t>PCA</a:t>
             </a:r>
             <a:r>
-              <a:rPr kumimoji="1" lang="zh-CN" altLang="en-US" sz="4400" dirty="0"/>
-              <a:t> </a:t>
-            </a:r>
-            <a:r>
-              <a:rPr kumimoji="1" lang="en-US" altLang="zh-CN" sz="4400" dirty="0" smtClean="0"/>
-              <a:t>+Logistic</a:t>
-            </a:r>
-            <a:r>
-              <a:rPr kumimoji="1" lang="zh-CN" altLang="en-US" sz="4400" dirty="0" smtClean="0"/>
-              <a:t> </a:t>
-            </a:r>
-            <a:r>
-              <a:rPr kumimoji="1" lang="en-US" altLang="zh-CN" sz="4400" dirty="0" smtClean="0"/>
-              <a:t>Regression</a:t>
-            </a:r>
-            <a:endParaRPr kumimoji="1" lang="zh-CN" altLang="en-US" sz="4400" dirty="0"/>
+              <a:rPr kumimoji="1" lang="zh-CN" altLang="en-US" dirty="0"/>
+              <a:t> </a:t>
+            </a:r>
+            <a:r>
+              <a:rPr kumimoji="1" lang="en-US" altLang="zh-CN" dirty="0"/>
+              <a:t>+</a:t>
+            </a:r>
+            <a:r>
+              <a:rPr kumimoji="1" lang="zh-CN" altLang="en-US" dirty="0"/>
+              <a:t> </a:t>
+            </a:r>
+            <a:r>
+              <a:rPr kumimoji="1" lang="en-US" altLang="zh-CN" dirty="0" smtClean="0"/>
+              <a:t>SVM</a:t>
+            </a:r>
+            <a:endParaRPr kumimoji="1" lang="zh-CN" altLang="en-US" dirty="0"/>
           </a:p>
         </p:txBody>
       </p:sp>
@@ -5484,115 +5479,51 @@
             <p:ph idx="1"/>
           </p:nvPr>
         </p:nvSpPr>
-        <p:spPr/>
+        <p:spPr>
+          <a:xfrm>
+            <a:off x="1069847" y="2121408"/>
+            <a:ext cx="10240883" cy="4050792"/>
+          </a:xfrm>
+        </p:spPr>
         <p:txBody>
           <a:bodyPr/>
           <a:lstStyle/>
           <a:p>
-            <a:r>
-              <a:rPr kumimoji="1" lang="en-US" altLang="zh-CN" dirty="0" smtClean="0"/>
-              <a:t>Logistic</a:t>
-            </a:r>
-            <a:r>
-              <a:rPr kumimoji="1" lang="zh-CN" altLang="en-US" dirty="0" smtClean="0"/>
-              <a:t> </a:t>
-            </a:r>
-            <a:r>
-              <a:rPr kumimoji="1" lang="en-US" altLang="zh-CN" dirty="0" smtClean="0"/>
-              <a:t>regression</a:t>
-            </a:r>
-            <a:r>
-              <a:rPr kumimoji="1" lang="zh-CN" altLang="en-US" dirty="0" smtClean="0"/>
-              <a:t> </a:t>
-            </a:r>
-            <a:r>
-              <a:rPr kumimoji="1" lang="en-US" altLang="zh-CN" dirty="0" smtClean="0"/>
-              <a:t>with</a:t>
-            </a:r>
-            <a:r>
-              <a:rPr kumimoji="1" lang="zh-CN" altLang="en-US" dirty="0" smtClean="0"/>
-              <a:t> </a:t>
-            </a:r>
-            <a:r>
-              <a:rPr lang="en-US" altLang="zh-CN" dirty="0"/>
-              <a:t>S</a:t>
-            </a:r>
-            <a:r>
-              <a:rPr lang="en-US" altLang="zh-CN" dirty="0" smtClean="0"/>
-              <a:t>tochastic </a:t>
-            </a:r>
-            <a:r>
-              <a:rPr lang="en-US" altLang="zh-CN" dirty="0"/>
-              <a:t>G</a:t>
-            </a:r>
-            <a:r>
-              <a:rPr lang="en-US" altLang="zh-CN" dirty="0" smtClean="0"/>
-              <a:t>radient Descent</a:t>
-            </a:r>
-            <a:r>
-              <a:rPr lang="zh-CN" altLang="en-US" dirty="0" smtClean="0"/>
-              <a:t> </a:t>
-            </a:r>
-            <a:r>
-              <a:rPr lang="en-US" altLang="zh-CN" dirty="0" smtClean="0"/>
-              <a:t>(SGD)</a:t>
-            </a:r>
-            <a:r>
-              <a:rPr lang="zh-CN" altLang="en-US" dirty="0" smtClean="0"/>
-              <a:t> </a:t>
-            </a:r>
-            <a:r>
-              <a:rPr lang="en-US" altLang="zh-CN" dirty="0" smtClean="0"/>
-              <a:t>training</a:t>
-            </a:r>
-          </a:p>
-          <a:p>
-            <a:r>
-              <a:rPr lang="en-US" altLang="zh-CN" dirty="0" smtClean="0"/>
-              <a:t>SGD:</a:t>
-            </a:r>
-            <a:r>
-              <a:rPr lang="zh-CN" altLang="en-US" dirty="0" smtClean="0"/>
-              <a:t> </a:t>
-            </a:r>
-            <a:r>
-              <a:rPr lang="en-US" altLang="zh-CN" dirty="0" smtClean="0"/>
-              <a:t>Efficient </a:t>
-            </a:r>
-            <a:r>
-              <a:rPr lang="en-US" altLang="zh-CN" dirty="0"/>
-              <a:t>approach to discriminative learning of linear classifiers under convex loss functions such as </a:t>
-            </a:r>
-            <a:r>
-              <a:rPr lang="en-US" altLang="zh-CN" dirty="0" smtClean="0"/>
-              <a:t>SVM</a:t>
-            </a:r>
-            <a:r>
-              <a:rPr lang="zh-CN" altLang="en-US" dirty="0" smtClean="0"/>
-              <a:t> </a:t>
-            </a:r>
-            <a:r>
-              <a:rPr lang="en-US" altLang="zh-CN" dirty="0" smtClean="0"/>
-              <a:t>and</a:t>
-            </a:r>
-            <a:r>
-              <a:rPr lang="zh-CN" altLang="en-US" dirty="0" smtClean="0"/>
-              <a:t> </a:t>
-            </a:r>
-            <a:r>
-              <a:rPr lang="en-US" altLang="zh-CN" dirty="0" smtClean="0"/>
-              <a:t>logistic</a:t>
-            </a:r>
-            <a:r>
-              <a:rPr lang="zh-CN" altLang="en-US" dirty="0" smtClean="0"/>
-              <a:t> </a:t>
-            </a:r>
-            <a:r>
-              <a:rPr lang="en-US" altLang="zh-CN" dirty="0" smtClean="0"/>
-              <a:t>regression</a:t>
-            </a:r>
-          </a:p>
-          <a:p>
+            <a:pPr marL="0" indent="0">
+              <a:lnSpc>
+                <a:spcPct val="100000"/>
+              </a:lnSpc>
+              <a:spcBef>
+                <a:spcPts val="0"/>
+              </a:spcBef>
+              <a:buClrTx/>
+              <a:buSzTx/>
+              <a:buNone/>
+            </a:pPr>
+            <a:r>
+              <a:rPr kumimoji="1" lang="en-US" altLang="zh-CN" dirty="0"/>
+              <a:t>Tuning</a:t>
+            </a:r>
+            <a:r>
+              <a:rPr kumimoji="1" lang="zh-CN" altLang="en-US" dirty="0"/>
+              <a:t> </a:t>
+            </a:r>
+            <a:r>
+              <a:rPr kumimoji="1" lang="en-US" altLang="zh-CN" dirty="0"/>
+              <a:t>Parameters</a:t>
+            </a:r>
+            <a:r>
+              <a:rPr kumimoji="1" lang="zh-CN" altLang="en-US" dirty="0"/>
+              <a:t> </a:t>
+            </a:r>
+            <a:r>
+              <a:rPr kumimoji="1" lang="en-US" altLang="zh-CN" dirty="0"/>
+              <a:t>&amp;</a:t>
+            </a:r>
+            <a:r>
+              <a:rPr kumimoji="1" lang="zh-CN" altLang="en-US" dirty="0"/>
+              <a:t> </a:t>
+            </a:r>
             <a:r>
               <a:rPr kumimoji="1" lang="en-US" altLang="zh-CN" dirty="0"/>
               <a:t>5</a:t>
@@ -5618,32 +5549,304 @@
               <a:t> </a:t>
             </a:r>
             <a:r>
+              <a:rPr kumimoji="1" lang="en-US" altLang="zh-CN" dirty="0" smtClean="0"/>
+              <a:t>Validation</a:t>
+            </a:r>
+          </a:p>
+          <a:p>
+            <a:r>
+              <a:rPr kumimoji="1" lang="en-US" altLang="zh-CN" dirty="0" smtClean="0">
+                <a:solidFill>
+                  <a:schemeClr val="accent1">
+                    <a:lumMod val="75000"/>
+                  </a:schemeClr>
+                </a:solidFill>
+              </a:rPr>
+              <a:t>Kernel</a:t>
+            </a:r>
+            <a:r>
+              <a:rPr kumimoji="1" lang="en-US" altLang="zh-CN" dirty="0" smtClean="0"/>
+              <a:t>:</a:t>
+            </a:r>
+            <a:r>
+              <a:rPr kumimoji="1" lang="zh-CN" altLang="en-US" dirty="0" smtClean="0"/>
+              <a:t> </a:t>
+            </a:r>
+            <a:r>
               <a:rPr kumimoji="1" lang="en-US" altLang="zh-CN" dirty="0"/>
-              <a:t>Validation</a:t>
-            </a:r>
-          </a:p>
-          <a:p>
+              <a:t>Gaussian radial basis </a:t>
+            </a:r>
+            <a:r>
+              <a:rPr kumimoji="1" lang="en-US" altLang="zh-CN" dirty="0" smtClean="0"/>
+              <a:t>function</a:t>
+            </a:r>
+          </a:p>
+          <a:p>
+            <a:pPr marL="274320" lvl="1" indent="0">
+              <a:buNone/>
+            </a:pPr>
             <a:endParaRPr kumimoji="1" lang="en-US" altLang="zh-CN" dirty="0" smtClean="0"/>
+          </a:p>
+          <a:p>
+            <a:pPr marL="274320" lvl="1" indent="0">
+              <a:buNone/>
+            </a:pPr>
+            <a:endParaRPr kumimoji="1" lang="en-US" altLang="zh-CN" dirty="0"/>
+          </a:p>
+          <a:p>
+            <a:r>
+              <a:rPr kumimoji="1" lang="en-US" altLang="zh-CN" dirty="0" smtClean="0">
+                <a:solidFill>
+                  <a:schemeClr val="accent1">
+                    <a:lumMod val="75000"/>
+                  </a:schemeClr>
+                </a:solidFill>
+              </a:rPr>
+              <a:t>Gamma</a:t>
+            </a:r>
+            <a:r>
+              <a:rPr kumimoji="1" lang="en-US" altLang="zh-CN" dirty="0" smtClean="0"/>
+              <a:t>:</a:t>
+            </a:r>
+            <a:r>
+              <a:rPr kumimoji="1" lang="zh-CN" altLang="en-US" dirty="0" smtClean="0"/>
+              <a:t> </a:t>
+            </a:r>
+            <a:r>
+              <a:rPr lang="en-US" altLang="zh-CN" dirty="0" smtClean="0"/>
+              <a:t>The </a:t>
+            </a:r>
+            <a:r>
+              <a:rPr lang="en-US" altLang="zh-CN" dirty="0"/>
+              <a:t>parameter of a Gaussian </a:t>
+            </a:r>
+            <a:r>
+              <a:rPr lang="en-US" altLang="zh-CN" dirty="0" smtClean="0"/>
+              <a:t>Kernel</a:t>
+            </a:r>
+            <a:endParaRPr lang="en-US" altLang="zh-CN" dirty="0"/>
+          </a:p>
+          <a:p>
+            <a:pPr lvl="1"/>
+            <a:r>
+              <a:rPr lang="en-US" altLang="zh-CN" dirty="0" smtClean="0"/>
+              <a:t>(0.0001,</a:t>
+            </a:r>
+            <a:r>
+              <a:rPr lang="zh-CN" altLang="en-US" dirty="0" smtClean="0"/>
+              <a:t> </a:t>
+            </a:r>
+            <a:r>
+              <a:rPr lang="en-US" altLang="zh-CN" dirty="0" smtClean="0"/>
+              <a:t>0.001,</a:t>
+            </a:r>
+            <a:r>
+              <a:rPr lang="zh-CN" altLang="en-US" dirty="0" smtClean="0"/>
+              <a:t> </a:t>
+            </a:r>
+            <a:r>
+              <a:rPr lang="en-US" altLang="zh-CN" dirty="0" smtClean="0"/>
+              <a:t>0.01)</a:t>
+            </a:r>
+          </a:p>
+          <a:p>
+            <a:r>
+              <a:rPr kumimoji="1" lang="en-US" altLang="zh-CN" dirty="0" smtClean="0">
+                <a:solidFill>
+                  <a:schemeClr val="accent1">
+                    <a:lumMod val="75000"/>
+                  </a:schemeClr>
+                </a:solidFill>
+              </a:rPr>
+              <a:t>Cost</a:t>
+            </a:r>
+            <a:r>
+              <a:rPr kumimoji="1" lang="en-US" altLang="zh-CN" dirty="0" smtClean="0"/>
+              <a:t>:</a:t>
+            </a:r>
+            <a:r>
+              <a:rPr kumimoji="1" lang="zh-CN" altLang="en-US" dirty="0" smtClean="0"/>
+              <a:t> </a:t>
+            </a:r>
+            <a:r>
+              <a:rPr lang="en-US" altLang="zh-CN" dirty="0" smtClean="0"/>
+              <a:t>Trade </a:t>
+            </a:r>
+            <a:r>
+              <a:rPr lang="en-US" altLang="zh-CN" dirty="0"/>
+              <a:t>off misclassification of training examples against </a:t>
+            </a:r>
+            <a:r>
+              <a:rPr lang="en-US" altLang="zh-CN" dirty="0" smtClean="0"/>
+              <a:t>the </a:t>
+            </a:r>
+            <a:r>
+              <a:rPr lang="en-US" altLang="zh-CN" dirty="0"/>
+              <a:t>decision surface</a:t>
+            </a:r>
+            <a:endParaRPr lang="en-US" altLang="zh-CN" dirty="0" smtClean="0"/>
+          </a:p>
+          <a:p>
+            <a:pPr lvl="1"/>
+            <a:r>
+              <a:rPr lang="en-US" altLang="zh-CN" dirty="0" smtClean="0"/>
+              <a:t>(0.01</a:t>
+            </a:r>
+            <a:r>
+              <a:rPr lang="en-US" altLang="zh-CN" dirty="0"/>
+              <a:t>,</a:t>
+            </a:r>
+            <a:r>
+              <a:rPr lang="zh-CN" altLang="en-US" dirty="0"/>
+              <a:t> </a:t>
+            </a:r>
+            <a:r>
+              <a:rPr lang="en-US" altLang="zh-CN" dirty="0"/>
+              <a:t>0.1,</a:t>
+            </a:r>
+            <a:r>
+              <a:rPr lang="zh-CN" altLang="en-US" dirty="0"/>
+              <a:t> </a:t>
+            </a:r>
+            <a:r>
+              <a:rPr lang="en-US" altLang="zh-CN" dirty="0"/>
+              <a:t>1,</a:t>
+            </a:r>
+            <a:r>
+              <a:rPr lang="zh-CN" altLang="en-US" dirty="0"/>
+              <a:t> </a:t>
+            </a:r>
+            <a:r>
+              <a:rPr lang="en-US" altLang="zh-CN" dirty="0" smtClean="0"/>
+              <a:t>5,</a:t>
+            </a:r>
+            <a:r>
+              <a:rPr lang="zh-CN" altLang="en-US" dirty="0" smtClean="0"/>
+              <a:t> </a:t>
+            </a:r>
+            <a:r>
+              <a:rPr lang="en-US" altLang="zh-CN" dirty="0" smtClean="0"/>
+              <a:t>10</a:t>
+            </a:r>
+            <a:r>
+              <a:rPr lang="en-US" altLang="zh-CN" dirty="0"/>
+              <a:t>,</a:t>
+            </a:r>
+            <a:r>
+              <a:rPr lang="zh-CN" altLang="en-US" dirty="0"/>
+              <a:t> </a:t>
+            </a:r>
+            <a:r>
+              <a:rPr lang="en-US" altLang="zh-CN" dirty="0" smtClean="0"/>
+              <a:t>50,</a:t>
+            </a:r>
+            <a:r>
+              <a:rPr lang="zh-CN" altLang="en-US" dirty="0" smtClean="0"/>
+              <a:t> </a:t>
+            </a:r>
+            <a:r>
+              <a:rPr lang="en-US" altLang="zh-CN" dirty="0" smtClean="0"/>
+              <a:t>100,</a:t>
+            </a:r>
+            <a:r>
+              <a:rPr lang="zh-CN" altLang="en-US" dirty="0" smtClean="0"/>
+              <a:t> </a:t>
+            </a:r>
+            <a:r>
+              <a:rPr lang="en-US" altLang="zh-CN" dirty="0" smtClean="0"/>
+              <a:t>200,</a:t>
+            </a:r>
+            <a:r>
+              <a:rPr lang="zh-CN" altLang="en-US" dirty="0" smtClean="0"/>
+              <a:t> </a:t>
+            </a:r>
+            <a:r>
+              <a:rPr lang="en-US" altLang="zh-CN" dirty="0" smtClean="0"/>
+              <a:t>500)</a:t>
+            </a:r>
+            <a:endParaRPr kumimoji="1" lang="en-US" altLang="zh-CN" dirty="0"/>
+          </a:p>
+          <a:p>
+            <a:pPr>
+              <a:lnSpc>
+                <a:spcPct val="100000"/>
+              </a:lnSpc>
+              <a:spcBef>
+                <a:spcPts val="0"/>
+              </a:spcBef>
+              <a:buClrTx/>
+              <a:buSzTx/>
+            </a:pPr>
+            <a:endParaRPr kumimoji="1" lang="en-US" altLang="zh-CN" dirty="0"/>
+          </a:p>
+          <a:p>
+            <a:pPr marL="0" marR="0" lvl="0" indent="0" defTabSz="914400" eaLnBrk="1" fontAlgn="auto" latinLnBrk="0" hangingPunct="1">
+              <a:lnSpc>
+                <a:spcPct val="100000"/>
+              </a:lnSpc>
+              <a:spcBef>
+                <a:spcPts val="0"/>
+              </a:spcBef>
+              <a:spcAft>
+                <a:spcPts val="0"/>
+              </a:spcAft>
+              <a:buClrTx/>
+              <a:buSzTx/>
+              <a:buFontTx/>
+              <a:buNone/>
+              <a:tabLst/>
+              <a:defRPr/>
+            </a:pPr>
+            <a:endParaRPr kumimoji="1" lang="zh-CN" altLang="en-US" dirty="0"/>
           </a:p>
         </p:txBody>
       </p:sp>
+      <p:pic>
+        <p:nvPicPr>
+          <p:cNvPr id="12" name="图片 11"/>
+          <p:cNvPicPr>
+            <a:picLocks noChangeAspect="1"/>
+          </p:cNvPicPr>
+          <p:nvPr/>
+        </p:nvPicPr>
+        <p:blipFill rotWithShape="1">
+          <a:blip r:embed="rId3">
+            <a:extLst>
+              <a:ext uri="{28A0092B-C50C-407E-A947-70E740481C1C}">
+                <a14:useLocalDpi xmlns:a14="http://schemas.microsoft.com/office/drawing/2010/main" val="0"/>
+              </a:ext>
+            </a:extLst>
+          </a:blip>
+          <a:srcRect l="1139" b="2176"/>
+          <a:stretch/>
+        </p:blipFill>
+        <p:spPr>
+          <a:xfrm>
+            <a:off x="3137095" y="3063826"/>
+            <a:ext cx="3339709" cy="509367"/>
+          </a:xfrm>
+          <a:prstGeom prst="rect">
+            <a:avLst/>
+          </a:prstGeom>
+        </p:spPr>
+      </p:pic>
       <p:graphicFrame>
         <p:nvGraphicFramePr>
-          <p:cNvPr id="4" name="表格 3"/>
+          <p:cNvPr id="13" name="表格 12"/>
           <p:cNvGraphicFramePr>
             <a:graphicFrameLocks noGrp="1"/>
           </p:cNvGraphicFramePr>
           <p:nvPr>
             <p:extLst>
               <p:ext uri="{D42A27DB-BD31-4B8C-83A1-F6EECF244321}">
-                <p14:modId xmlns:p14="http://schemas.microsoft.com/office/powerpoint/2010/main" val="2015052161"/>
+                <p14:modId xmlns:p14="http://schemas.microsoft.com/office/powerpoint/2010/main" val="663780233"/>
               </p:ext>
             </p:extLst>
           </p:nvPr>
         </p:nvGraphicFramePr>
         <p:xfrm>
-          <a:off x="2035047" y="4304601"/>
-          <a:ext cx="8128000" cy="738886"/>
+          <a:off x="2035048" y="5457952"/>
+          <a:ext cx="8128002" cy="741680"/>
         </p:xfrm>
         <a:graphic>
           <a:graphicData uri="http://schemas.openxmlformats.org/drawingml/2006/table">
@@ -5652,8 +5855,11 @@
                 <a:tableStyleId>{93296810-A885-4BE3-A3E7-6D5BEEA58F35}</a:tableStyleId>
               </a:tblPr>
               <a:tblGrid>
-                <a:gridCol w="4064000"/>
-                <a:gridCol w="4064000"/>
+                <a:gridCol w="1179640"/>
+                <a:gridCol w="1228726"/>
+                <a:gridCol w="1928811"/>
+                <a:gridCol w="2165225"/>
+                <a:gridCol w="1625600"/>
               </a:tblGrid>
               <a:tr h="370840">
                 <a:tc>
@@ -5663,14 +5869,56 @@
                     <a:p>
                       <a:r>
                         <a:rPr lang="en-US" altLang="zh-CN" dirty="0" smtClean="0"/>
-                        <a:t>Running</a:t>
+                        <a:t>Gamma</a:t>
+                      </a:r>
+                      <a:endParaRPr lang="zh-CN" altLang="en-US" dirty="0"/>
+                    </a:p>
+                  </a:txBody>
+                  <a:tcPr/>
+                </a:tc>
+                <a:tc>
+                  <a:txBody>
+                    <a:bodyPr/>
+                    <a:lstStyle/>
+                    <a:p>
+                      <a:r>
+                        <a:rPr lang="en-US" altLang="zh-CN" dirty="0" smtClean="0"/>
+                        <a:t>Cost</a:t>
+                      </a:r>
+                      <a:endParaRPr lang="zh-CN" altLang="en-US" dirty="0"/>
+                    </a:p>
+                  </a:txBody>
+                  <a:tcPr/>
+                </a:tc>
+                <a:tc>
+                  <a:txBody>
+                    <a:bodyPr/>
+                    <a:lstStyle/>
+                    <a:p>
+                      <a:r>
+                        <a:rPr lang="en-US" altLang="zh-CN" dirty="0" smtClean="0"/>
+                        <a:t>Combination</a:t>
+                      </a:r>
+                      <a:endParaRPr lang="zh-CN" altLang="en-US" dirty="0"/>
+                    </a:p>
+                  </a:txBody>
+                  <a:tcPr/>
+                </a:tc>
+                <a:tc>
+                  <a:txBody>
+                    <a:bodyPr/>
+                    <a:lstStyle/>
+                    <a:p>
+                      <a:r>
+                        <a:rPr lang="en-US" altLang="zh-CN" dirty="0" smtClean="0"/>
+                        <a:t>Training</a:t>
                       </a:r>
                       <a:r>
                         <a:rPr lang="zh-CN" altLang="en-US" baseline="0" dirty="0" smtClean="0"/>
                         <a:t> </a:t>
                       </a:r>
                       <a:r>
-                        <a:rPr lang="en-US" altLang="zh-CN" dirty="0" smtClean="0"/>
+                        <a:rPr lang="en-US" altLang="zh-CN" baseline="0" dirty="0" smtClean="0"/>
                         <a:t>Time</a:t>
                       </a:r>
                       <a:endParaRPr lang="zh-CN" altLang="en-US" dirty="0"/>
@@ -5693,7 +5941,7 @@
                   <a:tcPr/>
                 </a:tc>
               </a:tr>
-              <a:tr h="368046">
+              <a:tr h="370840">
                 <a:tc>
                   <a:txBody>
                     <a:bodyPr/>
@@ -5701,7 +5949,7 @@
                     <a:p>
                       <a:r>
                         <a:rPr lang="en-US" altLang="zh-CN" dirty="0" smtClean="0"/>
-                        <a:t>20s</a:t>
+                        <a:t>0.0001</a:t>
                       </a:r>
                       <a:endParaRPr lang="zh-CN" altLang="en-US" dirty="0"/>
                     </a:p>
@@ -5713,28 +5961,61 @@
                     <a:bodyPr/>
                     <a:lstStyle/>
                     <a:p>
-                      <a:pPr marL="0" marR="0" indent="0" algn="l" defTabSz="914400" rtl="0" eaLnBrk="1" fontAlgn="auto" latinLnBrk="0" hangingPunct="1">
-                        <a:lnSpc>
-                          <a:spcPct val="100000"/>
-                        </a:lnSpc>
-                        <a:spcBef>
-                          <a:spcPts val="0"/>
-                        </a:spcBef>
-                        <a:spcAft>
-                          <a:spcPts val="0"/>
-                        </a:spcAft>
-                        <a:buClrTx/>
-                        <a:buSzTx/>
-                        <a:buFontTx/>
-                        <a:buNone/>
-                        <a:tabLst/>
-                        <a:defRPr/>
-                      </a:pPr>
                       <a:r>
                         <a:rPr lang="en-US" altLang="zh-CN" dirty="0" smtClean="0"/>
-                        <a:t>65%</a:t>
-                      </a:r>
-                      <a:endParaRPr lang="zh-CN" altLang="en-US" dirty="0" smtClean="0"/>
+                        <a:t>200</a:t>
+                      </a:r>
+                      <a:endParaRPr lang="zh-CN" altLang="en-US" dirty="0"/>
+                    </a:p>
+                  </a:txBody>
+                  <a:tcPr/>
+                </a:tc>
+                <a:tc>
+                  <a:txBody>
+                    <a:bodyPr/>
+                    <a:lstStyle/>
+                    <a:p>
+                      <a:r>
+                        <a:rPr lang="en-US" altLang="zh-CN" dirty="0" smtClean="0"/>
+                        <a:t>27</a:t>
+                      </a:r>
+                      <a:endParaRPr lang="zh-CN" altLang="en-US" dirty="0"/>
+                    </a:p>
+                  </a:txBody>
+                  <a:tcPr/>
+                </a:tc>
+                <a:tc>
+                  <a:txBody>
+                    <a:bodyPr/>
+                    <a:lstStyle/>
+                    <a:p>
+                      <a:r>
+                        <a:rPr lang="en-US" altLang="zh-CN" dirty="0" smtClean="0"/>
+                        <a:t>8</a:t>
+                      </a:r>
+                      <a:r>
+                        <a:rPr lang="zh-CN" altLang="en-US" dirty="0" smtClean="0"/>
+                        <a:t> </a:t>
+                      </a:r>
+                      <a:r>
+                        <a:rPr lang="en-US" altLang="zh-CN" dirty="0" smtClean="0"/>
+                        <a:t>hours</a:t>
+                      </a:r>
+                      <a:endParaRPr lang="zh-CN" altLang="en-US" dirty="0"/>
+                    </a:p>
+                  </a:txBody>
+                  <a:tcPr/>
+                </a:tc>
+                <a:tc>
+                  <a:txBody>
+                    <a:bodyPr/>
+                    <a:lstStyle/>
+                    <a:p>
+                      <a:r>
+                        <a:rPr lang="en-US" altLang="zh-CN" dirty="0" smtClean="0"/>
+                        <a:t>69%</a:t>
+                      </a:r>
+                      <a:endParaRPr lang="zh-CN" altLang="en-US" dirty="0"/>
                     </a:p>
                   </a:txBody>
                   <a:tcPr/>
@@ -5747,7 +6028,7 @@
     </p:spTree>
     <p:extLst>
       <p:ext uri="{BB962C8B-B14F-4D97-AF65-F5344CB8AC3E}">
-        <p14:creationId xmlns:p14="http://schemas.microsoft.com/office/powerpoint/2010/main" val="12729371"/>
+        <p14:creationId xmlns:p14="http://schemas.microsoft.com/office/powerpoint/2010/main" val="182367319"/>
       </p:ext>
     </p:extLst>
   </p:cSld>
@@ -5791,48 +6072,55 @@
             <p:ph type="title"/>
           </p:nvPr>
         </p:nvSpPr>
-        <p:spPr/>
+        <p:spPr>
+          <a:xfrm>
+            <a:off x="1069847" y="484632"/>
+            <a:ext cx="10058401" cy="1609344"/>
+          </a:xfrm>
+        </p:spPr>
         <p:txBody>
-          <a:bodyPr/>
+          <a:bodyPr>
+            <a:normAutofit/>
+          </a:bodyPr>
           <a:lstStyle/>
           <a:p>
             <a:r>
-              <a:rPr kumimoji="1" lang="en-US" altLang="zh-CN" dirty="0" smtClean="0"/>
+              <a:rPr kumimoji="1" lang="en-US" altLang="zh-CN" sz="4400" dirty="0"/>
               <a:t>SIFT</a:t>
             </a:r>
             <a:r>
-              <a:rPr kumimoji="1" lang="zh-CN" altLang="en-US" dirty="0" smtClean="0"/>
-              <a:t> </a:t>
-            </a:r>
-            <a:r>
-              <a:rPr kumimoji="1" lang="en-US" altLang="zh-CN" dirty="0" smtClean="0"/>
+              <a:rPr kumimoji="1" lang="zh-CN" altLang="en-US" sz="4400" dirty="0"/>
+              <a:t> </a:t>
+            </a:r>
+            <a:r>
+              <a:rPr kumimoji="1" lang="en-US" altLang="zh-CN" sz="4400" dirty="0"/>
               <a:t>+</a:t>
             </a:r>
             <a:r>
-              <a:rPr kumimoji="1" lang="zh-CN" altLang="en-US" dirty="0" smtClean="0"/>
-              <a:t> </a:t>
-            </a:r>
-            <a:r>
-              <a:rPr kumimoji="1" lang="en-US" altLang="zh-CN" dirty="0" smtClean="0"/>
+              <a:rPr kumimoji="1" lang="zh-CN" altLang="en-US" sz="4400" dirty="0"/>
+              <a:t> </a:t>
+            </a:r>
+            <a:r>
+              <a:rPr kumimoji="1" lang="en-US" altLang="zh-CN" sz="4400" dirty="0"/>
               <a:t>PCA</a:t>
             </a:r>
             <a:r>
-              <a:rPr kumimoji="1" lang="zh-CN" altLang="en-US" dirty="0" smtClean="0"/>
-              <a:t> </a:t>
-            </a:r>
-            <a:r>
-              <a:rPr kumimoji="1" lang="en-US" altLang="zh-CN" dirty="0" smtClean="0"/>
-              <a:t>+</a:t>
-            </a:r>
-            <a:r>
-              <a:rPr kumimoji="1" lang="zh-CN" altLang="en-US" dirty="0" smtClean="0"/>
-              <a:t> </a:t>
-            </a:r>
-            <a:r>
-              <a:rPr kumimoji="1" lang="en-US" altLang="zh-CN" dirty="0" err="1" smtClean="0"/>
-              <a:t>Xgboost</a:t>
-            </a:r>
-            <a:endParaRPr kumimoji="1" lang="zh-CN" altLang="en-US" dirty="0"/>
+              <a:rPr kumimoji="1" lang="zh-CN" altLang="en-US" sz="4400" dirty="0"/>
+              <a:t> </a:t>
+            </a:r>
+            <a:r>
+              <a:rPr kumimoji="1" lang="en-US" altLang="zh-CN" sz="4400" dirty="0" smtClean="0"/>
+              <a:t>+Logistic</a:t>
+            </a:r>
+            <a:r>
+              <a:rPr kumimoji="1" lang="zh-CN" altLang="en-US" sz="4400" dirty="0" smtClean="0"/>
+              <a:t> </a:t>
+            </a:r>
+            <a:r>
+              <a:rPr kumimoji="1" lang="en-US" altLang="zh-CN" sz="4400" dirty="0" smtClean="0"/>
+              <a:t>Regression</a:t>
+            </a:r>
+            <a:endParaRPr kumimoji="1" lang="zh-CN" altLang="en-US" sz="4400" dirty="0"/>
           </a:p>
         </p:txBody>
       </p:sp>
@@ -5846,98 +6134,115 @@
             <p:ph idx="1"/>
           </p:nvPr>
         </p:nvSpPr>
-        <p:spPr>
-          <a:xfrm>
-            <a:off x="1069848" y="1710267"/>
-            <a:ext cx="10058400" cy="4461933"/>
-          </a:xfrm>
-        </p:spPr>
+        <p:spPr/>
         <p:txBody>
           <a:bodyPr/>
           <a:lstStyle/>
           <a:p>
             <a:r>
-              <a:rPr lang="en-US" altLang="zh-CN" b="1" dirty="0" err="1"/>
-              <a:t>Xgboost</a:t>
+              <a:rPr kumimoji="1" lang="en-US" altLang="zh-CN" dirty="0" smtClean="0"/>
+              <a:t>Logistic</a:t>
+            </a:r>
+            <a:r>
+              <a:rPr kumimoji="1" lang="zh-CN" altLang="en-US" dirty="0" smtClean="0"/>
+              <a:t> </a:t>
+            </a:r>
+            <a:r>
+              <a:rPr kumimoji="1" lang="en-US" altLang="zh-CN" dirty="0" smtClean="0"/>
+              <a:t>regression</a:t>
+            </a:r>
+            <a:r>
+              <a:rPr kumimoji="1" lang="zh-CN" altLang="en-US" dirty="0" smtClean="0"/>
+              <a:t> </a:t>
+            </a:r>
+            <a:r>
+              <a:rPr kumimoji="1" lang="en-US" altLang="zh-CN" dirty="0" smtClean="0"/>
+              <a:t>with</a:t>
+            </a:r>
+            <a:r>
+              <a:rPr kumimoji="1" lang="zh-CN" altLang="en-US" dirty="0" smtClean="0"/>
+              <a:t> </a:t>
             </a:r>
             <a:r>
               <a:rPr lang="en-US" altLang="zh-CN" dirty="0"/>
-              <a:t> is short for </a:t>
-            </a:r>
-            <a:r>
-              <a:rPr lang="en-US" altLang="zh-CN" dirty="0" err="1"/>
-              <a:t>e</a:t>
-            </a:r>
-            <a:r>
-              <a:rPr lang="en-US" altLang="zh-CN" b="1" dirty="0" err="1"/>
-              <a:t>X</a:t>
-            </a:r>
-            <a:r>
-              <a:rPr lang="en-US" altLang="zh-CN" dirty="0" err="1"/>
-              <a:t>treme</a:t>
+              <a:t>S</a:t>
+            </a:r>
+            <a:r>
+              <a:rPr lang="en-US" altLang="zh-CN" dirty="0" smtClean="0"/>
+              <a:t>tochastic </a:t>
             </a:r>
             <a:r>
               <a:rPr lang="en-US" altLang="zh-CN" dirty="0"/>
-              <a:t> </a:t>
-            </a:r>
-            <a:r>
-              <a:rPr lang="en-US" altLang="zh-CN" b="1" dirty="0"/>
               <a:t>G</a:t>
             </a:r>
             <a:r>
+              <a:rPr lang="en-US" altLang="zh-CN" dirty="0" smtClean="0"/>
+              <a:t>radient Descent</a:t>
+            </a:r>
+            <a:r>
+              <a:rPr lang="zh-CN" altLang="en-US" dirty="0" smtClean="0"/>
+              <a:t> </a:t>
+            </a:r>
+            <a:r>
+              <a:rPr lang="en-US" altLang="zh-CN" dirty="0" smtClean="0"/>
+              <a:t>(SGD)</a:t>
+            </a:r>
+            <a:r>
+              <a:rPr lang="zh-CN" altLang="en-US" dirty="0" smtClean="0"/>
+              <a:t> </a:t>
+            </a:r>
+            <a:r>
+              <a:rPr lang="en-US" altLang="zh-CN" dirty="0" smtClean="0"/>
+              <a:t>training</a:t>
+            </a:r>
+          </a:p>
+          <a:p>
+            <a:r>
+              <a:rPr lang="en-US" altLang="zh-CN" dirty="0" smtClean="0"/>
+              <a:t>SGD:</a:t>
+            </a:r>
+            <a:r>
+              <a:rPr lang="zh-CN" altLang="en-US" dirty="0" smtClean="0"/>
+              <a:t> </a:t>
+            </a:r>
+            <a:r>
+              <a:rPr lang="en-US" altLang="zh-CN" dirty="0" smtClean="0"/>
+              <a:t>Efficient </a:t>
+            </a:r>
+            <a:r>
               <a:rPr lang="en-US" altLang="zh-CN" dirty="0"/>
-              <a:t>radient </a:t>
-            </a:r>
-            <a:r>
-              <a:rPr lang="en-US" altLang="zh-CN" b="1" dirty="0"/>
-              <a:t>Boost</a:t>
-            </a:r>
-            <a:r>
-              <a:rPr lang="en-US" altLang="zh-CN" dirty="0"/>
-              <a:t>ing </a:t>
+              <a:t>approach to discriminative learning of linear classifiers under convex loss functions such as </a:t>
             </a:r>
             <a:r>
               <a:rPr lang="en-US" altLang="zh-CN" dirty="0" smtClean="0"/>
-              <a:t>package</a:t>
-            </a:r>
-            <a:endParaRPr lang="en-US" altLang="zh-CN" dirty="0"/>
-          </a:p>
-          <a:p>
-            <a:r>
-              <a:rPr lang="en-US" altLang="zh-CN" dirty="0"/>
-              <a:t>It is generally over 10 times faster than the classical </a:t>
-            </a:r>
-            <a:r>
-              <a:rPr lang="en-US" altLang="zh-CN" dirty="0" err="1" smtClean="0"/>
-              <a:t>gbm</a:t>
-            </a:r>
-            <a:endParaRPr lang="en-US" altLang="zh-CN" dirty="0" smtClean="0"/>
-          </a:p>
-          <a:p>
-            <a:r>
-              <a:rPr kumimoji="1" lang="en-US" altLang="zh-CN" dirty="0"/>
-              <a:t>Tuning</a:t>
-            </a:r>
-            <a:r>
-              <a:rPr kumimoji="1" lang="zh-CN" altLang="en-US" dirty="0"/>
-              <a:t> </a:t>
-            </a:r>
-            <a:r>
-              <a:rPr kumimoji="1" lang="en-US" altLang="zh-CN" dirty="0"/>
-              <a:t>Parameters</a:t>
-            </a:r>
-            <a:r>
-              <a:rPr kumimoji="1" lang="zh-CN" altLang="en-US" dirty="0"/>
-              <a:t> </a:t>
-            </a:r>
-            <a:r>
-              <a:rPr kumimoji="1" lang="en-US" altLang="zh-CN" dirty="0"/>
-              <a:t>&amp;</a:t>
-            </a:r>
-            <a:r>
-              <a:rPr kumimoji="1" lang="zh-CN" altLang="en-US" dirty="0"/>
-              <a:t> </a:t>
-            </a:r>
+              <a:t>SVM</a:t>
+            </a:r>
+            <a:r>
+              <a:rPr lang="zh-CN" altLang="en-US" dirty="0" smtClean="0"/>
+              <a:t> </a:t>
+            </a:r>
+            <a:r>
+              <a:rPr lang="en-US" altLang="zh-CN" dirty="0" smtClean="0"/>
+              <a:t>and</a:t>
+            </a:r>
+            <a:r>
+              <a:rPr lang="zh-CN" altLang="en-US" dirty="0" smtClean="0"/>
+              <a:t> </a:t>
+            </a:r>
+            <a:r>
+              <a:rPr lang="en-US" altLang="zh-CN" dirty="0" smtClean="0"/>
+              <a:t>logistic</a:t>
+            </a:r>
+            <a:r>
+              <a:rPr lang="zh-CN" altLang="en-US" dirty="0" smtClean="0"/>
+              <a:t> </a:t>
+            </a:r>
+            <a:r>
+              <a:rPr lang="en-US" altLang="zh-CN" dirty="0" smtClean="0"/>
+              <a:t>regression</a:t>
+            </a:r>
+          </a:p>
+          <a:p>
             <a:r>
               <a:rPr kumimoji="1" lang="en-US" altLang="zh-CN" dirty="0"/>
               <a:t>5</a:t>
@@ -5963,389 +6268,12 @@
               <a:t> </a:t>
             </a:r>
             <a:r>
-              <a:rPr kumimoji="1" lang="en-US" altLang="zh-CN" dirty="0" smtClean="0"/>
+              <a:rPr kumimoji="1" lang="en-US" altLang="zh-CN" dirty="0"/>
               <a:t>Validation</a:t>
             </a:r>
-            <a:endParaRPr kumimoji="1" lang="en-US" altLang="zh-CN" dirty="0"/>
-          </a:p>
-          <a:p>
-            <a:pPr lvl="1"/>
-            <a:r>
-              <a:rPr lang="en-US" altLang="zh-CN" i="1" dirty="0">
-                <a:solidFill>
-                  <a:schemeClr val="accent1">
-                    <a:lumMod val="75000"/>
-                  </a:schemeClr>
-                </a:solidFill>
-              </a:rPr>
-              <a:t>e</a:t>
-            </a:r>
-            <a:r>
-              <a:rPr lang="en-US" altLang="zh-CN" i="1" dirty="0" smtClean="0">
-                <a:solidFill>
-                  <a:schemeClr val="accent1">
-                    <a:lumMod val="75000"/>
-                  </a:schemeClr>
-                </a:solidFill>
-              </a:rPr>
-              <a:t>ta</a:t>
-            </a:r>
-            <a:r>
-              <a:rPr lang="en-US" altLang="zh-CN" dirty="0" smtClean="0"/>
-              <a:t>:</a:t>
-            </a:r>
-            <a:r>
-              <a:rPr lang="zh-CN" altLang="en-US" dirty="0" smtClean="0"/>
-              <a:t> </a:t>
-            </a:r>
-            <a:r>
-              <a:rPr lang="en-US" altLang="zh-CN" dirty="0" smtClean="0"/>
-              <a:t>learning</a:t>
-            </a:r>
-            <a:r>
-              <a:rPr lang="zh-CN" altLang="en-US" dirty="0" smtClean="0"/>
-              <a:t> </a:t>
-            </a:r>
-            <a:r>
-              <a:rPr lang="en-US" altLang="zh-CN" dirty="0" smtClean="0"/>
-              <a:t>rate</a:t>
-            </a:r>
-          </a:p>
-          <a:p>
-            <a:pPr lvl="1"/>
-            <a:r>
-              <a:rPr lang="en-US" altLang="zh-CN" i="1" dirty="0" err="1">
-                <a:solidFill>
-                  <a:schemeClr val="accent1">
-                    <a:lumMod val="75000"/>
-                  </a:schemeClr>
-                </a:solidFill>
-              </a:rPr>
-              <a:t>max_depth</a:t>
-            </a:r>
-            <a:r>
-              <a:rPr lang="en-US" altLang="zh-CN" dirty="0" smtClean="0"/>
-              <a:t>:</a:t>
-            </a:r>
-            <a:r>
-              <a:rPr lang="zh-CN" altLang="en-US" dirty="0" smtClean="0"/>
-              <a:t> </a:t>
-            </a:r>
-            <a:r>
-              <a:rPr lang="en-US" altLang="zh-CN" dirty="0" smtClean="0"/>
-              <a:t>maximum</a:t>
-            </a:r>
-            <a:r>
-              <a:rPr lang="zh-CN" altLang="en-US" dirty="0" smtClean="0"/>
-              <a:t> </a:t>
-            </a:r>
-            <a:r>
-              <a:rPr lang="en-US" altLang="zh-CN" dirty="0" smtClean="0"/>
-              <a:t>depth</a:t>
-            </a:r>
-            <a:r>
-              <a:rPr lang="zh-CN" altLang="en-US" dirty="0" smtClean="0"/>
-              <a:t> </a:t>
-            </a:r>
-            <a:r>
-              <a:rPr lang="en-US" altLang="zh-CN" dirty="0" smtClean="0"/>
-              <a:t>of</a:t>
-            </a:r>
-            <a:r>
-              <a:rPr lang="zh-CN" altLang="en-US" dirty="0" smtClean="0"/>
-              <a:t> </a:t>
-            </a:r>
-            <a:r>
-              <a:rPr lang="en-US" altLang="zh-CN" dirty="0" smtClean="0"/>
-              <a:t>a</a:t>
-            </a:r>
-            <a:r>
-              <a:rPr lang="zh-CN" altLang="en-US" dirty="0" smtClean="0"/>
-              <a:t> </a:t>
-            </a:r>
-            <a:r>
-              <a:rPr lang="en-US" altLang="zh-CN" dirty="0" smtClean="0"/>
-              <a:t>tree</a:t>
-            </a:r>
-          </a:p>
-          <a:p>
-            <a:pPr lvl="1"/>
-            <a:r>
-              <a:rPr lang="en-US" altLang="zh-CN" i="1" dirty="0" err="1">
-                <a:solidFill>
-                  <a:schemeClr val="accent1">
-                    <a:lumMod val="75000"/>
-                  </a:schemeClr>
-                </a:solidFill>
-              </a:rPr>
-              <a:t>max_delta_step</a:t>
-            </a:r>
-            <a:r>
-              <a:rPr lang="en-US" altLang="zh-CN" dirty="0" smtClean="0"/>
-              <a:t>:</a:t>
-            </a:r>
-            <a:r>
-              <a:rPr lang="zh-CN" altLang="en-US" dirty="0" smtClean="0"/>
-              <a:t> </a:t>
-            </a:r>
-            <a:r>
-              <a:rPr lang="en-US" altLang="zh-CN" dirty="0" smtClean="0"/>
-              <a:t>maximum</a:t>
-            </a:r>
-            <a:r>
-              <a:rPr lang="zh-CN" altLang="en-US" dirty="0" smtClean="0"/>
-              <a:t> </a:t>
-            </a:r>
-            <a:r>
-              <a:rPr lang="en-US" altLang="zh-CN" dirty="0" smtClean="0"/>
-              <a:t>delta</a:t>
-            </a:r>
-            <a:r>
-              <a:rPr lang="zh-CN" altLang="en-US" dirty="0" smtClean="0"/>
-              <a:t> </a:t>
-            </a:r>
-            <a:r>
-              <a:rPr lang="en-US" altLang="zh-CN" dirty="0" smtClean="0"/>
-              <a:t>value</a:t>
-            </a:r>
-            <a:r>
-              <a:rPr lang="zh-CN" altLang="en-US" dirty="0" smtClean="0"/>
-              <a:t> </a:t>
-            </a:r>
-            <a:r>
-              <a:rPr lang="en-US" altLang="zh-CN" dirty="0" smtClean="0"/>
-              <a:t>allowed</a:t>
-            </a:r>
-            <a:r>
-              <a:rPr lang="zh-CN" altLang="en-US" dirty="0" smtClean="0"/>
-              <a:t> </a:t>
-            </a:r>
-            <a:r>
-              <a:rPr lang="en-US" altLang="zh-CN" dirty="0" smtClean="0"/>
-              <a:t>for</a:t>
-            </a:r>
-            <a:r>
-              <a:rPr lang="zh-CN" altLang="en-US" dirty="0" smtClean="0"/>
-              <a:t> </a:t>
-            </a:r>
-            <a:r>
-              <a:rPr lang="en-US" altLang="zh-CN" dirty="0" smtClean="0"/>
-              <a:t>each</a:t>
-            </a:r>
-            <a:r>
-              <a:rPr lang="zh-CN" altLang="en-US" dirty="0" smtClean="0"/>
-              <a:t> </a:t>
-            </a:r>
-            <a:r>
-              <a:rPr lang="en-US" altLang="zh-CN" dirty="0" smtClean="0"/>
-              <a:t>tree’s</a:t>
-            </a:r>
-            <a:r>
-              <a:rPr lang="zh-CN" altLang="en-US" dirty="0" smtClean="0"/>
-              <a:t> </a:t>
-            </a:r>
-            <a:r>
-              <a:rPr lang="en-US" altLang="zh-CN" dirty="0" smtClean="0"/>
-              <a:t>estimation</a:t>
-            </a:r>
-          </a:p>
-          <a:p>
-            <a:pPr lvl="1"/>
-            <a:r>
-              <a:rPr lang="en-US" altLang="zh-CN" i="1" dirty="0">
-                <a:solidFill>
-                  <a:schemeClr val="accent1">
-                    <a:lumMod val="75000"/>
-                  </a:schemeClr>
-                </a:solidFill>
-              </a:rPr>
-              <a:t>subsample</a:t>
-            </a:r>
-            <a:r>
-              <a:rPr lang="en-US" altLang="zh-CN" dirty="0" smtClean="0"/>
-              <a:t>:</a:t>
-            </a:r>
-            <a:r>
-              <a:rPr lang="zh-CN" altLang="en-US" dirty="0" smtClean="0"/>
-              <a:t> </a:t>
-            </a:r>
-            <a:r>
-              <a:rPr lang="en-US" altLang="zh-CN" dirty="0" smtClean="0"/>
-              <a:t>subsample</a:t>
-            </a:r>
-            <a:r>
-              <a:rPr lang="zh-CN" altLang="en-US" dirty="0" smtClean="0"/>
-              <a:t> </a:t>
-            </a:r>
-            <a:r>
-              <a:rPr lang="en-US" altLang="zh-CN" dirty="0" smtClean="0"/>
-              <a:t>of</a:t>
-            </a:r>
-            <a:r>
-              <a:rPr lang="zh-CN" altLang="en-US" dirty="0" smtClean="0"/>
-              <a:t> </a:t>
-            </a:r>
-            <a:r>
-              <a:rPr lang="en-US" altLang="zh-CN" dirty="0" smtClean="0"/>
-              <a:t>the</a:t>
-            </a:r>
-            <a:r>
-              <a:rPr lang="zh-CN" altLang="en-US" dirty="0" smtClean="0"/>
-              <a:t> </a:t>
-            </a:r>
-            <a:r>
-              <a:rPr lang="en-US" altLang="zh-CN" dirty="0" smtClean="0"/>
-              <a:t>training</a:t>
-            </a:r>
-            <a:r>
-              <a:rPr lang="zh-CN" altLang="en-US" dirty="0" smtClean="0"/>
-              <a:t> </a:t>
-            </a:r>
-            <a:r>
-              <a:rPr lang="en-US" altLang="zh-CN" dirty="0" smtClean="0"/>
-              <a:t>dataset</a:t>
-            </a:r>
-          </a:p>
-          <a:p>
-            <a:pPr lvl="1"/>
-            <a:r>
-              <a:rPr lang="en-US" altLang="zh-CN" i="1" dirty="0" err="1">
-                <a:solidFill>
-                  <a:schemeClr val="accent1">
-                    <a:lumMod val="75000"/>
-                  </a:schemeClr>
-                </a:solidFill>
-              </a:rPr>
-              <a:t>sclae_pos_weight</a:t>
-            </a:r>
-            <a:r>
-              <a:rPr lang="en-US" altLang="zh-CN" dirty="0" smtClean="0"/>
-              <a:t>:</a:t>
-            </a:r>
-            <a:r>
-              <a:rPr lang="zh-CN" altLang="en-US" dirty="0" smtClean="0"/>
-              <a:t> </a:t>
-            </a:r>
-            <a:r>
-              <a:rPr lang="en-US" altLang="zh-CN" dirty="0" smtClean="0"/>
-              <a:t>control</a:t>
-            </a:r>
-            <a:r>
-              <a:rPr lang="zh-CN" altLang="en-US" dirty="0" smtClean="0"/>
-              <a:t> </a:t>
-            </a:r>
-            <a:r>
-              <a:rPr lang="en-US" altLang="zh-CN" dirty="0" smtClean="0"/>
-              <a:t>for</a:t>
-            </a:r>
-            <a:r>
-              <a:rPr lang="zh-CN" altLang="en-US" dirty="0" smtClean="0"/>
-              <a:t> </a:t>
-            </a:r>
-            <a:r>
-              <a:rPr lang="en-US" altLang="zh-CN" dirty="0" smtClean="0"/>
-              <a:t>positive</a:t>
-            </a:r>
-            <a:r>
-              <a:rPr lang="zh-CN" altLang="en-US" dirty="0" smtClean="0"/>
-              <a:t> </a:t>
-            </a:r>
-            <a:r>
-              <a:rPr lang="en-US" altLang="zh-CN" dirty="0" smtClean="0"/>
-              <a:t>and</a:t>
-            </a:r>
-            <a:r>
-              <a:rPr lang="zh-CN" altLang="en-US" dirty="0" smtClean="0"/>
-              <a:t> </a:t>
-            </a:r>
-            <a:r>
-              <a:rPr lang="en-US" altLang="zh-CN" dirty="0" smtClean="0"/>
-              <a:t>negative</a:t>
-            </a:r>
-            <a:r>
-              <a:rPr lang="zh-CN" altLang="en-US" dirty="0" smtClean="0"/>
-              <a:t> </a:t>
-            </a:r>
-            <a:r>
-              <a:rPr lang="en-US" altLang="zh-CN" dirty="0" smtClean="0"/>
-              <a:t>weights</a:t>
-            </a:r>
-          </a:p>
-          <a:p>
-            <a:pPr lvl="1"/>
-            <a:r>
-              <a:rPr lang="en-US" altLang="zh-CN" i="1" dirty="0" err="1">
-                <a:solidFill>
-                  <a:schemeClr val="accent1">
-                    <a:lumMod val="75000"/>
-                  </a:schemeClr>
-                </a:solidFill>
-              </a:rPr>
-              <a:t>min_child_weight</a:t>
-            </a:r>
-            <a:r>
-              <a:rPr lang="en-US" altLang="zh-CN" dirty="0" smtClean="0"/>
-              <a:t>:</a:t>
-            </a:r>
-            <a:r>
-              <a:rPr lang="zh-CN" altLang="en-US" dirty="0" smtClean="0"/>
-              <a:t> </a:t>
-            </a:r>
-            <a:r>
-              <a:rPr lang="en-US" altLang="zh-CN" dirty="0" smtClean="0"/>
-              <a:t>minimum</a:t>
-            </a:r>
-            <a:r>
-              <a:rPr lang="zh-CN" altLang="en-US" dirty="0" smtClean="0"/>
-              <a:t> </a:t>
-            </a:r>
-            <a:r>
-              <a:rPr lang="en-US" altLang="zh-CN" dirty="0" smtClean="0"/>
-              <a:t>number</a:t>
-            </a:r>
-            <a:r>
-              <a:rPr lang="zh-CN" altLang="en-US" dirty="0" smtClean="0"/>
-              <a:t> </a:t>
-            </a:r>
-            <a:r>
-              <a:rPr lang="en-US" altLang="zh-CN" dirty="0" smtClean="0"/>
-              <a:t>of</a:t>
-            </a:r>
-            <a:r>
-              <a:rPr lang="zh-CN" altLang="en-US" dirty="0" smtClean="0"/>
-              <a:t> </a:t>
-            </a:r>
-            <a:r>
-              <a:rPr lang="en-US" altLang="zh-CN" dirty="0" smtClean="0"/>
-              <a:t>cases</a:t>
-            </a:r>
-            <a:r>
-              <a:rPr lang="zh-CN" altLang="en-US" dirty="0" smtClean="0"/>
-              <a:t> </a:t>
-            </a:r>
-            <a:r>
-              <a:rPr lang="en-US" altLang="zh-CN" dirty="0" smtClean="0"/>
-              <a:t>in</a:t>
-            </a:r>
-            <a:r>
-              <a:rPr lang="zh-CN" altLang="en-US" dirty="0" smtClean="0"/>
-              <a:t> </a:t>
-            </a:r>
-            <a:r>
-              <a:rPr lang="en-US" altLang="zh-CN" dirty="0" smtClean="0"/>
-              <a:t>each</a:t>
-            </a:r>
-            <a:r>
-              <a:rPr lang="zh-CN" altLang="en-US" dirty="0" smtClean="0"/>
-              <a:t> </a:t>
-            </a:r>
-            <a:r>
-              <a:rPr lang="en-US" altLang="zh-CN" dirty="0" smtClean="0"/>
-              <a:t>node</a:t>
-            </a:r>
-          </a:p>
-          <a:p>
-            <a:endParaRPr kumimoji="1" lang="zh-CN" altLang="en-US" dirty="0"/>
+          </a:p>
+          <a:p>
+            <a:endParaRPr kumimoji="1" lang="en-US" altLang="zh-CN" dirty="0" smtClean="0"/>
           </a:p>
         </p:txBody>
       </p:sp>
@@ -6358,14 +6286,14 @@
           <p:nvPr>
             <p:extLst>
               <p:ext uri="{D42A27DB-BD31-4B8C-83A1-F6EECF244321}">
-                <p14:modId xmlns:p14="http://schemas.microsoft.com/office/powerpoint/2010/main" val="1736575545"/>
+                <p14:modId xmlns:p14="http://schemas.microsoft.com/office/powerpoint/2010/main" val="2015052161"/>
               </p:ext>
             </p:extLst>
           </p:nvPr>
         </p:nvGraphicFramePr>
         <p:xfrm>
-          <a:off x="584535" y="5011526"/>
-          <a:ext cx="11029025" cy="1010920"/>
+          <a:off x="2035047" y="4304601"/>
+          <a:ext cx="8128000" cy="738886"/>
         </p:xfrm>
         <a:graphic>
           <a:graphicData uri="http://schemas.openxmlformats.org/drawingml/2006/table">
@@ -6374,15 +6302,8 @@
                 <a:tableStyleId>{93296810-A885-4BE3-A3E7-6D5BEEA58F35}</a:tableStyleId>
               </a:tblPr>
               <a:tblGrid>
-                <a:gridCol w="813454"/>
-                <a:gridCol w="1014412"/>
-                <a:gridCol w="1385888"/>
-                <a:gridCol w="1428752"/>
-                <a:gridCol w="1271585"/>
-                <a:gridCol w="1243013"/>
-                <a:gridCol w="1600206"/>
-                <a:gridCol w="1046269"/>
-                <a:gridCol w="1225446"/>
+                <a:gridCol w="4064000"/>
+                <a:gridCol w="4064000"/>
               </a:tblGrid>
               <a:tr h="370840">
                 <a:tc>
@@ -6390,169 +6311,17 @@
                     <a:bodyPr/>
                     <a:lstStyle/>
                     <a:p>
-                      <a:pPr marL="0" algn="l" defTabSz="914400" rtl="0" eaLnBrk="1" latinLnBrk="0" hangingPunct="1"/>
-                      <a:r>
-                        <a:rPr lang="en-US" altLang="zh-CN" sz="1800" b="1" i="1" kern="1200" dirty="0" smtClean="0">
-                          <a:solidFill>
-                            <a:schemeClr val="lt1"/>
-                          </a:solidFill>
-                          <a:latin typeface="+mn-lt"/>
-                          <a:ea typeface="+mn-ea"/>
-                          <a:cs typeface="+mn-cs"/>
-                        </a:rPr>
-                        <a:t>eta</a:t>
-                      </a:r>
-                      <a:endParaRPr lang="zh-CN" altLang="en-US" sz="1800" b="1" i="1" kern="1200" dirty="0">
-                        <a:solidFill>
-                          <a:schemeClr val="lt1"/>
-                        </a:solidFill>
-                        <a:latin typeface="+mn-lt"/>
-                        <a:ea typeface="+mn-ea"/>
-                        <a:cs typeface="+mn-cs"/>
-                      </a:endParaRPr>
-                    </a:p>
-                  </a:txBody>
-                  <a:tcPr/>
-                </a:tc>
-                <a:tc>
-                  <a:txBody>
-                    <a:bodyPr/>
-                    <a:lstStyle/>
-                    <a:p>
-                      <a:r>
-                        <a:rPr lang="en-US" altLang="zh-CN" i="1" dirty="0" smtClean="0"/>
-                        <a:t>max</a:t>
-                      </a:r>
-                      <a:r>
-                        <a:rPr lang="en-US" altLang="zh-CN" i="1" dirty="0" smtClean="0"/>
-                        <a:t>_</a:t>
-                      </a:r>
-                    </a:p>
-                    <a:p>
-                      <a:r>
-                        <a:rPr lang="en-US" altLang="zh-CN" i="1" dirty="0" smtClean="0"/>
-                        <a:t>depth</a:t>
-                      </a:r>
-                      <a:endParaRPr lang="zh-CN" altLang="en-US" dirty="0"/>
-                    </a:p>
-                  </a:txBody>
-                  <a:tcPr/>
-                </a:tc>
-                <a:tc>
-                  <a:txBody>
-                    <a:bodyPr/>
-                    <a:lstStyle/>
-                    <a:p>
-                      <a:r>
-                        <a:rPr lang="en-US" altLang="zh-CN" i="1" dirty="0" err="1" smtClean="0"/>
-                        <a:t>max_delta</a:t>
-                      </a:r>
-                      <a:endParaRPr lang="en-US" altLang="zh-CN" i="1" dirty="0" smtClean="0"/>
-                    </a:p>
-                    <a:p>
-                      <a:r>
-                        <a:rPr lang="en-US" altLang="zh-CN" i="1" dirty="0" smtClean="0"/>
-                        <a:t>_</a:t>
-                      </a:r>
-                      <a:r>
-                        <a:rPr lang="en-US" altLang="zh-CN" i="1" dirty="0" smtClean="0"/>
-                        <a:t>step</a:t>
-                      </a:r>
-                      <a:endParaRPr lang="zh-CN" altLang="en-US" dirty="0"/>
-                    </a:p>
-                  </a:txBody>
-                  <a:tcPr/>
-                </a:tc>
-                <a:tc>
-                  <a:txBody>
-                    <a:bodyPr/>
-                    <a:lstStyle/>
-                    <a:p>
-                      <a:r>
-                        <a:rPr lang="en-US" altLang="zh-CN" i="1" dirty="0" smtClean="0"/>
-                        <a:t>subsample</a:t>
-                      </a:r>
-                      <a:endParaRPr lang="zh-CN" altLang="en-US" dirty="0"/>
-                    </a:p>
-                  </a:txBody>
-                  <a:tcPr/>
-                </a:tc>
-                <a:tc>
-                  <a:txBody>
-                    <a:bodyPr/>
-                    <a:lstStyle/>
-                    <a:p>
-                      <a:r>
-                        <a:rPr lang="en-US" altLang="zh-CN" i="1" dirty="0" err="1" smtClean="0"/>
-                        <a:t>sclae_pos</a:t>
-                      </a:r>
-                      <a:endParaRPr lang="en-US" altLang="zh-CN" i="1" dirty="0" smtClean="0"/>
-                    </a:p>
-                    <a:p>
-                      <a:r>
-                        <a:rPr lang="en-US" altLang="zh-CN" i="1" dirty="0" smtClean="0"/>
-                        <a:t>_</a:t>
-                      </a:r>
-                      <a:r>
-                        <a:rPr lang="en-US" altLang="zh-CN" i="1" dirty="0" smtClean="0"/>
-                        <a:t>weight</a:t>
-                      </a:r>
-                      <a:endParaRPr lang="zh-CN" altLang="en-US" dirty="0"/>
-                    </a:p>
-                  </a:txBody>
-                  <a:tcPr/>
-                </a:tc>
-                <a:tc>
-                  <a:txBody>
-                    <a:bodyPr/>
-                    <a:lstStyle/>
-                    <a:p>
-                      <a:r>
-                        <a:rPr lang="en-US" altLang="zh-CN" dirty="0" err="1" smtClean="0"/>
-                        <a:t>min_child</a:t>
-                      </a:r>
-                      <a:endParaRPr lang="en-US" altLang="zh-CN" dirty="0" smtClean="0"/>
-                    </a:p>
-                    <a:p>
                       <a:r>
                         <a:rPr lang="en-US" altLang="zh-CN" dirty="0" smtClean="0"/>
-                        <a:t>_weight</a:t>
-                      </a:r>
-                      <a:endParaRPr lang="zh-CN" altLang="en-US" dirty="0"/>
-                    </a:p>
-                  </a:txBody>
-                  <a:tcPr/>
-                </a:tc>
-                <a:tc>
-                  <a:txBody>
-                    <a:bodyPr/>
-                    <a:lstStyle/>
-                    <a:p>
-                      <a:r>
-                        <a:rPr lang="en-US" altLang="zh-CN" dirty="0" smtClean="0"/>
-                        <a:t>Combination</a:t>
-                      </a:r>
-                      <a:endParaRPr lang="zh-CN" altLang="en-US" dirty="0"/>
-                    </a:p>
-                  </a:txBody>
-                  <a:tcPr/>
-                </a:tc>
-                <a:tc>
-                  <a:txBody>
-                    <a:bodyPr/>
-                    <a:lstStyle/>
-                    <a:p>
-                      <a:r>
-                        <a:rPr lang="en-US" altLang="zh-CN" dirty="0" smtClean="0"/>
-                        <a:t>Training</a:t>
+                        <a:t>Running</a:t>
                       </a:r>
                       <a:r>
                         <a:rPr lang="zh-CN" altLang="en-US" baseline="0" dirty="0" smtClean="0"/>
                         <a:t> </a:t>
                       </a:r>
                       <a:r>
-                        <a:rPr lang="en-US" altLang="zh-CN" baseline="0" dirty="0" smtClean="0"/>
-                        <a:t>time</a:t>
+                        <a:rPr lang="en-US" altLang="zh-CN" dirty="0" smtClean="0"/>
+                        <a:t>Time</a:t>
                       </a:r>
                       <a:endParaRPr lang="zh-CN" altLang="en-US" dirty="0"/>
                     </a:p>
@@ -6574,32 +6343,17 @@
                   <a:tcPr/>
                 </a:tc>
               </a:tr>
-              <a:tr h="370840">
-                <a:tc>
-                  <a:txBody>
-                    <a:bodyPr/>
-                    <a:lstStyle/>
-                    <a:p>
-                      <a:pPr marL="0" algn="l" defTabSz="914400" rtl="0" eaLnBrk="1" latinLnBrk="0" hangingPunct="1"/>
-                      <a:r>
-                        <a:rPr lang="en-US" altLang="zh-CN" sz="1800" kern="1200" dirty="0" smtClean="0">
-                          <a:solidFill>
-                            <a:schemeClr val="dk1"/>
-                          </a:solidFill>
-                          <a:latin typeface="+mn-lt"/>
-                          <a:ea typeface="+mn-ea"/>
-                          <a:cs typeface="+mn-cs"/>
-                        </a:rPr>
-                        <a:t>0.01</a:t>
-                      </a:r>
-                      <a:endParaRPr lang="zh-CN" altLang="en-US" sz="1800" kern="1200" dirty="0">
-                        <a:solidFill>
-                          <a:schemeClr val="dk1"/>
-                        </a:solidFill>
-                        <a:latin typeface="+mn-lt"/>
-                        <a:ea typeface="+mn-ea"/>
-                        <a:cs typeface="+mn-cs"/>
-                      </a:endParaRPr>
+              <a:tr h="368046">
+                <a:tc>
+                  <a:txBody>
+                    <a:bodyPr/>
+                    <a:lstStyle/>
+                    <a:p>
+                      <a:r>
+                        <a:rPr lang="en-US" altLang="zh-CN" dirty="0" smtClean="0"/>
+                        <a:t>20s</a:t>
+                      </a:r>
+                      <a:endParaRPr lang="zh-CN" altLang="en-US" dirty="0"/>
                     </a:p>
                   </a:txBody>
                   <a:tcPr/>
@@ -6609,117 +6363,28 @@
                     <a:bodyPr/>
                     <a:lstStyle/>
                     <a:p>
+                      <a:pPr marL="0" marR="0" indent="0" algn="l" defTabSz="914400" rtl="0" eaLnBrk="1" fontAlgn="auto" latinLnBrk="0" hangingPunct="1">
+                        <a:lnSpc>
+                          <a:spcPct val="100000"/>
+                        </a:lnSpc>
+                        <a:spcBef>
+                          <a:spcPts val="0"/>
+                        </a:spcBef>
+                        <a:spcAft>
+                          <a:spcPts val="0"/>
+                        </a:spcAft>
+                        <a:buClrTx/>
+                        <a:buSzTx/>
+                        <a:buFontTx/>
+                        <a:buNone/>
+                        <a:tabLst/>
+                        <a:defRPr/>
+                      </a:pPr>
                       <a:r>
                         <a:rPr lang="en-US" altLang="zh-CN" dirty="0" smtClean="0"/>
-                        <a:t>8</a:t>
-                      </a:r>
-                      <a:endParaRPr lang="zh-CN" altLang="en-US" dirty="0"/>
-                    </a:p>
-                  </a:txBody>
-                  <a:tcPr/>
-                </a:tc>
-                <a:tc>
-                  <a:txBody>
-                    <a:bodyPr/>
-                    <a:lstStyle/>
-                    <a:p>
-                      <a:r>
-                        <a:rPr lang="en-US" altLang="zh-CN" dirty="0" smtClean="0"/>
-                        <a:t>1</a:t>
-                      </a:r>
-                      <a:endParaRPr lang="zh-CN" altLang="en-US" dirty="0"/>
-                    </a:p>
-                  </a:txBody>
-                  <a:tcPr/>
-                </a:tc>
-                <a:tc>
-                  <a:txBody>
-                    <a:bodyPr/>
-                    <a:lstStyle/>
-                    <a:p>
-                      <a:r>
-                        <a:rPr lang="en-US" altLang="zh-CN" dirty="0" smtClean="0"/>
-                        <a:t>0.8</a:t>
-                      </a:r>
-                      <a:endParaRPr lang="zh-CN" altLang="en-US" dirty="0"/>
-                    </a:p>
-                  </a:txBody>
-                  <a:tcPr/>
-                </a:tc>
-                <a:tc>
-                  <a:txBody>
-                    <a:bodyPr/>
-                    <a:lstStyle/>
-                    <a:p>
-                      <a:r>
-                        <a:rPr lang="en-US" altLang="zh-CN" dirty="0" smtClean="0"/>
-                        <a:t>1</a:t>
-                      </a:r>
-                      <a:endParaRPr lang="zh-CN" altLang="en-US" dirty="0"/>
-                    </a:p>
-                  </a:txBody>
-                  <a:tcPr/>
-                </a:tc>
-                <a:tc>
-                  <a:txBody>
-                    <a:bodyPr/>
-                    <a:lstStyle/>
-                    <a:p>
-                      <a:r>
-                        <a:rPr lang="en-US" altLang="zh-CN" dirty="0" smtClean="0"/>
-                        <a:t>6</a:t>
-                      </a:r>
-                      <a:endParaRPr lang="zh-CN" altLang="en-US" dirty="0"/>
-                    </a:p>
-                  </a:txBody>
-                  <a:tcPr/>
-                </a:tc>
-                <a:tc>
-                  <a:txBody>
-                    <a:bodyPr/>
-                    <a:lstStyle/>
-                    <a:p>
-                      <a:r>
-                        <a:rPr lang="en-US" altLang="zh-CN" dirty="0" smtClean="0"/>
-                        <a:t>480</a:t>
-                      </a:r>
-                      <a:endParaRPr lang="zh-CN" altLang="en-US" dirty="0"/>
-                    </a:p>
-                  </a:txBody>
-                  <a:tcPr/>
-                </a:tc>
-                <a:tc>
-                  <a:txBody>
-                    <a:bodyPr/>
-                    <a:lstStyle/>
-                    <a:p>
-                      <a:r>
-                        <a:rPr lang="en-US" altLang="zh-CN" dirty="0" smtClean="0"/>
-                        <a:t>6</a:t>
-                      </a:r>
-                      <a:r>
-                        <a:rPr lang="zh-CN" altLang="en-US" dirty="0" smtClean="0"/>
-                        <a:t> </a:t>
-                      </a:r>
-                      <a:r>
-                        <a:rPr lang="en-US" altLang="zh-CN" dirty="0" smtClean="0"/>
-                        <a:t>hours</a:t>
-                      </a:r>
-                      <a:endParaRPr lang="zh-CN" altLang="en-US" dirty="0"/>
-                    </a:p>
-                  </a:txBody>
-                  <a:tcPr/>
-                </a:tc>
-                <a:tc>
-                  <a:txBody>
-                    <a:bodyPr/>
-                    <a:lstStyle/>
-                    <a:p>
-                      <a:r>
-                        <a:rPr lang="en-US" altLang="zh-CN" dirty="0" smtClean="0"/>
-                        <a:t>71.3%</a:t>
-                      </a:r>
-                      <a:endParaRPr lang="zh-CN" altLang="en-US" dirty="0"/>
+                        <a:t>65%</a:t>
+                      </a:r>
+                      <a:endParaRPr lang="zh-CN" altLang="en-US" dirty="0" smtClean="0"/>
                     </a:p>
                   </a:txBody>
                   <a:tcPr/>
@@ -6732,7 +6397,7 @@
     </p:spTree>
     <p:extLst>
       <p:ext uri="{BB962C8B-B14F-4D97-AF65-F5344CB8AC3E}">
-        <p14:creationId xmlns:p14="http://schemas.microsoft.com/office/powerpoint/2010/main" val="1260078676"/>
+        <p14:creationId xmlns:p14="http://schemas.microsoft.com/office/powerpoint/2010/main" val="12729371"/>
       </p:ext>
     </p:extLst>
   </p:cSld>
@@ -6783,7 +6448,7 @@
           <a:p>
             <a:r>
               <a:rPr kumimoji="1" lang="en-US" altLang="zh-CN" dirty="0" smtClean="0"/>
-              <a:t>Base</a:t>
+              <a:t>SIFT</a:t>
             </a:r>
             <a:r>
               <a:rPr kumimoji="1" lang="zh-CN" altLang="en-US" dirty="0" smtClean="0"/>
@@ -6791,30 +6456,555 @@
             </a:r>
             <a:r>
               <a:rPr kumimoji="1" lang="en-US" altLang="zh-CN" dirty="0" smtClean="0"/>
-              <a:t>Model</a:t>
-            </a:r>
+              <a:t>+</a:t>
+            </a:r>
+            <a:r>
+              <a:rPr kumimoji="1" lang="zh-CN" altLang="en-US" dirty="0" smtClean="0"/>
+              <a:t> </a:t>
+            </a:r>
+            <a:r>
+              <a:rPr kumimoji="1" lang="en-US" altLang="zh-CN" dirty="0" smtClean="0"/>
+              <a:t>PCA</a:t>
+            </a:r>
+            <a:r>
+              <a:rPr kumimoji="1" lang="zh-CN" altLang="en-US" dirty="0" smtClean="0"/>
+              <a:t> </a:t>
+            </a:r>
+            <a:r>
+              <a:rPr kumimoji="1" lang="en-US" altLang="zh-CN" dirty="0" smtClean="0"/>
+              <a:t>+</a:t>
+            </a:r>
+            <a:r>
+              <a:rPr kumimoji="1" lang="zh-CN" altLang="en-US" dirty="0" smtClean="0"/>
+              <a:t> </a:t>
+            </a:r>
+            <a:r>
+              <a:rPr kumimoji="1" lang="en-US" altLang="zh-CN" dirty="0" err="1" smtClean="0"/>
+              <a:t>Xgboost</a:t>
+            </a:r>
+            <a:endParaRPr kumimoji="1" lang="zh-CN" altLang="en-US" dirty="0"/>
+          </a:p>
+        </p:txBody>
+      </p:sp>
+      <p:sp>
+        <p:nvSpPr>
+          <p:cNvPr id="3" name="内容占位符 2"/>
+          <p:cNvSpPr>
+            <a:spLocks noGrp="1"/>
+          </p:cNvSpPr>
+          <p:nvPr>
+            <p:ph idx="1"/>
+          </p:nvPr>
+        </p:nvSpPr>
+        <p:spPr>
+          <a:xfrm>
+            <a:off x="1069848" y="1710267"/>
+            <a:ext cx="10058400" cy="4461933"/>
+          </a:xfrm>
+        </p:spPr>
+        <p:txBody>
+          <a:bodyPr/>
+          <a:lstStyle/>
+          <a:p>
+            <a:r>
+              <a:rPr lang="en-US" altLang="zh-CN" b="1" dirty="0" err="1"/>
+              <a:t>Xgboost</a:t>
+            </a:r>
+            <a:r>
+              <a:rPr lang="en-US" altLang="zh-CN" dirty="0"/>
+              <a:t> is short for </a:t>
+            </a:r>
+            <a:r>
+              <a:rPr lang="en-US" altLang="zh-CN" dirty="0" err="1"/>
+              <a:t>e</a:t>
+            </a:r>
+            <a:r>
+              <a:rPr lang="en-US" altLang="zh-CN" b="1" dirty="0" err="1"/>
+              <a:t>X</a:t>
+            </a:r>
+            <a:r>
+              <a:rPr lang="en-US" altLang="zh-CN" dirty="0" err="1"/>
+              <a:t>treme</a:t>
+            </a:r>
+            <a:r>
+              <a:rPr lang="en-US" altLang="zh-CN" dirty="0"/>
+              <a:t> </a:t>
+            </a:r>
+            <a:r>
+              <a:rPr lang="en-US" altLang="zh-CN" b="1" dirty="0"/>
+              <a:t>G</a:t>
+            </a:r>
+            <a:r>
+              <a:rPr lang="en-US" altLang="zh-CN" dirty="0"/>
+              <a:t>radient </a:t>
+            </a:r>
+            <a:r>
+              <a:rPr lang="en-US" altLang="zh-CN" b="1" dirty="0"/>
+              <a:t>Boost</a:t>
+            </a:r>
+            <a:r>
+              <a:rPr lang="en-US" altLang="zh-CN" dirty="0"/>
+              <a:t>ing </a:t>
+            </a:r>
+            <a:r>
+              <a:rPr lang="en-US" altLang="zh-CN" dirty="0" smtClean="0"/>
+              <a:t>package</a:t>
+            </a:r>
+            <a:endParaRPr lang="en-US" altLang="zh-CN" dirty="0"/>
+          </a:p>
+          <a:p>
+            <a:r>
+              <a:rPr lang="en-US" altLang="zh-CN" dirty="0"/>
+              <a:t>It is generally over 10 times faster than the classical </a:t>
+            </a:r>
+            <a:r>
+              <a:rPr lang="en-US" altLang="zh-CN" dirty="0" err="1" smtClean="0"/>
+              <a:t>gbm</a:t>
+            </a:r>
+            <a:endParaRPr lang="en-US" altLang="zh-CN" dirty="0" smtClean="0"/>
+          </a:p>
+          <a:p>
+            <a:r>
+              <a:rPr kumimoji="1" lang="en-US" altLang="zh-CN" dirty="0"/>
+              <a:t>Tuning</a:t>
+            </a:r>
+            <a:r>
+              <a:rPr kumimoji="1" lang="zh-CN" altLang="en-US" dirty="0"/>
+              <a:t> </a:t>
+            </a:r>
+            <a:r>
+              <a:rPr kumimoji="1" lang="en-US" altLang="zh-CN" dirty="0"/>
+              <a:t>Parameters</a:t>
+            </a:r>
+            <a:r>
+              <a:rPr kumimoji="1" lang="zh-CN" altLang="en-US" dirty="0"/>
+              <a:t> </a:t>
+            </a:r>
+            <a:r>
+              <a:rPr kumimoji="1" lang="en-US" altLang="zh-CN" dirty="0"/>
+              <a:t>&amp;</a:t>
+            </a:r>
+            <a:r>
+              <a:rPr kumimoji="1" lang="zh-CN" altLang="en-US" dirty="0"/>
+              <a:t> </a:t>
+            </a:r>
+            <a:r>
+              <a:rPr kumimoji="1" lang="en-US" altLang="zh-CN" dirty="0"/>
+              <a:t>5</a:t>
+            </a:r>
+            <a:r>
+              <a:rPr kumimoji="1" lang="zh-CN" altLang="en-US" dirty="0"/>
+              <a:t> </a:t>
+            </a:r>
+            <a:r>
+              <a:rPr kumimoji="1" lang="en-US" altLang="zh-CN" dirty="0"/>
+              <a:t>folds</a:t>
+            </a:r>
+            <a:r>
+              <a:rPr kumimoji="1" lang="zh-CN" altLang="en-US" dirty="0"/>
+              <a:t> </a:t>
+            </a:r>
+            <a:r>
+              <a:rPr kumimoji="1" lang="en-US" altLang="zh-CN" dirty="0"/>
+              <a:t>Cross</a:t>
+            </a:r>
+            <a:r>
+              <a:rPr kumimoji="1" lang="zh-CN" altLang="en-US" dirty="0"/>
+              <a:t> </a:t>
+            </a:r>
+            <a:r>
+              <a:rPr kumimoji="1" lang="en-US" altLang="zh-CN" dirty="0" smtClean="0"/>
+              <a:t>Validation</a:t>
+            </a:r>
+          </a:p>
+          <a:p>
+            <a:pPr lvl="1"/>
+            <a:r>
+              <a:rPr lang="en-US" altLang="zh-CN" i="1" dirty="0" smtClean="0">
+                <a:solidFill>
+                  <a:schemeClr val="accent1">
+                    <a:lumMod val="75000"/>
+                  </a:schemeClr>
+                </a:solidFill>
+              </a:rPr>
+              <a:t>eta</a:t>
+            </a:r>
+            <a:r>
+              <a:rPr lang="en-US" altLang="zh-CN" dirty="0" smtClean="0"/>
+              <a:t>:</a:t>
+            </a:r>
+            <a:r>
+              <a:rPr lang="zh-CN" altLang="en-US" dirty="0" smtClean="0"/>
+              <a:t> </a:t>
+            </a:r>
+            <a:r>
+              <a:rPr lang="en-US" altLang="zh-CN" dirty="0" smtClean="0"/>
+              <a:t>learning</a:t>
+            </a:r>
+            <a:r>
+              <a:rPr lang="zh-CN" altLang="en-US" dirty="0" smtClean="0"/>
+              <a:t> </a:t>
+            </a:r>
+            <a:r>
+              <a:rPr lang="en-US" altLang="zh-CN" dirty="0" smtClean="0"/>
+              <a:t>rate</a:t>
+            </a:r>
+          </a:p>
+          <a:p>
+            <a:pPr lvl="1"/>
+            <a:r>
+              <a:rPr lang="en-US" altLang="zh-CN" i="1" dirty="0" err="1" smtClean="0">
+                <a:solidFill>
+                  <a:schemeClr val="accent1">
+                    <a:lumMod val="75000"/>
+                  </a:schemeClr>
+                </a:solidFill>
+              </a:rPr>
+              <a:t>max_depth</a:t>
+            </a:r>
+            <a:r>
+              <a:rPr lang="en-US" altLang="zh-CN" dirty="0" smtClean="0"/>
+              <a:t>:</a:t>
+            </a:r>
+            <a:r>
+              <a:rPr lang="zh-CN" altLang="en-US" dirty="0" smtClean="0"/>
+              <a:t> </a:t>
+            </a:r>
+            <a:r>
+              <a:rPr lang="en-US" altLang="zh-CN" dirty="0" smtClean="0"/>
+              <a:t>maximum</a:t>
+            </a:r>
+            <a:r>
+              <a:rPr lang="zh-CN" altLang="en-US" dirty="0" smtClean="0"/>
+              <a:t> </a:t>
+            </a:r>
+            <a:r>
+              <a:rPr lang="en-US" altLang="zh-CN" dirty="0" smtClean="0"/>
+              <a:t>depth</a:t>
+            </a:r>
+            <a:r>
+              <a:rPr lang="zh-CN" altLang="en-US" dirty="0" smtClean="0"/>
+              <a:t> </a:t>
+            </a:r>
+            <a:r>
+              <a:rPr lang="en-US" altLang="zh-CN" dirty="0" smtClean="0"/>
+              <a:t>of</a:t>
+            </a:r>
+            <a:r>
+              <a:rPr lang="zh-CN" altLang="en-US" dirty="0" smtClean="0"/>
+              <a:t> </a:t>
+            </a:r>
+            <a:r>
+              <a:rPr lang="en-US" altLang="zh-CN" dirty="0" smtClean="0"/>
+              <a:t>a</a:t>
+            </a:r>
+            <a:r>
+              <a:rPr lang="zh-CN" altLang="en-US" dirty="0" smtClean="0"/>
+              <a:t> </a:t>
+            </a:r>
+            <a:r>
+              <a:rPr lang="en-US" altLang="zh-CN" dirty="0" smtClean="0"/>
+              <a:t>tree</a:t>
+            </a:r>
+          </a:p>
+          <a:p>
+            <a:pPr lvl="1"/>
+            <a:r>
+              <a:rPr lang="en-US" altLang="zh-CN" i="1" dirty="0" err="1" smtClean="0">
+                <a:solidFill>
+                  <a:schemeClr val="accent1">
+                    <a:lumMod val="75000"/>
+                  </a:schemeClr>
+                </a:solidFill>
+              </a:rPr>
+              <a:t>max_delta_step</a:t>
+            </a:r>
+            <a:r>
+              <a:rPr lang="en-US" altLang="zh-CN" dirty="0" smtClean="0"/>
+              <a:t>:</a:t>
+            </a:r>
+            <a:r>
+              <a:rPr lang="zh-CN" altLang="en-US" dirty="0" smtClean="0"/>
+              <a:t> </a:t>
+            </a:r>
+            <a:r>
+              <a:rPr lang="en-US" altLang="zh-CN" dirty="0" smtClean="0"/>
+              <a:t>maximum</a:t>
+            </a:r>
+            <a:r>
+              <a:rPr lang="zh-CN" altLang="en-US" dirty="0" smtClean="0"/>
+              <a:t> </a:t>
+            </a:r>
+            <a:r>
+              <a:rPr lang="en-US" altLang="zh-CN" dirty="0" smtClean="0"/>
+              <a:t>delta</a:t>
+            </a:r>
+            <a:r>
+              <a:rPr lang="zh-CN" altLang="en-US" dirty="0" smtClean="0"/>
+              <a:t> </a:t>
+            </a:r>
+            <a:r>
+              <a:rPr lang="en-US" altLang="zh-CN" dirty="0" smtClean="0"/>
+              <a:t>value</a:t>
+            </a:r>
+            <a:r>
+              <a:rPr lang="zh-CN" altLang="en-US" dirty="0" smtClean="0"/>
+              <a:t> </a:t>
+            </a:r>
+            <a:r>
+              <a:rPr lang="en-US" altLang="zh-CN" dirty="0" smtClean="0"/>
+              <a:t>allowed</a:t>
+            </a:r>
+            <a:r>
+              <a:rPr lang="zh-CN" altLang="en-US" dirty="0" smtClean="0"/>
+              <a:t> </a:t>
+            </a:r>
+            <a:r>
+              <a:rPr lang="en-US" altLang="zh-CN" dirty="0" smtClean="0"/>
+              <a:t>for</a:t>
+            </a:r>
+            <a:r>
+              <a:rPr lang="zh-CN" altLang="en-US" dirty="0" smtClean="0"/>
+              <a:t> </a:t>
+            </a:r>
+            <a:r>
+              <a:rPr lang="en-US" altLang="zh-CN" dirty="0" smtClean="0"/>
+              <a:t>each</a:t>
+            </a:r>
+            <a:r>
+              <a:rPr lang="zh-CN" altLang="en-US" dirty="0" smtClean="0"/>
+              <a:t> </a:t>
+            </a:r>
+            <a:r>
+              <a:rPr lang="en-US" altLang="zh-CN" dirty="0" smtClean="0"/>
+              <a:t>tree’s</a:t>
+            </a:r>
+            <a:r>
+              <a:rPr lang="zh-CN" altLang="en-US" dirty="0" smtClean="0"/>
+              <a:t> </a:t>
+            </a:r>
+            <a:r>
+              <a:rPr lang="en-US" altLang="zh-CN" dirty="0" smtClean="0"/>
+              <a:t>estimation</a:t>
+            </a:r>
+          </a:p>
+          <a:p>
+            <a:pPr lvl="1"/>
+            <a:r>
+              <a:rPr lang="en-US" altLang="zh-CN" i="1" dirty="0" smtClean="0">
+                <a:solidFill>
+                  <a:schemeClr val="accent1">
+                    <a:lumMod val="75000"/>
+                  </a:schemeClr>
+                </a:solidFill>
+              </a:rPr>
+              <a:t>subsample</a:t>
+            </a:r>
+            <a:r>
+              <a:rPr lang="en-US" altLang="zh-CN" dirty="0" smtClean="0"/>
+              <a:t>:</a:t>
+            </a:r>
+            <a:r>
+              <a:rPr lang="zh-CN" altLang="en-US" dirty="0" smtClean="0"/>
+              <a:t> </a:t>
+            </a:r>
+            <a:r>
+              <a:rPr lang="en-US" altLang="zh-CN" dirty="0" smtClean="0"/>
+              <a:t>subsample</a:t>
+            </a:r>
+            <a:r>
+              <a:rPr lang="zh-CN" altLang="en-US" dirty="0" smtClean="0"/>
+              <a:t> </a:t>
+            </a:r>
+            <a:r>
+              <a:rPr lang="en-US" altLang="zh-CN" dirty="0" smtClean="0"/>
+              <a:t>of</a:t>
+            </a:r>
+            <a:r>
+              <a:rPr lang="zh-CN" altLang="en-US" dirty="0" smtClean="0"/>
+              <a:t> </a:t>
+            </a:r>
+            <a:r>
+              <a:rPr lang="en-US" altLang="zh-CN" dirty="0" smtClean="0"/>
+              <a:t>the</a:t>
+            </a:r>
+            <a:r>
+              <a:rPr lang="zh-CN" altLang="en-US" dirty="0" smtClean="0"/>
+              <a:t> </a:t>
+            </a:r>
+            <a:r>
+              <a:rPr lang="en-US" altLang="zh-CN" dirty="0" smtClean="0"/>
+              <a:t>training</a:t>
+            </a:r>
+            <a:r>
+              <a:rPr lang="zh-CN" altLang="en-US" dirty="0" smtClean="0"/>
+              <a:t> </a:t>
+            </a:r>
+            <a:r>
+              <a:rPr lang="en-US" altLang="zh-CN" dirty="0" smtClean="0"/>
+              <a:t>dataset</a:t>
+            </a:r>
+          </a:p>
+          <a:p>
+            <a:pPr lvl="1"/>
+            <a:r>
+              <a:rPr lang="en-US" altLang="zh-CN" i="1" dirty="0" err="1" smtClean="0">
+                <a:solidFill>
+                  <a:schemeClr val="accent1">
+                    <a:lumMod val="75000"/>
+                  </a:schemeClr>
+                </a:solidFill>
+              </a:rPr>
+              <a:t>sclae_pos_weight</a:t>
+            </a:r>
+            <a:r>
+              <a:rPr lang="en-US" altLang="zh-CN" dirty="0" smtClean="0"/>
+              <a:t>:</a:t>
+            </a:r>
+            <a:r>
+              <a:rPr lang="zh-CN" altLang="en-US" dirty="0" smtClean="0"/>
+              <a:t> </a:t>
+            </a:r>
+            <a:r>
+              <a:rPr lang="en-US" altLang="zh-CN" dirty="0" smtClean="0"/>
+              <a:t>control</a:t>
+            </a:r>
+            <a:r>
+              <a:rPr lang="zh-CN" altLang="en-US" dirty="0" smtClean="0"/>
+              <a:t> </a:t>
+            </a:r>
+            <a:r>
+              <a:rPr lang="en-US" altLang="zh-CN" dirty="0" smtClean="0"/>
+              <a:t>for</a:t>
+            </a:r>
+            <a:r>
+              <a:rPr lang="zh-CN" altLang="en-US" dirty="0" smtClean="0"/>
+              <a:t> </a:t>
+            </a:r>
+            <a:r>
+              <a:rPr lang="en-US" altLang="zh-CN" dirty="0" smtClean="0"/>
+              <a:t>positive</a:t>
+            </a:r>
+            <a:r>
+              <a:rPr lang="zh-CN" altLang="en-US" dirty="0" smtClean="0"/>
+              <a:t> </a:t>
+            </a:r>
+            <a:r>
+              <a:rPr lang="en-US" altLang="zh-CN" dirty="0" smtClean="0"/>
+              <a:t>and</a:t>
+            </a:r>
+            <a:r>
+              <a:rPr lang="zh-CN" altLang="en-US" dirty="0" smtClean="0"/>
+              <a:t> </a:t>
+            </a:r>
+            <a:r>
+              <a:rPr lang="en-US" altLang="zh-CN" dirty="0" smtClean="0"/>
+              <a:t>negative</a:t>
+            </a:r>
+            <a:r>
+              <a:rPr lang="zh-CN" altLang="en-US" dirty="0" smtClean="0"/>
+              <a:t> </a:t>
+            </a:r>
+            <a:r>
+              <a:rPr lang="en-US" altLang="zh-CN" dirty="0" smtClean="0"/>
+              <a:t>weights</a:t>
+            </a:r>
+          </a:p>
+          <a:p>
+            <a:pPr lvl="1"/>
+            <a:r>
+              <a:rPr lang="en-US" altLang="zh-CN" i="1" dirty="0" err="1" smtClean="0">
+                <a:solidFill>
+                  <a:schemeClr val="accent1">
+                    <a:lumMod val="75000"/>
+                  </a:schemeClr>
+                </a:solidFill>
+              </a:rPr>
+              <a:t>min_child_weight</a:t>
+            </a:r>
+            <a:r>
+              <a:rPr lang="en-US" altLang="zh-CN" dirty="0" smtClean="0"/>
+              <a:t>:</a:t>
+            </a:r>
+            <a:r>
+              <a:rPr lang="zh-CN" altLang="en-US" dirty="0" smtClean="0"/>
+              <a:t> </a:t>
+            </a:r>
+            <a:r>
+              <a:rPr lang="en-US" altLang="zh-CN" dirty="0" smtClean="0"/>
+              <a:t>minimum</a:t>
+            </a:r>
+            <a:r>
+              <a:rPr lang="zh-CN" altLang="en-US" dirty="0" smtClean="0"/>
+              <a:t> </a:t>
+            </a:r>
+            <a:r>
+              <a:rPr lang="en-US" altLang="zh-CN" dirty="0" smtClean="0"/>
+              <a:t>number</a:t>
+            </a:r>
+            <a:r>
+              <a:rPr lang="zh-CN" altLang="en-US" dirty="0" smtClean="0"/>
+              <a:t> </a:t>
+            </a:r>
+            <a:r>
+              <a:rPr lang="en-US" altLang="zh-CN" dirty="0" smtClean="0"/>
+              <a:t>of</a:t>
+            </a:r>
+            <a:r>
+              <a:rPr lang="zh-CN" altLang="en-US" dirty="0" smtClean="0"/>
+              <a:t> </a:t>
+            </a:r>
+            <a:r>
+              <a:rPr lang="en-US" altLang="zh-CN" dirty="0" smtClean="0"/>
+              <a:t>cases</a:t>
+            </a:r>
+            <a:r>
+              <a:rPr lang="zh-CN" altLang="en-US" dirty="0" smtClean="0"/>
+              <a:t> </a:t>
+            </a:r>
+            <a:r>
+              <a:rPr lang="en-US" altLang="zh-CN" dirty="0" smtClean="0"/>
+              <a:t>in</a:t>
+            </a:r>
+            <a:r>
+              <a:rPr lang="zh-CN" altLang="en-US" dirty="0" smtClean="0"/>
+              <a:t> </a:t>
+            </a:r>
+            <a:r>
+              <a:rPr lang="en-US" altLang="zh-CN" dirty="0" smtClean="0"/>
+              <a:t>each</a:t>
+            </a:r>
+            <a:r>
+              <a:rPr lang="zh-CN" altLang="en-US" dirty="0" smtClean="0"/>
+              <a:t> </a:t>
+            </a:r>
+            <a:r>
+              <a:rPr lang="en-US" altLang="zh-CN" dirty="0" smtClean="0"/>
+              <a:t>node</a:t>
+            </a:r>
+          </a:p>
+          <a:p>
             <a:endParaRPr kumimoji="1" lang="zh-CN" altLang="en-US" dirty="0"/>
           </a:p>
         </p:txBody>
       </p:sp>
       <p:graphicFrame>
         <p:nvGraphicFramePr>
-          <p:cNvPr id="4" name="内容占位符 3"/>
+          <p:cNvPr id="4" name="表格 3"/>
           <p:cNvGraphicFramePr>
             <a:graphicFrameLocks noGrp="1"/>
           </p:cNvGraphicFramePr>
           <p:nvPr>
-            <p:ph idx="1"/>
             <p:extLst>
               <p:ext uri="{D42A27DB-BD31-4B8C-83A1-F6EECF244321}">
-                <p14:modId xmlns:p14="http://schemas.microsoft.com/office/powerpoint/2010/main" val="1672824113"/>
+                <p14:modId xmlns:p14="http://schemas.microsoft.com/office/powerpoint/2010/main" val="1736575545"/>
               </p:ext>
             </p:extLst>
           </p:nvPr>
         </p:nvGraphicFramePr>
         <p:xfrm>
-          <a:off x="1069975" y="2120900"/>
-          <a:ext cx="9880795" cy="2225040"/>
+          <a:off x="584535" y="5011526"/>
+          <a:ext cx="11029025" cy="1010920"/>
         </p:xfrm>
         <a:graphic>
           <a:graphicData uri="http://schemas.openxmlformats.org/drawingml/2006/table">
@@ -6823,10 +7013,15 @@
                 <a:tableStyleId>{93296810-A885-4BE3-A3E7-6D5BEEA58F35}</a:tableStyleId>
               </a:tblPr>
               <a:tblGrid>
-                <a:gridCol w="2716213"/>
-                <a:gridCol w="2957512"/>
-                <a:gridCol w="2719745"/>
-                <a:gridCol w="1487325"/>
+                <a:gridCol w="813454"/>
+                <a:gridCol w="1014412"/>
+                <a:gridCol w="1385888"/>
+                <a:gridCol w="1428752"/>
+                <a:gridCol w="1271585"/>
+                <a:gridCol w="1243013"/>
+                <a:gridCol w="1600206"/>
+                <a:gridCol w="1046269"/>
+                <a:gridCol w="1225446"/>
               </a:tblGrid>
               <a:tr h="370840">
                 <a:tc>
@@ -6834,14 +7029,158 @@
                     <a:bodyPr/>
                     <a:lstStyle/>
                     <a:p>
+                      <a:pPr marL="0" algn="l" defTabSz="914400" rtl="0" eaLnBrk="1" latinLnBrk="0" hangingPunct="1"/>
+                      <a:r>
+                        <a:rPr lang="en-US" altLang="zh-CN" sz="1800" b="1" i="1" kern="1200" dirty="0" smtClean="0">
+                          <a:solidFill>
+                            <a:schemeClr val="lt1"/>
+                          </a:solidFill>
+                          <a:latin typeface="+mn-lt"/>
+                          <a:ea typeface="+mn-ea"/>
+                          <a:cs typeface="+mn-cs"/>
+                        </a:rPr>
+                        <a:t>eta</a:t>
+                      </a:r>
+                      <a:endParaRPr lang="zh-CN" altLang="en-US" sz="1800" b="1" i="1" kern="1200" dirty="0">
+                        <a:solidFill>
+                          <a:schemeClr val="lt1"/>
+                        </a:solidFill>
+                        <a:latin typeface="+mn-lt"/>
+                        <a:ea typeface="+mn-ea"/>
+                        <a:cs typeface="+mn-cs"/>
+                      </a:endParaRPr>
+                    </a:p>
+                  </a:txBody>
+                  <a:tcPr/>
+                </a:tc>
+                <a:tc>
+                  <a:txBody>
+                    <a:bodyPr/>
+                    <a:lstStyle/>
+                    <a:p>
+                      <a:r>
+                        <a:rPr lang="en-US" altLang="zh-CN" i="1" dirty="0" smtClean="0"/>
+                        <a:t>max_</a:t>
+                      </a:r>
+                    </a:p>
+                    <a:p>
+                      <a:r>
+                        <a:rPr lang="en-US" altLang="zh-CN" i="1" dirty="0" smtClean="0"/>
+                        <a:t>depth</a:t>
+                      </a:r>
+                      <a:endParaRPr lang="zh-CN" altLang="en-US" dirty="0"/>
+                    </a:p>
+                  </a:txBody>
+                  <a:tcPr/>
+                </a:tc>
+                <a:tc>
+                  <a:txBody>
+                    <a:bodyPr/>
+                    <a:lstStyle/>
+                    <a:p>
+                      <a:r>
+                        <a:rPr lang="en-US" altLang="zh-CN" i="1" dirty="0" err="1" smtClean="0"/>
+                        <a:t>max_delta</a:t>
+                      </a:r>
+                      <a:endParaRPr lang="en-US" altLang="zh-CN" i="1" dirty="0" smtClean="0"/>
+                    </a:p>
+                    <a:p>
+                      <a:r>
+                        <a:rPr lang="en-US" altLang="zh-CN" i="1" dirty="0" smtClean="0"/>
+                        <a:t>_step</a:t>
+                      </a:r>
+                      <a:endParaRPr lang="zh-CN" altLang="en-US" dirty="0"/>
+                    </a:p>
+                  </a:txBody>
+                  <a:tcPr/>
+                </a:tc>
+                <a:tc>
+                  <a:txBody>
+                    <a:bodyPr/>
+                    <a:lstStyle/>
+                    <a:p>
+                      <a:r>
+                        <a:rPr lang="en-US" altLang="zh-CN" i="1" dirty="0" smtClean="0"/>
+                        <a:t>subsample</a:t>
+                      </a:r>
+                      <a:endParaRPr lang="zh-CN" altLang="en-US" dirty="0"/>
+                    </a:p>
+                  </a:txBody>
+                  <a:tcPr/>
+                </a:tc>
+                <a:tc>
+                  <a:txBody>
+                    <a:bodyPr/>
+                    <a:lstStyle/>
+                    <a:p>
+                      <a:r>
+                        <a:rPr lang="en-US" altLang="zh-CN" i="1" dirty="0" err="1" smtClean="0"/>
+                        <a:t>sclae_pos</a:t>
+                      </a:r>
+                      <a:endParaRPr lang="en-US" altLang="zh-CN" i="1" dirty="0" smtClean="0"/>
+                    </a:p>
+                    <a:p>
+                      <a:r>
+                        <a:rPr lang="en-US" altLang="zh-CN" i="1" dirty="0" smtClean="0"/>
+                        <a:t>_weight</a:t>
+                      </a:r>
+                      <a:endParaRPr lang="zh-CN" altLang="en-US" dirty="0"/>
+                    </a:p>
+                  </a:txBody>
+                  <a:tcPr/>
+                </a:tc>
+                <a:tc>
+                  <a:txBody>
+                    <a:bodyPr/>
+                    <a:lstStyle/>
+                    <a:p>
+                      <a:r>
+                        <a:rPr lang="en-US" altLang="zh-CN" dirty="0" err="1" smtClean="0"/>
+                        <a:t>min_child</a:t>
+                      </a:r>
+                      <a:endParaRPr lang="en-US" altLang="zh-CN" dirty="0" smtClean="0"/>
+                    </a:p>
+                    <a:p>
                       <a:r>
                         <a:rPr lang="en-US" altLang="zh-CN" dirty="0" smtClean="0"/>
-                        <a:t>Model</a:t>
+                        <a:t>_weight</a:t>
+                      </a:r>
+                      <a:endParaRPr lang="zh-CN" altLang="en-US" dirty="0"/>
+                    </a:p>
+                  </a:txBody>
+                  <a:tcPr/>
+                </a:tc>
+                <a:tc>
+                  <a:txBody>
+                    <a:bodyPr/>
+                    <a:lstStyle/>
+                    <a:p>
+                      <a:r>
+                        <a:rPr lang="en-US" altLang="zh-CN" dirty="0" smtClean="0"/>
+                        <a:t>Combination</a:t>
+                      </a:r>
+                      <a:endParaRPr lang="zh-CN" altLang="en-US" dirty="0"/>
+                    </a:p>
+                  </a:txBody>
+                  <a:tcPr/>
+                </a:tc>
+                <a:tc>
+                  <a:txBody>
+                    <a:bodyPr/>
+                    <a:lstStyle/>
+                    <a:p>
+                      <a:r>
+                        <a:rPr lang="en-US" altLang="zh-CN" dirty="0" smtClean="0"/>
+                        <a:t>Training</a:t>
                       </a:r>
                       <a:r>
                         <a:rPr lang="zh-CN" altLang="en-US" baseline="0" dirty="0" smtClean="0"/>
                         <a:t> </a:t>
                       </a:r>
+                      <a:r>
+                        <a:rPr lang="en-US" altLang="zh-CN" baseline="0" dirty="0" smtClean="0"/>
+                        <a:t>time</a:t>
+                      </a:r>
                       <a:endParaRPr lang="zh-CN" altLang="en-US" dirty="0"/>
                     </a:p>
                   </a:txBody>
@@ -6854,7 +7193,136 @@
                     <a:p>
                       <a:r>
                         <a:rPr lang="en-US" altLang="zh-CN" dirty="0" smtClean="0"/>
-                        <a:t>Training</a:t>
+                        <a:t>Accuracy</a:t>
+                      </a:r>
+                      <a:endParaRPr lang="zh-CN" altLang="en-US" dirty="0"/>
+                    </a:p>
+                  </a:txBody>
+                  <a:tcPr/>
+                </a:tc>
+              </a:tr>
+              <a:tr h="370840">
+                <a:tc>
+                  <a:txBody>
+                    <a:bodyPr/>
+                    <a:lstStyle/>
+                    <a:p>
+                      <a:pPr marL="0" algn="l" defTabSz="914400" rtl="0" eaLnBrk="1" latinLnBrk="0" hangingPunct="1"/>
+                      <a:r>
+                        <a:rPr lang="en-US" altLang="zh-CN" sz="1800" kern="1200" dirty="0" smtClean="0">
+                          <a:solidFill>
+                            <a:schemeClr val="dk1"/>
+                          </a:solidFill>
+                          <a:latin typeface="+mn-lt"/>
+                          <a:ea typeface="+mn-ea"/>
+                          <a:cs typeface="+mn-cs"/>
+                        </a:rPr>
+                        <a:t>0.01</a:t>
+                      </a:r>
+                      <a:endParaRPr lang="zh-CN" altLang="en-US" sz="1800" kern="1200" dirty="0">
+                        <a:solidFill>
+                          <a:schemeClr val="dk1"/>
+                        </a:solidFill>
+                        <a:latin typeface="+mn-lt"/>
+                        <a:ea typeface="+mn-ea"/>
+                        <a:cs typeface="+mn-cs"/>
+                      </a:endParaRPr>
+                    </a:p>
+                  </a:txBody>
+                  <a:tcPr/>
+                </a:tc>
+                <a:tc>
+                  <a:txBody>
+                    <a:bodyPr/>
+                    <a:lstStyle/>
+                    <a:p>
+                      <a:r>
+                        <a:rPr lang="en-US" altLang="zh-CN" dirty="0" smtClean="0"/>
+                        <a:t>8</a:t>
+                      </a:r>
+                      <a:endParaRPr lang="zh-CN" altLang="en-US" dirty="0"/>
+                    </a:p>
+                  </a:txBody>
+                  <a:tcPr/>
+                </a:tc>
+                <a:tc>
+                  <a:txBody>
+                    <a:bodyPr/>
+                    <a:lstStyle/>
+                    <a:p>
+                      <a:r>
+                        <a:rPr lang="en-US" altLang="zh-CN" dirty="0" smtClean="0"/>
+                        <a:t>1</a:t>
+                      </a:r>
+                      <a:endParaRPr lang="zh-CN" altLang="en-US" dirty="0"/>
+                    </a:p>
+                  </a:txBody>
+                  <a:tcPr/>
+                </a:tc>
+                <a:tc>
+                  <a:txBody>
+                    <a:bodyPr/>
+                    <a:lstStyle/>
+                    <a:p>
+                      <a:r>
+                        <a:rPr lang="en-US" altLang="zh-CN" dirty="0" smtClean="0"/>
+                        <a:t>0.8</a:t>
+                      </a:r>
+                      <a:endParaRPr lang="zh-CN" altLang="en-US" dirty="0"/>
+                    </a:p>
+                  </a:txBody>
+                  <a:tcPr/>
+                </a:tc>
+                <a:tc>
+                  <a:txBody>
+                    <a:bodyPr/>
+                    <a:lstStyle/>
+                    <a:p>
+                      <a:r>
+                        <a:rPr lang="en-US" altLang="zh-CN" dirty="0" smtClean="0"/>
+                        <a:t>1</a:t>
+                      </a:r>
+                      <a:endParaRPr lang="zh-CN" altLang="en-US" dirty="0"/>
+                    </a:p>
+                  </a:txBody>
+                  <a:tcPr/>
+                </a:tc>
+                <a:tc>
+                  <a:txBody>
+                    <a:bodyPr/>
+                    <a:lstStyle/>
+                    <a:p>
+                      <a:r>
+                        <a:rPr lang="en-US" altLang="zh-CN" dirty="0" smtClean="0"/>
+                        <a:t>6</a:t>
+                      </a:r>
+                      <a:endParaRPr lang="zh-CN" altLang="en-US" dirty="0"/>
+                    </a:p>
+                  </a:txBody>
+                  <a:tcPr/>
+                </a:tc>
+                <a:tc>
+                  <a:txBody>
+                    <a:bodyPr/>
+                    <a:lstStyle/>
+                    <a:p>
+                      <a:r>
+                        <a:rPr lang="en-US" altLang="zh-CN" dirty="0" smtClean="0"/>
+                        <a:t>480</a:t>
+                      </a:r>
+                      <a:endParaRPr lang="zh-CN" altLang="en-US" dirty="0"/>
+                    </a:p>
+                  </a:txBody>
+                  <a:tcPr/>
+                </a:tc>
+                <a:tc>
+                  <a:txBody>
+                    <a:bodyPr/>
+                    <a:lstStyle/>
+                    <a:p>
+                      <a:r>
+                        <a:rPr lang="en-US" altLang="zh-CN" dirty="0" smtClean="0"/>
+                        <a:t>6</a:t>
                       </a:r>
                       <a:r>
                         <a:rPr lang="zh-CN" altLang="en-US" dirty="0" smtClean="0"/>
@@ -6862,515 +7330,23 @@
                       </a:r>
                       <a:r>
                         <a:rPr lang="en-US" altLang="zh-CN" dirty="0" smtClean="0"/>
-                        <a:t>Time</a:t>
-                      </a:r>
-                      <a:r>
-                        <a:rPr lang="zh-CN" altLang="en-US" dirty="0" smtClean="0"/>
-                        <a:t> </a:t>
-                      </a:r>
+                        <a:t>hours</a:t>
+                      </a:r>
+                      <a:endParaRPr lang="zh-CN" altLang="en-US" dirty="0"/>
+                    </a:p>
+                  </a:txBody>
+                  <a:tcPr/>
+                </a:tc>
+                <a:tc>
+                  <a:txBody>
+                    <a:bodyPr/>
+                    <a:lstStyle/>
+                    <a:p>
                       <a:r>
                         <a:rPr lang="en-US" altLang="zh-CN" dirty="0" smtClean="0"/>
-                        <a:t>(5</a:t>
-                      </a:r>
-                      <a:r>
-                        <a:rPr lang="zh-CN" altLang="en-US" dirty="0" smtClean="0"/>
-                        <a:t> </a:t>
-                      </a:r>
-                      <a:r>
-                        <a:rPr lang="en-US" altLang="zh-CN" dirty="0" smtClean="0"/>
-                        <a:t>folds</a:t>
-                      </a:r>
-                      <a:r>
-                        <a:rPr lang="zh-CN" altLang="en-US" dirty="0" smtClean="0"/>
-                        <a:t> </a:t>
-                      </a:r>
-                      <a:r>
-                        <a:rPr lang="en-US" altLang="zh-CN" dirty="0" smtClean="0"/>
-                        <a:t>CV)</a:t>
+                        <a:t>71.3%</a:t>
                       </a:r>
                       <a:endParaRPr lang="zh-CN" altLang="en-US" dirty="0"/>
-                    </a:p>
-                  </a:txBody>
-                  <a:tcPr/>
-                </a:tc>
-                <a:tc>
-                  <a:txBody>
-                    <a:bodyPr/>
-                    <a:lstStyle/>
-                    <a:p>
-                      <a:pPr algn="ctr"/>
-                      <a:r>
-                        <a:rPr lang="en-US" altLang="zh-CN" dirty="0" smtClean="0"/>
-                        <a:t>Parameter</a:t>
-                      </a:r>
-                      <a:r>
-                        <a:rPr lang="zh-CN" altLang="en-US" baseline="0" dirty="0" smtClean="0"/>
-                        <a:t> </a:t>
-                      </a:r>
-                      <a:r>
-                        <a:rPr lang="en-US" altLang="zh-CN" baseline="0" dirty="0" smtClean="0"/>
-                        <a:t>Combination</a:t>
-                      </a:r>
-                      <a:endParaRPr lang="zh-CN" altLang="en-US" dirty="0"/>
-                    </a:p>
-                  </a:txBody>
-                  <a:tcPr/>
-                </a:tc>
-                <a:tc>
-                  <a:txBody>
-                    <a:bodyPr/>
-                    <a:lstStyle/>
-                    <a:p>
-                      <a:pPr algn="ctr"/>
-                      <a:r>
-                        <a:rPr lang="en-US" altLang="zh-CN" dirty="0" smtClean="0"/>
-                        <a:t>Accuracy</a:t>
-                      </a:r>
-                      <a:endParaRPr lang="zh-CN" altLang="en-US" dirty="0"/>
-                    </a:p>
-                  </a:txBody>
-                  <a:tcPr/>
-                </a:tc>
-              </a:tr>
-              <a:tr h="370840">
-                <a:tc>
-                  <a:txBody>
-                    <a:bodyPr/>
-                    <a:lstStyle/>
-                    <a:p>
-                      <a:r>
-                        <a:rPr lang="en-US" altLang="zh-CN" dirty="0" smtClean="0"/>
-                        <a:t>GBM</a:t>
-                      </a:r>
-                      <a:r>
-                        <a:rPr lang="zh-CN" altLang="en-US" dirty="0" smtClean="0"/>
-                        <a:t> </a:t>
-                      </a:r>
-                      <a:r>
-                        <a:rPr lang="en-US" altLang="zh-CN" dirty="0" smtClean="0"/>
-                        <a:t>(Bernoulli)</a:t>
-                      </a:r>
-                      <a:endParaRPr lang="zh-CN" altLang="en-US" dirty="0"/>
-                    </a:p>
-                  </a:txBody>
-                  <a:tcPr/>
-                </a:tc>
-                <a:tc>
-                  <a:txBody>
-                    <a:bodyPr/>
-                    <a:lstStyle/>
-                    <a:p>
-                      <a:r>
-                        <a:rPr lang="en-US" altLang="zh-CN" dirty="0" smtClean="0"/>
-                        <a:t>12</a:t>
-                      </a:r>
-                      <a:r>
-                        <a:rPr lang="zh-CN" altLang="en-US" dirty="0" smtClean="0"/>
-                        <a:t> </a:t>
-                      </a:r>
-                      <a:r>
-                        <a:rPr lang="en-US" altLang="zh-CN" dirty="0" smtClean="0"/>
-                        <a:t>hours</a:t>
-                      </a:r>
-                      <a:endParaRPr lang="zh-CN" altLang="en-US" dirty="0"/>
-                    </a:p>
-                  </a:txBody>
-                  <a:tcPr/>
-                </a:tc>
-                <a:tc>
-                  <a:txBody>
-                    <a:bodyPr/>
-                    <a:lstStyle/>
-                    <a:p>
-                      <a:pPr algn="ctr"/>
-                      <a:r>
-                        <a:rPr lang="en-US" altLang="zh-CN" dirty="0" smtClean="0"/>
-                        <a:t>80</a:t>
-                      </a:r>
-                      <a:endParaRPr lang="zh-CN" altLang="en-US" dirty="0"/>
-                    </a:p>
-                  </a:txBody>
-                  <a:tcPr/>
-                </a:tc>
-                <a:tc>
-                  <a:txBody>
-                    <a:bodyPr/>
-                    <a:lstStyle/>
-                    <a:p>
-                      <a:pPr algn="ctr"/>
-                      <a:r>
-                        <a:rPr lang="en-US" altLang="zh-CN" dirty="0" smtClean="0"/>
-                        <a:t>70.3%</a:t>
-                      </a:r>
-                      <a:endParaRPr lang="zh-CN" altLang="en-US" dirty="0"/>
-                    </a:p>
-                  </a:txBody>
-                  <a:tcPr/>
-                </a:tc>
-              </a:tr>
-              <a:tr h="370840">
-                <a:tc>
-                  <a:txBody>
-                    <a:bodyPr/>
-                    <a:lstStyle/>
-                    <a:p>
-                      <a:r>
-                        <a:rPr lang="en-US" altLang="zh-CN" dirty="0" smtClean="0"/>
-                        <a:t>GBM</a:t>
-                      </a:r>
-                      <a:r>
-                        <a:rPr lang="zh-CN" altLang="en-US" baseline="0" dirty="0" smtClean="0"/>
-                        <a:t> </a:t>
-                      </a:r>
-                      <a:r>
-                        <a:rPr lang="en-US" altLang="zh-CN" baseline="0" dirty="0" smtClean="0"/>
-                        <a:t>(Ada</a:t>
-                      </a:r>
-                      <a:r>
-                        <a:rPr lang="zh-CN" altLang="en-US" baseline="0" dirty="0" smtClean="0"/>
-                        <a:t> </a:t>
-                      </a:r>
-                      <a:r>
-                        <a:rPr lang="en-US" altLang="zh-CN" baseline="0" dirty="0" smtClean="0"/>
-                        <a:t>boost)</a:t>
-                      </a:r>
-                      <a:endParaRPr lang="zh-CN" altLang="en-US" dirty="0"/>
-                    </a:p>
-                  </a:txBody>
-                  <a:tcPr/>
-                </a:tc>
-                <a:tc>
-                  <a:txBody>
-                    <a:bodyPr/>
-                    <a:lstStyle/>
-                    <a:p>
-                      <a:r>
-                        <a:rPr lang="en-US" altLang="zh-CN" dirty="0" smtClean="0"/>
-                        <a:t>12</a:t>
-                      </a:r>
-                      <a:r>
-                        <a:rPr lang="zh-CN" altLang="en-US" dirty="0" smtClean="0"/>
-                        <a:t> </a:t>
-                      </a:r>
-                      <a:r>
-                        <a:rPr lang="en-US" altLang="zh-CN" dirty="0" smtClean="0"/>
-                        <a:t>hours</a:t>
-                      </a:r>
-                      <a:endParaRPr lang="zh-CN" altLang="en-US" dirty="0"/>
-                    </a:p>
-                  </a:txBody>
-                  <a:tcPr/>
-                </a:tc>
-                <a:tc>
-                  <a:txBody>
-                    <a:bodyPr/>
-                    <a:lstStyle/>
-                    <a:p>
-                      <a:pPr algn="ctr"/>
-                      <a:r>
-                        <a:rPr lang="en-US" altLang="zh-CN" dirty="0" smtClean="0"/>
-                        <a:t>80</a:t>
-                      </a:r>
-                      <a:endParaRPr lang="zh-CN" altLang="en-US" dirty="0"/>
-                    </a:p>
-                  </a:txBody>
-                  <a:tcPr/>
-                </a:tc>
-                <a:tc>
-                  <a:txBody>
-                    <a:bodyPr/>
-                    <a:lstStyle/>
-                    <a:p>
-                      <a:pPr algn="ctr"/>
-                      <a:r>
-                        <a:rPr lang="en-US" altLang="zh-CN" dirty="0" smtClean="0"/>
-                        <a:t>71.5%</a:t>
-                      </a:r>
-                      <a:endParaRPr lang="zh-CN" altLang="en-US" dirty="0"/>
-                    </a:p>
-                  </a:txBody>
-                  <a:tcPr/>
-                </a:tc>
-              </a:tr>
-              <a:tr h="370840">
-                <a:tc>
-                  <a:txBody>
-                    <a:bodyPr/>
-                    <a:lstStyle/>
-                    <a:p>
-                      <a:r>
-                        <a:rPr lang="en-US" altLang="zh-CN" dirty="0" smtClean="0"/>
-                        <a:t>Support</a:t>
-                      </a:r>
-                      <a:r>
-                        <a:rPr lang="zh-CN" altLang="en-US" dirty="0" smtClean="0"/>
-                        <a:t> </a:t>
-                      </a:r>
-                      <a:r>
-                        <a:rPr lang="en-US" altLang="zh-CN" dirty="0" smtClean="0"/>
-                        <a:t>Vector</a:t>
-                      </a:r>
-                      <a:r>
-                        <a:rPr lang="zh-CN" altLang="en-US" baseline="0" dirty="0" smtClean="0"/>
-                        <a:t> </a:t>
-                      </a:r>
-                      <a:r>
-                        <a:rPr lang="en-US" altLang="zh-CN" baseline="0" dirty="0" smtClean="0"/>
-                        <a:t>Machine</a:t>
-                      </a:r>
-                      <a:endParaRPr lang="zh-CN" altLang="en-US" dirty="0"/>
-                    </a:p>
-                  </a:txBody>
-                  <a:tcPr/>
-                </a:tc>
-                <a:tc>
-                  <a:txBody>
-                    <a:bodyPr/>
-                    <a:lstStyle/>
-                    <a:p>
-                      <a:r>
-                        <a:rPr lang="en-US" altLang="zh-CN" dirty="0" smtClean="0"/>
-                        <a:t>8</a:t>
-                      </a:r>
-                      <a:r>
-                        <a:rPr lang="zh-CN" altLang="en-US" dirty="0" smtClean="0"/>
-                        <a:t> </a:t>
-                      </a:r>
-                      <a:r>
-                        <a:rPr lang="en-US" altLang="zh-CN" dirty="0" smtClean="0"/>
-                        <a:t>hours</a:t>
-                      </a:r>
-                      <a:endParaRPr lang="zh-CN" altLang="en-US" dirty="0"/>
-                    </a:p>
-                  </a:txBody>
-                  <a:tcPr/>
-                </a:tc>
-                <a:tc>
-                  <a:txBody>
-                    <a:bodyPr/>
-                    <a:lstStyle/>
-                    <a:p>
-                      <a:pPr algn="ctr"/>
-                      <a:r>
-                        <a:rPr lang="en-US" altLang="zh-CN" dirty="0" smtClean="0"/>
-                        <a:t>27</a:t>
-                      </a:r>
-                      <a:endParaRPr lang="zh-CN" altLang="en-US" dirty="0"/>
-                    </a:p>
-                  </a:txBody>
-                  <a:tcPr/>
-                </a:tc>
-                <a:tc>
-                  <a:txBody>
-                    <a:bodyPr/>
-                    <a:lstStyle/>
-                    <a:p>
-                      <a:pPr algn="ctr"/>
-                      <a:r>
-                        <a:rPr lang="en-US" altLang="zh-CN" dirty="0" smtClean="0"/>
-                        <a:t>69%</a:t>
-                      </a:r>
-                      <a:endParaRPr lang="zh-CN" altLang="en-US" dirty="0"/>
-                    </a:p>
-                  </a:txBody>
-                  <a:tcPr/>
-                </a:tc>
-              </a:tr>
-              <a:tr h="370840">
-                <a:tc>
-                  <a:txBody>
-                    <a:bodyPr/>
-                    <a:lstStyle/>
-                    <a:p>
-                      <a:r>
-                        <a:rPr lang="en-US" altLang="zh-CN" dirty="0" smtClean="0"/>
-                        <a:t>Logistic</a:t>
-                      </a:r>
-                      <a:r>
-                        <a:rPr lang="zh-CN" altLang="en-US" dirty="0" smtClean="0"/>
-                        <a:t> </a:t>
-                      </a:r>
-                      <a:r>
-                        <a:rPr lang="en-US" altLang="zh-CN" dirty="0" smtClean="0"/>
-                        <a:t>Regression</a:t>
-                      </a:r>
-                      <a:endParaRPr lang="zh-CN" altLang="en-US" dirty="0"/>
-                    </a:p>
-                  </a:txBody>
-                  <a:tcPr/>
-                </a:tc>
-                <a:tc>
-                  <a:txBody>
-                    <a:bodyPr/>
-                    <a:lstStyle/>
-                    <a:p>
-                      <a:r>
-                        <a:rPr lang="en-US" altLang="zh-CN" dirty="0" smtClean="0"/>
-                        <a:t>20s</a:t>
-                      </a:r>
-                      <a:r>
-                        <a:rPr lang="zh-CN" altLang="en-US" dirty="0" smtClean="0"/>
-                        <a:t> </a:t>
-                      </a:r>
-                      <a:r>
-                        <a:rPr lang="en-US" altLang="zh-CN" dirty="0" smtClean="0"/>
-                        <a:t>(no</a:t>
-                      </a:r>
-                      <a:r>
-                        <a:rPr lang="zh-CN" altLang="en-US" dirty="0" smtClean="0"/>
-                        <a:t> </a:t>
-                      </a:r>
-                      <a:r>
-                        <a:rPr lang="en-US" altLang="zh-CN" dirty="0" smtClean="0"/>
-                        <a:t>cross</a:t>
-                      </a:r>
-                      <a:r>
-                        <a:rPr lang="zh-CN" altLang="en-US" baseline="0" dirty="0" smtClean="0"/>
-                        <a:t> </a:t>
-                      </a:r>
-                      <a:r>
-                        <a:rPr lang="en-US" altLang="zh-CN" baseline="0" dirty="0" smtClean="0"/>
-                        <a:t>validation)</a:t>
-                      </a:r>
-                      <a:endParaRPr lang="zh-CN" altLang="en-US" dirty="0"/>
-                    </a:p>
-                  </a:txBody>
-                  <a:tcPr/>
-                </a:tc>
-                <a:tc>
-                  <a:txBody>
-                    <a:bodyPr/>
-                    <a:lstStyle/>
-                    <a:p>
-                      <a:pPr algn="ctr"/>
-                      <a:r>
-                        <a:rPr lang="en-US" altLang="zh-CN" dirty="0" smtClean="0"/>
-                        <a:t>0</a:t>
-                      </a:r>
-                      <a:endParaRPr lang="zh-CN" altLang="en-US" dirty="0"/>
-                    </a:p>
-                  </a:txBody>
-                  <a:tcPr/>
-                </a:tc>
-                <a:tc>
-                  <a:txBody>
-                    <a:bodyPr/>
-                    <a:lstStyle/>
-                    <a:p>
-                      <a:pPr algn="ctr"/>
-                      <a:r>
-                        <a:rPr lang="en-US" altLang="zh-CN" dirty="0" smtClean="0"/>
-                        <a:t>65%</a:t>
-                      </a:r>
-                      <a:endParaRPr lang="zh-CN" altLang="en-US" dirty="0"/>
-                    </a:p>
-                  </a:txBody>
-                  <a:tcPr/>
-                </a:tc>
-              </a:tr>
-              <a:tr h="370840">
-                <a:tc>
-                  <a:txBody>
-                    <a:bodyPr/>
-                    <a:lstStyle/>
-                    <a:p>
-                      <a:r>
-                        <a:rPr lang="en-US" altLang="zh-CN" dirty="0" err="1" smtClean="0">
-                          <a:solidFill>
-                            <a:srgbClr val="FF0000"/>
-                          </a:solidFill>
-                        </a:rPr>
-                        <a:t>Xgboost</a:t>
-                      </a:r>
-                      <a:endParaRPr lang="zh-CN" altLang="en-US" dirty="0">
-                        <a:solidFill>
-                          <a:srgbClr val="FF0000"/>
-                        </a:solidFill>
-                      </a:endParaRPr>
-                    </a:p>
-                  </a:txBody>
-                  <a:tcPr/>
-                </a:tc>
-                <a:tc>
-                  <a:txBody>
-                    <a:bodyPr/>
-                    <a:lstStyle/>
-                    <a:p>
-                      <a:r>
-                        <a:rPr lang="en-US" altLang="zh-CN" baseline="0" dirty="0" smtClean="0">
-                          <a:solidFill>
-                            <a:srgbClr val="FF0000"/>
-                          </a:solidFill>
-                        </a:rPr>
-                        <a:t>6</a:t>
-                      </a:r>
-                      <a:r>
-                        <a:rPr lang="zh-CN" altLang="en-US" baseline="0" dirty="0" smtClean="0">
-                          <a:solidFill>
-                            <a:srgbClr val="FF0000"/>
-                          </a:solidFill>
-                        </a:rPr>
-                        <a:t> </a:t>
-                      </a:r>
-                      <a:r>
-                        <a:rPr lang="en-US" altLang="zh-CN" baseline="0" dirty="0" smtClean="0">
-                          <a:solidFill>
-                            <a:srgbClr val="FF0000"/>
-                          </a:solidFill>
-                        </a:rPr>
-                        <a:t>hours</a:t>
-                      </a:r>
-                      <a:endParaRPr lang="zh-CN" altLang="en-US" dirty="0">
-                        <a:solidFill>
-                          <a:srgbClr val="FF0000"/>
-                        </a:solidFill>
-                      </a:endParaRPr>
-                    </a:p>
-                  </a:txBody>
-                  <a:tcPr/>
-                </a:tc>
-                <a:tc>
-                  <a:txBody>
-                    <a:bodyPr/>
-                    <a:lstStyle/>
-                    <a:p>
-                      <a:pPr algn="ctr"/>
-                      <a:r>
-                        <a:rPr lang="en-US" altLang="zh-CN" dirty="0" smtClean="0">
-                          <a:solidFill>
-                            <a:srgbClr val="FF0000"/>
-                          </a:solidFill>
-                        </a:rPr>
-                        <a:t>480</a:t>
-                      </a:r>
-                      <a:endParaRPr lang="zh-CN" altLang="en-US" dirty="0">
-                        <a:solidFill>
-                          <a:srgbClr val="FF0000"/>
-                        </a:solidFill>
-                      </a:endParaRPr>
-                    </a:p>
-                  </a:txBody>
-                  <a:tcPr/>
-                </a:tc>
-                <a:tc>
-                  <a:txBody>
-                    <a:bodyPr/>
-                    <a:lstStyle/>
-                    <a:p>
-                      <a:pPr algn="ctr"/>
-                      <a:r>
-                        <a:rPr lang="en-US" altLang="zh-CN" dirty="0" smtClean="0">
-                          <a:solidFill>
-                            <a:srgbClr val="FF0000"/>
-                          </a:solidFill>
-                        </a:rPr>
-                        <a:t>71.3%</a:t>
-                      </a:r>
-                      <a:endParaRPr lang="zh-CN" altLang="en-US" dirty="0">
-                        <a:solidFill>
-                          <a:srgbClr val="FF0000"/>
-                        </a:solidFill>
-                      </a:endParaRPr>
                     </a:p>
                   </a:txBody>
                   <a:tcPr/>
@@ -7383,7 +7359,7 @@
     </p:spTree>
     <p:extLst>
       <p:ext uri="{BB962C8B-B14F-4D97-AF65-F5344CB8AC3E}">
-        <p14:creationId xmlns:p14="http://schemas.microsoft.com/office/powerpoint/2010/main" val="10623810"/>
+        <p14:creationId xmlns:p14="http://schemas.microsoft.com/office/powerpoint/2010/main" val="1260078676"/>
       </p:ext>
     </p:extLst>
   </p:cSld>
@@ -7429,6 +7405,790 @@
         </p:nvSpPr>
         <p:spPr/>
         <p:txBody>
+          <a:bodyPr/>
+          <a:lstStyle/>
+          <a:p>
+            <a:r>
+              <a:rPr kumimoji="1" lang="en-US" altLang="zh-CN" dirty="0" smtClean="0"/>
+              <a:t>Base</a:t>
+            </a:r>
+            <a:r>
+              <a:rPr kumimoji="1" lang="zh-CN" altLang="en-US" dirty="0" smtClean="0"/>
+              <a:t> </a:t>
+            </a:r>
+            <a:r>
+              <a:rPr kumimoji="1" lang="en-US" altLang="zh-CN" dirty="0" smtClean="0"/>
+              <a:t>Model</a:t>
+            </a:r>
+            <a:endParaRPr kumimoji="1" lang="zh-CN" altLang="en-US" dirty="0"/>
+          </a:p>
+        </p:txBody>
+      </p:sp>
+      <p:graphicFrame>
+        <p:nvGraphicFramePr>
+          <p:cNvPr id="4" name="内容占位符 3"/>
+          <p:cNvGraphicFramePr>
+            <a:graphicFrameLocks noGrp="1"/>
+          </p:cNvGraphicFramePr>
+          <p:nvPr>
+            <p:ph idx="1"/>
+            <p:extLst>
+              <p:ext uri="{D42A27DB-BD31-4B8C-83A1-F6EECF244321}">
+                <p14:modId xmlns:p14="http://schemas.microsoft.com/office/powerpoint/2010/main" val="1672824113"/>
+              </p:ext>
+            </p:extLst>
+          </p:nvPr>
+        </p:nvGraphicFramePr>
+        <p:xfrm>
+          <a:off x="1069975" y="2120900"/>
+          <a:ext cx="9880795" cy="2225040"/>
+        </p:xfrm>
+        <a:graphic>
+          <a:graphicData uri="http://schemas.openxmlformats.org/drawingml/2006/table">
+            <a:tbl>
+              <a:tblPr firstRow="1" bandRow="1">
+                <a:tableStyleId>{93296810-A885-4BE3-A3E7-6D5BEEA58F35}</a:tableStyleId>
+              </a:tblPr>
+              <a:tblGrid>
+                <a:gridCol w="2716213"/>
+                <a:gridCol w="2957512"/>
+                <a:gridCol w="2719745"/>
+                <a:gridCol w="1487325"/>
+              </a:tblGrid>
+              <a:tr h="370840">
+                <a:tc>
+                  <a:txBody>
+                    <a:bodyPr/>
+                    <a:lstStyle/>
+                    <a:p>
+                      <a:r>
+                        <a:rPr lang="en-US" altLang="zh-CN" dirty="0" smtClean="0"/>
+                        <a:t>Model</a:t>
+                      </a:r>
+                      <a:r>
+                        <a:rPr lang="zh-CN" altLang="en-US" baseline="0" dirty="0" smtClean="0"/>
+                        <a:t> </a:t>
+                      </a:r>
+                      <a:endParaRPr lang="zh-CN" altLang="en-US" dirty="0"/>
+                    </a:p>
+                  </a:txBody>
+                  <a:tcPr/>
+                </a:tc>
+                <a:tc>
+                  <a:txBody>
+                    <a:bodyPr/>
+                    <a:lstStyle/>
+                    <a:p>
+                      <a:r>
+                        <a:rPr lang="en-US" altLang="zh-CN" dirty="0" smtClean="0"/>
+                        <a:t>Training</a:t>
+                      </a:r>
+                      <a:r>
+                        <a:rPr lang="zh-CN" altLang="en-US" dirty="0" smtClean="0"/>
+                        <a:t> </a:t>
+                      </a:r>
+                      <a:r>
+                        <a:rPr lang="en-US" altLang="zh-CN" dirty="0" smtClean="0"/>
+                        <a:t>Time</a:t>
+                      </a:r>
+                      <a:r>
+                        <a:rPr lang="zh-CN" altLang="en-US" dirty="0" smtClean="0"/>
+                        <a:t> </a:t>
+                      </a:r>
+                      <a:r>
+                        <a:rPr lang="en-US" altLang="zh-CN" dirty="0" smtClean="0"/>
+                        <a:t>(5</a:t>
+                      </a:r>
+                      <a:r>
+                        <a:rPr lang="zh-CN" altLang="en-US" dirty="0" smtClean="0"/>
+                        <a:t> </a:t>
+                      </a:r>
+                      <a:r>
+                        <a:rPr lang="en-US" altLang="zh-CN" dirty="0" smtClean="0"/>
+                        <a:t>folds</a:t>
+                      </a:r>
+                      <a:r>
+                        <a:rPr lang="zh-CN" altLang="en-US" dirty="0" smtClean="0"/>
+                        <a:t> </a:t>
+                      </a:r>
+                      <a:r>
+                        <a:rPr lang="en-US" altLang="zh-CN" dirty="0" smtClean="0"/>
+                        <a:t>CV)</a:t>
+                      </a:r>
+                      <a:endParaRPr lang="zh-CN" altLang="en-US" dirty="0"/>
+                    </a:p>
+                  </a:txBody>
+                  <a:tcPr/>
+                </a:tc>
+                <a:tc>
+                  <a:txBody>
+                    <a:bodyPr/>
+                    <a:lstStyle/>
+                    <a:p>
+                      <a:pPr algn="ctr"/>
+                      <a:r>
+                        <a:rPr lang="en-US" altLang="zh-CN" dirty="0" smtClean="0"/>
+                        <a:t>Parameter</a:t>
+                      </a:r>
+                      <a:r>
+                        <a:rPr lang="zh-CN" altLang="en-US" baseline="0" dirty="0" smtClean="0"/>
+                        <a:t> </a:t>
+                      </a:r>
+                      <a:r>
+                        <a:rPr lang="en-US" altLang="zh-CN" baseline="0" dirty="0" smtClean="0"/>
+                        <a:t>Combination</a:t>
+                      </a:r>
+                      <a:endParaRPr lang="zh-CN" altLang="en-US" dirty="0"/>
+                    </a:p>
+                  </a:txBody>
+                  <a:tcPr/>
+                </a:tc>
+                <a:tc>
+                  <a:txBody>
+                    <a:bodyPr/>
+                    <a:lstStyle/>
+                    <a:p>
+                      <a:pPr algn="ctr"/>
+                      <a:r>
+                        <a:rPr lang="en-US" altLang="zh-CN" dirty="0" smtClean="0"/>
+                        <a:t>Accuracy</a:t>
+                      </a:r>
+                      <a:endParaRPr lang="zh-CN" altLang="en-US" dirty="0"/>
+                    </a:p>
+                  </a:txBody>
+                  <a:tcPr/>
+                </a:tc>
+              </a:tr>
+              <a:tr h="370840">
+                <a:tc>
+                  <a:txBody>
+                    <a:bodyPr/>
+                    <a:lstStyle/>
+                    <a:p>
+                      <a:r>
+                        <a:rPr lang="en-US" altLang="zh-CN" dirty="0" smtClean="0"/>
+                        <a:t>GBM</a:t>
+                      </a:r>
+                      <a:r>
+                        <a:rPr lang="zh-CN" altLang="en-US" dirty="0" smtClean="0"/>
+                        <a:t> </a:t>
+                      </a:r>
+                      <a:r>
+                        <a:rPr lang="en-US" altLang="zh-CN" dirty="0" smtClean="0"/>
+                        <a:t>(Bernoulli)</a:t>
+                      </a:r>
+                      <a:endParaRPr lang="zh-CN" altLang="en-US" dirty="0"/>
+                    </a:p>
+                  </a:txBody>
+                  <a:tcPr/>
+                </a:tc>
+                <a:tc>
+                  <a:txBody>
+                    <a:bodyPr/>
+                    <a:lstStyle/>
+                    <a:p>
+                      <a:r>
+                        <a:rPr lang="en-US" altLang="zh-CN" dirty="0" smtClean="0"/>
+                        <a:t>12</a:t>
+                      </a:r>
+                      <a:r>
+                        <a:rPr lang="zh-CN" altLang="en-US" dirty="0" smtClean="0"/>
+                        <a:t> </a:t>
+                      </a:r>
+                      <a:r>
+                        <a:rPr lang="en-US" altLang="zh-CN" dirty="0" smtClean="0"/>
+                        <a:t>hours</a:t>
+                      </a:r>
+                      <a:endParaRPr lang="zh-CN" altLang="en-US" dirty="0"/>
+                    </a:p>
+                  </a:txBody>
+                  <a:tcPr/>
+                </a:tc>
+                <a:tc>
+                  <a:txBody>
+                    <a:bodyPr/>
+                    <a:lstStyle/>
+                    <a:p>
+                      <a:pPr algn="ctr"/>
+                      <a:r>
+                        <a:rPr lang="en-US" altLang="zh-CN" dirty="0" smtClean="0"/>
+                        <a:t>80</a:t>
+                      </a:r>
+                      <a:endParaRPr lang="zh-CN" altLang="en-US" dirty="0"/>
+                    </a:p>
+                  </a:txBody>
+                  <a:tcPr/>
+                </a:tc>
+                <a:tc>
+                  <a:txBody>
+                    <a:bodyPr/>
+                    <a:lstStyle/>
+                    <a:p>
+                      <a:pPr algn="ctr"/>
+                      <a:r>
+                        <a:rPr lang="en-US" altLang="zh-CN" dirty="0" smtClean="0"/>
+                        <a:t>70.3%</a:t>
+                      </a:r>
+                      <a:endParaRPr lang="zh-CN" altLang="en-US" dirty="0"/>
+                    </a:p>
+                  </a:txBody>
+                  <a:tcPr/>
+                </a:tc>
+              </a:tr>
+              <a:tr h="370840">
+                <a:tc>
+                  <a:txBody>
+                    <a:bodyPr/>
+                    <a:lstStyle/>
+                    <a:p>
+                      <a:r>
+                        <a:rPr lang="en-US" altLang="zh-CN" dirty="0" smtClean="0"/>
+                        <a:t>GBM</a:t>
+                      </a:r>
+                      <a:r>
+                        <a:rPr lang="zh-CN" altLang="en-US" baseline="0" dirty="0" smtClean="0"/>
+                        <a:t> </a:t>
+                      </a:r>
+                      <a:r>
+                        <a:rPr lang="en-US" altLang="zh-CN" baseline="0" dirty="0" smtClean="0"/>
+                        <a:t>(Ada</a:t>
+                      </a:r>
+                      <a:r>
+                        <a:rPr lang="zh-CN" altLang="en-US" baseline="0" dirty="0" smtClean="0"/>
+                        <a:t> </a:t>
+                      </a:r>
+                      <a:r>
+                        <a:rPr lang="en-US" altLang="zh-CN" baseline="0" dirty="0" smtClean="0"/>
+                        <a:t>boost)</a:t>
+                      </a:r>
+                      <a:endParaRPr lang="zh-CN" altLang="en-US" dirty="0"/>
+                    </a:p>
+                  </a:txBody>
+                  <a:tcPr/>
+                </a:tc>
+                <a:tc>
+                  <a:txBody>
+                    <a:bodyPr/>
+                    <a:lstStyle/>
+                    <a:p>
+                      <a:r>
+                        <a:rPr lang="en-US" altLang="zh-CN" dirty="0" smtClean="0"/>
+                        <a:t>12</a:t>
+                      </a:r>
+                      <a:r>
+                        <a:rPr lang="zh-CN" altLang="en-US" dirty="0" smtClean="0"/>
+                        <a:t> </a:t>
+                      </a:r>
+                      <a:r>
+                        <a:rPr lang="en-US" altLang="zh-CN" dirty="0" smtClean="0"/>
+                        <a:t>hours</a:t>
+                      </a:r>
+                      <a:endParaRPr lang="zh-CN" altLang="en-US" dirty="0"/>
+                    </a:p>
+                  </a:txBody>
+                  <a:tcPr/>
+                </a:tc>
+                <a:tc>
+                  <a:txBody>
+                    <a:bodyPr/>
+                    <a:lstStyle/>
+                    <a:p>
+                      <a:pPr algn="ctr"/>
+                      <a:r>
+                        <a:rPr lang="en-US" altLang="zh-CN" dirty="0" smtClean="0"/>
+                        <a:t>80</a:t>
+                      </a:r>
+                      <a:endParaRPr lang="zh-CN" altLang="en-US" dirty="0"/>
+                    </a:p>
+                  </a:txBody>
+                  <a:tcPr/>
+                </a:tc>
+                <a:tc>
+                  <a:txBody>
+                    <a:bodyPr/>
+                    <a:lstStyle/>
+                    <a:p>
+                      <a:pPr algn="ctr"/>
+                      <a:r>
+                        <a:rPr lang="en-US" altLang="zh-CN" dirty="0" smtClean="0"/>
+                        <a:t>71.5%</a:t>
+                      </a:r>
+                      <a:endParaRPr lang="zh-CN" altLang="en-US" dirty="0"/>
+                    </a:p>
+                  </a:txBody>
+                  <a:tcPr/>
+                </a:tc>
+              </a:tr>
+              <a:tr h="370840">
+                <a:tc>
+                  <a:txBody>
+                    <a:bodyPr/>
+                    <a:lstStyle/>
+                    <a:p>
+                      <a:r>
+                        <a:rPr lang="en-US" altLang="zh-CN" dirty="0" smtClean="0"/>
+                        <a:t>Support</a:t>
+                      </a:r>
+                      <a:r>
+                        <a:rPr lang="zh-CN" altLang="en-US" dirty="0" smtClean="0"/>
+                        <a:t> </a:t>
+                      </a:r>
+                      <a:r>
+                        <a:rPr lang="en-US" altLang="zh-CN" dirty="0" smtClean="0"/>
+                        <a:t>Vector</a:t>
+                      </a:r>
+                      <a:r>
+                        <a:rPr lang="zh-CN" altLang="en-US" baseline="0" dirty="0" smtClean="0"/>
+                        <a:t> </a:t>
+                      </a:r>
+                      <a:r>
+                        <a:rPr lang="en-US" altLang="zh-CN" baseline="0" dirty="0" smtClean="0"/>
+                        <a:t>Machine</a:t>
+                      </a:r>
+                      <a:endParaRPr lang="zh-CN" altLang="en-US" dirty="0"/>
+                    </a:p>
+                  </a:txBody>
+                  <a:tcPr/>
+                </a:tc>
+                <a:tc>
+                  <a:txBody>
+                    <a:bodyPr/>
+                    <a:lstStyle/>
+                    <a:p>
+                      <a:r>
+                        <a:rPr lang="en-US" altLang="zh-CN" dirty="0" smtClean="0"/>
+                        <a:t>8</a:t>
+                      </a:r>
+                      <a:r>
+                        <a:rPr lang="zh-CN" altLang="en-US" dirty="0" smtClean="0"/>
+                        <a:t> </a:t>
+                      </a:r>
+                      <a:r>
+                        <a:rPr lang="en-US" altLang="zh-CN" dirty="0" smtClean="0"/>
+                        <a:t>hours</a:t>
+                      </a:r>
+                      <a:endParaRPr lang="zh-CN" altLang="en-US" dirty="0"/>
+                    </a:p>
+                  </a:txBody>
+                  <a:tcPr/>
+                </a:tc>
+                <a:tc>
+                  <a:txBody>
+                    <a:bodyPr/>
+                    <a:lstStyle/>
+                    <a:p>
+                      <a:pPr algn="ctr"/>
+                      <a:r>
+                        <a:rPr lang="en-US" altLang="zh-CN" dirty="0" smtClean="0"/>
+                        <a:t>27</a:t>
+                      </a:r>
+                      <a:endParaRPr lang="zh-CN" altLang="en-US" dirty="0"/>
+                    </a:p>
+                  </a:txBody>
+                  <a:tcPr/>
+                </a:tc>
+                <a:tc>
+                  <a:txBody>
+                    <a:bodyPr/>
+                    <a:lstStyle/>
+                    <a:p>
+                      <a:pPr algn="ctr"/>
+                      <a:r>
+                        <a:rPr lang="en-US" altLang="zh-CN" dirty="0" smtClean="0"/>
+                        <a:t>69%</a:t>
+                      </a:r>
+                      <a:endParaRPr lang="zh-CN" altLang="en-US" dirty="0"/>
+                    </a:p>
+                  </a:txBody>
+                  <a:tcPr/>
+                </a:tc>
+              </a:tr>
+              <a:tr h="370840">
+                <a:tc>
+                  <a:txBody>
+                    <a:bodyPr/>
+                    <a:lstStyle/>
+                    <a:p>
+                      <a:r>
+                        <a:rPr lang="en-US" altLang="zh-CN" dirty="0" smtClean="0"/>
+                        <a:t>Logistic</a:t>
+                      </a:r>
+                      <a:r>
+                        <a:rPr lang="zh-CN" altLang="en-US" dirty="0" smtClean="0"/>
+                        <a:t> </a:t>
+                      </a:r>
+                      <a:r>
+                        <a:rPr lang="en-US" altLang="zh-CN" dirty="0" smtClean="0"/>
+                        <a:t>Regression</a:t>
+                      </a:r>
+                      <a:endParaRPr lang="zh-CN" altLang="en-US" dirty="0"/>
+                    </a:p>
+                  </a:txBody>
+                  <a:tcPr/>
+                </a:tc>
+                <a:tc>
+                  <a:txBody>
+                    <a:bodyPr/>
+                    <a:lstStyle/>
+                    <a:p>
+                      <a:r>
+                        <a:rPr lang="en-US" altLang="zh-CN" dirty="0" smtClean="0"/>
+                        <a:t>20s</a:t>
+                      </a:r>
+                      <a:r>
+                        <a:rPr lang="zh-CN" altLang="en-US" dirty="0" smtClean="0"/>
+                        <a:t> </a:t>
+                      </a:r>
+                      <a:r>
+                        <a:rPr lang="en-US" altLang="zh-CN" dirty="0" smtClean="0"/>
+                        <a:t>(no</a:t>
+                      </a:r>
+                      <a:r>
+                        <a:rPr lang="zh-CN" altLang="en-US" dirty="0" smtClean="0"/>
+                        <a:t> </a:t>
+                      </a:r>
+                      <a:r>
+                        <a:rPr lang="en-US" altLang="zh-CN" dirty="0" smtClean="0"/>
+                        <a:t>cross</a:t>
+                      </a:r>
+                      <a:r>
+                        <a:rPr lang="zh-CN" altLang="en-US" baseline="0" dirty="0" smtClean="0"/>
+                        <a:t> </a:t>
+                      </a:r>
+                      <a:r>
+                        <a:rPr lang="en-US" altLang="zh-CN" baseline="0" dirty="0" smtClean="0"/>
+                        <a:t>validation)</a:t>
+                      </a:r>
+                      <a:endParaRPr lang="zh-CN" altLang="en-US" dirty="0"/>
+                    </a:p>
+                  </a:txBody>
+                  <a:tcPr/>
+                </a:tc>
+                <a:tc>
+                  <a:txBody>
+                    <a:bodyPr/>
+                    <a:lstStyle/>
+                    <a:p>
+                      <a:pPr algn="ctr"/>
+                      <a:r>
+                        <a:rPr lang="en-US" altLang="zh-CN" dirty="0" smtClean="0"/>
+                        <a:t>0</a:t>
+                      </a:r>
+                      <a:endParaRPr lang="zh-CN" altLang="en-US" dirty="0"/>
+                    </a:p>
+                  </a:txBody>
+                  <a:tcPr/>
+                </a:tc>
+                <a:tc>
+                  <a:txBody>
+                    <a:bodyPr/>
+                    <a:lstStyle/>
+                    <a:p>
+                      <a:pPr algn="ctr"/>
+                      <a:r>
+                        <a:rPr lang="en-US" altLang="zh-CN" dirty="0" smtClean="0"/>
+                        <a:t>65%</a:t>
+                      </a:r>
+                      <a:endParaRPr lang="zh-CN" altLang="en-US" dirty="0"/>
+                    </a:p>
+                  </a:txBody>
+                  <a:tcPr/>
+                </a:tc>
+              </a:tr>
+              <a:tr h="370840">
+                <a:tc>
+                  <a:txBody>
+                    <a:bodyPr/>
+                    <a:lstStyle/>
+                    <a:p>
+                      <a:r>
+                        <a:rPr lang="en-US" altLang="zh-CN" dirty="0" err="1" smtClean="0">
+                          <a:solidFill>
+                            <a:srgbClr val="FF0000"/>
+                          </a:solidFill>
+                        </a:rPr>
+                        <a:t>Xgboost</a:t>
+                      </a:r>
+                      <a:endParaRPr lang="zh-CN" altLang="en-US" dirty="0">
+                        <a:solidFill>
+                          <a:srgbClr val="FF0000"/>
+                        </a:solidFill>
+                      </a:endParaRPr>
+                    </a:p>
+                  </a:txBody>
+                  <a:tcPr/>
+                </a:tc>
+                <a:tc>
+                  <a:txBody>
+                    <a:bodyPr/>
+                    <a:lstStyle/>
+                    <a:p>
+                      <a:r>
+                        <a:rPr lang="en-US" altLang="zh-CN" baseline="0" dirty="0" smtClean="0">
+                          <a:solidFill>
+                            <a:srgbClr val="FF0000"/>
+                          </a:solidFill>
+                        </a:rPr>
+                        <a:t>6</a:t>
+                      </a:r>
+                      <a:r>
+                        <a:rPr lang="zh-CN" altLang="en-US" baseline="0" dirty="0" smtClean="0">
+                          <a:solidFill>
+                            <a:srgbClr val="FF0000"/>
+                          </a:solidFill>
+                        </a:rPr>
+                        <a:t> </a:t>
+                      </a:r>
+                      <a:r>
+                        <a:rPr lang="en-US" altLang="zh-CN" baseline="0" dirty="0" smtClean="0">
+                          <a:solidFill>
+                            <a:srgbClr val="FF0000"/>
+                          </a:solidFill>
+                        </a:rPr>
+                        <a:t>hours</a:t>
+                      </a:r>
+                      <a:endParaRPr lang="zh-CN" altLang="en-US" dirty="0">
+                        <a:solidFill>
+                          <a:srgbClr val="FF0000"/>
+                        </a:solidFill>
+                      </a:endParaRPr>
+                    </a:p>
+                  </a:txBody>
+                  <a:tcPr/>
+                </a:tc>
+                <a:tc>
+                  <a:txBody>
+                    <a:bodyPr/>
+                    <a:lstStyle/>
+                    <a:p>
+                      <a:pPr algn="ctr"/>
+                      <a:r>
+                        <a:rPr lang="en-US" altLang="zh-CN" dirty="0" smtClean="0">
+                          <a:solidFill>
+                            <a:srgbClr val="FF0000"/>
+                          </a:solidFill>
+                        </a:rPr>
+                        <a:t>480</a:t>
+                      </a:r>
+                      <a:endParaRPr lang="zh-CN" altLang="en-US" dirty="0">
+                        <a:solidFill>
+                          <a:srgbClr val="FF0000"/>
+                        </a:solidFill>
+                      </a:endParaRPr>
+                    </a:p>
+                  </a:txBody>
+                  <a:tcPr/>
+                </a:tc>
+                <a:tc>
+                  <a:txBody>
+                    <a:bodyPr/>
+                    <a:lstStyle/>
+                    <a:p>
+                      <a:pPr algn="ctr"/>
+                      <a:r>
+                        <a:rPr lang="en-US" altLang="zh-CN" dirty="0" smtClean="0">
+                          <a:solidFill>
+                            <a:srgbClr val="FF0000"/>
+                          </a:solidFill>
+                        </a:rPr>
+                        <a:t>71.3%</a:t>
+                      </a:r>
+                      <a:endParaRPr lang="zh-CN" altLang="en-US" dirty="0">
+                        <a:solidFill>
+                          <a:srgbClr val="FF0000"/>
+                        </a:solidFill>
+                      </a:endParaRPr>
+                    </a:p>
+                  </a:txBody>
+                  <a:tcPr/>
+                </a:tc>
+              </a:tr>
+            </a:tbl>
+          </a:graphicData>
+        </a:graphic>
+      </p:graphicFrame>
+      <p:sp>
+        <p:nvSpPr>
+          <p:cNvPr id="3" name="文本框 2"/>
+          <p:cNvSpPr txBox="1"/>
+          <p:nvPr/>
+        </p:nvSpPr>
+        <p:spPr>
+          <a:xfrm>
+            <a:off x="3727988" y="4805917"/>
+            <a:ext cx="4742120" cy="584775"/>
+          </a:xfrm>
+          <a:prstGeom prst="rect">
+            <a:avLst/>
+          </a:prstGeom>
+          <a:noFill/>
+        </p:spPr>
+        <p:txBody>
+          <a:bodyPr wrap="square" rtlCol="0">
+            <a:spAutoFit/>
+          </a:bodyPr>
+          <a:lstStyle/>
+          <a:p>
+            <a:r>
+              <a:rPr kumimoji="1" lang="en-US" altLang="zh-CN" sz="3200" dirty="0" smtClean="0"/>
+              <a:t>SIFT</a:t>
+            </a:r>
+            <a:r>
+              <a:rPr kumimoji="1" lang="zh-CN" altLang="en-US" sz="3200" dirty="0" smtClean="0"/>
+              <a:t> </a:t>
+            </a:r>
+            <a:r>
+              <a:rPr kumimoji="1" lang="en-US" altLang="zh-CN" sz="3200" dirty="0" smtClean="0"/>
+              <a:t>+</a:t>
+            </a:r>
+            <a:r>
+              <a:rPr kumimoji="1" lang="zh-CN" altLang="en-US" sz="3200" dirty="0" smtClean="0"/>
+              <a:t> </a:t>
+            </a:r>
+            <a:r>
+              <a:rPr kumimoji="1" lang="en-US" altLang="zh-CN" sz="3200" dirty="0" smtClean="0"/>
+              <a:t>PCA</a:t>
+            </a:r>
+            <a:r>
+              <a:rPr kumimoji="1" lang="zh-CN" altLang="en-US" sz="3200" dirty="0" smtClean="0"/>
+              <a:t> </a:t>
+            </a:r>
+            <a:r>
+              <a:rPr kumimoji="1" lang="en-US" altLang="zh-CN" sz="3200" dirty="0" smtClean="0"/>
+              <a:t>+</a:t>
+            </a:r>
+            <a:r>
+              <a:rPr kumimoji="1" lang="zh-CN" altLang="en-US" sz="3200" dirty="0" smtClean="0"/>
+              <a:t> </a:t>
+            </a:r>
+            <a:r>
+              <a:rPr kumimoji="1" lang="en-US" altLang="zh-CN" sz="3200" dirty="0" err="1" smtClean="0"/>
+              <a:t>Xgboost</a:t>
+            </a:r>
+            <a:endParaRPr kumimoji="1" lang="zh-CN" altLang="en-US" sz="3200" dirty="0"/>
+          </a:p>
+        </p:txBody>
+      </p:sp>
+    </p:spTree>
+    <p:extLst>
+      <p:ext uri="{BB962C8B-B14F-4D97-AF65-F5344CB8AC3E}">
+        <p14:creationId xmlns:p14="http://schemas.microsoft.com/office/powerpoint/2010/main" val="10623810"/>
+      </p:ext>
+    </p:extLst>
+  </p:cSld>
+  <p:clrMapOvr>
+    <a:masterClrMapping/>
+  </p:clrMapOvr>
+  <p:timing>
+    <p:tnLst>
+      <p:par>
+        <p:cTn id="1" dur="indefinite" restart="never" nodeType="tmRoot">
+          <p:childTnLst>
+            <p:seq concurrent="1" nextAc="seek">
+              <p:cTn id="2" dur="indefinite" nodeType="mainSeq">
+                <p:childTnLst>
+                  <p:par>
+                    <p:cTn id="3" fill="hold">
+                      <p:stCondLst>
+                        <p:cond delay="indefinite"/>
+                      </p:stCondLst>
+                      <p:childTnLst>
+                        <p:par>
+                          <p:cTn id="4" fill="hold">
+                            <p:stCondLst>
+                              <p:cond delay="0"/>
+                            </p:stCondLst>
+                            <p:childTnLst>
+                              <p:par>
+                                <p:cTn id="5" presetID="1" presetClass="entr" presetSubtype="0" fill="hold" grpId="0" nodeType="clickEffect">
+                                  <p:stCondLst>
+                                    <p:cond delay="0"/>
+                                  </p:stCondLst>
+                                  <p:childTnLst>
+                                    <p:set>
+                                      <p:cBhvr>
+                                        <p:cTn id="6" dur="1" fill="hold">
+                                          <p:stCondLst>
+                                            <p:cond delay="0"/>
+                                          </p:stCondLst>
+                                        </p:cTn>
+                                        <p:tgtEl>
+                                          <p:spTgt spid="3"/>
+                                        </p:tgtEl>
+                                        <p:attrNameLst>
+                                          <p:attrName>style.visibility</p:attrName>
+                                        </p:attrNameLst>
+                                      </p:cBhvr>
+                                      <p:to>
+                                        <p:strVal val="visible"/>
+                                      </p:to>
+                                    </p:set>
+                                  </p:childTnLst>
+                                </p:cTn>
+                              </p:par>
+                            </p:childTnLst>
+                          </p:cTn>
+                        </p:par>
+                      </p:childTnLst>
+                    </p:cTn>
+                  </p:par>
+                </p:childTnLst>
+              </p:cTn>
+              <p:prevCondLst>
+                <p:cond evt="onPrev" delay="0">
+                  <p:tgtEl>
+                    <p:sldTgt/>
+                  </p:tgtEl>
+                </p:cond>
+              </p:prevCondLst>
+              <p:nextCondLst>
+                <p:cond evt="onNext" delay="0">
+                  <p:tgtEl>
+                    <p:sldTgt/>
+                  </p:tgtEl>
+                </p:cond>
+              </p:nextCondLst>
+            </p:seq>
+          </p:childTnLst>
+        </p:cTn>
+      </p:par>
+    </p:tnLst>
+    <p:bldLst>
+      <p:bldP spid="3" grpId="0"/>
+    </p:bldLst>
+  </p:timing>
+</p:sld>
+</file>
+
+<file path=ppt/slides/slide14.xml><?xml version="1.0" encoding="utf-8"?>
+<p:sld xmlns:a="http://schemas.openxmlformats.org/drawingml/2006/main" xmlns:r="http://schemas.openxmlformats.org/officeDocument/2006/relationships" xmlns:p="http://schemas.openxmlformats.org/presentationml/2006/main">
+  <p:cSld>
+    <p:spTree>
+      <p:nvGrpSpPr>
+        <p:cNvPr id="1" name=""/>
+        <p:cNvGrpSpPr/>
+        <p:nvPr/>
+      </p:nvGrpSpPr>
+      <p:grpSpPr>
+        <a:xfrm>
+          <a:off x="0" y="0"/>
+          <a:ext cx="0" cy="0"/>
+          <a:chOff x="0" y="0"/>
+          <a:chExt cx="0" cy="0"/>
+        </a:xfrm>
+      </p:grpSpPr>
+      <p:sp>
+        <p:nvSpPr>
+          <p:cNvPr id="2" name="标题 1"/>
+          <p:cNvSpPr>
+            <a:spLocks noGrp="1"/>
+          </p:cNvSpPr>
+          <p:nvPr>
+            <p:ph type="title"/>
+          </p:nvPr>
+        </p:nvSpPr>
+        <p:spPr/>
+        <p:txBody>
           <a:bodyPr>
             <a:normAutofit/>
           </a:bodyPr>
@@ -7932,7 +8692,7 @@
 </p:sld>
 </file>
 
-<file path=ppt/slides/slide14.xml><?xml version="1.0" encoding="utf-8"?>
+<file path=ppt/slides/slide15.xml><?xml version="1.0" encoding="utf-8"?>
 <p:sld xmlns:a="http://schemas.openxmlformats.org/drawingml/2006/main" xmlns:r="http://schemas.openxmlformats.org/officeDocument/2006/relationships" xmlns:p="http://schemas.openxmlformats.org/presentationml/2006/main">
   <p:cSld>
     <p:spTree>
@@ -8261,7 +9021,7 @@
 </p:sld>
 </file>
 
-<file path=ppt/slides/slide15.xml><?xml version="1.0" encoding="utf-8"?>
+<file path=ppt/slides/slide16.xml><?xml version="1.0" encoding="utf-8"?>
 <p:sld xmlns:a="http://schemas.openxmlformats.org/drawingml/2006/main" xmlns:r="http://schemas.openxmlformats.org/officeDocument/2006/relationships" xmlns:p="http://schemas.openxmlformats.org/presentationml/2006/main">
   <p:cSld>
     <p:spTree>
@@ -8313,1022 +9073,6 @@
       </p:sp>
       <p:graphicFrame>
         <p:nvGraphicFramePr>
-          <p:cNvPr id="4" name="表格 3"/>
-          <p:cNvGraphicFramePr>
-            <a:graphicFrameLocks noGrp="1"/>
-          </p:cNvGraphicFramePr>
-          <p:nvPr>
-            <p:extLst>
-              <p:ext uri="{D42A27DB-BD31-4B8C-83A1-F6EECF244321}">
-                <p14:modId xmlns:p14="http://schemas.microsoft.com/office/powerpoint/2010/main" val="740277519"/>
-              </p:ext>
-            </p:extLst>
-          </p:nvPr>
-        </p:nvGraphicFramePr>
-        <p:xfrm>
-          <a:off x="642940" y="1716044"/>
-          <a:ext cx="8044412" cy="4847888"/>
-        </p:xfrm>
-        <a:graphic>
-          <a:graphicData uri="http://schemas.openxmlformats.org/drawingml/2006/table">
-            <a:tbl>
-              <a:tblPr firstRow="1" bandRow="1">
-                <a:tableStyleId>{93296810-A885-4BE3-A3E7-6D5BEEA58F35}</a:tableStyleId>
-              </a:tblPr>
-              <a:tblGrid>
-                <a:gridCol w="2014648"/>
-                <a:gridCol w="1589019"/>
-                <a:gridCol w="1844400"/>
-                <a:gridCol w="2596345"/>
-              </a:tblGrid>
-              <a:tr h="1172369">
-                <a:tc>
-                  <a:txBody>
-                    <a:bodyPr/>
-                    <a:lstStyle/>
-                    <a:p>
-                      <a:pPr algn="ctr"/>
-                      <a:r>
-                        <a:rPr lang="en-US" altLang="zh-CN" dirty="0" smtClean="0"/>
-                        <a:t>Layer</a:t>
-                      </a:r>
-                      <a:r>
-                        <a:rPr lang="zh-CN" altLang="en-US" dirty="0" smtClean="0"/>
-                        <a:t> </a:t>
-                      </a:r>
-                      <a:endParaRPr lang="en-US" altLang="zh-CN" dirty="0" smtClean="0"/>
-                    </a:p>
-                    <a:p>
-                      <a:pPr algn="ctr"/>
-                      <a:r>
-                        <a:rPr lang="en-US" altLang="zh-CN" dirty="0" smtClean="0"/>
-                        <a:t>(around</a:t>
-                      </a:r>
-                      <a:r>
-                        <a:rPr lang="zh-CN" altLang="en-US" baseline="0" dirty="0" smtClean="0"/>
-                        <a:t> </a:t>
-                      </a:r>
-                      <a:r>
-                        <a:rPr lang="en-US" altLang="zh-CN" baseline="0" dirty="0" smtClean="0"/>
-                        <a:t>10mins)</a:t>
-                      </a:r>
-                      <a:endParaRPr lang="zh-CN" altLang="en-US" dirty="0"/>
-                    </a:p>
-                  </a:txBody>
-                  <a:tcPr anchor="ctr"/>
-                </a:tc>
-                <a:tc>
-                  <a:txBody>
-                    <a:bodyPr/>
-                    <a:lstStyle/>
-                    <a:p>
-                      <a:pPr algn="ctr"/>
-                      <a:r>
-                        <a:rPr lang="en-US" altLang="zh-CN" dirty="0" smtClean="0"/>
-                        <a:t>Total</a:t>
-                      </a:r>
-                      <a:r>
-                        <a:rPr lang="zh-CN" altLang="en-US" dirty="0" smtClean="0"/>
-                        <a:t> </a:t>
-                      </a:r>
-                      <a:r>
-                        <a:rPr lang="en-US" altLang="zh-CN" dirty="0" smtClean="0"/>
-                        <a:t>Features</a:t>
-                      </a:r>
-                      <a:endParaRPr lang="zh-CN" altLang="en-US" dirty="0"/>
-                    </a:p>
-                  </a:txBody>
-                  <a:tcPr anchor="ctr"/>
-                </a:tc>
-                <a:tc>
-                  <a:txBody>
-                    <a:bodyPr/>
-                    <a:lstStyle/>
-                    <a:p>
-                      <a:pPr algn="ctr"/>
-                      <a:r>
-                        <a:rPr lang="en-US" altLang="zh-CN" dirty="0" smtClean="0"/>
-                        <a:t>Features</a:t>
-                      </a:r>
-                      <a:r>
-                        <a:rPr lang="zh-CN" altLang="en-US" baseline="0" dirty="0" smtClean="0"/>
-                        <a:t> </a:t>
-                      </a:r>
-                      <a:r>
-                        <a:rPr lang="en-US" altLang="zh-CN" baseline="0" dirty="0" smtClean="0"/>
-                        <a:t>Selected</a:t>
-                      </a:r>
-                      <a:endParaRPr lang="zh-CN" altLang="en-US" dirty="0"/>
-                    </a:p>
-                  </a:txBody>
-                  <a:tcPr anchor="ctr"/>
-                </a:tc>
-                <a:tc>
-                  <a:txBody>
-                    <a:bodyPr/>
-                    <a:lstStyle/>
-                    <a:p>
-                      <a:pPr algn="ctr"/>
-                      <a:r>
-                        <a:rPr lang="en-US" altLang="zh-CN" dirty="0" smtClean="0"/>
-                        <a:t>PCA:</a:t>
-                      </a:r>
-                      <a:r>
-                        <a:rPr lang="zh-CN" altLang="en-US" dirty="0" smtClean="0"/>
-                        <a:t> </a:t>
-                      </a:r>
-                      <a:r>
-                        <a:rPr lang="en-US" altLang="zh-CN" dirty="0" smtClean="0"/>
-                        <a:t>Total</a:t>
-                      </a:r>
-                      <a:r>
-                        <a:rPr lang="zh-CN" altLang="en-US" baseline="0" dirty="0" smtClean="0"/>
-                        <a:t> </a:t>
-                      </a:r>
-                      <a:r>
-                        <a:rPr lang="en-US" altLang="zh-CN" baseline="0" dirty="0" smtClean="0"/>
-                        <a:t>variance</a:t>
-                      </a:r>
-                      <a:r>
-                        <a:rPr lang="zh-CN" altLang="en-US" baseline="0" dirty="0" smtClean="0"/>
-                        <a:t> </a:t>
-                      </a:r>
-                      <a:r>
-                        <a:rPr lang="en-US" altLang="zh-CN" baseline="0" dirty="0" smtClean="0"/>
-                        <a:t>of</a:t>
-                      </a:r>
-                      <a:r>
-                        <a:rPr lang="zh-CN" altLang="en-US" baseline="0" dirty="0" smtClean="0"/>
-                        <a:t> </a:t>
-                      </a:r>
-                      <a:r>
-                        <a:rPr lang="en-US" altLang="zh-CN" baseline="0" dirty="0" smtClean="0"/>
-                        <a:t>Explanation</a:t>
-                      </a:r>
-                      <a:endParaRPr lang="zh-CN" altLang="en-US" dirty="0"/>
-                    </a:p>
-                  </a:txBody>
-                  <a:tcPr anchor="ctr"/>
-                </a:tc>
-              </a:tr>
-              <a:tr h="357994">
-                <a:tc>
-                  <a:txBody>
-                    <a:bodyPr/>
-                    <a:lstStyle/>
-                    <a:p>
-                      <a:pPr algn="ctr"/>
-                      <a:r>
-                        <a:rPr lang="en-US" altLang="zh-CN" dirty="0" smtClean="0"/>
-                        <a:t>norm1</a:t>
-                      </a:r>
-                      <a:endParaRPr lang="zh-CN" altLang="en-US" dirty="0"/>
-                    </a:p>
-                  </a:txBody>
-                  <a:tcPr/>
-                </a:tc>
-                <a:tc>
-                  <a:txBody>
-                    <a:bodyPr/>
-                    <a:lstStyle/>
-                    <a:p>
-                      <a:pPr marL="0" algn="ctr" defTabSz="914400" rtl="0" eaLnBrk="1" latinLnBrk="0" hangingPunct="1"/>
-                      <a:r>
-                        <a:rPr lang="en-US" altLang="zh-CN" sz="1800" kern="1200" dirty="0" smtClean="0">
-                          <a:solidFill>
-                            <a:schemeClr val="dk1"/>
-                          </a:solidFill>
-                          <a:latin typeface="+mn-lt"/>
-                          <a:ea typeface="+mn-ea"/>
-                          <a:cs typeface="+mn-cs"/>
-                        </a:rPr>
-                        <a:t>69984</a:t>
-                      </a:r>
-                      <a:endParaRPr lang="zh-CN" altLang="en-US" sz="1800" kern="1200" dirty="0">
-                        <a:solidFill>
-                          <a:schemeClr val="dk1"/>
-                        </a:solidFill>
-                        <a:latin typeface="+mn-lt"/>
-                        <a:ea typeface="+mn-ea"/>
-                        <a:cs typeface="+mn-cs"/>
-                      </a:endParaRPr>
-                    </a:p>
-                  </a:txBody>
-                  <a:tcPr/>
-                </a:tc>
-                <a:tc>
-                  <a:txBody>
-                    <a:bodyPr/>
-                    <a:lstStyle/>
-                    <a:p>
-                      <a:pPr algn="ctr"/>
-                      <a:r>
-                        <a:rPr lang="en-US" altLang="zh-CN" dirty="0" smtClean="0"/>
-                        <a:t>1200</a:t>
-                      </a:r>
-                      <a:endParaRPr lang="zh-CN" altLang="en-US" dirty="0"/>
-                    </a:p>
-                  </a:txBody>
-                  <a:tcPr/>
-                </a:tc>
-                <a:tc>
-                  <a:txBody>
-                    <a:bodyPr/>
-                    <a:lstStyle/>
-                    <a:p>
-                      <a:pPr algn="ctr"/>
-                      <a:r>
-                        <a:rPr lang="en-US" altLang="zh-CN" dirty="0" smtClean="0"/>
-                        <a:t>91%</a:t>
-                      </a:r>
-                      <a:endParaRPr lang="zh-CN" altLang="en-US" dirty="0"/>
-                    </a:p>
-                  </a:txBody>
-                  <a:tcPr/>
-                </a:tc>
-              </a:tr>
-              <a:tr h="357994">
-                <a:tc>
-                  <a:txBody>
-                    <a:bodyPr/>
-                    <a:lstStyle/>
-                    <a:p>
-                      <a:pPr algn="ctr"/>
-                      <a:r>
-                        <a:rPr lang="en-US" altLang="zh-CN" sz="1800" kern="1200" dirty="0" smtClean="0">
-                          <a:solidFill>
-                            <a:schemeClr val="dk1"/>
-                          </a:solidFill>
-                          <a:effectLst/>
-                          <a:latin typeface="+mn-lt"/>
-                          <a:ea typeface="+mn-ea"/>
-                          <a:cs typeface="+mn-cs"/>
-                        </a:rPr>
-                        <a:t>norm2</a:t>
-                      </a:r>
-                      <a:endParaRPr lang="zh-CN" altLang="en-US" dirty="0"/>
-                    </a:p>
-                  </a:txBody>
-                  <a:tcPr/>
-                </a:tc>
-                <a:tc>
-                  <a:txBody>
-                    <a:bodyPr/>
-                    <a:lstStyle/>
-                    <a:p>
-                      <a:pPr marL="0" algn="ctr" defTabSz="914400" rtl="0" eaLnBrk="1" latinLnBrk="0" hangingPunct="1"/>
-                      <a:r>
-                        <a:rPr lang="is-IS" altLang="zh-CN" sz="1800" kern="1200" dirty="0" smtClean="0">
-                          <a:solidFill>
-                            <a:schemeClr val="dk1"/>
-                          </a:solidFill>
-                          <a:latin typeface="+mn-lt"/>
-                          <a:ea typeface="+mn-ea"/>
-                          <a:cs typeface="+mn-cs"/>
-                        </a:rPr>
-                        <a:t>43264</a:t>
-                      </a:r>
-                      <a:endParaRPr lang="zh-CN" altLang="en-US" sz="1800" kern="1200" dirty="0">
-                        <a:solidFill>
-                          <a:schemeClr val="dk1"/>
-                        </a:solidFill>
-                        <a:latin typeface="+mn-lt"/>
-                        <a:ea typeface="+mn-ea"/>
-                        <a:cs typeface="+mn-cs"/>
-                      </a:endParaRPr>
-                    </a:p>
-                  </a:txBody>
-                  <a:tcPr/>
-                </a:tc>
-                <a:tc>
-                  <a:txBody>
-                    <a:bodyPr/>
-                    <a:lstStyle/>
-                    <a:p>
-                      <a:pPr algn="ctr"/>
-                      <a:r>
-                        <a:rPr lang="en-US" altLang="zh-CN" dirty="0" smtClean="0"/>
-                        <a:t>1200</a:t>
-                      </a:r>
-                      <a:endParaRPr lang="zh-CN" altLang="en-US" dirty="0"/>
-                    </a:p>
-                  </a:txBody>
-                  <a:tcPr/>
-                </a:tc>
-                <a:tc>
-                  <a:txBody>
-                    <a:bodyPr/>
-                    <a:lstStyle/>
-                    <a:p>
-                      <a:pPr algn="ctr"/>
-                      <a:r>
-                        <a:rPr lang="en-US" altLang="zh-CN" dirty="0" smtClean="0"/>
-                        <a:t>91%</a:t>
-                      </a:r>
-                      <a:endParaRPr lang="zh-CN" altLang="en-US" dirty="0"/>
-                    </a:p>
-                  </a:txBody>
-                  <a:tcPr/>
-                </a:tc>
-              </a:tr>
-              <a:tr h="357994">
-                <a:tc>
-                  <a:txBody>
-                    <a:bodyPr/>
-                    <a:lstStyle/>
-                    <a:p>
-                      <a:pPr algn="ctr"/>
-                      <a:r>
-                        <a:rPr lang="en-US" altLang="zh-CN" sz="1800" kern="1200" dirty="0" smtClean="0">
-                          <a:solidFill>
-                            <a:schemeClr val="dk1"/>
-                          </a:solidFill>
-                          <a:effectLst/>
-                          <a:latin typeface="+mn-lt"/>
-                          <a:ea typeface="+mn-ea"/>
-                          <a:cs typeface="+mn-cs"/>
-                        </a:rPr>
-                        <a:t>conv3</a:t>
-                      </a:r>
-                      <a:endParaRPr lang="zh-CN" altLang="en-US" dirty="0"/>
-                    </a:p>
-                  </a:txBody>
-                  <a:tcPr/>
-                </a:tc>
-                <a:tc>
-                  <a:txBody>
-                    <a:bodyPr/>
-                    <a:lstStyle/>
-                    <a:p>
-                      <a:pPr marL="0" algn="ctr" defTabSz="914400" rtl="0" eaLnBrk="1" latinLnBrk="0" hangingPunct="1"/>
-                      <a:r>
-                        <a:rPr lang="cs-CZ" altLang="zh-CN" sz="1800" kern="1200" dirty="0" smtClean="0">
-                          <a:solidFill>
-                            <a:schemeClr val="dk1"/>
-                          </a:solidFill>
-                          <a:latin typeface="+mn-lt"/>
-                          <a:ea typeface="+mn-ea"/>
-                          <a:cs typeface="+mn-cs"/>
-                        </a:rPr>
-                        <a:t>64896</a:t>
-                      </a:r>
-                      <a:endParaRPr lang="zh-CN" altLang="en-US" sz="1800" kern="1200" dirty="0">
-                        <a:solidFill>
-                          <a:schemeClr val="dk1"/>
-                        </a:solidFill>
-                        <a:latin typeface="+mn-lt"/>
-                        <a:ea typeface="+mn-ea"/>
-                        <a:cs typeface="+mn-cs"/>
-                      </a:endParaRPr>
-                    </a:p>
-                  </a:txBody>
-                  <a:tcPr/>
-                </a:tc>
-                <a:tc>
-                  <a:txBody>
-                    <a:bodyPr/>
-                    <a:lstStyle/>
-                    <a:p>
-                      <a:pPr algn="ctr"/>
-                      <a:r>
-                        <a:rPr lang="en-US" altLang="zh-CN" dirty="0" smtClean="0"/>
-                        <a:t>1200</a:t>
-                      </a:r>
-                      <a:endParaRPr lang="zh-CN" altLang="en-US" dirty="0"/>
-                    </a:p>
-                  </a:txBody>
-                  <a:tcPr/>
-                </a:tc>
-                <a:tc>
-                  <a:txBody>
-                    <a:bodyPr/>
-                    <a:lstStyle/>
-                    <a:p>
-                      <a:pPr algn="ctr"/>
-                      <a:r>
-                        <a:rPr lang="en-US" altLang="zh-CN" dirty="0" smtClean="0"/>
-                        <a:t>90%</a:t>
-                      </a:r>
-                      <a:endParaRPr lang="zh-CN" altLang="en-US" dirty="0"/>
-                    </a:p>
-                  </a:txBody>
-                  <a:tcPr/>
-                </a:tc>
-              </a:tr>
-              <a:tr h="0">
-                <a:tc>
-                  <a:txBody>
-                    <a:bodyPr/>
-                    <a:lstStyle/>
-                    <a:p>
-                      <a:pPr algn="ctr"/>
-                      <a:r>
-                        <a:rPr lang="en-US" altLang="zh-CN" sz="1800" kern="1200" dirty="0" smtClean="0">
-                          <a:solidFill>
-                            <a:schemeClr val="dk1"/>
-                          </a:solidFill>
-                          <a:effectLst/>
-                          <a:latin typeface="+mn-lt"/>
-                          <a:ea typeface="+mn-ea"/>
-                          <a:cs typeface="+mn-cs"/>
-                        </a:rPr>
-                        <a:t>conv4</a:t>
-                      </a:r>
-                      <a:endParaRPr lang="zh-CN" altLang="en-US" dirty="0"/>
-                    </a:p>
-                  </a:txBody>
-                  <a:tcPr/>
-                </a:tc>
-                <a:tc>
-                  <a:txBody>
-                    <a:bodyPr/>
-                    <a:lstStyle/>
-                    <a:p>
-                      <a:pPr marL="0" algn="ctr" defTabSz="914400" rtl="0" eaLnBrk="1" latinLnBrk="0" hangingPunct="1"/>
-                      <a:r>
-                        <a:rPr lang="cs-CZ" altLang="zh-CN" sz="1800" kern="1200" dirty="0" smtClean="0">
-                          <a:solidFill>
-                            <a:schemeClr val="dk1"/>
-                          </a:solidFill>
-                          <a:latin typeface="+mn-lt"/>
-                          <a:ea typeface="+mn-ea"/>
-                          <a:cs typeface="+mn-cs"/>
-                        </a:rPr>
-                        <a:t>64896</a:t>
-                      </a:r>
-                      <a:endParaRPr lang="zh-CN" altLang="en-US" sz="1800" kern="1200" dirty="0">
-                        <a:solidFill>
-                          <a:schemeClr val="dk1"/>
-                        </a:solidFill>
-                        <a:latin typeface="+mn-lt"/>
-                        <a:ea typeface="+mn-ea"/>
-                        <a:cs typeface="+mn-cs"/>
-                      </a:endParaRPr>
-                    </a:p>
-                  </a:txBody>
-                  <a:tcPr/>
-                </a:tc>
-                <a:tc>
-                  <a:txBody>
-                    <a:bodyPr/>
-                    <a:lstStyle/>
-                    <a:p>
-                      <a:pPr algn="ctr"/>
-                      <a:r>
-                        <a:rPr lang="en-US" altLang="zh-CN" dirty="0" smtClean="0"/>
-                        <a:t>1200</a:t>
-                      </a:r>
-                      <a:endParaRPr lang="zh-CN" altLang="en-US" dirty="0"/>
-                    </a:p>
-                  </a:txBody>
-                  <a:tcPr/>
-                </a:tc>
-                <a:tc>
-                  <a:txBody>
-                    <a:bodyPr/>
-                    <a:lstStyle/>
-                    <a:p>
-                      <a:pPr algn="ctr"/>
-                      <a:r>
-                        <a:rPr lang="en-US" altLang="zh-CN" dirty="0" smtClean="0"/>
-                        <a:t>90%</a:t>
-                      </a:r>
-                      <a:endParaRPr lang="zh-CN" altLang="en-US" dirty="0"/>
-                    </a:p>
-                  </a:txBody>
-                  <a:tcPr/>
-                </a:tc>
-              </a:tr>
-              <a:tr h="383679">
-                <a:tc>
-                  <a:txBody>
-                    <a:bodyPr/>
-                    <a:lstStyle/>
-                    <a:p>
-                      <a:pPr algn="ctr"/>
-                      <a:r>
-                        <a:rPr lang="en-US" altLang="zh-CN" sz="1800" kern="1200" dirty="0" smtClean="0">
-                          <a:solidFill>
-                            <a:schemeClr val="dk1"/>
-                          </a:solidFill>
-                          <a:effectLst/>
-                          <a:latin typeface="+mn-lt"/>
-                          <a:ea typeface="+mn-ea"/>
-                          <a:cs typeface="+mn-cs"/>
-                        </a:rPr>
-                        <a:t>conv5</a:t>
-                      </a:r>
-                      <a:endParaRPr lang="zh-CN" altLang="en-US" dirty="0"/>
-                    </a:p>
-                  </a:txBody>
-                  <a:tcPr/>
-                </a:tc>
-                <a:tc>
-                  <a:txBody>
-                    <a:bodyPr/>
-                    <a:lstStyle/>
-                    <a:p>
-                      <a:pPr marL="0" algn="ctr" defTabSz="914400" rtl="0" eaLnBrk="1" latinLnBrk="0" hangingPunct="1"/>
-                      <a:r>
-                        <a:rPr lang="cs-CZ" altLang="zh-CN" sz="1800" kern="1200" dirty="0" smtClean="0">
-                          <a:solidFill>
-                            <a:schemeClr val="dk1"/>
-                          </a:solidFill>
-                          <a:latin typeface="+mn-lt"/>
-                          <a:ea typeface="+mn-ea"/>
-                          <a:cs typeface="+mn-cs"/>
-                        </a:rPr>
-                        <a:t>9216</a:t>
-                      </a:r>
-                      <a:endParaRPr lang="zh-CN" altLang="en-US" sz="1800" kern="1200" dirty="0">
-                        <a:solidFill>
-                          <a:schemeClr val="dk1"/>
-                        </a:solidFill>
-                        <a:latin typeface="+mn-lt"/>
-                        <a:ea typeface="+mn-ea"/>
-                        <a:cs typeface="+mn-cs"/>
-                      </a:endParaRPr>
-                    </a:p>
-                  </a:txBody>
-                  <a:tcPr/>
-                </a:tc>
-                <a:tc>
-                  <a:txBody>
-                    <a:bodyPr/>
-                    <a:lstStyle/>
-                    <a:p>
-                      <a:pPr algn="ctr"/>
-                      <a:r>
-                        <a:rPr lang="en-US" altLang="zh-CN" dirty="0" smtClean="0"/>
-                        <a:t>1500</a:t>
-                      </a:r>
-                      <a:endParaRPr lang="zh-CN" altLang="en-US" dirty="0"/>
-                    </a:p>
-                  </a:txBody>
-                  <a:tcPr/>
-                </a:tc>
-                <a:tc>
-                  <a:txBody>
-                    <a:bodyPr/>
-                    <a:lstStyle/>
-                    <a:p>
-                      <a:pPr algn="ctr"/>
-                      <a:r>
-                        <a:rPr lang="en-US" altLang="zh-CN" dirty="0" smtClean="0"/>
-                        <a:t>94%</a:t>
-                      </a:r>
-                      <a:endParaRPr lang="zh-CN" altLang="en-US" dirty="0"/>
-                    </a:p>
-                  </a:txBody>
-                  <a:tcPr/>
-                </a:tc>
-              </a:tr>
-              <a:tr h="357994">
-                <a:tc>
-                  <a:txBody>
-                    <a:bodyPr/>
-                    <a:lstStyle/>
-                    <a:p>
-                      <a:pPr algn="ctr"/>
-                      <a:r>
-                        <a:rPr lang="en-US" altLang="zh-CN" sz="1800" kern="1200" dirty="0" smtClean="0">
-                          <a:solidFill>
-                            <a:schemeClr val="dk1"/>
-                          </a:solidFill>
-                          <a:effectLst/>
-                          <a:latin typeface="+mn-lt"/>
-                          <a:ea typeface="+mn-ea"/>
-                          <a:cs typeface="+mn-cs"/>
-                        </a:rPr>
-                        <a:t>pool5</a:t>
-                      </a:r>
-                      <a:endParaRPr lang="zh-CN" altLang="en-US" dirty="0"/>
-                    </a:p>
-                  </a:txBody>
-                  <a:tcPr/>
-                </a:tc>
-                <a:tc>
-                  <a:txBody>
-                    <a:bodyPr/>
-                    <a:lstStyle/>
-                    <a:p>
-                      <a:pPr marL="0" algn="ctr" defTabSz="914400" rtl="0" eaLnBrk="1" latinLnBrk="0" hangingPunct="1"/>
-                      <a:r>
-                        <a:rPr lang="is-IS" altLang="zh-CN" sz="1800" kern="1200" dirty="0" smtClean="0">
-                          <a:solidFill>
-                            <a:schemeClr val="dk1"/>
-                          </a:solidFill>
-                          <a:latin typeface="+mn-lt"/>
-                          <a:ea typeface="+mn-ea"/>
-                          <a:cs typeface="+mn-cs"/>
-                        </a:rPr>
-                        <a:t>43264</a:t>
-                      </a:r>
-                      <a:endParaRPr lang="zh-CN" altLang="en-US" sz="1800" kern="1200" dirty="0">
-                        <a:solidFill>
-                          <a:schemeClr val="dk1"/>
-                        </a:solidFill>
-                        <a:latin typeface="+mn-lt"/>
-                        <a:ea typeface="+mn-ea"/>
-                        <a:cs typeface="+mn-cs"/>
-                      </a:endParaRPr>
-                    </a:p>
-                  </a:txBody>
-                  <a:tcPr/>
-                </a:tc>
-                <a:tc>
-                  <a:txBody>
-                    <a:bodyPr/>
-                    <a:lstStyle/>
-                    <a:p>
-                      <a:pPr algn="ctr"/>
-                      <a:r>
-                        <a:rPr lang="en-US" altLang="zh-CN" dirty="0" smtClean="0"/>
-                        <a:t>1000</a:t>
-                      </a:r>
-                      <a:endParaRPr lang="zh-CN" altLang="en-US" dirty="0"/>
-                    </a:p>
-                  </a:txBody>
-                  <a:tcPr/>
-                </a:tc>
-                <a:tc>
-                  <a:txBody>
-                    <a:bodyPr/>
-                    <a:lstStyle/>
-                    <a:p>
-                      <a:pPr algn="ctr"/>
-                      <a:r>
-                        <a:rPr lang="en-US" altLang="zh-CN" dirty="0" smtClean="0"/>
-                        <a:t>91%</a:t>
-                      </a:r>
-                      <a:endParaRPr lang="zh-CN" altLang="en-US" dirty="0"/>
-                    </a:p>
-                  </a:txBody>
-                  <a:tcPr/>
-                </a:tc>
-              </a:tr>
-              <a:tr h="357994">
-                <a:tc>
-                  <a:txBody>
-                    <a:bodyPr/>
-                    <a:lstStyle/>
-                    <a:p>
-                      <a:pPr algn="ctr"/>
-                      <a:r>
-                        <a:rPr lang="en-US" altLang="zh-CN" sz="1800" kern="1200" dirty="0" smtClean="0">
-                          <a:solidFill>
-                            <a:schemeClr val="dk1"/>
-                          </a:solidFill>
-                          <a:effectLst/>
-                          <a:latin typeface="+mn-lt"/>
-                          <a:ea typeface="+mn-ea"/>
-                          <a:cs typeface="+mn-cs"/>
-                        </a:rPr>
-                        <a:t>fc6</a:t>
-                      </a:r>
-                      <a:endParaRPr lang="zh-CN" altLang="en-US" dirty="0"/>
-                    </a:p>
-                  </a:txBody>
-                  <a:tcPr/>
-                </a:tc>
-                <a:tc>
-                  <a:txBody>
-                    <a:bodyPr/>
-                    <a:lstStyle/>
-                    <a:p>
-                      <a:pPr marL="0" algn="ctr" defTabSz="914400" rtl="0" eaLnBrk="1" latinLnBrk="0" hangingPunct="1"/>
-                      <a:r>
-                        <a:rPr lang="is-IS" altLang="zh-CN" sz="1800" kern="1200" dirty="0" smtClean="0">
-                          <a:solidFill>
-                            <a:schemeClr val="dk1"/>
-                          </a:solidFill>
-                          <a:latin typeface="+mn-lt"/>
-                          <a:ea typeface="+mn-ea"/>
-                          <a:cs typeface="+mn-cs"/>
-                        </a:rPr>
-                        <a:t>4096</a:t>
-                      </a:r>
-                      <a:endParaRPr lang="zh-CN" altLang="en-US" sz="1800" kern="1200" dirty="0">
-                        <a:solidFill>
-                          <a:schemeClr val="dk1"/>
-                        </a:solidFill>
-                        <a:latin typeface="+mn-lt"/>
-                        <a:ea typeface="+mn-ea"/>
-                        <a:cs typeface="+mn-cs"/>
-                      </a:endParaRPr>
-                    </a:p>
-                  </a:txBody>
-                  <a:tcPr/>
-                </a:tc>
-                <a:tc>
-                  <a:txBody>
-                    <a:bodyPr/>
-                    <a:lstStyle/>
-                    <a:p>
-                      <a:pPr algn="ctr"/>
-                      <a:r>
-                        <a:rPr lang="en-US" altLang="zh-CN" dirty="0" smtClean="0"/>
-                        <a:t>900</a:t>
-                      </a:r>
-                      <a:endParaRPr lang="zh-CN" altLang="en-US" dirty="0"/>
-                    </a:p>
-                  </a:txBody>
-                  <a:tcPr/>
-                </a:tc>
-                <a:tc>
-                  <a:txBody>
-                    <a:bodyPr/>
-                    <a:lstStyle/>
-                    <a:p>
-                      <a:pPr algn="ctr"/>
-                      <a:r>
-                        <a:rPr lang="en-US" altLang="zh-CN" dirty="0" smtClean="0"/>
-                        <a:t>91%</a:t>
-                      </a:r>
-                      <a:endParaRPr lang="zh-CN" altLang="en-US" dirty="0"/>
-                    </a:p>
-                  </a:txBody>
-                  <a:tcPr/>
-                </a:tc>
-              </a:tr>
-              <a:tr h="357994">
-                <a:tc>
-                  <a:txBody>
-                    <a:bodyPr/>
-                    <a:lstStyle/>
-                    <a:p>
-                      <a:pPr algn="ctr"/>
-                      <a:r>
-                        <a:rPr lang="en-US" altLang="zh-CN" sz="1800" kern="1200" dirty="0" smtClean="0">
-                          <a:solidFill>
-                            <a:schemeClr val="tx1"/>
-                          </a:solidFill>
-                          <a:effectLst/>
-                          <a:latin typeface="+mn-lt"/>
-                          <a:ea typeface="+mn-ea"/>
-                          <a:cs typeface="+mn-cs"/>
-                        </a:rPr>
-                        <a:t>fc7</a:t>
-                      </a:r>
-                      <a:endParaRPr lang="zh-CN" altLang="en-US" dirty="0">
-                        <a:solidFill>
-                          <a:schemeClr val="tx1"/>
-                        </a:solidFill>
-                      </a:endParaRPr>
-                    </a:p>
-                  </a:txBody>
-                  <a:tcPr/>
-                </a:tc>
-                <a:tc>
-                  <a:txBody>
-                    <a:bodyPr/>
-                    <a:lstStyle/>
-                    <a:p>
-                      <a:pPr marL="0" algn="ctr" defTabSz="914400" rtl="0" eaLnBrk="1" latinLnBrk="0" hangingPunct="1"/>
-                      <a:r>
-                        <a:rPr lang="is-IS" altLang="zh-CN" sz="1800" kern="1200" dirty="0" smtClean="0">
-                          <a:solidFill>
-                            <a:schemeClr val="tx1"/>
-                          </a:solidFill>
-                          <a:latin typeface="+mn-lt"/>
-                          <a:ea typeface="+mn-ea"/>
-                          <a:cs typeface="+mn-cs"/>
-                        </a:rPr>
-                        <a:t>4096</a:t>
-                      </a:r>
-                      <a:endParaRPr lang="zh-CN" altLang="en-US" sz="1800" kern="1200" dirty="0">
-                        <a:solidFill>
-                          <a:schemeClr val="tx1"/>
-                        </a:solidFill>
-                        <a:latin typeface="+mn-lt"/>
-                        <a:ea typeface="+mn-ea"/>
-                        <a:cs typeface="+mn-cs"/>
-                      </a:endParaRPr>
-                    </a:p>
-                  </a:txBody>
-                  <a:tcPr/>
-                </a:tc>
-                <a:tc>
-                  <a:txBody>
-                    <a:bodyPr/>
-                    <a:lstStyle/>
-                    <a:p>
-                      <a:pPr algn="ctr"/>
-                      <a:r>
-                        <a:rPr lang="en-US" altLang="zh-CN" dirty="0" smtClean="0">
-                          <a:solidFill>
-                            <a:schemeClr val="tx1"/>
-                          </a:solidFill>
-                        </a:rPr>
-                        <a:t>1000</a:t>
-                      </a:r>
-                      <a:endParaRPr lang="zh-CN" altLang="en-US" dirty="0">
-                        <a:solidFill>
-                          <a:schemeClr val="tx1"/>
-                        </a:solidFill>
-                      </a:endParaRPr>
-                    </a:p>
-                  </a:txBody>
-                  <a:tcPr/>
-                </a:tc>
-                <a:tc>
-                  <a:txBody>
-                    <a:bodyPr/>
-                    <a:lstStyle/>
-                    <a:p>
-                      <a:pPr algn="ctr"/>
-                      <a:r>
-                        <a:rPr lang="en-US" altLang="zh-CN" dirty="0" smtClean="0">
-                          <a:solidFill>
-                            <a:schemeClr val="tx1"/>
-                          </a:solidFill>
-                        </a:rPr>
-                        <a:t>96%</a:t>
-                      </a:r>
-                      <a:endParaRPr lang="zh-CN" altLang="en-US" dirty="0">
-                        <a:solidFill>
-                          <a:schemeClr val="tx1"/>
-                        </a:solidFill>
-                      </a:endParaRPr>
-                    </a:p>
-                  </a:txBody>
-                  <a:tcPr/>
-                </a:tc>
-              </a:tr>
-              <a:tr h="357994">
-                <a:tc>
-                  <a:txBody>
-                    <a:bodyPr/>
-                    <a:lstStyle/>
-                    <a:p>
-                      <a:pPr algn="ctr"/>
-                      <a:r>
-                        <a:rPr lang="en-US" altLang="zh-CN" sz="1800" kern="1200" dirty="0" smtClean="0">
-                          <a:solidFill>
-                            <a:schemeClr val="dk1"/>
-                          </a:solidFill>
-                          <a:effectLst/>
-                          <a:latin typeface="+mn-lt"/>
-                          <a:ea typeface="+mn-ea"/>
-                          <a:cs typeface="+mn-cs"/>
-                        </a:rPr>
-                        <a:t>fc8</a:t>
-                      </a:r>
-                      <a:endParaRPr lang="zh-CN" altLang="en-US" dirty="0"/>
-                    </a:p>
-                  </a:txBody>
-                  <a:tcPr/>
-                </a:tc>
-                <a:tc>
-                  <a:txBody>
-                    <a:bodyPr/>
-                    <a:lstStyle/>
-                    <a:p>
-                      <a:pPr marL="0" algn="ctr" defTabSz="914400" rtl="0" eaLnBrk="1" latinLnBrk="0" hangingPunct="1"/>
-                      <a:r>
-                        <a:rPr lang="is-IS" altLang="zh-CN" sz="1800" kern="1200" dirty="0" smtClean="0">
-                          <a:solidFill>
-                            <a:schemeClr val="dk1"/>
-                          </a:solidFill>
-                          <a:latin typeface="+mn-lt"/>
-                          <a:ea typeface="+mn-ea"/>
-                          <a:cs typeface="+mn-cs"/>
-                        </a:rPr>
-                        <a:t>1000</a:t>
-                      </a:r>
-                      <a:endParaRPr lang="zh-CN" altLang="en-US" sz="1800" kern="1200" dirty="0">
-                        <a:solidFill>
-                          <a:schemeClr val="dk1"/>
-                        </a:solidFill>
-                        <a:latin typeface="+mn-lt"/>
-                        <a:ea typeface="+mn-ea"/>
-                        <a:cs typeface="+mn-cs"/>
-                      </a:endParaRPr>
-                    </a:p>
-                  </a:txBody>
-                  <a:tcPr/>
-                </a:tc>
-                <a:tc>
-                  <a:txBody>
-                    <a:bodyPr/>
-                    <a:lstStyle/>
-                    <a:p>
-                      <a:pPr algn="ctr"/>
-                      <a:r>
-                        <a:rPr lang="en-US" altLang="zh-CN" dirty="0" smtClean="0"/>
-                        <a:t>1000</a:t>
-                      </a:r>
-                      <a:endParaRPr lang="zh-CN" altLang="en-US" dirty="0"/>
-                    </a:p>
-                  </a:txBody>
-                  <a:tcPr/>
-                </a:tc>
-                <a:tc>
-                  <a:txBody>
-                    <a:bodyPr/>
-                    <a:lstStyle/>
-                    <a:p>
-                      <a:pPr algn="ctr"/>
-                      <a:r>
-                        <a:rPr lang="en-US" altLang="zh-CN" dirty="0" smtClean="0"/>
-                        <a:t>100%</a:t>
-                      </a:r>
-                      <a:endParaRPr lang="zh-CN" altLang="en-US" dirty="0"/>
-                    </a:p>
-                  </a:txBody>
-                  <a:tcPr/>
-                </a:tc>
-              </a:tr>
-              <a:tr h="357994">
-                <a:tc>
-                  <a:txBody>
-                    <a:bodyPr/>
-                    <a:lstStyle/>
-                    <a:p>
-                      <a:pPr algn="ctr"/>
-                      <a:r>
-                        <a:rPr lang="en-US" altLang="zh-CN" sz="1800" kern="1200" dirty="0" err="1" smtClean="0">
-                          <a:solidFill>
-                            <a:schemeClr val="dk1"/>
-                          </a:solidFill>
-                          <a:effectLst/>
-                          <a:latin typeface="+mn-lt"/>
-                          <a:ea typeface="+mn-ea"/>
-                          <a:cs typeface="+mn-cs"/>
-                        </a:rPr>
-                        <a:t>prob</a:t>
-                      </a:r>
-                      <a:endParaRPr lang="zh-CN" altLang="en-US" dirty="0"/>
-                    </a:p>
-                  </a:txBody>
-                  <a:tcPr/>
-                </a:tc>
-                <a:tc>
-                  <a:txBody>
-                    <a:bodyPr/>
-                    <a:lstStyle/>
-                    <a:p>
-                      <a:pPr marL="0" algn="ctr" defTabSz="914400" rtl="0" eaLnBrk="1" latinLnBrk="0" hangingPunct="1"/>
-                      <a:r>
-                        <a:rPr lang="is-IS" altLang="zh-CN" sz="1800" kern="1200" dirty="0" smtClean="0">
-                          <a:solidFill>
-                            <a:schemeClr val="dk1"/>
-                          </a:solidFill>
-                          <a:latin typeface="+mn-lt"/>
-                          <a:ea typeface="+mn-ea"/>
-                          <a:cs typeface="+mn-cs"/>
-                        </a:rPr>
-                        <a:t>1000</a:t>
-                      </a:r>
-                      <a:endParaRPr lang="zh-CN" altLang="en-US" sz="1800" kern="1200" dirty="0">
-                        <a:solidFill>
-                          <a:schemeClr val="dk1"/>
-                        </a:solidFill>
-                        <a:latin typeface="+mn-lt"/>
-                        <a:ea typeface="+mn-ea"/>
-                        <a:cs typeface="+mn-cs"/>
-                      </a:endParaRPr>
-                    </a:p>
-                  </a:txBody>
-                  <a:tcPr/>
-                </a:tc>
-                <a:tc>
-                  <a:txBody>
-                    <a:bodyPr/>
-                    <a:lstStyle/>
-                    <a:p>
-                      <a:pPr algn="ctr"/>
-                      <a:r>
-                        <a:rPr lang="en-US" altLang="zh-CN" dirty="0" smtClean="0"/>
-                        <a:t>1000</a:t>
-                      </a:r>
-                      <a:endParaRPr lang="zh-CN" altLang="en-US" dirty="0"/>
-                    </a:p>
-                  </a:txBody>
-                  <a:tcPr/>
-                </a:tc>
-                <a:tc>
-                  <a:txBody>
-                    <a:bodyPr/>
-                    <a:lstStyle/>
-                    <a:p>
-                      <a:pPr algn="ctr"/>
-                      <a:r>
-                        <a:rPr lang="en-US" altLang="zh-CN" dirty="0" smtClean="0"/>
-                        <a:t>100%</a:t>
-                      </a:r>
-                      <a:endParaRPr lang="zh-CN" altLang="en-US" dirty="0"/>
-                    </a:p>
-                  </a:txBody>
-                  <a:tcPr/>
-                </a:tc>
-              </a:tr>
-            </a:tbl>
-          </a:graphicData>
-        </a:graphic>
-      </p:graphicFrame>
-      <p:graphicFrame>
-        <p:nvGraphicFramePr>
           <p:cNvPr id="9" name="表格 8"/>
           <p:cNvGraphicFramePr>
             <a:graphicFrameLocks noGrp="1"/>
@@ -9336,13 +9080,13 @@
           <p:nvPr>
             <p:extLst>
               <p:ext uri="{D42A27DB-BD31-4B8C-83A1-F6EECF244321}">
-                <p14:modId xmlns:p14="http://schemas.microsoft.com/office/powerpoint/2010/main" val="990786082"/>
+                <p14:modId xmlns:p14="http://schemas.microsoft.com/office/powerpoint/2010/main" val="701234862"/>
               </p:ext>
             </p:extLst>
           </p:nvPr>
         </p:nvGraphicFramePr>
         <p:xfrm>
-          <a:off x="642940" y="1716044"/>
+          <a:off x="778669" y="1707072"/>
           <a:ext cx="10640757" cy="4847888"/>
         </p:xfrm>
         <a:graphic>
@@ -9647,17 +9391,6 @@
                     <a:p>
                       <a:pPr marL="0" algn="ctr" defTabSz="914400" rtl="0" eaLnBrk="1" fontAlgn="b" latinLnBrk="0" hangingPunct="1"/>
                       <a:r>
-                        <a:rPr lang="pt-BR" sz="1800" kern="1200" dirty="0" smtClean="0">
-                          <a:solidFill>
-                            <a:schemeClr val="dk1"/>
-                          </a:solidFill>
-                          <a:latin typeface="+mn-lt"/>
-                          <a:ea typeface="+mn-ea"/>
-                          <a:cs typeface="+mn-cs"/>
-                        </a:rPr>
-                        <a:t>8</a:t>
-                      </a:r>
-                      <a:r>
                         <a:rPr lang="en-US" altLang="zh-CN" sz="1800" kern="1200" dirty="0" smtClean="0">
                           <a:solidFill>
                             <a:schemeClr val="dk1"/>
@@ -9666,7 +9399,7 @@
                           <a:ea typeface="+mn-ea"/>
                           <a:cs typeface="+mn-cs"/>
                         </a:rPr>
-                        <a:t>5</a:t>
+                        <a:t>76</a:t>
                       </a:r>
                       <a:r>
                         <a:rPr lang="pt-BR" sz="1800" kern="1200" dirty="0" smtClean="0">
@@ -9785,17 +9518,6 @@
                     <a:p>
                       <a:pPr marL="0" algn="ctr" defTabSz="914400" rtl="0" eaLnBrk="1" fontAlgn="b" latinLnBrk="0" hangingPunct="1"/>
                       <a:r>
-                        <a:rPr lang="pt-BR" sz="1800" kern="1200" dirty="0" smtClean="0">
-                          <a:solidFill>
-                            <a:schemeClr val="dk1"/>
-                          </a:solidFill>
-                          <a:latin typeface="+mn-lt"/>
-                          <a:ea typeface="+mn-ea"/>
-                          <a:cs typeface="+mn-cs"/>
-                        </a:rPr>
-                        <a:t>9</a:t>
-                      </a:r>
-                      <a:r>
                         <a:rPr lang="en-US" altLang="zh-CN" sz="1800" kern="1200" dirty="0" smtClean="0">
                           <a:solidFill>
                             <a:schemeClr val="dk1"/>
@@ -9804,7 +9526,7 @@
                           <a:ea typeface="+mn-ea"/>
                           <a:cs typeface="+mn-cs"/>
                         </a:rPr>
-                        <a:t>0</a:t>
+                        <a:t>81</a:t>
                       </a:r>
                       <a:r>
                         <a:rPr lang="pt-BR" sz="1800" kern="1200" dirty="0" smtClean="0">
@@ -9923,17 +9645,6 @@
                     <a:p>
                       <a:pPr marL="0" algn="ctr" defTabSz="914400" rtl="0" eaLnBrk="1" fontAlgn="b" latinLnBrk="0" hangingPunct="1"/>
                       <a:r>
-                        <a:rPr lang="hr-HR" sz="1800" kern="1200" dirty="0" smtClean="0">
-                          <a:solidFill>
-                            <a:schemeClr val="dk1"/>
-                          </a:solidFill>
-                          <a:latin typeface="+mn-lt"/>
-                          <a:ea typeface="+mn-ea"/>
-                          <a:cs typeface="+mn-cs"/>
-                        </a:rPr>
-                        <a:t>9</a:t>
-                      </a:r>
-                      <a:r>
                         <a:rPr lang="en-US" altLang="zh-CN" sz="1800" kern="1200" dirty="0" smtClean="0">
                           <a:solidFill>
                             <a:schemeClr val="dk1"/>
@@ -9942,7 +9653,7 @@
                           <a:ea typeface="+mn-ea"/>
                           <a:cs typeface="+mn-cs"/>
                         </a:rPr>
-                        <a:t>1</a:t>
+                        <a:t>81</a:t>
                       </a:r>
                       <a:r>
                         <a:rPr lang="hr-HR" sz="1800" kern="1200" dirty="0" smtClean="0">
@@ -10061,6 +9772,17 @@
                     <a:p>
                       <a:pPr marL="0" algn="ctr" defTabSz="914400" rtl="0" eaLnBrk="1" fontAlgn="b" latinLnBrk="0" hangingPunct="1"/>
                       <a:r>
+                        <a:rPr lang="en-US" altLang="zh-CN" sz="1800" kern="1200" dirty="0" smtClean="0">
+                          <a:solidFill>
+                            <a:schemeClr val="dk1"/>
+                          </a:solidFill>
+                          <a:latin typeface="+mn-lt"/>
+                          <a:ea typeface="+mn-ea"/>
+                          <a:cs typeface="+mn-cs"/>
+                        </a:rPr>
+                        <a:t>83</a:t>
+                      </a:r>
+                      <a:r>
                         <a:rPr lang="nb-NO" sz="1800" kern="1200" dirty="0" smtClean="0">
                           <a:solidFill>
                             <a:schemeClr val="dk1"/>
@@ -10069,18 +9791,7 @@
                           <a:ea typeface="+mn-ea"/>
                           <a:cs typeface="+mn-cs"/>
                         </a:rPr>
-                        <a:t>9</a:t>
-                      </a:r>
-                      <a:r>
-                        <a:rPr lang="en-US" altLang="zh-CN" sz="1800" kern="1200" dirty="0" smtClean="0">
-                          <a:solidFill>
-                            <a:schemeClr val="dk1"/>
-                          </a:solidFill>
-                          <a:latin typeface="+mn-lt"/>
-                          <a:ea typeface="+mn-ea"/>
-                          <a:cs typeface="+mn-cs"/>
-                        </a:rPr>
-                        <a:t>3</a:t>
+                        <a:t>.50</a:t>
                       </a:r>
                       <a:r>
                         <a:rPr lang="nb-NO" sz="1800" kern="1200" dirty="0" smtClean="0">
@@ -10091,7 +9802,7 @@
                           <a:ea typeface="+mn-ea"/>
                           <a:cs typeface="+mn-cs"/>
                         </a:rPr>
-                        <a:t>.50%</a:t>
+                        <a:t>%</a:t>
                       </a:r>
                       <a:endParaRPr lang="nb-NO" sz="1800" kern="1200" dirty="0">
                         <a:solidFill>
@@ -10196,17 +9907,6 @@
                     <a:p>
                       <a:pPr marL="0" algn="ctr" defTabSz="914400" rtl="0" eaLnBrk="1" fontAlgn="b" latinLnBrk="0" hangingPunct="1"/>
                       <a:r>
-                        <a:rPr lang="hr-HR" sz="1800" kern="1200" dirty="0" smtClean="0">
-                          <a:solidFill>
-                            <a:schemeClr val="dk1"/>
-                          </a:solidFill>
-                          <a:latin typeface="+mn-lt"/>
-                          <a:ea typeface="+mn-ea"/>
-                          <a:cs typeface="+mn-cs"/>
-                        </a:rPr>
-                        <a:t>9</a:t>
-                      </a:r>
-                      <a:r>
                         <a:rPr lang="en-US" altLang="zh-CN" sz="1800" kern="1200" dirty="0" smtClean="0">
                           <a:solidFill>
                             <a:schemeClr val="dk1"/>
@@ -10215,7 +9915,7 @@
                           <a:ea typeface="+mn-ea"/>
                           <a:cs typeface="+mn-cs"/>
                         </a:rPr>
-                        <a:t>3</a:t>
+                        <a:t>83</a:t>
                       </a:r>
                       <a:r>
                         <a:rPr lang="hr-HR" sz="1800" kern="1200" dirty="0" smtClean="0">
@@ -10334,17 +10034,6 @@
                     <a:p>
                       <a:pPr marL="0" algn="ctr" defTabSz="914400" rtl="0" eaLnBrk="1" fontAlgn="b" latinLnBrk="0" hangingPunct="1"/>
                       <a:r>
-                        <a:rPr lang="pt-BR" sz="1800" kern="1200" dirty="0" smtClean="0">
-                          <a:solidFill>
-                            <a:schemeClr val="dk1"/>
-                          </a:solidFill>
-                          <a:latin typeface="+mn-lt"/>
-                          <a:ea typeface="+mn-ea"/>
-                          <a:cs typeface="+mn-cs"/>
-                        </a:rPr>
-                        <a:t>9</a:t>
-                      </a:r>
-                      <a:r>
                         <a:rPr lang="en-US" altLang="zh-CN" sz="1800" kern="1200" dirty="0" smtClean="0">
                           <a:solidFill>
                             <a:schemeClr val="dk1"/>
@@ -10353,7 +10042,7 @@
                           <a:ea typeface="+mn-ea"/>
                           <a:cs typeface="+mn-cs"/>
                         </a:rPr>
-                        <a:t>5</a:t>
+                        <a:t>84</a:t>
                       </a:r>
                       <a:r>
                         <a:rPr lang="pt-BR" sz="1800" kern="1200" dirty="0" smtClean="0">
@@ -10472,17 +10161,6 @@
                     <a:p>
                       <a:pPr marL="0" algn="ctr" defTabSz="914400" rtl="0" eaLnBrk="1" fontAlgn="b" latinLnBrk="0" hangingPunct="1"/>
                       <a:r>
-                        <a:rPr lang="hr-HR" sz="1800" kern="1200" dirty="0" smtClean="0">
-                          <a:solidFill>
-                            <a:schemeClr val="dk1"/>
-                          </a:solidFill>
-                          <a:latin typeface="+mn-lt"/>
-                          <a:ea typeface="+mn-ea"/>
-                          <a:cs typeface="+mn-cs"/>
-                        </a:rPr>
-                        <a:t>9</a:t>
-                      </a:r>
-                      <a:r>
                         <a:rPr lang="en-US" altLang="zh-CN" sz="1800" kern="1200" dirty="0" smtClean="0">
                           <a:solidFill>
                             <a:schemeClr val="dk1"/>
@@ -10491,7 +10169,7 @@
                           <a:ea typeface="+mn-ea"/>
                           <a:cs typeface="+mn-cs"/>
                         </a:rPr>
-                        <a:t>5</a:t>
+                        <a:t>86</a:t>
                       </a:r>
                       <a:r>
                         <a:rPr lang="hr-HR" sz="1800" kern="1200" dirty="0" smtClean="0">
@@ -10630,17 +10308,6 @@
                     <a:p>
                       <a:pPr marL="0" algn="ctr" defTabSz="914400" rtl="0" eaLnBrk="1" fontAlgn="b" latinLnBrk="0" hangingPunct="1"/>
                       <a:r>
-                        <a:rPr lang="hr-HR" sz="1800" kern="1200" dirty="0" smtClean="0">
-                          <a:solidFill>
-                            <a:schemeClr val="dk1"/>
-                          </a:solidFill>
-                          <a:latin typeface="+mn-lt"/>
-                          <a:ea typeface="+mn-ea"/>
-                          <a:cs typeface="+mn-cs"/>
-                        </a:rPr>
-                        <a:t>9</a:t>
-                      </a:r>
-                      <a:r>
                         <a:rPr lang="en-US" altLang="zh-CN" sz="1800" kern="1200" dirty="0" smtClean="0">
                           <a:solidFill>
                             <a:schemeClr val="dk1"/>
@@ -10649,7 +10316,7 @@
                           <a:ea typeface="+mn-ea"/>
                           <a:cs typeface="+mn-cs"/>
                         </a:rPr>
-                        <a:t>6</a:t>
+                        <a:t>86</a:t>
                       </a:r>
                       <a:r>
                         <a:rPr lang="hr-HR" sz="1800" kern="1200" dirty="0" smtClean="0">
@@ -10768,17 +10435,6 @@
                     <a:p>
                       <a:pPr marL="0" algn="ctr" defTabSz="914400" rtl="0" eaLnBrk="1" fontAlgn="b" latinLnBrk="0" hangingPunct="1"/>
                       <a:r>
-                        <a:rPr lang="nb-NO" sz="1800" kern="1200" dirty="0" smtClean="0">
-                          <a:solidFill>
-                            <a:schemeClr val="dk1"/>
-                          </a:solidFill>
-                          <a:latin typeface="+mn-lt"/>
-                          <a:ea typeface="+mn-ea"/>
-                          <a:cs typeface="+mn-cs"/>
-                        </a:rPr>
-                        <a:t>9</a:t>
-                      </a:r>
-                      <a:r>
                         <a:rPr lang="en-US" altLang="zh-CN" sz="1800" kern="1200" dirty="0" smtClean="0">
                           <a:solidFill>
                             <a:schemeClr val="dk1"/>
@@ -10787,7 +10443,7 @@
                           <a:ea typeface="+mn-ea"/>
                           <a:cs typeface="+mn-cs"/>
                         </a:rPr>
-                        <a:t>5</a:t>
+                        <a:t>85</a:t>
                       </a:r>
                       <a:r>
                         <a:rPr lang="nb-NO" sz="1800" kern="1200" dirty="0" smtClean="0">
@@ -10906,17 +10562,6 @@
                     <a:p>
                       <a:pPr marL="0" algn="ctr" defTabSz="914400" rtl="0" eaLnBrk="1" fontAlgn="b" latinLnBrk="0" hangingPunct="1"/>
                       <a:r>
-                        <a:rPr lang="pt-BR" sz="1800" kern="1200" dirty="0" smtClean="0">
-                          <a:solidFill>
-                            <a:schemeClr val="dk1"/>
-                          </a:solidFill>
-                          <a:latin typeface="+mn-lt"/>
-                          <a:ea typeface="+mn-ea"/>
-                          <a:cs typeface="+mn-cs"/>
-                        </a:rPr>
-                        <a:t>9</a:t>
-                      </a:r>
-                      <a:r>
                         <a:rPr lang="en-US" altLang="zh-CN" sz="1800" kern="1200" dirty="0" smtClean="0">
                           <a:solidFill>
                             <a:schemeClr val="dk1"/>
@@ -10925,1638 +10570,7 @@
                           <a:ea typeface="+mn-ea"/>
                           <a:cs typeface="+mn-cs"/>
                         </a:rPr>
-                        <a:t>3</a:t>
-                      </a:r>
-                      <a:r>
-                        <a:rPr lang="pt-BR" sz="1800" kern="1200" dirty="0" smtClean="0">
-                          <a:solidFill>
-                            <a:schemeClr val="dk1"/>
-                          </a:solidFill>
-                          <a:latin typeface="+mn-lt"/>
-                          <a:ea typeface="+mn-ea"/>
-                          <a:cs typeface="+mn-cs"/>
-                        </a:rPr>
-                        <a:t>.00</a:t>
-                      </a:r>
-                      <a:r>
-                        <a:rPr lang="pt-BR" sz="1800" kern="1200" dirty="0">
-                          <a:solidFill>
-                            <a:schemeClr val="dk1"/>
-                          </a:solidFill>
-                          <a:latin typeface="+mn-lt"/>
-                          <a:ea typeface="+mn-ea"/>
-                          <a:cs typeface="+mn-cs"/>
-                        </a:rPr>
-                        <a:t>%</a:t>
-                      </a:r>
-                    </a:p>
-                  </a:txBody>
-                  <a:tcPr marL="6350" marR="6350" marT="6350" marB="0" anchor="ctr"/>
-                </a:tc>
-              </a:tr>
-            </a:tbl>
-          </a:graphicData>
-        </a:graphic>
-      </p:graphicFrame>
-      <p:graphicFrame>
-        <p:nvGraphicFramePr>
-          <p:cNvPr id="10" name="表格 9"/>
-          <p:cNvGraphicFramePr>
-            <a:graphicFrameLocks noGrp="1"/>
-          </p:cNvGraphicFramePr>
-          <p:nvPr>
-            <p:extLst>
-              <p:ext uri="{D42A27DB-BD31-4B8C-83A1-F6EECF244321}">
-                <p14:modId xmlns:p14="http://schemas.microsoft.com/office/powerpoint/2010/main" val="2009989889"/>
-              </p:ext>
-            </p:extLst>
-          </p:nvPr>
-        </p:nvGraphicFramePr>
-        <p:xfrm>
-          <a:off x="642939" y="1716044"/>
-          <a:ext cx="10640757" cy="4847888"/>
-        </p:xfrm>
-        <a:graphic>
-          <a:graphicData uri="http://schemas.openxmlformats.org/drawingml/2006/table">
-            <a:tbl>
-              <a:tblPr firstRow="1" bandRow="1">
-                <a:tableStyleId>{93296810-A885-4BE3-A3E7-6D5BEEA58F35}</a:tableStyleId>
-              </a:tblPr>
-              <a:tblGrid>
-                <a:gridCol w="2014648"/>
-                <a:gridCol w="1589019"/>
-                <a:gridCol w="1844400"/>
-                <a:gridCol w="2596345"/>
-                <a:gridCol w="2596345"/>
-              </a:tblGrid>
-              <a:tr h="1172369">
-                <a:tc>
-                  <a:txBody>
-                    <a:bodyPr/>
-                    <a:lstStyle/>
-                    <a:p>
-                      <a:pPr algn="ctr"/>
-                      <a:r>
-                        <a:rPr lang="en-US" altLang="zh-CN" dirty="0" smtClean="0"/>
-                        <a:t>Layer</a:t>
-                      </a:r>
-                      <a:r>
-                        <a:rPr lang="zh-CN" altLang="en-US" dirty="0" smtClean="0"/>
-                        <a:t> </a:t>
-                      </a:r>
-                      <a:endParaRPr lang="en-US" altLang="zh-CN" dirty="0" smtClean="0"/>
-                    </a:p>
-                    <a:p>
-                      <a:pPr algn="ctr"/>
-                      <a:r>
-                        <a:rPr lang="en-US" altLang="zh-CN" dirty="0" smtClean="0"/>
-                        <a:t>(around</a:t>
-                      </a:r>
-                      <a:r>
-                        <a:rPr lang="zh-CN" altLang="en-US" baseline="0" dirty="0" smtClean="0"/>
-                        <a:t> </a:t>
-                      </a:r>
-                      <a:r>
-                        <a:rPr lang="en-US" altLang="zh-CN" baseline="0" dirty="0" smtClean="0"/>
-                        <a:t>10mins)</a:t>
-                      </a:r>
-                      <a:endParaRPr lang="zh-CN" altLang="en-US" dirty="0"/>
-                    </a:p>
-                  </a:txBody>
-                  <a:tcPr anchor="ctr"/>
-                </a:tc>
-                <a:tc>
-                  <a:txBody>
-                    <a:bodyPr/>
-                    <a:lstStyle/>
-                    <a:p>
-                      <a:pPr algn="ctr"/>
-                      <a:r>
-                        <a:rPr lang="en-US" altLang="zh-CN" dirty="0" smtClean="0"/>
-                        <a:t>Total</a:t>
-                      </a:r>
-                      <a:r>
-                        <a:rPr lang="zh-CN" altLang="en-US" dirty="0" smtClean="0"/>
-                        <a:t> </a:t>
-                      </a:r>
-                      <a:r>
-                        <a:rPr lang="en-US" altLang="zh-CN" dirty="0" smtClean="0"/>
-                        <a:t>Features</a:t>
-                      </a:r>
-                      <a:endParaRPr lang="zh-CN" altLang="en-US" dirty="0"/>
-                    </a:p>
-                  </a:txBody>
-                  <a:tcPr anchor="ctr"/>
-                </a:tc>
-                <a:tc>
-                  <a:txBody>
-                    <a:bodyPr/>
-                    <a:lstStyle/>
-                    <a:p>
-                      <a:pPr algn="ctr"/>
-                      <a:r>
-                        <a:rPr lang="en-US" altLang="zh-CN" dirty="0" smtClean="0"/>
-                        <a:t>Features</a:t>
-                      </a:r>
-                      <a:r>
-                        <a:rPr lang="zh-CN" altLang="en-US" baseline="0" dirty="0" smtClean="0"/>
-                        <a:t> </a:t>
-                      </a:r>
-                      <a:r>
-                        <a:rPr lang="en-US" altLang="zh-CN" baseline="0" dirty="0" smtClean="0"/>
-                        <a:t>Selected</a:t>
-                      </a:r>
-                      <a:endParaRPr lang="zh-CN" altLang="en-US" dirty="0"/>
-                    </a:p>
-                  </a:txBody>
-                  <a:tcPr anchor="ctr"/>
-                </a:tc>
-                <a:tc>
-                  <a:txBody>
-                    <a:bodyPr/>
-                    <a:lstStyle/>
-                    <a:p>
-                      <a:pPr algn="ctr"/>
-                      <a:r>
-                        <a:rPr lang="en-US" altLang="zh-CN" dirty="0" smtClean="0"/>
-                        <a:t>PCA:</a:t>
-                      </a:r>
-                      <a:r>
-                        <a:rPr lang="zh-CN" altLang="en-US" dirty="0" smtClean="0"/>
-                        <a:t> </a:t>
-                      </a:r>
-                      <a:r>
-                        <a:rPr lang="en-US" altLang="zh-CN" dirty="0" smtClean="0"/>
-                        <a:t>Total</a:t>
-                      </a:r>
-                      <a:r>
-                        <a:rPr lang="zh-CN" altLang="en-US" baseline="0" dirty="0" smtClean="0"/>
-                        <a:t> </a:t>
-                      </a:r>
-                      <a:r>
-                        <a:rPr lang="en-US" altLang="zh-CN" baseline="0" dirty="0" smtClean="0"/>
-                        <a:t>variance</a:t>
-                      </a:r>
-                      <a:r>
-                        <a:rPr lang="zh-CN" altLang="en-US" baseline="0" dirty="0" smtClean="0"/>
-                        <a:t> </a:t>
-                      </a:r>
-                      <a:r>
-                        <a:rPr lang="en-US" altLang="zh-CN" baseline="0" dirty="0" smtClean="0"/>
-                        <a:t>of</a:t>
-                      </a:r>
-                      <a:r>
-                        <a:rPr lang="zh-CN" altLang="en-US" baseline="0" dirty="0" smtClean="0"/>
-                        <a:t> </a:t>
-                      </a:r>
-                      <a:r>
-                        <a:rPr lang="en-US" altLang="zh-CN" baseline="0" dirty="0" smtClean="0"/>
-                        <a:t>Explanation</a:t>
-                      </a:r>
-                      <a:endParaRPr lang="zh-CN" altLang="en-US" dirty="0"/>
-                    </a:p>
-                  </a:txBody>
-                  <a:tcPr anchor="ctr"/>
-                </a:tc>
-                <a:tc>
-                  <a:txBody>
-                    <a:bodyPr/>
-                    <a:lstStyle/>
-                    <a:p>
-                      <a:pPr algn="ctr"/>
-                      <a:r>
-                        <a:rPr lang="en-US" altLang="zh-CN" dirty="0" smtClean="0">
-                          <a:solidFill>
-                            <a:srgbClr val="C00000"/>
-                          </a:solidFill>
-                        </a:rPr>
-                        <a:t>Logistic</a:t>
-                      </a:r>
-                      <a:r>
-                        <a:rPr lang="zh-CN" altLang="en-US" dirty="0" smtClean="0">
-                          <a:solidFill>
-                            <a:srgbClr val="C00000"/>
-                          </a:solidFill>
-                        </a:rPr>
-                        <a:t> </a:t>
-                      </a:r>
-                      <a:r>
-                        <a:rPr lang="en-US" altLang="zh-CN" dirty="0" smtClean="0">
-                          <a:solidFill>
-                            <a:srgbClr val="C00000"/>
-                          </a:solidFill>
-                        </a:rPr>
-                        <a:t>Regression</a:t>
-                      </a:r>
-                    </a:p>
-                    <a:p>
-                      <a:pPr algn="ctr"/>
-                      <a:r>
-                        <a:rPr lang="en-US" altLang="zh-CN" dirty="0" smtClean="0"/>
-                        <a:t>Testing</a:t>
-                      </a:r>
-                      <a:r>
-                        <a:rPr lang="zh-CN" altLang="en-US" dirty="0" smtClean="0"/>
-                        <a:t> </a:t>
-                      </a:r>
-                      <a:r>
-                        <a:rPr lang="en-US" altLang="zh-CN" dirty="0" smtClean="0"/>
-                        <a:t>Accuracy</a:t>
-                      </a:r>
-                    </a:p>
-                    <a:p>
-                      <a:pPr algn="ctr"/>
-                      <a:r>
-                        <a:rPr lang="zh-CN" altLang="en-US" baseline="0" dirty="0" smtClean="0"/>
-                        <a:t> </a:t>
-                      </a:r>
-                      <a:r>
-                        <a:rPr lang="en-US" altLang="zh-CN" dirty="0" smtClean="0"/>
-                        <a:t>(5</a:t>
-                      </a:r>
-                      <a:r>
-                        <a:rPr lang="zh-CN" altLang="en-US" baseline="0" dirty="0" smtClean="0"/>
-                        <a:t> </a:t>
-                      </a:r>
-                      <a:r>
-                        <a:rPr lang="en-US" altLang="zh-CN" baseline="0" dirty="0" smtClean="0"/>
-                        <a:t>Folds</a:t>
-                      </a:r>
-                      <a:r>
-                        <a:rPr lang="zh-CN" altLang="en-US" baseline="0" dirty="0" smtClean="0"/>
-                        <a:t> </a:t>
-                      </a:r>
-                      <a:r>
-                        <a:rPr lang="en-US" altLang="zh-CN" baseline="0" dirty="0" smtClean="0"/>
-                        <a:t>CV)</a:t>
-                      </a:r>
-                      <a:endParaRPr lang="zh-CN" altLang="en-US" dirty="0"/>
-                    </a:p>
-                  </a:txBody>
-                  <a:tcPr anchor="ctr"/>
-                </a:tc>
-              </a:tr>
-              <a:tr h="357994">
-                <a:tc>
-                  <a:txBody>
-                    <a:bodyPr/>
-                    <a:lstStyle/>
-                    <a:p>
-                      <a:pPr algn="ctr"/>
-                      <a:r>
-                        <a:rPr lang="en-US" altLang="zh-CN" dirty="0" smtClean="0"/>
-                        <a:t>norm1</a:t>
-                      </a:r>
-                      <a:endParaRPr lang="zh-CN" altLang="en-US" dirty="0"/>
-                    </a:p>
-                  </a:txBody>
-                  <a:tcPr/>
-                </a:tc>
-                <a:tc>
-                  <a:txBody>
-                    <a:bodyPr/>
-                    <a:lstStyle/>
-                    <a:p>
-                      <a:pPr marL="0" algn="ctr" defTabSz="914400" rtl="0" eaLnBrk="1" latinLnBrk="0" hangingPunct="1"/>
-                      <a:r>
-                        <a:rPr lang="en-US" altLang="zh-CN" sz="1800" kern="1200" dirty="0" smtClean="0">
-                          <a:solidFill>
-                            <a:schemeClr val="dk1"/>
-                          </a:solidFill>
-                          <a:latin typeface="+mn-lt"/>
-                          <a:ea typeface="+mn-ea"/>
-                          <a:cs typeface="+mn-cs"/>
-                        </a:rPr>
-                        <a:t>69984</a:t>
-                      </a:r>
-                      <a:endParaRPr lang="zh-CN" altLang="en-US" sz="1800" kern="1200" dirty="0">
-                        <a:solidFill>
-                          <a:schemeClr val="dk1"/>
-                        </a:solidFill>
-                        <a:latin typeface="+mn-lt"/>
-                        <a:ea typeface="+mn-ea"/>
-                        <a:cs typeface="+mn-cs"/>
-                      </a:endParaRPr>
-                    </a:p>
-                  </a:txBody>
-                  <a:tcPr/>
-                </a:tc>
-                <a:tc>
-                  <a:txBody>
-                    <a:bodyPr/>
-                    <a:lstStyle/>
-                    <a:p>
-                      <a:pPr algn="ctr"/>
-                      <a:r>
-                        <a:rPr lang="en-US" altLang="zh-CN" dirty="0" smtClean="0"/>
-                        <a:t>1200</a:t>
-                      </a:r>
-                      <a:endParaRPr lang="zh-CN" altLang="en-US" dirty="0"/>
-                    </a:p>
-                  </a:txBody>
-                  <a:tcPr/>
-                </a:tc>
-                <a:tc>
-                  <a:txBody>
-                    <a:bodyPr/>
-                    <a:lstStyle/>
-                    <a:p>
-                      <a:pPr algn="ctr"/>
-                      <a:r>
-                        <a:rPr lang="en-US" altLang="zh-CN" dirty="0" smtClean="0"/>
-                        <a:t>91%</a:t>
-                      </a:r>
-                      <a:endParaRPr lang="zh-CN" altLang="en-US" dirty="0"/>
-                    </a:p>
-                  </a:txBody>
-                  <a:tcPr/>
-                </a:tc>
-                <a:tc>
-                  <a:txBody>
-                    <a:bodyPr/>
-                    <a:lstStyle/>
-                    <a:p>
-                      <a:pPr marL="0" algn="ctr" defTabSz="914400" rtl="0" eaLnBrk="1" fontAlgn="b" latinLnBrk="0" hangingPunct="1"/>
-                      <a:r>
-                        <a:rPr lang="pt-BR" sz="1800" kern="1200" dirty="0" smtClean="0">
-                          <a:solidFill>
-                            <a:schemeClr val="dk1"/>
-                          </a:solidFill>
-                          <a:latin typeface="+mn-lt"/>
-                          <a:ea typeface="+mn-ea"/>
-                          <a:cs typeface="+mn-cs"/>
-                        </a:rPr>
-                        <a:t>8</a:t>
-                      </a:r>
-                      <a:r>
-                        <a:rPr lang="en-US" altLang="zh-CN" sz="1800" kern="1200" dirty="0" smtClean="0">
-                          <a:solidFill>
-                            <a:schemeClr val="dk1"/>
-                          </a:solidFill>
-                          <a:latin typeface="+mn-lt"/>
-                          <a:ea typeface="+mn-ea"/>
-                          <a:cs typeface="+mn-cs"/>
-                        </a:rPr>
-                        <a:t>5</a:t>
-                      </a:r>
-                      <a:r>
-                        <a:rPr lang="pt-BR" sz="1800" kern="1200" dirty="0" smtClean="0">
-                          <a:solidFill>
-                            <a:schemeClr val="dk1"/>
-                          </a:solidFill>
-                          <a:latin typeface="+mn-lt"/>
-                          <a:ea typeface="+mn-ea"/>
-                          <a:cs typeface="+mn-cs"/>
-                        </a:rPr>
-                        <a:t>.75</a:t>
-                      </a:r>
-                      <a:r>
-                        <a:rPr lang="pt-BR" sz="1800" kern="1200" dirty="0">
-                          <a:solidFill>
-                            <a:schemeClr val="dk1"/>
-                          </a:solidFill>
-                          <a:latin typeface="+mn-lt"/>
-                          <a:ea typeface="+mn-ea"/>
-                          <a:cs typeface="+mn-cs"/>
-                        </a:rPr>
-                        <a:t>%</a:t>
-                      </a:r>
-                    </a:p>
-                  </a:txBody>
-                  <a:tcPr marL="6350" marR="6350" marT="6350" marB="0" anchor="ctr"/>
-                </a:tc>
-              </a:tr>
-              <a:tr h="357994">
-                <a:tc>
-                  <a:txBody>
-                    <a:bodyPr/>
-                    <a:lstStyle/>
-                    <a:p>
-                      <a:pPr algn="ctr"/>
-                      <a:r>
-                        <a:rPr lang="en-US" altLang="zh-CN" sz="1800" kern="1200" dirty="0" smtClean="0">
-                          <a:solidFill>
-                            <a:schemeClr val="dk1"/>
-                          </a:solidFill>
-                          <a:effectLst/>
-                          <a:latin typeface="+mn-lt"/>
-                          <a:ea typeface="+mn-ea"/>
-                          <a:cs typeface="+mn-cs"/>
-                        </a:rPr>
-                        <a:t>norm2</a:t>
-                      </a:r>
-                      <a:endParaRPr lang="zh-CN" altLang="en-US" dirty="0"/>
-                    </a:p>
-                  </a:txBody>
-                  <a:tcPr/>
-                </a:tc>
-                <a:tc>
-                  <a:txBody>
-                    <a:bodyPr/>
-                    <a:lstStyle/>
-                    <a:p>
-                      <a:pPr marL="0" algn="ctr" defTabSz="914400" rtl="0" eaLnBrk="1" latinLnBrk="0" hangingPunct="1"/>
-                      <a:r>
-                        <a:rPr lang="is-IS" altLang="zh-CN" sz="1800" kern="1200" dirty="0" smtClean="0">
-                          <a:solidFill>
-                            <a:schemeClr val="dk1"/>
-                          </a:solidFill>
-                          <a:latin typeface="+mn-lt"/>
-                          <a:ea typeface="+mn-ea"/>
-                          <a:cs typeface="+mn-cs"/>
-                        </a:rPr>
-                        <a:t>43264</a:t>
-                      </a:r>
-                      <a:endParaRPr lang="zh-CN" altLang="en-US" sz="1800" kern="1200" dirty="0">
-                        <a:solidFill>
-                          <a:schemeClr val="dk1"/>
-                        </a:solidFill>
-                        <a:latin typeface="+mn-lt"/>
-                        <a:ea typeface="+mn-ea"/>
-                        <a:cs typeface="+mn-cs"/>
-                      </a:endParaRPr>
-                    </a:p>
-                  </a:txBody>
-                  <a:tcPr/>
-                </a:tc>
-                <a:tc>
-                  <a:txBody>
-                    <a:bodyPr/>
-                    <a:lstStyle/>
-                    <a:p>
-                      <a:pPr algn="ctr"/>
-                      <a:r>
-                        <a:rPr lang="en-US" altLang="zh-CN" dirty="0" smtClean="0"/>
-                        <a:t>1200</a:t>
-                      </a:r>
-                      <a:endParaRPr lang="zh-CN" altLang="en-US" dirty="0"/>
-                    </a:p>
-                  </a:txBody>
-                  <a:tcPr/>
-                </a:tc>
-                <a:tc>
-                  <a:txBody>
-                    <a:bodyPr/>
-                    <a:lstStyle/>
-                    <a:p>
-                      <a:pPr algn="ctr"/>
-                      <a:r>
-                        <a:rPr lang="en-US" altLang="zh-CN" dirty="0" smtClean="0"/>
-                        <a:t>91%</a:t>
-                      </a:r>
-                      <a:endParaRPr lang="zh-CN" altLang="en-US" dirty="0"/>
-                    </a:p>
-                  </a:txBody>
-                  <a:tcPr/>
-                </a:tc>
-                <a:tc>
-                  <a:txBody>
-                    <a:bodyPr/>
-                    <a:lstStyle/>
-                    <a:p>
-                      <a:pPr marL="0" algn="ctr" defTabSz="914400" rtl="0" eaLnBrk="1" fontAlgn="b" latinLnBrk="0" hangingPunct="1"/>
-                      <a:r>
-                        <a:rPr lang="pt-BR" sz="1800" kern="1200" dirty="0" smtClean="0">
-                          <a:solidFill>
-                            <a:schemeClr val="dk1"/>
-                          </a:solidFill>
-                          <a:latin typeface="+mn-lt"/>
-                          <a:ea typeface="+mn-ea"/>
-                          <a:cs typeface="+mn-cs"/>
-                        </a:rPr>
-                        <a:t>9</a:t>
-                      </a:r>
-                      <a:r>
-                        <a:rPr lang="en-US" altLang="zh-CN" sz="1800" kern="1200" dirty="0" smtClean="0">
-                          <a:solidFill>
-                            <a:schemeClr val="dk1"/>
-                          </a:solidFill>
-                          <a:latin typeface="+mn-lt"/>
-                          <a:ea typeface="+mn-ea"/>
-                          <a:cs typeface="+mn-cs"/>
-                        </a:rPr>
-                        <a:t>0</a:t>
-                      </a:r>
-                      <a:r>
-                        <a:rPr lang="pt-BR" sz="1800" kern="1200" dirty="0" smtClean="0">
-                          <a:solidFill>
-                            <a:schemeClr val="dk1"/>
-                          </a:solidFill>
-                          <a:latin typeface="+mn-lt"/>
-                          <a:ea typeface="+mn-ea"/>
-                          <a:cs typeface="+mn-cs"/>
-                        </a:rPr>
-                        <a:t>.00</a:t>
-                      </a:r>
-                      <a:r>
-                        <a:rPr lang="pt-BR" sz="1800" kern="1200" dirty="0">
-                          <a:solidFill>
-                            <a:schemeClr val="dk1"/>
-                          </a:solidFill>
-                          <a:latin typeface="+mn-lt"/>
-                          <a:ea typeface="+mn-ea"/>
-                          <a:cs typeface="+mn-cs"/>
-                        </a:rPr>
-                        <a:t>%</a:t>
-                      </a:r>
-                    </a:p>
-                  </a:txBody>
-                  <a:tcPr marL="6350" marR="6350" marT="6350" marB="0" anchor="ctr"/>
-                </a:tc>
-              </a:tr>
-              <a:tr h="357994">
-                <a:tc>
-                  <a:txBody>
-                    <a:bodyPr/>
-                    <a:lstStyle/>
-                    <a:p>
-                      <a:pPr algn="ctr"/>
-                      <a:r>
-                        <a:rPr lang="en-US" altLang="zh-CN" sz="1800" kern="1200" dirty="0" smtClean="0">
-                          <a:solidFill>
-                            <a:schemeClr val="dk1"/>
-                          </a:solidFill>
-                          <a:effectLst/>
-                          <a:latin typeface="+mn-lt"/>
-                          <a:ea typeface="+mn-ea"/>
-                          <a:cs typeface="+mn-cs"/>
-                        </a:rPr>
-                        <a:t>conv3</a:t>
-                      </a:r>
-                      <a:endParaRPr lang="zh-CN" altLang="en-US" dirty="0"/>
-                    </a:p>
-                  </a:txBody>
-                  <a:tcPr/>
-                </a:tc>
-                <a:tc>
-                  <a:txBody>
-                    <a:bodyPr/>
-                    <a:lstStyle/>
-                    <a:p>
-                      <a:pPr marL="0" algn="ctr" defTabSz="914400" rtl="0" eaLnBrk="1" latinLnBrk="0" hangingPunct="1"/>
-                      <a:r>
-                        <a:rPr lang="cs-CZ" altLang="zh-CN" sz="1800" kern="1200" dirty="0" smtClean="0">
-                          <a:solidFill>
-                            <a:schemeClr val="dk1"/>
-                          </a:solidFill>
-                          <a:latin typeface="+mn-lt"/>
-                          <a:ea typeface="+mn-ea"/>
-                          <a:cs typeface="+mn-cs"/>
-                        </a:rPr>
-                        <a:t>64896</a:t>
-                      </a:r>
-                      <a:endParaRPr lang="zh-CN" altLang="en-US" sz="1800" kern="1200" dirty="0">
-                        <a:solidFill>
-                          <a:schemeClr val="dk1"/>
-                        </a:solidFill>
-                        <a:latin typeface="+mn-lt"/>
-                        <a:ea typeface="+mn-ea"/>
-                        <a:cs typeface="+mn-cs"/>
-                      </a:endParaRPr>
-                    </a:p>
-                  </a:txBody>
-                  <a:tcPr/>
-                </a:tc>
-                <a:tc>
-                  <a:txBody>
-                    <a:bodyPr/>
-                    <a:lstStyle/>
-                    <a:p>
-                      <a:pPr algn="ctr"/>
-                      <a:r>
-                        <a:rPr lang="en-US" altLang="zh-CN" dirty="0" smtClean="0"/>
-                        <a:t>1200</a:t>
-                      </a:r>
-                      <a:endParaRPr lang="zh-CN" altLang="en-US" dirty="0"/>
-                    </a:p>
-                  </a:txBody>
-                  <a:tcPr/>
-                </a:tc>
-                <a:tc>
-                  <a:txBody>
-                    <a:bodyPr/>
-                    <a:lstStyle/>
-                    <a:p>
-                      <a:pPr algn="ctr"/>
-                      <a:r>
-                        <a:rPr lang="en-US" altLang="zh-CN" dirty="0" smtClean="0"/>
-                        <a:t>90%</a:t>
-                      </a:r>
-                      <a:endParaRPr lang="zh-CN" altLang="en-US" dirty="0"/>
-                    </a:p>
-                  </a:txBody>
-                  <a:tcPr/>
-                </a:tc>
-                <a:tc>
-                  <a:txBody>
-                    <a:bodyPr/>
-                    <a:lstStyle/>
-                    <a:p>
-                      <a:pPr marL="0" algn="ctr" defTabSz="914400" rtl="0" eaLnBrk="1" fontAlgn="b" latinLnBrk="0" hangingPunct="1"/>
-                      <a:r>
-                        <a:rPr lang="hr-HR" sz="1800" kern="1200" dirty="0" smtClean="0">
-                          <a:solidFill>
-                            <a:schemeClr val="dk1"/>
-                          </a:solidFill>
-                          <a:latin typeface="+mn-lt"/>
-                          <a:ea typeface="+mn-ea"/>
-                          <a:cs typeface="+mn-cs"/>
-                        </a:rPr>
-                        <a:t>9</a:t>
-                      </a:r>
-                      <a:r>
-                        <a:rPr lang="en-US" altLang="zh-CN" sz="1800" kern="1200" dirty="0" smtClean="0">
-                          <a:solidFill>
-                            <a:schemeClr val="dk1"/>
-                          </a:solidFill>
-                          <a:latin typeface="+mn-lt"/>
-                          <a:ea typeface="+mn-ea"/>
-                          <a:cs typeface="+mn-cs"/>
-                        </a:rPr>
-                        <a:t>1</a:t>
-                      </a:r>
-                      <a:r>
-                        <a:rPr lang="hr-HR" sz="1800" kern="1200" dirty="0" smtClean="0">
-                          <a:solidFill>
-                            <a:schemeClr val="dk1"/>
-                          </a:solidFill>
-                          <a:latin typeface="+mn-lt"/>
-                          <a:ea typeface="+mn-ea"/>
-                          <a:cs typeface="+mn-cs"/>
-                        </a:rPr>
-                        <a:t>.75</a:t>
-                      </a:r>
-                      <a:r>
-                        <a:rPr lang="hr-HR" sz="1800" kern="1200" dirty="0">
-                          <a:solidFill>
-                            <a:schemeClr val="dk1"/>
-                          </a:solidFill>
-                          <a:latin typeface="+mn-lt"/>
-                          <a:ea typeface="+mn-ea"/>
-                          <a:cs typeface="+mn-cs"/>
-                        </a:rPr>
-                        <a:t>%</a:t>
-                      </a:r>
-                    </a:p>
-                  </a:txBody>
-                  <a:tcPr marL="6350" marR="6350" marT="6350" marB="0" anchor="ctr"/>
-                </a:tc>
-              </a:tr>
-              <a:tr h="0">
-                <a:tc>
-                  <a:txBody>
-                    <a:bodyPr/>
-                    <a:lstStyle/>
-                    <a:p>
-                      <a:pPr algn="ctr"/>
-                      <a:r>
-                        <a:rPr lang="en-US" altLang="zh-CN" sz="1800" kern="1200" dirty="0" smtClean="0">
-                          <a:solidFill>
-                            <a:schemeClr val="dk1"/>
-                          </a:solidFill>
-                          <a:effectLst/>
-                          <a:latin typeface="+mn-lt"/>
-                          <a:ea typeface="+mn-ea"/>
-                          <a:cs typeface="+mn-cs"/>
-                        </a:rPr>
-                        <a:t>conv4</a:t>
-                      </a:r>
-                      <a:endParaRPr lang="zh-CN" altLang="en-US" dirty="0"/>
-                    </a:p>
-                  </a:txBody>
-                  <a:tcPr/>
-                </a:tc>
-                <a:tc>
-                  <a:txBody>
-                    <a:bodyPr/>
-                    <a:lstStyle/>
-                    <a:p>
-                      <a:pPr marL="0" algn="ctr" defTabSz="914400" rtl="0" eaLnBrk="1" latinLnBrk="0" hangingPunct="1"/>
-                      <a:r>
-                        <a:rPr lang="cs-CZ" altLang="zh-CN" sz="1800" kern="1200" dirty="0" smtClean="0">
-                          <a:solidFill>
-                            <a:schemeClr val="dk1"/>
-                          </a:solidFill>
-                          <a:latin typeface="+mn-lt"/>
-                          <a:ea typeface="+mn-ea"/>
-                          <a:cs typeface="+mn-cs"/>
-                        </a:rPr>
-                        <a:t>64896</a:t>
-                      </a:r>
-                      <a:endParaRPr lang="zh-CN" altLang="en-US" sz="1800" kern="1200" dirty="0">
-                        <a:solidFill>
-                          <a:schemeClr val="dk1"/>
-                        </a:solidFill>
-                        <a:latin typeface="+mn-lt"/>
-                        <a:ea typeface="+mn-ea"/>
-                        <a:cs typeface="+mn-cs"/>
-                      </a:endParaRPr>
-                    </a:p>
-                  </a:txBody>
-                  <a:tcPr/>
-                </a:tc>
-                <a:tc>
-                  <a:txBody>
-                    <a:bodyPr/>
-                    <a:lstStyle/>
-                    <a:p>
-                      <a:pPr algn="ctr"/>
-                      <a:r>
-                        <a:rPr lang="en-US" altLang="zh-CN" dirty="0" smtClean="0"/>
-                        <a:t>1200</a:t>
-                      </a:r>
-                      <a:endParaRPr lang="zh-CN" altLang="en-US" dirty="0"/>
-                    </a:p>
-                  </a:txBody>
-                  <a:tcPr/>
-                </a:tc>
-                <a:tc>
-                  <a:txBody>
-                    <a:bodyPr/>
-                    <a:lstStyle/>
-                    <a:p>
-                      <a:pPr algn="ctr"/>
-                      <a:r>
-                        <a:rPr lang="en-US" altLang="zh-CN" dirty="0" smtClean="0"/>
-                        <a:t>90%</a:t>
-                      </a:r>
-                      <a:endParaRPr lang="zh-CN" altLang="en-US" dirty="0"/>
-                    </a:p>
-                  </a:txBody>
-                  <a:tcPr/>
-                </a:tc>
-                <a:tc>
-                  <a:txBody>
-                    <a:bodyPr/>
-                    <a:lstStyle/>
-                    <a:p>
-                      <a:pPr marL="0" algn="ctr" defTabSz="914400" rtl="0" eaLnBrk="1" fontAlgn="b" latinLnBrk="0" hangingPunct="1"/>
-                      <a:r>
-                        <a:rPr lang="nb-NO" sz="1800" kern="1200" dirty="0" smtClean="0">
-                          <a:solidFill>
-                            <a:schemeClr val="dk1"/>
-                          </a:solidFill>
-                          <a:latin typeface="+mn-lt"/>
-                          <a:ea typeface="+mn-ea"/>
-                          <a:cs typeface="+mn-cs"/>
-                        </a:rPr>
-                        <a:t>9</a:t>
-                      </a:r>
-                      <a:r>
-                        <a:rPr lang="en-US" altLang="zh-CN" sz="1800" kern="1200" dirty="0" smtClean="0">
-                          <a:solidFill>
-                            <a:schemeClr val="dk1"/>
-                          </a:solidFill>
-                          <a:latin typeface="+mn-lt"/>
-                          <a:ea typeface="+mn-ea"/>
-                          <a:cs typeface="+mn-cs"/>
-                        </a:rPr>
-                        <a:t>3</a:t>
-                      </a:r>
-                      <a:r>
-                        <a:rPr lang="nb-NO" sz="1800" kern="1200" dirty="0" smtClean="0">
-                          <a:solidFill>
-                            <a:schemeClr val="dk1"/>
-                          </a:solidFill>
-                          <a:latin typeface="+mn-lt"/>
-                          <a:ea typeface="+mn-ea"/>
-                          <a:cs typeface="+mn-cs"/>
-                        </a:rPr>
-                        <a:t>.50%</a:t>
-                      </a:r>
-                      <a:endParaRPr lang="nb-NO" sz="1800" kern="1200" dirty="0">
-                        <a:solidFill>
-                          <a:schemeClr val="dk1"/>
-                        </a:solidFill>
-                        <a:latin typeface="+mn-lt"/>
-                        <a:ea typeface="+mn-ea"/>
-                        <a:cs typeface="+mn-cs"/>
-                      </a:endParaRPr>
-                    </a:p>
-                  </a:txBody>
-                  <a:tcPr marL="6350" marR="6350" marT="6350" marB="0" anchor="ctr"/>
-                </a:tc>
-              </a:tr>
-              <a:tr h="383679">
-                <a:tc>
-                  <a:txBody>
-                    <a:bodyPr/>
-                    <a:lstStyle/>
-                    <a:p>
-                      <a:pPr algn="ctr"/>
-                      <a:r>
-                        <a:rPr lang="en-US" altLang="zh-CN" sz="1800" kern="1200" dirty="0" smtClean="0">
-                          <a:solidFill>
-                            <a:schemeClr val="dk1"/>
-                          </a:solidFill>
-                          <a:effectLst/>
-                          <a:latin typeface="+mn-lt"/>
-                          <a:ea typeface="+mn-ea"/>
-                          <a:cs typeface="+mn-cs"/>
-                        </a:rPr>
-                        <a:t>conv5</a:t>
-                      </a:r>
-                      <a:endParaRPr lang="zh-CN" altLang="en-US" dirty="0"/>
-                    </a:p>
-                  </a:txBody>
-                  <a:tcPr/>
-                </a:tc>
-                <a:tc>
-                  <a:txBody>
-                    <a:bodyPr/>
-                    <a:lstStyle/>
-                    <a:p>
-                      <a:pPr marL="0" algn="ctr" defTabSz="914400" rtl="0" eaLnBrk="1" latinLnBrk="0" hangingPunct="1"/>
-                      <a:r>
-                        <a:rPr lang="cs-CZ" altLang="zh-CN" sz="1800" kern="1200" dirty="0" smtClean="0">
-                          <a:solidFill>
-                            <a:schemeClr val="dk1"/>
-                          </a:solidFill>
-                          <a:latin typeface="+mn-lt"/>
-                          <a:ea typeface="+mn-ea"/>
-                          <a:cs typeface="+mn-cs"/>
-                        </a:rPr>
-                        <a:t>9216</a:t>
-                      </a:r>
-                      <a:endParaRPr lang="zh-CN" altLang="en-US" sz="1800" kern="1200" dirty="0">
-                        <a:solidFill>
-                          <a:schemeClr val="dk1"/>
-                        </a:solidFill>
-                        <a:latin typeface="+mn-lt"/>
-                        <a:ea typeface="+mn-ea"/>
-                        <a:cs typeface="+mn-cs"/>
-                      </a:endParaRPr>
-                    </a:p>
-                  </a:txBody>
-                  <a:tcPr/>
-                </a:tc>
-                <a:tc>
-                  <a:txBody>
-                    <a:bodyPr/>
-                    <a:lstStyle/>
-                    <a:p>
-                      <a:pPr algn="ctr"/>
-                      <a:r>
-                        <a:rPr lang="en-US" altLang="zh-CN" dirty="0" smtClean="0"/>
-                        <a:t>1500</a:t>
-                      </a:r>
-                      <a:endParaRPr lang="zh-CN" altLang="en-US" dirty="0"/>
-                    </a:p>
-                  </a:txBody>
-                  <a:tcPr/>
-                </a:tc>
-                <a:tc>
-                  <a:txBody>
-                    <a:bodyPr/>
-                    <a:lstStyle/>
-                    <a:p>
-                      <a:pPr algn="ctr"/>
-                      <a:r>
-                        <a:rPr lang="en-US" altLang="zh-CN" dirty="0" smtClean="0"/>
-                        <a:t>94%</a:t>
-                      </a:r>
-                      <a:endParaRPr lang="zh-CN" altLang="en-US" dirty="0"/>
-                    </a:p>
-                  </a:txBody>
-                  <a:tcPr/>
-                </a:tc>
-                <a:tc>
-                  <a:txBody>
-                    <a:bodyPr/>
-                    <a:lstStyle/>
-                    <a:p>
-                      <a:pPr marL="0" algn="ctr" defTabSz="914400" rtl="0" eaLnBrk="1" fontAlgn="b" latinLnBrk="0" hangingPunct="1"/>
-                      <a:r>
-                        <a:rPr lang="hr-HR" sz="1800" kern="1200" dirty="0" smtClean="0">
-                          <a:solidFill>
-                            <a:schemeClr val="dk1"/>
-                          </a:solidFill>
-                          <a:latin typeface="+mn-lt"/>
-                          <a:ea typeface="+mn-ea"/>
-                          <a:cs typeface="+mn-cs"/>
-                        </a:rPr>
-                        <a:t>9</a:t>
-                      </a:r>
-                      <a:r>
-                        <a:rPr lang="en-US" altLang="zh-CN" sz="1800" kern="1200" dirty="0" smtClean="0">
-                          <a:solidFill>
-                            <a:schemeClr val="dk1"/>
-                          </a:solidFill>
-                          <a:latin typeface="+mn-lt"/>
-                          <a:ea typeface="+mn-ea"/>
-                          <a:cs typeface="+mn-cs"/>
-                        </a:rPr>
-                        <a:t>3</a:t>
-                      </a:r>
-                      <a:r>
-                        <a:rPr lang="hr-HR" sz="1800" kern="1200" dirty="0" smtClean="0">
-                          <a:solidFill>
-                            <a:schemeClr val="dk1"/>
-                          </a:solidFill>
-                          <a:latin typeface="+mn-lt"/>
-                          <a:ea typeface="+mn-ea"/>
-                          <a:cs typeface="+mn-cs"/>
-                        </a:rPr>
-                        <a:t>.25</a:t>
-                      </a:r>
-                      <a:r>
-                        <a:rPr lang="hr-HR" sz="1800" kern="1200" dirty="0">
-                          <a:solidFill>
-                            <a:schemeClr val="dk1"/>
-                          </a:solidFill>
-                          <a:latin typeface="+mn-lt"/>
-                          <a:ea typeface="+mn-ea"/>
-                          <a:cs typeface="+mn-cs"/>
-                        </a:rPr>
-                        <a:t>%</a:t>
-                      </a:r>
-                    </a:p>
-                  </a:txBody>
-                  <a:tcPr marL="6350" marR="6350" marT="6350" marB="0" anchor="ctr"/>
-                </a:tc>
-              </a:tr>
-              <a:tr h="357994">
-                <a:tc>
-                  <a:txBody>
-                    <a:bodyPr/>
-                    <a:lstStyle/>
-                    <a:p>
-                      <a:pPr algn="ctr"/>
-                      <a:r>
-                        <a:rPr lang="en-US" altLang="zh-CN" sz="1800" kern="1200" dirty="0" smtClean="0">
-                          <a:solidFill>
-                            <a:schemeClr val="dk1"/>
-                          </a:solidFill>
-                          <a:effectLst/>
-                          <a:latin typeface="+mn-lt"/>
-                          <a:ea typeface="+mn-ea"/>
-                          <a:cs typeface="+mn-cs"/>
-                        </a:rPr>
-                        <a:t>pool5</a:t>
-                      </a:r>
-                      <a:endParaRPr lang="zh-CN" altLang="en-US" dirty="0"/>
-                    </a:p>
-                  </a:txBody>
-                  <a:tcPr/>
-                </a:tc>
-                <a:tc>
-                  <a:txBody>
-                    <a:bodyPr/>
-                    <a:lstStyle/>
-                    <a:p>
-                      <a:pPr marL="0" algn="ctr" defTabSz="914400" rtl="0" eaLnBrk="1" latinLnBrk="0" hangingPunct="1"/>
-                      <a:r>
-                        <a:rPr lang="is-IS" altLang="zh-CN" sz="1800" kern="1200" dirty="0" smtClean="0">
-                          <a:solidFill>
-                            <a:schemeClr val="dk1"/>
-                          </a:solidFill>
-                          <a:latin typeface="+mn-lt"/>
-                          <a:ea typeface="+mn-ea"/>
-                          <a:cs typeface="+mn-cs"/>
-                        </a:rPr>
-                        <a:t>43264</a:t>
-                      </a:r>
-                      <a:endParaRPr lang="zh-CN" altLang="en-US" sz="1800" kern="1200" dirty="0">
-                        <a:solidFill>
-                          <a:schemeClr val="dk1"/>
-                        </a:solidFill>
-                        <a:latin typeface="+mn-lt"/>
-                        <a:ea typeface="+mn-ea"/>
-                        <a:cs typeface="+mn-cs"/>
-                      </a:endParaRPr>
-                    </a:p>
-                  </a:txBody>
-                  <a:tcPr/>
-                </a:tc>
-                <a:tc>
-                  <a:txBody>
-                    <a:bodyPr/>
-                    <a:lstStyle/>
-                    <a:p>
-                      <a:pPr algn="ctr"/>
-                      <a:r>
-                        <a:rPr lang="en-US" altLang="zh-CN" dirty="0" smtClean="0"/>
-                        <a:t>1000</a:t>
-                      </a:r>
-                      <a:endParaRPr lang="zh-CN" altLang="en-US" dirty="0"/>
-                    </a:p>
-                  </a:txBody>
-                  <a:tcPr/>
-                </a:tc>
-                <a:tc>
-                  <a:txBody>
-                    <a:bodyPr/>
-                    <a:lstStyle/>
-                    <a:p>
-                      <a:pPr algn="ctr"/>
-                      <a:r>
-                        <a:rPr lang="en-US" altLang="zh-CN" dirty="0" smtClean="0"/>
-                        <a:t>91%</a:t>
-                      </a:r>
-                      <a:endParaRPr lang="zh-CN" altLang="en-US" dirty="0"/>
-                    </a:p>
-                  </a:txBody>
-                  <a:tcPr/>
-                </a:tc>
-                <a:tc>
-                  <a:txBody>
-                    <a:bodyPr/>
-                    <a:lstStyle/>
-                    <a:p>
-                      <a:pPr marL="0" algn="ctr" defTabSz="914400" rtl="0" eaLnBrk="1" fontAlgn="b" latinLnBrk="0" hangingPunct="1"/>
-                      <a:r>
-                        <a:rPr lang="pt-BR" sz="1800" kern="1200" dirty="0" smtClean="0">
-                          <a:solidFill>
-                            <a:schemeClr val="dk1"/>
-                          </a:solidFill>
-                          <a:latin typeface="+mn-lt"/>
-                          <a:ea typeface="+mn-ea"/>
-                          <a:cs typeface="+mn-cs"/>
-                        </a:rPr>
-                        <a:t>9</a:t>
-                      </a:r>
-                      <a:r>
-                        <a:rPr lang="en-US" altLang="zh-CN" sz="1800" kern="1200" dirty="0" smtClean="0">
-                          <a:solidFill>
-                            <a:schemeClr val="dk1"/>
-                          </a:solidFill>
-                          <a:latin typeface="+mn-lt"/>
-                          <a:ea typeface="+mn-ea"/>
-                          <a:cs typeface="+mn-cs"/>
-                        </a:rPr>
-                        <a:t>5</a:t>
-                      </a:r>
-                      <a:r>
-                        <a:rPr lang="pt-BR" sz="1800" kern="1200" dirty="0" smtClean="0">
-                          <a:solidFill>
-                            <a:schemeClr val="dk1"/>
-                          </a:solidFill>
-                          <a:latin typeface="+mn-lt"/>
-                          <a:ea typeface="+mn-ea"/>
-                          <a:cs typeface="+mn-cs"/>
-                        </a:rPr>
-                        <a:t>.00</a:t>
-                      </a:r>
-                      <a:r>
-                        <a:rPr lang="pt-BR" sz="1800" kern="1200" dirty="0">
-                          <a:solidFill>
-                            <a:schemeClr val="dk1"/>
-                          </a:solidFill>
-                          <a:latin typeface="+mn-lt"/>
-                          <a:ea typeface="+mn-ea"/>
-                          <a:cs typeface="+mn-cs"/>
-                        </a:rPr>
-                        <a:t>%</a:t>
-                      </a:r>
-                    </a:p>
-                  </a:txBody>
-                  <a:tcPr marL="6350" marR="6350" marT="6350" marB="0" anchor="ctr"/>
-                </a:tc>
-              </a:tr>
-              <a:tr h="357994">
-                <a:tc>
-                  <a:txBody>
-                    <a:bodyPr/>
-                    <a:lstStyle/>
-                    <a:p>
-                      <a:pPr algn="ctr"/>
-                      <a:r>
-                        <a:rPr lang="en-US" altLang="zh-CN" sz="1800" kern="1200" dirty="0" smtClean="0">
-                          <a:solidFill>
-                            <a:schemeClr val="dk1"/>
-                          </a:solidFill>
-                          <a:effectLst/>
-                          <a:latin typeface="+mn-lt"/>
-                          <a:ea typeface="+mn-ea"/>
-                          <a:cs typeface="+mn-cs"/>
-                        </a:rPr>
-                        <a:t>fc6</a:t>
-                      </a:r>
-                      <a:endParaRPr lang="zh-CN" altLang="en-US" dirty="0"/>
-                    </a:p>
-                  </a:txBody>
-                  <a:tcPr/>
-                </a:tc>
-                <a:tc>
-                  <a:txBody>
-                    <a:bodyPr/>
-                    <a:lstStyle/>
-                    <a:p>
-                      <a:pPr marL="0" algn="ctr" defTabSz="914400" rtl="0" eaLnBrk="1" latinLnBrk="0" hangingPunct="1"/>
-                      <a:r>
-                        <a:rPr lang="is-IS" altLang="zh-CN" sz="1800" kern="1200" dirty="0" smtClean="0">
-                          <a:solidFill>
-                            <a:schemeClr val="dk1"/>
-                          </a:solidFill>
-                          <a:latin typeface="+mn-lt"/>
-                          <a:ea typeface="+mn-ea"/>
-                          <a:cs typeface="+mn-cs"/>
-                        </a:rPr>
-                        <a:t>4096</a:t>
-                      </a:r>
-                      <a:endParaRPr lang="zh-CN" altLang="en-US" sz="1800" kern="1200" dirty="0">
-                        <a:solidFill>
-                          <a:schemeClr val="dk1"/>
-                        </a:solidFill>
-                        <a:latin typeface="+mn-lt"/>
-                        <a:ea typeface="+mn-ea"/>
-                        <a:cs typeface="+mn-cs"/>
-                      </a:endParaRPr>
-                    </a:p>
-                  </a:txBody>
-                  <a:tcPr/>
-                </a:tc>
-                <a:tc>
-                  <a:txBody>
-                    <a:bodyPr/>
-                    <a:lstStyle/>
-                    <a:p>
-                      <a:pPr algn="ctr"/>
-                      <a:r>
-                        <a:rPr lang="en-US" altLang="zh-CN" dirty="0" smtClean="0"/>
-                        <a:t>900</a:t>
-                      </a:r>
-                      <a:endParaRPr lang="zh-CN" altLang="en-US" dirty="0"/>
-                    </a:p>
-                  </a:txBody>
-                  <a:tcPr/>
-                </a:tc>
-                <a:tc>
-                  <a:txBody>
-                    <a:bodyPr/>
-                    <a:lstStyle/>
-                    <a:p>
-                      <a:pPr algn="ctr"/>
-                      <a:r>
-                        <a:rPr lang="en-US" altLang="zh-CN" dirty="0" smtClean="0"/>
-                        <a:t>91%</a:t>
-                      </a:r>
-                      <a:endParaRPr lang="zh-CN" altLang="en-US" dirty="0"/>
-                    </a:p>
-                  </a:txBody>
-                  <a:tcPr/>
-                </a:tc>
-                <a:tc>
-                  <a:txBody>
-                    <a:bodyPr/>
-                    <a:lstStyle/>
-                    <a:p>
-                      <a:pPr marL="0" algn="ctr" defTabSz="914400" rtl="0" eaLnBrk="1" fontAlgn="b" latinLnBrk="0" hangingPunct="1"/>
-                      <a:r>
-                        <a:rPr lang="hr-HR" sz="1800" kern="1200" dirty="0" smtClean="0">
-                          <a:solidFill>
-                            <a:schemeClr val="dk1"/>
-                          </a:solidFill>
-                          <a:latin typeface="+mn-lt"/>
-                          <a:ea typeface="+mn-ea"/>
-                          <a:cs typeface="+mn-cs"/>
-                        </a:rPr>
-                        <a:t>9</a:t>
-                      </a:r>
-                      <a:r>
-                        <a:rPr lang="en-US" altLang="zh-CN" sz="1800" kern="1200" dirty="0" smtClean="0">
-                          <a:solidFill>
-                            <a:schemeClr val="dk1"/>
-                          </a:solidFill>
-                          <a:latin typeface="+mn-lt"/>
-                          <a:ea typeface="+mn-ea"/>
-                          <a:cs typeface="+mn-cs"/>
-                        </a:rPr>
-                        <a:t>5</a:t>
-                      </a:r>
-                      <a:r>
-                        <a:rPr lang="hr-HR" sz="1800" kern="1200" dirty="0" smtClean="0">
-                          <a:solidFill>
-                            <a:schemeClr val="dk1"/>
-                          </a:solidFill>
-                          <a:latin typeface="+mn-lt"/>
-                          <a:ea typeface="+mn-ea"/>
-                          <a:cs typeface="+mn-cs"/>
-                        </a:rPr>
-                        <a:t>.25</a:t>
-                      </a:r>
-                      <a:r>
-                        <a:rPr lang="hr-HR" sz="1800" kern="1200" dirty="0">
-                          <a:solidFill>
-                            <a:schemeClr val="dk1"/>
-                          </a:solidFill>
-                          <a:latin typeface="+mn-lt"/>
-                          <a:ea typeface="+mn-ea"/>
-                          <a:cs typeface="+mn-cs"/>
-                        </a:rPr>
-                        <a:t>%</a:t>
-                      </a:r>
-                    </a:p>
-                  </a:txBody>
-                  <a:tcPr marL="6350" marR="6350" marT="6350" marB="0" anchor="ctr"/>
-                </a:tc>
-              </a:tr>
-              <a:tr h="357994">
-                <a:tc>
-                  <a:txBody>
-                    <a:bodyPr/>
-                    <a:lstStyle/>
-                    <a:p>
-                      <a:pPr algn="ctr"/>
-                      <a:r>
-                        <a:rPr lang="en-US" altLang="zh-CN" sz="1800" kern="1200" dirty="0" smtClean="0">
-                          <a:solidFill>
-                            <a:srgbClr val="C00000"/>
-                          </a:solidFill>
-                          <a:effectLst/>
-                          <a:latin typeface="+mn-lt"/>
-                          <a:ea typeface="+mn-ea"/>
-                          <a:cs typeface="+mn-cs"/>
-                        </a:rPr>
-                        <a:t>fc7</a:t>
-                      </a:r>
-                      <a:endParaRPr lang="zh-CN" altLang="en-US" dirty="0">
-                        <a:solidFill>
-                          <a:srgbClr val="C00000"/>
-                        </a:solidFill>
-                      </a:endParaRPr>
-                    </a:p>
-                  </a:txBody>
-                  <a:tcPr/>
-                </a:tc>
-                <a:tc>
-                  <a:txBody>
-                    <a:bodyPr/>
-                    <a:lstStyle/>
-                    <a:p>
-                      <a:pPr marL="0" algn="ctr" defTabSz="914400" rtl="0" eaLnBrk="1" latinLnBrk="0" hangingPunct="1"/>
-                      <a:r>
-                        <a:rPr lang="is-IS" altLang="zh-CN" sz="1800" kern="1200" dirty="0" smtClean="0">
-                          <a:solidFill>
-                            <a:srgbClr val="C00000"/>
-                          </a:solidFill>
-                          <a:latin typeface="+mn-lt"/>
-                          <a:ea typeface="+mn-ea"/>
-                          <a:cs typeface="+mn-cs"/>
-                        </a:rPr>
-                        <a:t>4096</a:t>
-                      </a:r>
-                      <a:endParaRPr lang="zh-CN" altLang="en-US" sz="1800" kern="1200" dirty="0">
-                        <a:solidFill>
-                          <a:srgbClr val="C00000"/>
-                        </a:solidFill>
-                        <a:latin typeface="+mn-lt"/>
-                        <a:ea typeface="+mn-ea"/>
-                        <a:cs typeface="+mn-cs"/>
-                      </a:endParaRPr>
-                    </a:p>
-                  </a:txBody>
-                  <a:tcPr/>
-                </a:tc>
-                <a:tc>
-                  <a:txBody>
-                    <a:bodyPr/>
-                    <a:lstStyle/>
-                    <a:p>
-                      <a:pPr algn="ctr"/>
-                      <a:r>
-                        <a:rPr lang="en-US" altLang="zh-CN" dirty="0" smtClean="0">
-                          <a:solidFill>
-                            <a:srgbClr val="C00000"/>
-                          </a:solidFill>
-                        </a:rPr>
-                        <a:t>1000</a:t>
-                      </a:r>
-                      <a:endParaRPr lang="zh-CN" altLang="en-US" dirty="0">
-                        <a:solidFill>
-                          <a:srgbClr val="C00000"/>
-                        </a:solidFill>
-                      </a:endParaRPr>
-                    </a:p>
-                  </a:txBody>
-                  <a:tcPr/>
-                </a:tc>
-                <a:tc>
-                  <a:txBody>
-                    <a:bodyPr/>
-                    <a:lstStyle/>
-                    <a:p>
-                      <a:pPr algn="ctr"/>
-                      <a:r>
-                        <a:rPr lang="en-US" altLang="zh-CN" dirty="0" smtClean="0">
-                          <a:solidFill>
-                            <a:srgbClr val="C00000"/>
-                          </a:solidFill>
-                        </a:rPr>
-                        <a:t>96%</a:t>
-                      </a:r>
-                      <a:endParaRPr lang="zh-CN" altLang="en-US" dirty="0">
-                        <a:solidFill>
-                          <a:srgbClr val="C00000"/>
-                        </a:solidFill>
-                      </a:endParaRPr>
-                    </a:p>
-                  </a:txBody>
-                  <a:tcPr/>
-                </a:tc>
-                <a:tc>
-                  <a:txBody>
-                    <a:bodyPr/>
-                    <a:lstStyle/>
-                    <a:p>
-                      <a:pPr marL="0" algn="ctr" defTabSz="914400" rtl="0" eaLnBrk="1" fontAlgn="b" latinLnBrk="0" hangingPunct="1"/>
-                      <a:r>
-                        <a:rPr lang="hr-HR" sz="1800" kern="1200" dirty="0" smtClean="0">
-                          <a:solidFill>
-                            <a:srgbClr val="C00000"/>
-                          </a:solidFill>
-                          <a:latin typeface="+mn-lt"/>
-                          <a:ea typeface="+mn-ea"/>
-                          <a:cs typeface="+mn-cs"/>
-                        </a:rPr>
-                        <a:t>9</a:t>
-                      </a:r>
-                      <a:r>
-                        <a:rPr lang="en-US" altLang="zh-CN" sz="1800" kern="1200" dirty="0" smtClean="0">
-                          <a:solidFill>
-                            <a:srgbClr val="C00000"/>
-                          </a:solidFill>
-                          <a:latin typeface="+mn-lt"/>
-                          <a:ea typeface="+mn-ea"/>
-                          <a:cs typeface="+mn-cs"/>
-                        </a:rPr>
-                        <a:t>6</a:t>
-                      </a:r>
-                      <a:r>
-                        <a:rPr lang="hr-HR" sz="1800" kern="1200" dirty="0" smtClean="0">
-                          <a:solidFill>
-                            <a:srgbClr val="C00000"/>
-                          </a:solidFill>
-                          <a:latin typeface="+mn-lt"/>
-                          <a:ea typeface="+mn-ea"/>
-                          <a:cs typeface="+mn-cs"/>
-                        </a:rPr>
-                        <a:t>.50</a:t>
-                      </a:r>
-                      <a:r>
-                        <a:rPr lang="hr-HR" sz="1800" kern="1200" dirty="0">
-                          <a:solidFill>
-                            <a:srgbClr val="C00000"/>
-                          </a:solidFill>
-                          <a:latin typeface="+mn-lt"/>
-                          <a:ea typeface="+mn-ea"/>
-                          <a:cs typeface="+mn-cs"/>
-                        </a:rPr>
-                        <a:t>%</a:t>
-                      </a:r>
-                    </a:p>
-                  </a:txBody>
-                  <a:tcPr marL="6350" marR="6350" marT="6350" marB="0" anchor="ctr"/>
-                </a:tc>
-              </a:tr>
-              <a:tr h="357994">
-                <a:tc>
-                  <a:txBody>
-                    <a:bodyPr/>
-                    <a:lstStyle/>
-                    <a:p>
-                      <a:pPr algn="ctr"/>
-                      <a:r>
-                        <a:rPr lang="en-US" altLang="zh-CN" sz="1800" kern="1200" dirty="0" smtClean="0">
-                          <a:solidFill>
-                            <a:schemeClr val="dk1"/>
-                          </a:solidFill>
-                          <a:effectLst/>
-                          <a:latin typeface="+mn-lt"/>
-                          <a:ea typeface="+mn-ea"/>
-                          <a:cs typeface="+mn-cs"/>
-                        </a:rPr>
-                        <a:t>fc8</a:t>
-                      </a:r>
-                      <a:endParaRPr lang="zh-CN" altLang="en-US" dirty="0"/>
-                    </a:p>
-                  </a:txBody>
-                  <a:tcPr/>
-                </a:tc>
-                <a:tc>
-                  <a:txBody>
-                    <a:bodyPr/>
-                    <a:lstStyle/>
-                    <a:p>
-                      <a:pPr marL="0" algn="ctr" defTabSz="914400" rtl="0" eaLnBrk="1" latinLnBrk="0" hangingPunct="1"/>
-                      <a:r>
-                        <a:rPr lang="is-IS" altLang="zh-CN" sz="1800" kern="1200" dirty="0" smtClean="0">
-                          <a:solidFill>
-                            <a:schemeClr val="dk1"/>
-                          </a:solidFill>
-                          <a:latin typeface="+mn-lt"/>
-                          <a:ea typeface="+mn-ea"/>
-                          <a:cs typeface="+mn-cs"/>
-                        </a:rPr>
-                        <a:t>1000</a:t>
-                      </a:r>
-                      <a:endParaRPr lang="zh-CN" altLang="en-US" sz="1800" kern="1200" dirty="0">
-                        <a:solidFill>
-                          <a:schemeClr val="dk1"/>
-                        </a:solidFill>
-                        <a:latin typeface="+mn-lt"/>
-                        <a:ea typeface="+mn-ea"/>
-                        <a:cs typeface="+mn-cs"/>
-                      </a:endParaRPr>
-                    </a:p>
-                  </a:txBody>
-                  <a:tcPr/>
-                </a:tc>
-                <a:tc>
-                  <a:txBody>
-                    <a:bodyPr/>
-                    <a:lstStyle/>
-                    <a:p>
-                      <a:pPr algn="ctr"/>
-                      <a:r>
-                        <a:rPr lang="en-US" altLang="zh-CN" dirty="0" smtClean="0"/>
-                        <a:t>1000</a:t>
-                      </a:r>
-                      <a:endParaRPr lang="zh-CN" altLang="en-US" dirty="0"/>
-                    </a:p>
-                  </a:txBody>
-                  <a:tcPr/>
-                </a:tc>
-                <a:tc>
-                  <a:txBody>
-                    <a:bodyPr/>
-                    <a:lstStyle/>
-                    <a:p>
-                      <a:pPr algn="ctr"/>
-                      <a:r>
-                        <a:rPr lang="en-US" altLang="zh-CN" dirty="0" smtClean="0"/>
-                        <a:t>100%</a:t>
-                      </a:r>
-                      <a:endParaRPr lang="zh-CN" altLang="en-US" dirty="0"/>
-                    </a:p>
-                  </a:txBody>
-                  <a:tcPr/>
-                </a:tc>
-                <a:tc>
-                  <a:txBody>
-                    <a:bodyPr/>
-                    <a:lstStyle/>
-                    <a:p>
-                      <a:pPr marL="0" algn="ctr" defTabSz="914400" rtl="0" eaLnBrk="1" fontAlgn="b" latinLnBrk="0" hangingPunct="1"/>
-                      <a:r>
-                        <a:rPr lang="nb-NO" sz="1800" kern="1200" dirty="0" smtClean="0">
-                          <a:solidFill>
-                            <a:schemeClr val="dk1"/>
-                          </a:solidFill>
-                          <a:latin typeface="+mn-lt"/>
-                          <a:ea typeface="+mn-ea"/>
-                          <a:cs typeface="+mn-cs"/>
-                        </a:rPr>
-                        <a:t>9</a:t>
-                      </a:r>
-                      <a:r>
-                        <a:rPr lang="en-US" altLang="zh-CN" sz="1800" kern="1200" dirty="0" smtClean="0">
-                          <a:solidFill>
-                            <a:schemeClr val="dk1"/>
-                          </a:solidFill>
-                          <a:latin typeface="+mn-lt"/>
-                          <a:ea typeface="+mn-ea"/>
-                          <a:cs typeface="+mn-cs"/>
-                        </a:rPr>
-                        <a:t>5</a:t>
-                      </a:r>
-                      <a:r>
-                        <a:rPr lang="nb-NO" sz="1800" kern="1200" dirty="0" smtClean="0">
-                          <a:solidFill>
-                            <a:schemeClr val="dk1"/>
-                          </a:solidFill>
-                          <a:latin typeface="+mn-lt"/>
-                          <a:ea typeface="+mn-ea"/>
-                          <a:cs typeface="+mn-cs"/>
-                        </a:rPr>
-                        <a:t>.50</a:t>
-                      </a:r>
-                      <a:r>
-                        <a:rPr lang="nb-NO" sz="1800" kern="1200" dirty="0">
-                          <a:solidFill>
-                            <a:schemeClr val="dk1"/>
-                          </a:solidFill>
-                          <a:latin typeface="+mn-lt"/>
-                          <a:ea typeface="+mn-ea"/>
-                          <a:cs typeface="+mn-cs"/>
-                        </a:rPr>
-                        <a:t>%</a:t>
-                      </a:r>
-                    </a:p>
-                  </a:txBody>
-                  <a:tcPr marL="6350" marR="6350" marT="6350" marB="0" anchor="ctr"/>
-                </a:tc>
-              </a:tr>
-              <a:tr h="357994">
-                <a:tc>
-                  <a:txBody>
-                    <a:bodyPr/>
-                    <a:lstStyle/>
-                    <a:p>
-                      <a:pPr algn="ctr"/>
-                      <a:r>
-                        <a:rPr lang="en-US" altLang="zh-CN" sz="1800" kern="1200" dirty="0" err="1" smtClean="0">
-                          <a:solidFill>
-                            <a:schemeClr val="dk1"/>
-                          </a:solidFill>
-                          <a:effectLst/>
-                          <a:latin typeface="+mn-lt"/>
-                          <a:ea typeface="+mn-ea"/>
-                          <a:cs typeface="+mn-cs"/>
-                        </a:rPr>
-                        <a:t>prob</a:t>
-                      </a:r>
-                      <a:endParaRPr lang="zh-CN" altLang="en-US" dirty="0"/>
-                    </a:p>
-                  </a:txBody>
-                  <a:tcPr/>
-                </a:tc>
-                <a:tc>
-                  <a:txBody>
-                    <a:bodyPr/>
-                    <a:lstStyle/>
-                    <a:p>
-                      <a:pPr marL="0" algn="ctr" defTabSz="914400" rtl="0" eaLnBrk="1" latinLnBrk="0" hangingPunct="1"/>
-                      <a:r>
-                        <a:rPr lang="is-IS" altLang="zh-CN" sz="1800" kern="1200" dirty="0" smtClean="0">
-                          <a:solidFill>
-                            <a:schemeClr val="dk1"/>
-                          </a:solidFill>
-                          <a:latin typeface="+mn-lt"/>
-                          <a:ea typeface="+mn-ea"/>
-                          <a:cs typeface="+mn-cs"/>
-                        </a:rPr>
-                        <a:t>1000</a:t>
-                      </a:r>
-                      <a:endParaRPr lang="zh-CN" altLang="en-US" sz="1800" kern="1200" dirty="0">
-                        <a:solidFill>
-                          <a:schemeClr val="dk1"/>
-                        </a:solidFill>
-                        <a:latin typeface="+mn-lt"/>
-                        <a:ea typeface="+mn-ea"/>
-                        <a:cs typeface="+mn-cs"/>
-                      </a:endParaRPr>
-                    </a:p>
-                  </a:txBody>
-                  <a:tcPr/>
-                </a:tc>
-                <a:tc>
-                  <a:txBody>
-                    <a:bodyPr/>
-                    <a:lstStyle/>
-                    <a:p>
-                      <a:pPr algn="ctr"/>
-                      <a:r>
-                        <a:rPr lang="en-US" altLang="zh-CN" dirty="0" smtClean="0"/>
-                        <a:t>1000</a:t>
-                      </a:r>
-                      <a:endParaRPr lang="zh-CN" altLang="en-US" dirty="0"/>
-                    </a:p>
-                  </a:txBody>
-                  <a:tcPr/>
-                </a:tc>
-                <a:tc>
-                  <a:txBody>
-                    <a:bodyPr/>
-                    <a:lstStyle/>
-                    <a:p>
-                      <a:pPr algn="ctr"/>
-                      <a:r>
-                        <a:rPr lang="en-US" altLang="zh-CN" dirty="0" smtClean="0"/>
-                        <a:t>100%</a:t>
-                      </a:r>
-                      <a:endParaRPr lang="zh-CN" altLang="en-US" dirty="0"/>
-                    </a:p>
-                  </a:txBody>
-                  <a:tcPr/>
-                </a:tc>
-                <a:tc>
-                  <a:txBody>
-                    <a:bodyPr/>
-                    <a:lstStyle/>
-                    <a:p>
-                      <a:pPr marL="0" algn="ctr" defTabSz="914400" rtl="0" eaLnBrk="1" fontAlgn="b" latinLnBrk="0" hangingPunct="1"/>
-                      <a:r>
-                        <a:rPr lang="pt-BR" sz="1800" kern="1200" dirty="0" smtClean="0">
-                          <a:solidFill>
-                            <a:schemeClr val="dk1"/>
-                          </a:solidFill>
-                          <a:latin typeface="+mn-lt"/>
-                          <a:ea typeface="+mn-ea"/>
-                          <a:cs typeface="+mn-cs"/>
-                        </a:rPr>
-                        <a:t>9</a:t>
-                      </a:r>
-                      <a:r>
-                        <a:rPr lang="en-US" altLang="zh-CN" sz="1800" kern="1200" dirty="0" smtClean="0">
-                          <a:solidFill>
-                            <a:schemeClr val="dk1"/>
-                          </a:solidFill>
-                          <a:latin typeface="+mn-lt"/>
-                          <a:ea typeface="+mn-ea"/>
-                          <a:cs typeface="+mn-cs"/>
-                        </a:rPr>
-                        <a:t>3</a:t>
+                        <a:t>84</a:t>
                       </a:r>
                       <a:r>
                         <a:rPr lang="pt-BR" sz="1800" kern="1200" dirty="0" smtClean="0">
@@ -12602,172 +10616,14 @@
   <p:timing>
     <p:tnLst>
       <p:par>
-        <p:cTn id="1" dur="indefinite" restart="never" nodeType="tmRoot">
-          <p:childTnLst>
-            <p:seq concurrent="1" nextAc="seek">
-              <p:cTn id="2" dur="indefinite" nodeType="mainSeq">
-                <p:childTnLst>
-                  <p:par>
-                    <p:cTn id="3" fill="hold">
-                      <p:stCondLst>
-                        <p:cond delay="indefinite"/>
-                      </p:stCondLst>
-                      <p:childTnLst>
-                        <p:par>
-                          <p:cTn id="4" fill="hold">
-                            <p:stCondLst>
-                              <p:cond delay="0"/>
-                            </p:stCondLst>
-                            <p:childTnLst>
-                              <p:par>
-                                <p:cTn id="5" presetID="1" presetClass="entr" presetSubtype="0" fill="hold" nodeType="clickEffect">
-                                  <p:stCondLst>
-                                    <p:cond delay="0"/>
-                                  </p:stCondLst>
-                                  <p:childTnLst>
-                                    <p:set>
-                                      <p:cBhvr>
-                                        <p:cTn id="6" dur="1" fill="hold">
-                                          <p:stCondLst>
-                                            <p:cond delay="0"/>
-                                          </p:stCondLst>
-                                        </p:cTn>
-                                        <p:tgtEl>
-                                          <p:spTgt spid="9"/>
-                                        </p:tgtEl>
-                                        <p:attrNameLst>
-                                          <p:attrName>style.visibility</p:attrName>
-                                        </p:attrNameLst>
-                                      </p:cBhvr>
-                                      <p:to>
-                                        <p:strVal val="visible"/>
-                                      </p:to>
-                                    </p:set>
-                                  </p:childTnLst>
-                                </p:cTn>
-                              </p:par>
-                            </p:childTnLst>
-                          </p:cTn>
-                        </p:par>
-                      </p:childTnLst>
-                    </p:cTn>
-                  </p:par>
-                  <p:par>
-                    <p:cTn id="7" fill="hold">
-                      <p:stCondLst>
-                        <p:cond delay="indefinite"/>
-                      </p:stCondLst>
-                      <p:childTnLst>
-                        <p:par>
-                          <p:cTn id="8" fill="hold">
-                            <p:stCondLst>
-                              <p:cond delay="0"/>
-                            </p:stCondLst>
-                            <p:childTnLst>
-                              <p:par>
-                                <p:cTn id="9" presetID="1" presetClass="entr" presetSubtype="0" fill="hold" nodeType="clickEffect">
-                                  <p:stCondLst>
-                                    <p:cond delay="0"/>
-                                  </p:stCondLst>
-                                  <p:childTnLst>
-                                    <p:set>
-                                      <p:cBhvr>
-                                        <p:cTn id="10" dur="1" fill="hold">
-                                          <p:stCondLst>
-                                            <p:cond delay="0"/>
-                                          </p:stCondLst>
-                                        </p:cTn>
-                                        <p:tgtEl>
-                                          <p:spTgt spid="10"/>
-                                        </p:tgtEl>
-                                        <p:attrNameLst>
-                                          <p:attrName>style.visibility</p:attrName>
-                                        </p:attrNameLst>
-                                      </p:cBhvr>
-                                      <p:to>
-                                        <p:strVal val="visible"/>
-                                      </p:to>
-                                    </p:set>
-                                  </p:childTnLst>
-                                </p:cTn>
-                              </p:par>
-                            </p:childTnLst>
-                          </p:cTn>
-                        </p:par>
-                      </p:childTnLst>
-                    </p:cTn>
-                  </p:par>
-                  <p:par>
-                    <p:cTn id="11" fill="hold">
-                      <p:stCondLst>
-                        <p:cond delay="indefinite"/>
-                      </p:stCondLst>
-                      <p:childTnLst>
-                        <p:par>
-                          <p:cTn id="12" fill="hold">
-                            <p:stCondLst>
-                              <p:cond delay="0"/>
-                            </p:stCondLst>
-                            <p:childTnLst>
-                              <p:par>
-                                <p:cTn id="13" presetID="1" presetClass="entr" presetSubtype="0" fill="hold" nodeType="clickEffect">
-                                  <p:stCondLst>
-                                    <p:cond delay="0"/>
-                                  </p:stCondLst>
-                                  <p:childTnLst>
-                                    <p:set>
-                                      <p:cBhvr>
-                                        <p:cTn id="14" dur="1" fill="hold">
-                                          <p:stCondLst>
-                                            <p:cond delay="0"/>
-                                          </p:stCondLst>
-                                        </p:cTn>
-                                        <p:tgtEl>
-                                          <p:spTgt spid="10"/>
-                                        </p:tgtEl>
-                                        <p:attrNameLst>
-                                          <p:attrName>style.visibility</p:attrName>
-                                        </p:attrNameLst>
-                                      </p:cBhvr>
-                                      <p:to>
-                                        <p:strVal val="visible"/>
-                                      </p:to>
-                                    </p:set>
-                                  </p:childTnLst>
-                                </p:cTn>
-                              </p:par>
-                            </p:childTnLst>
-                          </p:cTn>
-                        </p:par>
-                      </p:childTnLst>
-                    </p:cTn>
-                  </p:par>
-                </p:childTnLst>
-              </p:cTn>
-              <p:prevCondLst>
-                <p:cond evt="onPrev" delay="0">
-                  <p:tgtEl>
-                    <p:sldTgt/>
-                  </p:tgtEl>
-                </p:cond>
-              </p:prevCondLst>
-              <p:nextCondLst>
-                <p:cond evt="onNext" delay="0">
-                  <p:tgtEl>
-                    <p:sldTgt/>
-                  </p:tgtEl>
-                </p:cond>
-              </p:nextCondLst>
-            </p:seq>
-          </p:childTnLst>
-        </p:cTn>
+        <p:cTn id="1" dur="indefinite" restart="never" nodeType="tmRoot"/>
       </p:par>
     </p:tnLst>
   </p:timing>
 </p:sld>
 </file>
 
-<file path=ppt/slides/slide16.xml><?xml version="1.0" encoding="utf-8"?>
+<file path=ppt/slides/slide17.xml><?xml version="1.0" encoding="utf-8"?>
 <p:sld xmlns:a="http://schemas.openxmlformats.org/drawingml/2006/main" xmlns:r="http://schemas.openxmlformats.org/officeDocument/2006/relationships" xmlns:p="http://schemas.openxmlformats.org/presentationml/2006/main">
   <p:cSld>
     <p:spTree>
@@ -12932,8 +10788,12 @@
               <a:buSzTx/>
             </a:pPr>
             <a:r>
-              <a:rPr kumimoji="1" lang="en-US" altLang="zh-CN" dirty="0" smtClean="0"/>
-              <a:t>95</a:t>
+              <a:rPr kumimoji="1" lang="en-US" altLang="zh-CN" dirty="0"/>
+              <a:t>8</a:t>
+            </a:r>
+            <a:r>
+              <a:rPr kumimoji="1" lang="en-US" altLang="zh-CN" dirty="0" smtClean="0"/>
+              <a:t>5</a:t>
             </a:r>
             <a:r>
               <a:rPr kumimoji="1" lang="en-US" altLang="zh-CN" dirty="0"/>
@@ -13088,7 +10948,6 @@
               <a:rPr kumimoji="1" lang="en-US" altLang="zh-CN" dirty="0" smtClean="0"/>
               <a:t>Regression</a:t>
             </a:r>
-            <a:endParaRPr kumimoji="1" lang="en-US" altLang="zh-CN" dirty="0" smtClean="0"/>
           </a:p>
           <a:p>
             <a:pPr>
@@ -13140,7 +10999,7 @@
           <p:nvPr>
             <p:extLst>
               <p:ext uri="{D42A27DB-BD31-4B8C-83A1-F6EECF244321}">
-                <p14:modId xmlns:p14="http://schemas.microsoft.com/office/powerpoint/2010/main" val="1742223207"/>
+                <p14:modId xmlns:p14="http://schemas.microsoft.com/office/powerpoint/2010/main" val="1926514074"/>
               </p:ext>
             </p:extLst>
           </p:nvPr>
@@ -13267,6 +11126,30 @@
                     <a:p>
                       <a:pPr marL="0" algn="ctr" defTabSz="914400" rtl="0" eaLnBrk="1" fontAlgn="b" latinLnBrk="0" hangingPunct="1"/>
                       <a:r>
+                        <a:rPr lang="en-US" altLang="zh-CN" sz="1800" kern="1200" dirty="0" smtClean="0">
+                          <a:solidFill>
+                            <a:schemeClr val="dk1"/>
+                          </a:solidFill>
+                          <a:effectLst/>
+                          <a:latin typeface="+mn-lt"/>
+                          <a:ea typeface="+mn-ea"/>
+                          <a:cs typeface="+mn-cs"/>
+                        </a:rPr>
+                        <a:t>80</a:t>
+                      </a:r>
+                      <a:r>
+                        <a:rPr lang="pt-BR" sz="1800" kern="1200" dirty="0" smtClean="0">
+                          <a:solidFill>
+                            <a:schemeClr val="dk1"/>
+                          </a:solidFill>
+                          <a:effectLst/>
+                          <a:latin typeface="+mn-lt"/>
+                          <a:ea typeface="+mn-ea"/>
+                          <a:cs typeface="+mn-cs"/>
+                        </a:rPr>
+                        <a:t>.00</a:t>
+                      </a:r>
+                      <a:r>
                         <a:rPr lang="pt-BR" sz="1800" kern="1200" dirty="0">
                           <a:solidFill>
                             <a:schemeClr val="dk1"/>
@@ -13276,7 +11159,7 @@
                           <a:ea typeface="+mn-ea"/>
                           <a:cs typeface="+mn-cs"/>
                         </a:rPr>
-                        <a:t>92.00%</a:t>
+                        <a:t>%</a:t>
                       </a:r>
                     </a:p>
                   </a:txBody>
@@ -13311,6 +11194,30 @@
                     <a:p>
                       <a:pPr marL="0" algn="ctr" defTabSz="914400" rtl="0" eaLnBrk="1" fontAlgn="b" latinLnBrk="0" hangingPunct="1"/>
                       <a:r>
+                        <a:rPr lang="en-US" altLang="zh-CN" sz="1800" kern="1200" dirty="0" smtClean="0">
+                          <a:solidFill>
+                            <a:schemeClr val="dk1"/>
+                          </a:solidFill>
+                          <a:effectLst/>
+                          <a:latin typeface="+mn-lt"/>
+                          <a:ea typeface="+mn-ea"/>
+                          <a:cs typeface="+mn-cs"/>
+                        </a:rPr>
+                        <a:t>85</a:t>
+                      </a:r>
+                      <a:r>
+                        <a:rPr lang="hr-HR" sz="1800" kern="1200" dirty="0" smtClean="0">
+                          <a:solidFill>
+                            <a:schemeClr val="dk1"/>
+                          </a:solidFill>
+                          <a:effectLst/>
+                          <a:latin typeface="+mn-lt"/>
+                          <a:ea typeface="+mn-ea"/>
+                          <a:cs typeface="+mn-cs"/>
+                        </a:rPr>
+                        <a:t>.05</a:t>
+                      </a:r>
+                      <a:r>
                         <a:rPr lang="hr-HR" sz="1800" kern="1200" dirty="0">
                           <a:solidFill>
                             <a:schemeClr val="dk1"/>
@@ -13320,7 +11227,7 @@
                           <a:ea typeface="+mn-ea"/>
                           <a:cs typeface="+mn-cs"/>
                         </a:rPr>
-                        <a:t>97.05%</a:t>
+                        <a:t>%</a:t>
                       </a:r>
                     </a:p>
                   </a:txBody>
@@ -13357,6 +11264,30 @@
                     <a:p>
                       <a:pPr marL="0" algn="ctr" defTabSz="914400" rtl="0" eaLnBrk="1" fontAlgn="b" latinLnBrk="0" hangingPunct="1"/>
                       <a:r>
+                        <a:rPr lang="en-US" altLang="zh-CN" sz="1800" kern="1200" dirty="0" smtClean="0">
+                          <a:solidFill>
+                            <a:schemeClr val="dk1"/>
+                          </a:solidFill>
+                          <a:effectLst/>
+                          <a:latin typeface="+mn-lt"/>
+                          <a:ea typeface="+mn-ea"/>
+                          <a:cs typeface="+mn-cs"/>
+                        </a:rPr>
+                        <a:t>82</a:t>
+                      </a:r>
+                      <a:r>
+                        <a:rPr lang="hr-HR" sz="1800" kern="1200" dirty="0" smtClean="0">
+                          <a:solidFill>
+                            <a:schemeClr val="dk1"/>
+                          </a:solidFill>
+                          <a:effectLst/>
+                          <a:latin typeface="+mn-lt"/>
+                          <a:ea typeface="+mn-ea"/>
+                          <a:cs typeface="+mn-cs"/>
+                        </a:rPr>
+                        <a:t>.20</a:t>
+                      </a:r>
+                      <a:r>
                         <a:rPr lang="hr-HR" sz="1800" kern="1200" dirty="0">
                           <a:solidFill>
                             <a:schemeClr val="dk1"/>
@@ -13366,7 +11297,7 @@
                           <a:ea typeface="+mn-ea"/>
                           <a:cs typeface="+mn-cs"/>
                         </a:rPr>
-                        <a:t>94.20%</a:t>
+                        <a:t>%</a:t>
                       </a:r>
                     </a:p>
                   </a:txBody>
@@ -13401,7 +11332,7 @@
                     <a:p>
                       <a:pPr marL="0" algn="ctr" defTabSz="914400" rtl="0" eaLnBrk="1" fontAlgn="b" latinLnBrk="0" hangingPunct="1"/>
                       <a:r>
-                        <a:rPr lang="hr-HR" sz="1800" kern="1200">
+                        <a:rPr lang="en-US" altLang="zh-CN" sz="1800" kern="1200" dirty="0" smtClean="0">
                           <a:solidFill>
                             <a:schemeClr val="dk1"/>
                           </a:solidFill>
@@ -13410,7 +11341,31 @@
                           <a:ea typeface="+mn-ea"/>
                           <a:cs typeface="+mn-cs"/>
                         </a:rPr>
-                        <a:t>96.75%</a:t>
+                        <a:t>84</a:t>
+                      </a:r>
+                      <a:r>
+                        <a:rPr lang="hr-HR" sz="1800" kern="1200" dirty="0" smtClean="0">
+                          <a:solidFill>
+                            <a:schemeClr val="dk1"/>
+                          </a:solidFill>
+                          <a:effectLst/>
+                          <a:latin typeface="+mn-lt"/>
+                          <a:ea typeface="+mn-ea"/>
+                          <a:cs typeface="+mn-cs"/>
+                        </a:rPr>
+                        <a:t>.75</a:t>
+                      </a:r>
+                      <a:r>
+                        <a:rPr lang="hr-HR" sz="1800" kern="1200" dirty="0">
+                          <a:solidFill>
+                            <a:schemeClr val="dk1"/>
+                          </a:solidFill>
+                          <a:effectLst/>
+                          <a:latin typeface="+mn-lt"/>
+                          <a:ea typeface="+mn-ea"/>
+                          <a:cs typeface="+mn-cs"/>
+                        </a:rPr>
+                        <a:t>%</a:t>
                       </a:r>
                     </a:p>
                   </a:txBody>
@@ -13447,7 +11402,7 @@
                     <a:p>
                       <a:pPr marL="0" algn="ctr" defTabSz="914400" rtl="0" eaLnBrk="1" fontAlgn="b" latinLnBrk="0" hangingPunct="1"/>
                       <a:r>
-                        <a:rPr lang="pt-BR" sz="1800" kern="1200">
+                        <a:rPr lang="en-US" altLang="zh-CN" sz="1800" kern="1200" dirty="0" smtClean="0">
                           <a:solidFill>
                             <a:schemeClr val="dk1"/>
                           </a:solidFill>
@@ -13456,7 +11411,31 @@
                           <a:ea typeface="+mn-ea"/>
                           <a:cs typeface="+mn-cs"/>
                         </a:rPr>
-                        <a:t>95.00%</a:t>
+                        <a:t>83</a:t>
+                      </a:r>
+                      <a:r>
+                        <a:rPr lang="pt-BR" sz="1800" kern="1200" dirty="0" smtClean="0">
+                          <a:solidFill>
+                            <a:schemeClr val="dk1"/>
+                          </a:solidFill>
+                          <a:effectLst/>
+                          <a:latin typeface="+mn-lt"/>
+                          <a:ea typeface="+mn-ea"/>
+                          <a:cs typeface="+mn-cs"/>
+                        </a:rPr>
+                        <a:t>.00</a:t>
+                      </a:r>
+                      <a:r>
+                        <a:rPr lang="pt-BR" sz="1800" kern="1200" dirty="0">
+                          <a:solidFill>
+                            <a:schemeClr val="dk1"/>
+                          </a:solidFill>
+                          <a:effectLst/>
+                          <a:latin typeface="+mn-lt"/>
+                          <a:ea typeface="+mn-ea"/>
+                          <a:cs typeface="+mn-cs"/>
+                        </a:rPr>
+                        <a:t>%</a:t>
                       </a:r>
                     </a:p>
                   </a:txBody>
@@ -13491,7 +11470,7 @@
                     <a:p>
                       <a:pPr marL="0" algn="ctr" defTabSz="914400" rtl="0" eaLnBrk="1" fontAlgn="b" latinLnBrk="0" hangingPunct="1"/>
                       <a:r>
-                        <a:rPr lang="hr-HR" sz="1800" kern="1200">
+                        <a:rPr lang="en-US" altLang="zh-CN" sz="1800" kern="1200" dirty="0" smtClean="0">
                           <a:solidFill>
                             <a:schemeClr val="dk1"/>
                           </a:solidFill>
@@ -13500,7 +11479,31 @@
                           <a:ea typeface="+mn-ea"/>
                           <a:cs typeface="+mn-cs"/>
                         </a:rPr>
-                        <a:t>97.25%</a:t>
+                        <a:t>85</a:t>
+                      </a:r>
+                      <a:r>
+                        <a:rPr lang="hr-HR" sz="1800" kern="1200" dirty="0" smtClean="0">
+                          <a:solidFill>
+                            <a:schemeClr val="dk1"/>
+                          </a:solidFill>
+                          <a:effectLst/>
+                          <a:latin typeface="+mn-lt"/>
+                          <a:ea typeface="+mn-ea"/>
+                          <a:cs typeface="+mn-cs"/>
+                        </a:rPr>
+                        <a:t>.25</a:t>
+                      </a:r>
+                      <a:r>
+                        <a:rPr lang="hr-HR" sz="1800" kern="1200" dirty="0">
+                          <a:solidFill>
+                            <a:schemeClr val="dk1"/>
+                          </a:solidFill>
+                          <a:effectLst/>
+                          <a:latin typeface="+mn-lt"/>
+                          <a:ea typeface="+mn-ea"/>
+                          <a:cs typeface="+mn-cs"/>
+                        </a:rPr>
+                        <a:t>%</a:t>
                       </a:r>
                     </a:p>
                   </a:txBody>
@@ -13537,7 +11540,7 @@
                     <a:p>
                       <a:pPr marL="0" algn="ctr" defTabSz="914400" rtl="0" eaLnBrk="1" fontAlgn="b" latinLnBrk="0" hangingPunct="1"/>
                       <a:r>
-                        <a:rPr lang="hr-HR" sz="1800" kern="1200">
+                        <a:rPr lang="en-US" altLang="zh-CN" sz="1800" kern="1200" dirty="0" smtClean="0">
                           <a:solidFill>
                             <a:schemeClr val="dk1"/>
                           </a:solidFill>
@@ -13546,7 +11549,31 @@
                           <a:ea typeface="+mn-ea"/>
                           <a:cs typeface="+mn-cs"/>
                         </a:rPr>
-                        <a:t>96.00%</a:t>
+                        <a:t>84</a:t>
+                      </a:r>
+                      <a:r>
+                        <a:rPr lang="hr-HR" sz="1800" kern="1200" dirty="0" smtClean="0">
+                          <a:solidFill>
+                            <a:schemeClr val="dk1"/>
+                          </a:solidFill>
+                          <a:effectLst/>
+                          <a:latin typeface="+mn-lt"/>
+                          <a:ea typeface="+mn-ea"/>
+                          <a:cs typeface="+mn-cs"/>
+                        </a:rPr>
+                        <a:t>.00</a:t>
+                      </a:r>
+                      <a:r>
+                        <a:rPr lang="hr-HR" sz="1800" kern="1200" dirty="0">
+                          <a:solidFill>
+                            <a:schemeClr val="dk1"/>
+                          </a:solidFill>
+                          <a:effectLst/>
+                          <a:latin typeface="+mn-lt"/>
+                          <a:ea typeface="+mn-ea"/>
+                          <a:cs typeface="+mn-cs"/>
+                        </a:rPr>
+                        <a:t>%</a:t>
                       </a:r>
                     </a:p>
                   </a:txBody>
@@ -13581,6 +11608,30 @@
                     <a:p>
                       <a:pPr marL="0" algn="ctr" defTabSz="914400" rtl="0" eaLnBrk="1" fontAlgn="b" latinLnBrk="0" hangingPunct="1"/>
                       <a:r>
+                        <a:rPr lang="en-US" altLang="zh-CN" sz="1800" kern="1200" dirty="0" smtClean="0">
+                          <a:solidFill>
+                            <a:schemeClr val="dk1"/>
+                          </a:solidFill>
+                          <a:effectLst/>
+                          <a:latin typeface="+mn-lt"/>
+                          <a:ea typeface="+mn-ea"/>
+                          <a:cs typeface="+mn-cs"/>
+                        </a:rPr>
+                        <a:t>85</a:t>
+                      </a:r>
+                      <a:r>
+                        <a:rPr lang="pt-BR" sz="1800" kern="1200" dirty="0" smtClean="0">
+                          <a:solidFill>
+                            <a:schemeClr val="dk1"/>
+                          </a:solidFill>
+                          <a:effectLst/>
+                          <a:latin typeface="+mn-lt"/>
+                          <a:ea typeface="+mn-ea"/>
+                          <a:cs typeface="+mn-cs"/>
+                        </a:rPr>
+                        <a:t>.30</a:t>
+                      </a:r>
+                      <a:r>
                         <a:rPr lang="pt-BR" sz="1800" kern="1200" dirty="0">
                           <a:solidFill>
                             <a:schemeClr val="dk1"/>
@@ -13590,7 +11641,7 @@
                           <a:ea typeface="+mn-ea"/>
                           <a:cs typeface="+mn-cs"/>
                         </a:rPr>
-                        <a:t>97.30%</a:t>
+                        <a:t>%</a:t>
                       </a:r>
                     </a:p>
                   </a:txBody>
@@ -13627,6 +11678,30 @@
                     <a:p>
                       <a:pPr marL="0" algn="ctr" defTabSz="914400" rtl="0" eaLnBrk="1" fontAlgn="b" latinLnBrk="0" hangingPunct="1"/>
                       <a:r>
+                        <a:rPr lang="en-US" altLang="zh-CN" sz="1800" kern="1200" dirty="0" smtClean="0">
+                          <a:solidFill>
+                            <a:schemeClr val="dk1"/>
+                          </a:solidFill>
+                          <a:effectLst/>
+                          <a:latin typeface="+mn-lt"/>
+                          <a:ea typeface="+mn-ea"/>
+                          <a:cs typeface="+mn-cs"/>
+                        </a:rPr>
+                        <a:t>84</a:t>
+                      </a:r>
+                      <a:r>
+                        <a:rPr lang="hr-HR" sz="1800" kern="1200" dirty="0" smtClean="0">
+                          <a:solidFill>
+                            <a:schemeClr val="dk1"/>
+                          </a:solidFill>
+                          <a:effectLst/>
+                          <a:latin typeface="+mn-lt"/>
+                          <a:ea typeface="+mn-ea"/>
+                          <a:cs typeface="+mn-cs"/>
+                        </a:rPr>
+                        <a:t>.20</a:t>
+                      </a:r>
+                      <a:r>
                         <a:rPr lang="hr-HR" sz="1800" kern="1200" dirty="0">
                           <a:solidFill>
                             <a:schemeClr val="dk1"/>
@@ -13636,7 +11711,7 @@
                           <a:ea typeface="+mn-ea"/>
                           <a:cs typeface="+mn-cs"/>
                         </a:rPr>
-                        <a:t>96.20%</a:t>
+                        <a:t>%</a:t>
                       </a:r>
                     </a:p>
                   </a:txBody>
@@ -13680,6 +11755,30 @@
                     <a:p>
                       <a:pPr marL="0" algn="ctr" defTabSz="914400" rtl="0" eaLnBrk="1" fontAlgn="b" latinLnBrk="0" hangingPunct="1"/>
                       <a:r>
+                        <a:rPr lang="en-US" altLang="zh-CN" sz="1800" kern="1200" dirty="0" smtClean="0">
+                          <a:solidFill>
+                            <a:schemeClr val="dk1"/>
+                          </a:solidFill>
+                          <a:effectLst/>
+                          <a:latin typeface="+mn-lt"/>
+                          <a:ea typeface="+mn-ea"/>
+                          <a:cs typeface="+mn-cs"/>
+                        </a:rPr>
+                        <a:t>83</a:t>
+                      </a:r>
+                      <a:r>
+                        <a:rPr lang="pt-BR" sz="1800" kern="1200" dirty="0" smtClean="0">
+                          <a:solidFill>
+                            <a:schemeClr val="dk1"/>
+                          </a:solidFill>
+                          <a:effectLst/>
+                          <a:latin typeface="+mn-lt"/>
+                          <a:ea typeface="+mn-ea"/>
+                          <a:cs typeface="+mn-cs"/>
+                        </a:rPr>
+                        <a:t>.30</a:t>
+                      </a:r>
+                      <a:r>
                         <a:rPr lang="pt-BR" sz="1800" kern="1200" dirty="0">
                           <a:solidFill>
                             <a:schemeClr val="dk1"/>
@@ -13689,7 +11788,7 @@
                           <a:ea typeface="+mn-ea"/>
                           <a:cs typeface="+mn-cs"/>
                         </a:rPr>
-                        <a:t>95.30%</a:t>
+                        <a:t>%</a:t>
                       </a:r>
                     </a:p>
                   </a:txBody>
@@ -13876,7 +11975,7 @@
 </p:sld>
 </file>
 
-<file path=ppt/slides/slide17.xml><?xml version="1.0" encoding="utf-8"?>
+<file path=ppt/slides/slide18.xml><?xml version="1.0" encoding="utf-8"?>
 <p:sld xmlns:a="http://schemas.openxmlformats.org/drawingml/2006/main" xmlns:r="http://schemas.openxmlformats.org/officeDocument/2006/relationships" xmlns:p="http://schemas.openxmlformats.org/presentationml/2006/main">
   <p:cSld>
     <p:spTree>
@@ -14228,9 +12327,10 @@
               <a:t> </a:t>
             </a:r>
             <a:r>
-              <a:rPr kumimoji="1" lang="en-US" altLang="zh-CN" dirty="0" smtClean="0"/>
-              <a:t>96.5%</a:t>
-            </a:r>
+              <a:rPr kumimoji="1" lang="en-US" altLang="zh-CN" smtClean="0"/>
+              <a:t>86.5%</a:t>
+            </a:r>
+            <a:endParaRPr kumimoji="1" lang="en-US" altLang="zh-CN" dirty="0" smtClean="0"/>
           </a:p>
           <a:p>
             <a:pPr>
@@ -14251,6 +12351,255 @@
     <p:extLst>
       <p:ext uri="{BB962C8B-B14F-4D97-AF65-F5344CB8AC3E}">
         <p14:creationId xmlns:p14="http://schemas.microsoft.com/office/powerpoint/2010/main" val="1897681939"/>
+      </p:ext>
+    </p:extLst>
+  </p:cSld>
+  <p:clrMapOvr>
+    <a:masterClrMapping/>
+  </p:clrMapOvr>
+  <p:timing>
+    <p:tnLst>
+      <p:par>
+        <p:cTn id="1" dur="indefinite" restart="never" nodeType="tmRoot"/>
+      </p:par>
+    </p:tnLst>
+  </p:timing>
+</p:sld>
+</file>
+
+<file path=ppt/slides/slide19.xml><?xml version="1.0" encoding="utf-8"?>
+<p:sld xmlns:a="http://schemas.openxmlformats.org/drawingml/2006/main" xmlns:r="http://schemas.openxmlformats.org/officeDocument/2006/relationships" xmlns:p="http://schemas.openxmlformats.org/presentationml/2006/main">
+  <p:cSld>
+    <p:spTree>
+      <p:nvGrpSpPr>
+        <p:cNvPr id="1" name=""/>
+        <p:cNvGrpSpPr/>
+        <p:nvPr/>
+      </p:nvGrpSpPr>
+      <p:grpSpPr>
+        <a:xfrm>
+          <a:off x="0" y="0"/>
+          <a:ext cx="0" cy="0"/>
+          <a:chOff x="0" y="0"/>
+          <a:chExt cx="0" cy="0"/>
+        </a:xfrm>
+      </p:grpSpPr>
+      <p:sp>
+        <p:nvSpPr>
+          <p:cNvPr id="2" name="标题 1"/>
+          <p:cNvSpPr>
+            <a:spLocks noGrp="1"/>
+          </p:cNvSpPr>
+          <p:nvPr>
+            <p:ph type="title"/>
+          </p:nvPr>
+        </p:nvSpPr>
+        <p:spPr/>
+        <p:txBody>
+          <a:bodyPr/>
+          <a:lstStyle/>
+          <a:p>
+            <a:r>
+              <a:rPr kumimoji="1" lang="en-US" altLang="zh-CN" dirty="0" smtClean="0"/>
+              <a:t>Future</a:t>
+            </a:r>
+            <a:r>
+              <a:rPr kumimoji="1" lang="zh-CN" altLang="en-US" dirty="0" smtClean="0"/>
+              <a:t> </a:t>
+            </a:r>
+            <a:r>
+              <a:rPr kumimoji="1" lang="en-US" altLang="zh-CN" dirty="0" smtClean="0"/>
+              <a:t>Improvement</a:t>
+            </a:r>
+            <a:endParaRPr kumimoji="1" lang="zh-CN" altLang="en-US" dirty="0"/>
+          </a:p>
+        </p:txBody>
+      </p:sp>
+      <p:sp>
+        <p:nvSpPr>
+          <p:cNvPr id="3" name="内容占位符 2"/>
+          <p:cNvSpPr>
+            <a:spLocks noGrp="1"/>
+          </p:cNvSpPr>
+          <p:nvPr>
+            <p:ph idx="1"/>
+          </p:nvPr>
+        </p:nvSpPr>
+        <p:spPr/>
+        <p:txBody>
+          <a:bodyPr>
+            <a:normAutofit/>
+          </a:bodyPr>
+          <a:lstStyle/>
+          <a:p>
+            <a:r>
+              <a:rPr kumimoji="1" lang="en-US" altLang="zh-CN" sz="2400" dirty="0" smtClean="0"/>
+              <a:t>Try</a:t>
+            </a:r>
+            <a:r>
+              <a:rPr kumimoji="1" lang="zh-CN" altLang="en-US" sz="2400" dirty="0" smtClean="0"/>
+              <a:t> </a:t>
+            </a:r>
+            <a:r>
+              <a:rPr kumimoji="1" lang="en-US" altLang="zh-CN" sz="2400" dirty="0" smtClean="0"/>
+              <a:t>more</a:t>
+            </a:r>
+            <a:r>
+              <a:rPr kumimoji="1" lang="zh-CN" altLang="en-US" sz="2400" dirty="0" smtClean="0"/>
+              <a:t> </a:t>
+            </a:r>
+            <a:r>
+              <a:rPr kumimoji="1" lang="en-US" altLang="zh-CN" sz="2400" dirty="0" smtClean="0"/>
+              <a:t>models</a:t>
+            </a:r>
+            <a:r>
+              <a:rPr kumimoji="1" lang="zh-CN" altLang="en-US" sz="2400" dirty="0" smtClean="0"/>
+              <a:t> </a:t>
+            </a:r>
+            <a:r>
+              <a:rPr kumimoji="1" lang="en-US" altLang="zh-CN" sz="2400" dirty="0" smtClean="0"/>
+              <a:t>for</a:t>
+            </a:r>
+            <a:r>
+              <a:rPr kumimoji="1" lang="zh-CN" altLang="en-US" sz="2400" dirty="0" smtClean="0"/>
+              <a:t> </a:t>
+            </a:r>
+            <a:r>
+              <a:rPr kumimoji="1" lang="en-US" altLang="zh-CN" sz="2400" dirty="0" smtClean="0"/>
+              <a:t>the</a:t>
+            </a:r>
+            <a:r>
+              <a:rPr kumimoji="1" lang="zh-CN" altLang="en-US" sz="2400" dirty="0" smtClean="0"/>
+              <a:t> </a:t>
+            </a:r>
+            <a:r>
+              <a:rPr kumimoji="1" lang="en-US" altLang="zh-CN" sz="2400" dirty="0" err="1" smtClean="0"/>
+              <a:t>Caffe</a:t>
+            </a:r>
+            <a:r>
+              <a:rPr kumimoji="1" lang="zh-CN" altLang="en-US" sz="2400" dirty="0" smtClean="0"/>
+              <a:t> </a:t>
+            </a:r>
+            <a:r>
+              <a:rPr kumimoji="1" lang="en-US" altLang="zh-CN" sz="2400" dirty="0" smtClean="0"/>
+              <a:t>Feature</a:t>
+            </a:r>
+            <a:r>
+              <a:rPr kumimoji="1" lang="zh-CN" altLang="en-US" sz="2400" dirty="0" smtClean="0"/>
+              <a:t> </a:t>
+            </a:r>
+            <a:r>
+              <a:rPr kumimoji="1" lang="en-US" altLang="zh-CN" sz="2400" dirty="0" smtClean="0"/>
+              <a:t>dataset</a:t>
+            </a:r>
+          </a:p>
+          <a:p>
+            <a:r>
+              <a:rPr kumimoji="1" lang="en-US" altLang="zh-CN" sz="2400" dirty="0" smtClean="0"/>
+              <a:t>Find</a:t>
+            </a:r>
+            <a:r>
+              <a:rPr kumimoji="1" lang="zh-CN" altLang="en-US" sz="2400" dirty="0" smtClean="0"/>
+              <a:t> </a:t>
+            </a:r>
+            <a:r>
+              <a:rPr kumimoji="1" lang="en-US" altLang="zh-CN" sz="2400" dirty="0" smtClean="0"/>
+              <a:t>the</a:t>
+            </a:r>
+            <a:r>
+              <a:rPr kumimoji="1" lang="zh-CN" altLang="en-US" sz="2400" dirty="0" smtClean="0"/>
+              <a:t> </a:t>
+            </a:r>
+            <a:r>
+              <a:rPr kumimoji="1" lang="en-US" altLang="zh-CN" sz="2400" dirty="0" smtClean="0"/>
+              <a:t>similarities</a:t>
+            </a:r>
+            <a:r>
+              <a:rPr kumimoji="1" lang="zh-CN" altLang="en-US" sz="2400" dirty="0" smtClean="0"/>
+              <a:t> </a:t>
+            </a:r>
+            <a:r>
+              <a:rPr kumimoji="1" lang="en-US" altLang="zh-CN" sz="2400" dirty="0" smtClean="0"/>
+              <a:t>among</a:t>
+            </a:r>
+            <a:r>
+              <a:rPr kumimoji="1" lang="zh-CN" altLang="en-US" sz="2400" dirty="0" smtClean="0"/>
+              <a:t> </a:t>
+            </a:r>
+            <a:r>
+              <a:rPr kumimoji="1" lang="en-US" altLang="zh-CN" sz="2400" dirty="0" smtClean="0"/>
+              <a:t>the</a:t>
+            </a:r>
+            <a:r>
+              <a:rPr kumimoji="1" lang="zh-CN" altLang="en-US" sz="2400" dirty="0" smtClean="0"/>
+              <a:t> </a:t>
+            </a:r>
+            <a:r>
+              <a:rPr kumimoji="1" lang="en-US" altLang="zh-CN" sz="2400" dirty="0" smtClean="0"/>
+              <a:t>pictures</a:t>
+            </a:r>
+            <a:r>
+              <a:rPr kumimoji="1" lang="zh-CN" altLang="en-US" sz="2400" dirty="0" smtClean="0"/>
+              <a:t> </a:t>
+            </a:r>
+            <a:r>
+              <a:rPr kumimoji="1" lang="en-US" altLang="zh-CN" sz="2400" dirty="0" smtClean="0"/>
+              <a:t>which</a:t>
+            </a:r>
+            <a:r>
+              <a:rPr kumimoji="1" lang="zh-CN" altLang="en-US" sz="2400" dirty="0" smtClean="0"/>
+              <a:t> </a:t>
+            </a:r>
+            <a:r>
+              <a:rPr kumimoji="1" lang="en-US" altLang="zh-CN" sz="2400" dirty="0" smtClean="0"/>
+              <a:t>are</a:t>
+            </a:r>
+            <a:r>
+              <a:rPr kumimoji="1" lang="zh-CN" altLang="en-US" sz="2400" dirty="0" smtClean="0"/>
+              <a:t> </a:t>
+            </a:r>
+            <a:r>
+              <a:rPr kumimoji="1" lang="en-US" altLang="zh-CN" sz="2400" dirty="0" smtClean="0"/>
+              <a:t>misclassified</a:t>
+            </a:r>
+          </a:p>
+          <a:p>
+            <a:r>
+              <a:rPr kumimoji="1" lang="en-US" altLang="zh-CN" sz="2400" dirty="0" smtClean="0"/>
+              <a:t>Consider</a:t>
+            </a:r>
+            <a:r>
+              <a:rPr kumimoji="1" lang="zh-CN" altLang="en-US" sz="2400" dirty="0" smtClean="0"/>
+              <a:t> </a:t>
+            </a:r>
+            <a:r>
+              <a:rPr kumimoji="1" lang="en-US" altLang="zh-CN" sz="2400" dirty="0" smtClean="0"/>
+              <a:t>the</a:t>
+            </a:r>
+            <a:r>
+              <a:rPr kumimoji="1" lang="zh-CN" altLang="en-US" sz="2400" dirty="0" smtClean="0"/>
+              <a:t> </a:t>
+            </a:r>
+            <a:r>
+              <a:rPr kumimoji="1" lang="en-US" altLang="zh-CN" sz="2400" dirty="0" smtClean="0"/>
+              <a:t>overfitting</a:t>
+            </a:r>
+            <a:r>
+              <a:rPr kumimoji="1" lang="zh-CN" altLang="en-US" sz="2400" dirty="0" smtClean="0"/>
+              <a:t> </a:t>
+            </a:r>
+            <a:r>
+              <a:rPr kumimoji="1" lang="en-US" altLang="zh-CN" sz="2400" dirty="0" smtClean="0"/>
+              <a:t>problem</a:t>
+            </a:r>
+            <a:endParaRPr kumimoji="1" lang="zh-CN" altLang="en-US" sz="2400" dirty="0"/>
+          </a:p>
+        </p:txBody>
+      </p:sp>
+    </p:spTree>
+    <p:extLst>
+      <p:ext uri="{BB962C8B-B14F-4D97-AF65-F5344CB8AC3E}">
+        <p14:creationId xmlns:p14="http://schemas.microsoft.com/office/powerpoint/2010/main" val="291759471"/>
       </p:ext>
     </p:extLst>
   </p:cSld>
@@ -15446,6 +13795,139 @@
           <a:p>
             <a:r>
               <a:rPr kumimoji="1" lang="en-US" altLang="zh-CN" dirty="0" smtClean="0"/>
+              <a:t>Model</a:t>
+            </a:r>
+            <a:r>
+              <a:rPr kumimoji="1" lang="zh-CN" altLang="en-US" dirty="0" smtClean="0"/>
+              <a:t> </a:t>
+            </a:r>
+            <a:r>
+              <a:rPr kumimoji="1" lang="en-US" altLang="zh-CN" dirty="0" smtClean="0"/>
+              <a:t>Construction</a:t>
+            </a:r>
+            <a:endParaRPr kumimoji="1" lang="zh-CN" altLang="en-US" dirty="0"/>
+          </a:p>
+        </p:txBody>
+      </p:sp>
+      <p:sp>
+        <p:nvSpPr>
+          <p:cNvPr id="3" name="内容占位符 2"/>
+          <p:cNvSpPr>
+            <a:spLocks noGrp="1"/>
+          </p:cNvSpPr>
+          <p:nvPr>
+            <p:ph idx="1"/>
+          </p:nvPr>
+        </p:nvSpPr>
+        <p:spPr/>
+        <p:txBody>
+          <a:bodyPr/>
+          <a:lstStyle/>
+          <a:p>
+            <a:r>
+              <a:rPr kumimoji="1" lang="en-US" altLang="zh-CN" dirty="0" smtClean="0"/>
+              <a:t>Gradient</a:t>
+            </a:r>
+            <a:r>
+              <a:rPr kumimoji="1" lang="zh-CN" altLang="en-US" dirty="0" smtClean="0"/>
+              <a:t> </a:t>
+            </a:r>
+            <a:r>
+              <a:rPr kumimoji="1" lang="en-US" altLang="zh-CN" dirty="0" smtClean="0"/>
+              <a:t>Boosting</a:t>
+            </a:r>
+            <a:r>
+              <a:rPr kumimoji="1" lang="zh-CN" altLang="en-US" dirty="0" smtClean="0"/>
+              <a:t> </a:t>
+            </a:r>
+            <a:r>
+              <a:rPr kumimoji="1" lang="en-US" altLang="zh-CN" dirty="0" smtClean="0"/>
+              <a:t>Machine</a:t>
+            </a:r>
+          </a:p>
+          <a:p>
+            <a:r>
+              <a:rPr kumimoji="1" lang="en-US" altLang="zh-CN" dirty="0" smtClean="0"/>
+              <a:t>SVM</a:t>
+            </a:r>
+          </a:p>
+          <a:p>
+            <a:r>
+              <a:rPr kumimoji="1" lang="en-US" altLang="zh-CN" dirty="0" smtClean="0"/>
+              <a:t>Logistic</a:t>
+            </a:r>
+            <a:r>
+              <a:rPr kumimoji="1" lang="zh-CN" altLang="en-US" dirty="0" smtClean="0"/>
+              <a:t> </a:t>
+            </a:r>
+            <a:r>
+              <a:rPr kumimoji="1" lang="en-US" altLang="zh-CN" dirty="0" smtClean="0"/>
+              <a:t>Regression</a:t>
+            </a:r>
+          </a:p>
+          <a:p>
+            <a:r>
+              <a:rPr kumimoji="1" lang="en-US" altLang="zh-CN" dirty="0" err="1" smtClean="0"/>
+              <a:t>Xgboost</a:t>
+            </a:r>
+            <a:endParaRPr kumimoji="1" lang="zh-CN" altLang="en-US" dirty="0"/>
+          </a:p>
+        </p:txBody>
+      </p:sp>
+    </p:spTree>
+    <p:extLst>
+      <p:ext uri="{BB962C8B-B14F-4D97-AF65-F5344CB8AC3E}">
+        <p14:creationId xmlns:p14="http://schemas.microsoft.com/office/powerpoint/2010/main" val="1763549317"/>
+      </p:ext>
+    </p:extLst>
+  </p:cSld>
+  <p:clrMapOvr>
+    <a:masterClrMapping/>
+  </p:clrMapOvr>
+  <p:timing>
+    <p:tnLst>
+      <p:par>
+        <p:cTn id="1" dur="indefinite" restart="never" nodeType="tmRoot"/>
+      </p:par>
+    </p:tnLst>
+  </p:timing>
+</p:sld>
+</file>
+
+<file path=ppt/slides/slide7.xml><?xml version="1.0" encoding="utf-8"?>
+<p:sld xmlns:a="http://schemas.openxmlformats.org/drawingml/2006/main" xmlns:r="http://schemas.openxmlformats.org/officeDocument/2006/relationships" xmlns:p="http://schemas.openxmlformats.org/presentationml/2006/main">
+  <p:cSld>
+    <p:spTree>
+      <p:nvGrpSpPr>
+        <p:cNvPr id="1" name=""/>
+        <p:cNvGrpSpPr/>
+        <p:nvPr/>
+      </p:nvGrpSpPr>
+      <p:grpSpPr>
+        <a:xfrm>
+          <a:off x="0" y="0"/>
+          <a:ext cx="0" cy="0"/>
+          <a:chOff x="0" y="0"/>
+          <a:chExt cx="0" cy="0"/>
+        </a:xfrm>
+      </p:grpSpPr>
+      <p:sp>
+        <p:nvSpPr>
+          <p:cNvPr id="2" name="标题 1"/>
+          <p:cNvSpPr>
+            <a:spLocks noGrp="1"/>
+          </p:cNvSpPr>
+          <p:nvPr>
+            <p:ph type="title"/>
+          </p:nvPr>
+        </p:nvSpPr>
+        <p:spPr/>
+        <p:txBody>
+          <a:bodyPr/>
+          <a:lstStyle/>
+          <a:p>
+            <a:r>
+              <a:rPr kumimoji="1" lang="en-US" altLang="zh-CN" dirty="0" smtClean="0"/>
               <a:t>Gradient</a:t>
             </a:r>
             <a:r>
@@ -15534,7 +14016,26 @@
             </a:r>
             <a:r>
               <a:rPr lang="en-US" altLang="zh-CN" dirty="0" smtClean="0"/>
-              <a:t>loss </a:t>
+              <a:t>loss function</a:t>
+            </a:r>
+          </a:p>
+          <a:p>
+            <a:pPr lvl="2"/>
+            <a:endParaRPr lang="en-US" altLang="zh-CN" dirty="0"/>
+          </a:p>
+          <a:p>
+            <a:pPr lvl="2"/>
+            <a:endParaRPr lang="en-US" altLang="zh-CN" dirty="0"/>
+          </a:p>
+          <a:p>
+            <a:pPr lvl="1"/>
+            <a:r>
+              <a:rPr lang="en-US" altLang="zh-CN" dirty="0" err="1"/>
+              <a:t>Adaboost</a:t>
+            </a:r>
+            <a:r>
+              <a:rPr lang="en-US" altLang="zh-CN" dirty="0"/>
+              <a:t> loss </a:t>
             </a:r>
             <a:r>
               <a:rPr lang="en-US" altLang="zh-CN" dirty="0" smtClean="0"/>
@@ -15542,29 +14043,6 @@
             </a:r>
           </a:p>
           <a:p>
-            <a:pPr lvl="2"/>
-            <a:endParaRPr lang="en-US" altLang="zh-CN" dirty="0"/>
-          </a:p>
-          <a:p>
-            <a:pPr lvl="2"/>
-            <a:endParaRPr lang="en-US" altLang="zh-CN" dirty="0"/>
-          </a:p>
-          <a:p>
-            <a:pPr lvl="1"/>
-            <a:r>
-              <a:rPr lang="en-US" altLang="zh-CN" dirty="0" err="1"/>
-              <a:t>Adaboost</a:t>
-            </a:r>
-            <a:r>
-              <a:rPr lang="en-US" altLang="zh-CN" dirty="0"/>
-              <a:t> loss </a:t>
-            </a:r>
-            <a:r>
-              <a:rPr lang="en-US" altLang="zh-CN" dirty="0" smtClean="0"/>
-              <a:t>function</a:t>
-            </a:r>
-          </a:p>
-          <a:p>
             <a:pPr lvl="1"/>
             <a:endParaRPr lang="en-US" altLang="zh-CN" dirty="0" smtClean="0"/>
           </a:p>
@@ -15601,7 +14079,6 @@
               <a:rPr kumimoji="1" lang="en-US" altLang="zh-CN" dirty="0" smtClean="0"/>
               <a:t>Tree</a:t>
             </a:r>
-            <a:endParaRPr kumimoji="1" lang="en-US" altLang="zh-CN" dirty="0" smtClean="0"/>
           </a:p>
           <a:p>
             <a:r>
@@ -15842,7 +14319,7 @@
 </p:sld>
 </file>
 
-<file path=ppt/slides/slide7.xml><?xml version="1.0" encoding="utf-8"?>
+<file path=ppt/slides/slide8.xml><?xml version="1.0" encoding="utf-8"?>
 <p:sld xmlns:a="http://schemas.openxmlformats.org/drawingml/2006/main" xmlns:r="http://schemas.openxmlformats.org/officeDocument/2006/relationships" xmlns:p="http://schemas.openxmlformats.org/presentationml/2006/main">
   <p:cSld>
     <p:spTree>
@@ -16447,616 +14924,6 @@
     <p:extLst>
       <p:ext uri="{BB962C8B-B14F-4D97-AF65-F5344CB8AC3E}">
         <p14:creationId xmlns:p14="http://schemas.microsoft.com/office/powerpoint/2010/main" val="1523551673"/>
-      </p:ext>
-    </p:extLst>
-  </p:cSld>
-  <p:clrMapOvr>
-    <a:masterClrMapping/>
-  </p:clrMapOvr>
-  <p:timing>
-    <p:tnLst>
-      <p:par>
-        <p:cTn id="1" dur="indefinite" restart="never" nodeType="tmRoot"/>
-      </p:par>
-    </p:tnLst>
-  </p:timing>
-</p:sld>
-</file>
-
-<file path=ppt/slides/slide8.xml><?xml version="1.0" encoding="utf-8"?>
-<p:sld xmlns:a="http://schemas.openxmlformats.org/drawingml/2006/main" xmlns:r="http://schemas.openxmlformats.org/officeDocument/2006/relationships" xmlns:p="http://schemas.openxmlformats.org/presentationml/2006/main">
-  <p:cSld>
-    <p:spTree>
-      <p:nvGrpSpPr>
-        <p:cNvPr id="1" name=""/>
-        <p:cNvGrpSpPr/>
-        <p:nvPr/>
-      </p:nvGrpSpPr>
-      <p:grpSpPr>
-        <a:xfrm>
-          <a:off x="0" y="0"/>
-          <a:ext cx="0" cy="0"/>
-          <a:chOff x="0" y="0"/>
-          <a:chExt cx="0" cy="0"/>
-        </a:xfrm>
-      </p:grpSpPr>
-      <p:sp>
-        <p:nvSpPr>
-          <p:cNvPr id="2" name="标题 1"/>
-          <p:cNvSpPr>
-            <a:spLocks noGrp="1"/>
-          </p:cNvSpPr>
-          <p:nvPr>
-            <p:ph type="title"/>
-          </p:nvPr>
-        </p:nvSpPr>
-        <p:spPr/>
-        <p:txBody>
-          <a:bodyPr/>
-          <a:lstStyle/>
-          <a:p>
-            <a:r>
-              <a:rPr kumimoji="1" lang="en-US" altLang="zh-CN" dirty="0"/>
-              <a:t>SIFT</a:t>
-            </a:r>
-            <a:r>
-              <a:rPr kumimoji="1" lang="zh-CN" altLang="en-US" dirty="0"/>
-              <a:t> </a:t>
-            </a:r>
-            <a:r>
-              <a:rPr kumimoji="1" lang="en-US" altLang="zh-CN" dirty="0"/>
-              <a:t>+</a:t>
-            </a:r>
-            <a:r>
-              <a:rPr kumimoji="1" lang="zh-CN" altLang="en-US" dirty="0"/>
-              <a:t> </a:t>
-            </a:r>
-            <a:r>
-              <a:rPr kumimoji="1" lang="en-US" altLang="zh-CN" dirty="0"/>
-              <a:t>PCA</a:t>
-            </a:r>
-            <a:r>
-              <a:rPr kumimoji="1" lang="zh-CN" altLang="en-US" dirty="0"/>
-              <a:t> </a:t>
-            </a:r>
-            <a:r>
-              <a:rPr kumimoji="1" lang="en-US" altLang="zh-CN" dirty="0"/>
-              <a:t>+</a:t>
-            </a:r>
-            <a:r>
-              <a:rPr kumimoji="1" lang="zh-CN" altLang="en-US" dirty="0"/>
-              <a:t> </a:t>
-            </a:r>
-            <a:r>
-              <a:rPr kumimoji="1" lang="en-US" altLang="zh-CN" dirty="0" smtClean="0"/>
-              <a:t>GBM</a:t>
-            </a:r>
-            <a:r>
-              <a:rPr kumimoji="1" lang="zh-CN" altLang="en-US" dirty="0" smtClean="0"/>
-              <a:t> </a:t>
-            </a:r>
-            <a:r>
-              <a:rPr kumimoji="1" lang="en-US" altLang="zh-CN" dirty="0" smtClean="0"/>
-              <a:t>(</a:t>
-            </a:r>
-            <a:r>
-              <a:rPr kumimoji="1" lang="en-US" altLang="zh-CN" dirty="0" err="1" smtClean="0"/>
-              <a:t>Adaboost</a:t>
-            </a:r>
-            <a:r>
-              <a:rPr kumimoji="1" lang="en-US" altLang="zh-CN" dirty="0" smtClean="0"/>
-              <a:t>)</a:t>
-            </a:r>
-            <a:endParaRPr kumimoji="1" lang="zh-CN" altLang="en-US" dirty="0"/>
-          </a:p>
-        </p:txBody>
-      </p:sp>
-      <p:sp>
-        <p:nvSpPr>
-          <p:cNvPr id="3" name="内容占位符 2"/>
-          <p:cNvSpPr>
-            <a:spLocks noGrp="1"/>
-          </p:cNvSpPr>
-          <p:nvPr>
-            <p:ph idx="1"/>
-          </p:nvPr>
-        </p:nvSpPr>
-        <p:spPr/>
-        <p:txBody>
-          <a:bodyPr/>
-          <a:lstStyle/>
-          <a:p>
-            <a:pPr marL="0" indent="0">
-              <a:buNone/>
-            </a:pPr>
-            <a:r>
-              <a:rPr kumimoji="1" lang="en-US" altLang="zh-CN" dirty="0"/>
-              <a:t>Tuning</a:t>
-            </a:r>
-            <a:r>
-              <a:rPr kumimoji="1" lang="zh-CN" altLang="en-US" dirty="0"/>
-              <a:t> </a:t>
-            </a:r>
-            <a:r>
-              <a:rPr kumimoji="1" lang="en-US" altLang="zh-CN" dirty="0"/>
-              <a:t>Parameters</a:t>
-            </a:r>
-            <a:r>
-              <a:rPr kumimoji="1" lang="zh-CN" altLang="en-US" dirty="0"/>
-              <a:t> </a:t>
-            </a:r>
-            <a:r>
-              <a:rPr kumimoji="1" lang="en-US" altLang="zh-CN" dirty="0"/>
-              <a:t>&amp;</a:t>
-            </a:r>
-            <a:r>
-              <a:rPr kumimoji="1" lang="zh-CN" altLang="en-US" dirty="0"/>
-              <a:t> </a:t>
-            </a:r>
-            <a:r>
-              <a:rPr kumimoji="1" lang="en-US" altLang="zh-CN" dirty="0"/>
-              <a:t>5</a:t>
-            </a:r>
-            <a:r>
-              <a:rPr kumimoji="1" lang="zh-CN" altLang="en-US" dirty="0"/>
-              <a:t> </a:t>
-            </a:r>
-            <a:r>
-              <a:rPr kumimoji="1" lang="en-US" altLang="zh-CN" dirty="0"/>
-              <a:t>folds</a:t>
-            </a:r>
-            <a:r>
-              <a:rPr kumimoji="1" lang="zh-CN" altLang="en-US" dirty="0"/>
-              <a:t> </a:t>
-            </a:r>
-            <a:r>
-              <a:rPr kumimoji="1" lang="en-US" altLang="zh-CN" dirty="0"/>
-              <a:t>Cross</a:t>
-            </a:r>
-            <a:r>
-              <a:rPr kumimoji="1" lang="zh-CN" altLang="en-US" dirty="0"/>
-              <a:t> </a:t>
-            </a:r>
-            <a:r>
-              <a:rPr kumimoji="1" lang="en-US" altLang="zh-CN" dirty="0"/>
-              <a:t>Validation</a:t>
-            </a:r>
-          </a:p>
-          <a:p>
-            <a:r>
-              <a:rPr kumimoji="1" lang="en-US" altLang="zh-CN" dirty="0"/>
-              <a:t>Distribution:</a:t>
-            </a:r>
-            <a:r>
-              <a:rPr kumimoji="1" lang="zh-CN" altLang="en-US" dirty="0"/>
-              <a:t> </a:t>
-            </a:r>
-            <a:r>
-              <a:rPr lang="en-US" altLang="zh-CN" dirty="0"/>
-              <a:t>"</a:t>
-            </a:r>
-            <a:r>
-              <a:rPr lang="en-US" altLang="zh-CN" dirty="0" err="1"/>
-              <a:t>adaboost</a:t>
-            </a:r>
-            <a:r>
-              <a:rPr lang="en-US" altLang="zh-CN" dirty="0"/>
-              <a:t>" </a:t>
-            </a:r>
-            <a:r>
-              <a:rPr lang="en-US" altLang="zh-CN" dirty="0" smtClean="0"/>
-              <a:t>(exponential </a:t>
-            </a:r>
-            <a:r>
-              <a:rPr lang="en-US" altLang="zh-CN" dirty="0"/>
-              <a:t>loss for 0-1 outcomes</a:t>
-            </a:r>
-            <a:r>
-              <a:rPr lang="en-US" altLang="zh-CN" dirty="0" smtClean="0"/>
-              <a:t>)</a:t>
-            </a:r>
-          </a:p>
-          <a:p>
-            <a:r>
-              <a:rPr kumimoji="1" lang="en-US" altLang="zh-CN" dirty="0" smtClean="0">
-                <a:solidFill>
-                  <a:schemeClr val="accent1">
-                    <a:lumMod val="75000"/>
-                  </a:schemeClr>
-                </a:solidFill>
-              </a:rPr>
-              <a:t>Shrinkage</a:t>
-            </a:r>
-            <a:r>
-              <a:rPr kumimoji="1" lang="en-US" altLang="zh-CN" dirty="0"/>
-              <a:t>:</a:t>
-            </a:r>
-            <a:r>
-              <a:rPr kumimoji="1" lang="zh-CN" altLang="en-US" dirty="0"/>
-              <a:t> </a:t>
-            </a:r>
-            <a:r>
-              <a:rPr kumimoji="1" lang="en-US" altLang="zh-CN" dirty="0" smtClean="0"/>
-              <a:t>(0.0005</a:t>
-            </a:r>
-            <a:r>
-              <a:rPr kumimoji="1" lang="en-US" altLang="zh-CN" dirty="0"/>
-              <a:t>,</a:t>
-            </a:r>
-            <a:r>
-              <a:rPr kumimoji="1" lang="zh-CN" altLang="en-US" dirty="0"/>
-              <a:t> </a:t>
-            </a:r>
-            <a:r>
-              <a:rPr kumimoji="1" lang="en-US" altLang="zh-CN" dirty="0"/>
-              <a:t>0.001,</a:t>
-            </a:r>
-            <a:r>
-              <a:rPr kumimoji="1" lang="zh-CN" altLang="en-US" dirty="0"/>
-              <a:t> </a:t>
-            </a:r>
-            <a:r>
-              <a:rPr kumimoji="1" lang="en-US" altLang="zh-CN" dirty="0" smtClean="0"/>
-              <a:t>0.01,</a:t>
-            </a:r>
-            <a:r>
-              <a:rPr kumimoji="1" lang="zh-CN" altLang="en-US" dirty="0" smtClean="0"/>
-              <a:t> </a:t>
-            </a:r>
-            <a:r>
-              <a:rPr kumimoji="1" lang="en-US" altLang="zh-CN" dirty="0" smtClean="0"/>
-              <a:t>0.05)</a:t>
-            </a:r>
-            <a:endParaRPr kumimoji="1" lang="en-US" altLang="zh-CN" dirty="0"/>
-          </a:p>
-          <a:p>
-            <a:r>
-              <a:rPr kumimoji="1" lang="en-US" altLang="zh-CN" dirty="0" err="1" smtClean="0">
-                <a:solidFill>
-                  <a:schemeClr val="accent1">
-                    <a:lumMod val="75000"/>
-                  </a:schemeClr>
-                </a:solidFill>
-              </a:rPr>
-              <a:t>Interaction.depth</a:t>
-            </a:r>
-            <a:r>
-              <a:rPr kumimoji="1" lang="en-US" altLang="zh-CN" dirty="0" smtClean="0"/>
-              <a:t>:</a:t>
-            </a:r>
-            <a:r>
-              <a:rPr kumimoji="1" lang="zh-CN" altLang="en-US" dirty="0" smtClean="0"/>
-              <a:t> </a:t>
-            </a:r>
-            <a:r>
-              <a:rPr kumimoji="1" lang="en-US" altLang="zh-CN" dirty="0" smtClean="0"/>
-              <a:t>(3</a:t>
-            </a:r>
-            <a:r>
-              <a:rPr kumimoji="1" lang="en-US" altLang="zh-CN" dirty="0"/>
-              <a:t>,</a:t>
-            </a:r>
-            <a:r>
-              <a:rPr kumimoji="1" lang="zh-CN" altLang="en-US" dirty="0"/>
-              <a:t> </a:t>
-            </a:r>
-            <a:r>
-              <a:rPr kumimoji="1" lang="en-US" altLang="zh-CN" dirty="0"/>
-              <a:t>5,</a:t>
-            </a:r>
-            <a:r>
-              <a:rPr kumimoji="1" lang="zh-CN" altLang="en-US" dirty="0"/>
-              <a:t> </a:t>
-            </a:r>
-            <a:r>
-              <a:rPr kumimoji="1" lang="en-US" altLang="zh-CN" dirty="0"/>
-              <a:t>7,</a:t>
-            </a:r>
-            <a:r>
-              <a:rPr kumimoji="1" lang="zh-CN" altLang="en-US" dirty="0"/>
-              <a:t> </a:t>
-            </a:r>
-            <a:r>
-              <a:rPr kumimoji="1" lang="en-US" altLang="zh-CN" dirty="0"/>
-              <a:t>9)</a:t>
-            </a:r>
-          </a:p>
-          <a:p>
-            <a:r>
-              <a:rPr kumimoji="1" lang="en-US" altLang="zh-CN" dirty="0" err="1" smtClean="0">
-                <a:solidFill>
-                  <a:schemeClr val="accent1">
-                    <a:lumMod val="75000"/>
-                  </a:schemeClr>
-                </a:solidFill>
-              </a:rPr>
-              <a:t>N.trees</a:t>
-            </a:r>
-            <a:r>
-              <a:rPr kumimoji="1" lang="en-US" altLang="zh-CN" dirty="0"/>
-              <a:t>:</a:t>
-            </a:r>
-            <a:r>
-              <a:rPr kumimoji="1" lang="zh-CN" altLang="en-US" dirty="0"/>
-              <a:t> </a:t>
-            </a:r>
-            <a:r>
-              <a:rPr lang="en-US" altLang="zh-CN" dirty="0"/>
-              <a:t>(500,</a:t>
-            </a:r>
-            <a:r>
-              <a:rPr lang="zh-CN" altLang="en-US" dirty="0"/>
-              <a:t> </a:t>
-            </a:r>
-            <a:r>
-              <a:rPr lang="en-US" altLang="zh-CN" dirty="0"/>
-              <a:t>1000,</a:t>
-            </a:r>
-            <a:r>
-              <a:rPr lang="zh-CN" altLang="en-US" dirty="0"/>
-              <a:t> </a:t>
-            </a:r>
-            <a:r>
-              <a:rPr lang="en-US" altLang="zh-CN" dirty="0"/>
-              <a:t>1500,</a:t>
-            </a:r>
-            <a:r>
-              <a:rPr lang="zh-CN" altLang="en-US" dirty="0"/>
-              <a:t> </a:t>
-            </a:r>
-            <a:r>
-              <a:rPr lang="en-US" altLang="zh-CN" dirty="0"/>
-              <a:t>2000,</a:t>
-            </a:r>
-            <a:r>
-              <a:rPr lang="zh-CN" altLang="en-US" dirty="0"/>
-              <a:t> </a:t>
-            </a:r>
-            <a:r>
-              <a:rPr lang="en-US" altLang="zh-CN" dirty="0"/>
-              <a:t>4000)</a:t>
-            </a:r>
-          </a:p>
-          <a:p>
-            <a:pPr marL="274320" lvl="1" indent="0">
-              <a:buNone/>
-            </a:pPr>
-            <a:endParaRPr lang="en-US" altLang="zh-CN" dirty="0"/>
-          </a:p>
-        </p:txBody>
-      </p:sp>
-      <p:graphicFrame>
-        <p:nvGraphicFramePr>
-          <p:cNvPr id="4" name="表格 3"/>
-          <p:cNvGraphicFramePr>
-            <a:graphicFrameLocks noGrp="1"/>
-          </p:cNvGraphicFramePr>
-          <p:nvPr>
-            <p:extLst>
-              <p:ext uri="{D42A27DB-BD31-4B8C-83A1-F6EECF244321}">
-                <p14:modId xmlns:p14="http://schemas.microsoft.com/office/powerpoint/2010/main" val="1227350620"/>
-              </p:ext>
-            </p:extLst>
-          </p:nvPr>
-        </p:nvGraphicFramePr>
-        <p:xfrm>
-          <a:off x="999508" y="4724402"/>
-          <a:ext cx="10199083" cy="736600"/>
-        </p:xfrm>
-        <a:graphic>
-          <a:graphicData uri="http://schemas.openxmlformats.org/drawingml/2006/table">
-            <a:tbl>
-              <a:tblPr firstRow="1" bandRow="1">
-                <a:tableStyleId>{93296810-A885-4BE3-A3E7-6D5BEEA58F35}</a:tableStyleId>
-              </a:tblPr>
-              <a:tblGrid>
-                <a:gridCol w="1374265"/>
-                <a:gridCol w="2326815"/>
-                <a:gridCol w="1228726"/>
-                <a:gridCol w="1657576"/>
-                <a:gridCol w="1964856"/>
-                <a:gridCol w="1646845"/>
-              </a:tblGrid>
-              <a:tr h="0">
-                <a:tc>
-                  <a:txBody>
-                    <a:bodyPr/>
-                    <a:lstStyle/>
-                    <a:p>
-                      <a:r>
-                        <a:rPr lang="en-US" altLang="zh-CN" dirty="0" smtClean="0"/>
-                        <a:t>Shrinkage</a:t>
-                      </a:r>
-                      <a:endParaRPr lang="zh-CN" altLang="en-US" dirty="0"/>
-                    </a:p>
-                  </a:txBody>
-                  <a:tcPr/>
-                </a:tc>
-                <a:tc>
-                  <a:txBody>
-                    <a:bodyPr/>
-                    <a:lstStyle/>
-                    <a:p>
-                      <a:r>
-                        <a:rPr lang="en-US" altLang="zh-CN" dirty="0" smtClean="0"/>
-                        <a:t>Interaction.</a:t>
-                      </a:r>
-                      <a:r>
-                        <a:rPr lang="en-US" altLang="zh-CN" baseline="0" dirty="0" smtClean="0"/>
-                        <a:t>depth</a:t>
-                      </a:r>
-                      <a:endParaRPr lang="zh-CN" altLang="en-US" dirty="0"/>
-                    </a:p>
-                  </a:txBody>
-                  <a:tcPr/>
-                </a:tc>
-                <a:tc>
-                  <a:txBody>
-                    <a:bodyPr/>
-                    <a:lstStyle/>
-                    <a:p>
-                      <a:r>
-                        <a:rPr lang="en-US" altLang="zh-CN" dirty="0" err="1" smtClean="0"/>
-                        <a:t>N.trees</a:t>
-                      </a:r>
-                      <a:endParaRPr lang="zh-CN" altLang="en-US" dirty="0"/>
-                    </a:p>
-                  </a:txBody>
-                  <a:tcPr/>
-                </a:tc>
-                <a:tc>
-                  <a:txBody>
-                    <a:bodyPr/>
-                    <a:lstStyle/>
-                    <a:p>
-                      <a:r>
-                        <a:rPr lang="en-US" altLang="zh-CN" dirty="0" smtClean="0"/>
-                        <a:t>Combination</a:t>
-                      </a:r>
-                      <a:endParaRPr lang="zh-CN" altLang="en-US" dirty="0"/>
-                    </a:p>
-                  </a:txBody>
-                  <a:tcPr/>
-                </a:tc>
-                <a:tc>
-                  <a:txBody>
-                    <a:bodyPr/>
-                    <a:lstStyle/>
-                    <a:p>
-                      <a:r>
-                        <a:rPr lang="en-US" altLang="zh-CN" dirty="0" smtClean="0"/>
-                        <a:t>Training</a:t>
-                      </a:r>
-                      <a:r>
-                        <a:rPr lang="zh-CN" altLang="en-US" baseline="0" dirty="0" smtClean="0"/>
-                        <a:t> </a:t>
-                      </a:r>
-                      <a:r>
-                        <a:rPr lang="en-US" altLang="zh-CN" baseline="0" dirty="0" smtClean="0"/>
-                        <a:t>Time</a:t>
-                      </a:r>
-                      <a:endParaRPr lang="zh-CN" altLang="en-US" dirty="0"/>
-                    </a:p>
-                  </a:txBody>
-                  <a:tcPr/>
-                </a:tc>
-                <a:tc>
-                  <a:txBody>
-                    <a:bodyPr/>
-                    <a:lstStyle/>
-                    <a:p>
-                      <a:r>
-                        <a:rPr lang="en-US" altLang="zh-CN" dirty="0" smtClean="0"/>
-                        <a:t>Accuracy</a:t>
-                      </a:r>
-                      <a:endParaRPr lang="zh-CN" altLang="en-US" dirty="0"/>
-                    </a:p>
-                  </a:txBody>
-                  <a:tcPr/>
-                </a:tc>
-              </a:tr>
-              <a:tr h="370840">
-                <a:tc>
-                  <a:txBody>
-                    <a:bodyPr/>
-                    <a:lstStyle/>
-                    <a:p>
-                      <a:r>
-                        <a:rPr lang="en-US" altLang="zh-CN" dirty="0" smtClean="0"/>
-                        <a:t>0.05</a:t>
-                      </a:r>
-                      <a:endParaRPr lang="zh-CN" altLang="en-US" dirty="0"/>
-                    </a:p>
-                  </a:txBody>
-                  <a:tcPr/>
-                </a:tc>
-                <a:tc>
-                  <a:txBody>
-                    <a:bodyPr/>
-                    <a:lstStyle/>
-                    <a:p>
-                      <a:r>
-                        <a:rPr lang="en-US" altLang="zh-CN" dirty="0" smtClean="0"/>
-                        <a:t>7</a:t>
-                      </a:r>
-                      <a:endParaRPr lang="zh-CN" altLang="en-US" dirty="0"/>
-                    </a:p>
-                  </a:txBody>
-                  <a:tcPr/>
-                </a:tc>
-                <a:tc>
-                  <a:txBody>
-                    <a:bodyPr/>
-                    <a:lstStyle/>
-                    <a:p>
-                      <a:r>
-                        <a:rPr lang="en-US" altLang="zh-CN" dirty="0" smtClean="0"/>
-                        <a:t>1500</a:t>
-                      </a:r>
-                      <a:endParaRPr lang="zh-CN" altLang="en-US" dirty="0"/>
-                    </a:p>
-                  </a:txBody>
-                  <a:tcPr/>
-                </a:tc>
-                <a:tc>
-                  <a:txBody>
-                    <a:bodyPr/>
-                    <a:lstStyle/>
-                    <a:p>
-                      <a:r>
-                        <a:rPr lang="en-US" altLang="zh-CN" dirty="0" smtClean="0"/>
-                        <a:t>80</a:t>
-                      </a:r>
-                      <a:endParaRPr lang="zh-CN" altLang="en-US" dirty="0"/>
-                    </a:p>
-                  </a:txBody>
-                  <a:tcPr/>
-                </a:tc>
-                <a:tc>
-                  <a:txBody>
-                    <a:bodyPr/>
-                    <a:lstStyle/>
-                    <a:p>
-                      <a:r>
-                        <a:rPr lang="en-US" altLang="zh-CN" dirty="0" smtClean="0"/>
-                        <a:t>12</a:t>
-                      </a:r>
-                      <a:r>
-                        <a:rPr lang="zh-CN" altLang="en-US" baseline="0" dirty="0" smtClean="0"/>
-                        <a:t> </a:t>
-                      </a:r>
-                      <a:r>
-                        <a:rPr lang="en-US" altLang="zh-CN" baseline="0" dirty="0" smtClean="0"/>
-                        <a:t>hours</a:t>
-                      </a:r>
-                      <a:endParaRPr lang="zh-CN" altLang="en-US" dirty="0"/>
-                    </a:p>
-                  </a:txBody>
-                  <a:tcPr/>
-                </a:tc>
-                <a:tc>
-                  <a:txBody>
-                    <a:bodyPr/>
-                    <a:lstStyle/>
-                    <a:p>
-                      <a:r>
-                        <a:rPr lang="en-US" altLang="zh-CN" dirty="0" smtClean="0"/>
-                        <a:t>71.5%</a:t>
-                      </a:r>
-                      <a:endParaRPr lang="zh-CN" altLang="en-US" dirty="0"/>
-                    </a:p>
-                  </a:txBody>
-                  <a:tcPr/>
-                </a:tc>
-              </a:tr>
-            </a:tbl>
-          </a:graphicData>
-        </a:graphic>
-      </p:graphicFrame>
-    </p:spTree>
-    <p:extLst>
-      <p:ext uri="{BB962C8B-B14F-4D97-AF65-F5344CB8AC3E}">
-        <p14:creationId xmlns:p14="http://schemas.microsoft.com/office/powerpoint/2010/main" val="283688772"/>
       </p:ext>
     </p:extLst>
   </p:cSld>
@@ -17139,7 +15006,23 @@
             </a:r>
             <a:r>
               <a:rPr kumimoji="1" lang="en-US" altLang="zh-CN" dirty="0" smtClean="0"/>
-              <a:t>SVM</a:t>
+              <a:t>GBM</a:t>
+            </a:r>
+            <a:r>
+              <a:rPr kumimoji="1" lang="zh-CN" altLang="en-US" dirty="0" smtClean="0"/>
+              <a:t> </a:t>
+            </a:r>
+            <a:r>
+              <a:rPr kumimoji="1" lang="en-US" altLang="zh-CN" dirty="0" smtClean="0"/>
+              <a:t>(</a:t>
+            </a:r>
+            <a:r>
+              <a:rPr kumimoji="1" lang="en-US" altLang="zh-CN" dirty="0" err="1" smtClean="0"/>
+              <a:t>Adaboost</a:t>
+            </a:r>
+            <a:r>
+              <a:rPr kumimoji="1" lang="en-US" altLang="zh-CN" dirty="0" smtClean="0"/>
+              <a:t>)</a:t>
             </a:r>
             <a:endParaRPr kumimoji="1" lang="zh-CN" altLang="en-US" dirty="0"/>
           </a:p>
@@ -17155,25 +15038,12 @@
             <p:ph idx="1"/>
           </p:nvPr>
         </p:nvSpPr>
-        <p:spPr>
-          <a:xfrm>
-            <a:off x="1069847" y="2121408"/>
-            <a:ext cx="10240883" cy="4050792"/>
-          </a:xfrm>
-        </p:spPr>
+        <p:spPr/>
         <p:txBody>
           <a:bodyPr/>
           <a:lstStyle/>
           <a:p>
             <a:pPr marL="0" indent="0">
-              <a:lnSpc>
-                <a:spcPct val="100000"/>
-              </a:lnSpc>
-              <a:spcBef>
-                <a:spcPts val="0"/>
-              </a:spcBef>
-              <a:buClrTx/>
-              <a:buSzTx/>
               <a:buNone/>
             </a:pPr>
             <a:r>
@@ -17225,8 +15095,42 @@
               <a:t> </a:t>
             </a:r>
             <a:r>
-              <a:rPr kumimoji="1" lang="en-US" altLang="zh-CN" dirty="0" smtClean="0"/>
+              <a:rPr kumimoji="1" lang="en-US" altLang="zh-CN" dirty="0"/>
               <a:t>Validation</a:t>
+            </a:r>
+          </a:p>
+          <a:p>
+            <a:r>
+              <a:rPr kumimoji="1" lang="en-US" altLang="zh-CN" dirty="0"/>
+              <a:t>Distribution:</a:t>
+            </a:r>
+            <a:r>
+              <a:rPr kumimoji="1" lang="zh-CN" altLang="en-US" dirty="0"/>
+              <a:t> </a:t>
+            </a:r>
+            <a:r>
+              <a:rPr lang="en-US" altLang="zh-CN" dirty="0"/>
+              <a:t>"</a:t>
+            </a:r>
+            <a:r>
+              <a:rPr lang="en-US" altLang="zh-CN" dirty="0" err="1"/>
+              <a:t>adaboost</a:t>
+            </a:r>
+            <a:r>
+              <a:rPr lang="en-US" altLang="zh-CN" dirty="0"/>
+              <a:t>" </a:t>
+            </a:r>
+            <a:r>
+              <a:rPr lang="en-US" altLang="zh-CN" dirty="0" smtClean="0"/>
+              <a:t>(exponential </a:t>
+            </a:r>
+            <a:r>
+              <a:rPr lang="en-US" altLang="zh-CN" dirty="0"/>
+              <a:t>loss for 0-1 outcomes</a:t>
+            </a:r>
+            <a:r>
+              <a:rPr lang="en-US" altLang="zh-CN" dirty="0" smtClean="0"/>
+              <a:t>)</a:t>
             </a:r>
           </a:p>
           <a:p>
@@ -17238,47 +15142,60 @@
                   </a:schemeClr>
                 </a:solidFill>
               </a:rPr>
-              <a:t>Kernel</a:t>
-            </a:r>
-            <a:r>
-              <a:rPr kumimoji="1" lang="en-US" altLang="zh-CN" dirty="0" smtClean="0"/>
+              <a:t>Shrinkage</a:t>
+            </a:r>
+            <a:r>
+              <a:rPr kumimoji="1" lang="en-US" altLang="zh-CN" dirty="0"/>
               <a:t>:</a:t>
             </a:r>
             <a:r>
+              <a:rPr kumimoji="1" lang="zh-CN" altLang="en-US" dirty="0"/>
+              <a:t> </a:t>
+            </a:r>
+            <a:r>
+              <a:rPr kumimoji="1" lang="en-US" altLang="zh-CN" dirty="0" smtClean="0"/>
+              <a:t>(0.0005</a:t>
+            </a:r>
+            <a:r>
+              <a:rPr kumimoji="1" lang="en-US" altLang="zh-CN" dirty="0"/>
+              <a:t>,</a:t>
+            </a:r>
+            <a:r>
+              <a:rPr kumimoji="1" lang="zh-CN" altLang="en-US" dirty="0"/>
+              <a:t> </a:t>
+            </a:r>
+            <a:r>
+              <a:rPr kumimoji="1" lang="en-US" altLang="zh-CN" dirty="0"/>
+              <a:t>0.001,</a:t>
+            </a:r>
+            <a:r>
+              <a:rPr kumimoji="1" lang="zh-CN" altLang="en-US" dirty="0"/>
+              <a:t> </a:t>
+            </a:r>
+            <a:r>
+              <a:rPr kumimoji="1" lang="en-US" altLang="zh-CN" dirty="0" smtClean="0"/>
+              <a:t>0.01,</a:t>
+            </a:r>
+            <a:r>
               <a:rPr kumimoji="1" lang="zh-CN" altLang="en-US" dirty="0" smtClean="0"/>
               <a:t> </a:t>
             </a:r>
             <a:r>
-              <a:rPr kumimoji="1" lang="en-US" altLang="zh-CN" dirty="0"/>
-              <a:t>Gaussian radial basis </a:t>
-            </a:r>
-            <a:r>
-              <a:rPr kumimoji="1" lang="en-US" altLang="zh-CN" dirty="0" smtClean="0"/>
-              <a:t>function</a:t>
-            </a:r>
-          </a:p>
-          <a:p>
-            <a:pPr marL="274320" lvl="1" indent="0">
-              <a:buNone/>
-            </a:pPr>
-            <a:endParaRPr kumimoji="1" lang="en-US" altLang="zh-CN" dirty="0" smtClean="0"/>
-          </a:p>
-          <a:p>
-            <a:pPr marL="274320" lvl="1" indent="0">
-              <a:buNone/>
-            </a:pPr>
+              <a:rPr kumimoji="1" lang="en-US" altLang="zh-CN" dirty="0" smtClean="0"/>
+              <a:t>0.05)</a:t>
+            </a:r>
             <a:endParaRPr kumimoji="1" lang="en-US" altLang="zh-CN" dirty="0"/>
           </a:p>
           <a:p>
             <a:r>
-              <a:rPr kumimoji="1" lang="en-US" altLang="zh-CN" dirty="0" smtClean="0">
+              <a:rPr kumimoji="1" lang="en-US" altLang="zh-CN" dirty="0" err="1" smtClean="0">
                 <a:solidFill>
                   <a:schemeClr val="accent1">
                     <a:lumMod val="75000"/>
                   </a:schemeClr>
                 </a:solidFill>
               </a:rPr>
-              <a:t>Gamma</a:t>
+              <a:t>Interaction.depth</a:t>
             </a:r>
             <a:r>
               <a:rPr kumimoji="1" lang="en-US" altLang="zh-CN" dirty="0" smtClean="0"/>
@@ -17289,88 +15206,76 @@
               <a:t> </a:t>
             </a:r>
             <a:r>
-              <a:rPr lang="en-US" altLang="zh-CN" dirty="0" smtClean="0"/>
-              <a:t>The </a:t>
-            </a:r>
-            <a:r>
-              <a:rPr lang="en-US" altLang="zh-CN" dirty="0"/>
-              <a:t>parameter of a Gaussian </a:t>
-            </a:r>
-            <a:r>
-              <a:rPr lang="en-US" altLang="zh-CN" dirty="0" smtClean="0"/>
-              <a:t>Kernel</a:t>
-            </a:r>
-            <a:endParaRPr lang="en-US" altLang="zh-CN" dirty="0"/>
-          </a:p>
-          <a:p>
-            <a:pPr lvl="1"/>
-            <a:r>
-              <a:rPr lang="en-US" altLang="zh-CN" dirty="0" smtClean="0"/>
-              <a:t>(0.0001,</a:t>
-            </a:r>
-            <a:r>
-              <a:rPr lang="zh-CN" altLang="en-US" dirty="0" smtClean="0"/>
-              <a:t> </a:t>
-            </a:r>
-            <a:r>
-              <a:rPr lang="en-US" altLang="zh-CN" dirty="0" smtClean="0"/>
-              <a:t>0.001,</a:t>
-            </a:r>
-            <a:r>
-              <a:rPr lang="zh-CN" altLang="en-US" dirty="0" smtClean="0"/>
-              <a:t> </a:t>
-            </a:r>
-            <a:r>
-              <a:rPr lang="en-US" altLang="zh-CN" dirty="0" smtClean="0"/>
-              <a:t>0.01)</a:t>
-            </a:r>
-          </a:p>
-          <a:p>
-            <a:r>
-              <a:rPr kumimoji="1" lang="en-US" altLang="zh-CN" dirty="0" smtClean="0">
+              <a:rPr kumimoji="1" lang="en-US" altLang="zh-CN" dirty="0" smtClean="0"/>
+              <a:t>(3</a:t>
+            </a:r>
+            <a:r>
+              <a:rPr kumimoji="1" lang="en-US" altLang="zh-CN" dirty="0"/>
+              <a:t>,</a:t>
+            </a:r>
+            <a:r>
+              <a:rPr kumimoji="1" lang="zh-CN" altLang="en-US" dirty="0"/>
+              <a:t> </a:t>
+            </a:r>
+            <a:r>
+              <a:rPr kumimoji="1" lang="en-US" altLang="zh-CN" dirty="0"/>
+              <a:t>5,</a:t>
+            </a:r>
+            <a:r>
+              <a:rPr kumimoji="1" lang="zh-CN" altLang="en-US" dirty="0"/>
+              <a:t> </a:t>
+            </a:r>
+            <a:r>
+              <a:rPr kumimoji="1" lang="en-US" altLang="zh-CN" dirty="0"/>
+              <a:t>7,</a:t>
+            </a:r>
+            <a:r>
+              <a:rPr kumimoji="1" lang="zh-CN" altLang="en-US" dirty="0"/>
+              <a:t> </a:t>
+            </a:r>
+            <a:r>
+              <a:rPr kumimoji="1" lang="en-US" altLang="zh-CN" dirty="0"/>
+              <a:t>9)</a:t>
+            </a:r>
+          </a:p>
+          <a:p>
+            <a:r>
+              <a:rPr kumimoji="1" lang="en-US" altLang="zh-CN" dirty="0" err="1" smtClean="0">
                 <a:solidFill>
                   <a:schemeClr val="accent1">
                     <a:lumMod val="75000"/>
                   </a:schemeClr>
                 </a:solidFill>
               </a:rPr>
-              <a:t>Cost</a:t>
-            </a:r>
-            <a:r>
-              <a:rPr kumimoji="1" lang="en-US" altLang="zh-CN" dirty="0" smtClean="0"/>
+              <a:t>N.trees</a:t>
+            </a:r>
+            <a:r>
+              <a:rPr kumimoji="1" lang="en-US" altLang="zh-CN" dirty="0"/>
               <a:t>:</a:t>
             </a:r>
             <a:r>
-              <a:rPr kumimoji="1" lang="zh-CN" altLang="en-US" dirty="0" smtClean="0"/>
-              <a:t> </a:t>
-            </a:r>
-            <a:r>
-              <a:rPr lang="en-US" altLang="zh-CN" dirty="0" smtClean="0"/>
-              <a:t>Trade </a:t>
+              <a:rPr kumimoji="1" lang="zh-CN" altLang="en-US" dirty="0"/>
+              <a:t> </a:t>
             </a:r>
             <a:r>
               <a:rPr lang="en-US" altLang="zh-CN" dirty="0"/>
-              <a:t>off misclassification of training examples against </a:t>
-            </a:r>
-            <a:r>
-              <a:rPr lang="en-US" altLang="zh-CN" dirty="0" smtClean="0"/>
-              <a:t>the </a:t>
+              <a:t>(500,</a:t>
+            </a:r>
+            <a:r>
+              <a:rPr lang="zh-CN" altLang="en-US" dirty="0"/>
+              <a:t> </a:t>
             </a:r>
             <a:r>
               <a:rPr lang="en-US" altLang="zh-CN" dirty="0"/>
-              <a:t>decision surface</a:t>
-            </a:r>
-            <a:endParaRPr lang="en-US" altLang="zh-CN" dirty="0" smtClean="0"/>
-          </a:p>
-          <a:p>
-            <a:pPr lvl="1"/>
-            <a:r>
-              <a:rPr lang="en-US" altLang="zh-CN" dirty="0" smtClean="0"/>
-              <a:t>(0.01</a:t>
+              <a:t>1000,</a:t>
+            </a:r>
+            <a:r>
+              <a:rPr lang="zh-CN" altLang="en-US" dirty="0"/>
+              <a:t> </a:t>
             </a:r>
             <a:r>
               <a:rPr lang="en-US" altLang="zh-CN" dirty="0"/>
-              <a:t>,</a:t>
+              <a:t>1500,</a:t>
             </a:r>
             <a:r>
               <a:rPr lang="zh-CN" altLang="en-US" dirty="0"/>
@@ -17378,7 +15283,7 @@
             </a:r>
             <a:r>
               <a:rPr lang="en-US" altLang="zh-CN" dirty="0"/>
-              <a:t>0.1,</a:t>
+              <a:t>2000,</a:t>
             </a:r>
             <a:r>
               <a:rPr lang="zh-CN" altLang="en-US" dirty="0"/>
@@ -17386,143 +15291,34 @@
             </a:r>
             <a:r>
               <a:rPr lang="en-US" altLang="zh-CN" dirty="0"/>
-              <a:t>1,</a:t>
-            </a:r>
-            <a:r>
-              <a:rPr lang="zh-CN" altLang="en-US" dirty="0"/>
-              <a:t> </a:t>
-            </a:r>
-            <a:r>
-              <a:rPr lang="en-US" altLang="zh-CN" dirty="0" smtClean="0"/>
-              <a:t>5,</a:t>
-            </a:r>
-            <a:r>
-              <a:rPr lang="zh-CN" altLang="en-US" dirty="0" smtClean="0"/>
-              <a:t> </a:t>
-            </a:r>
-            <a:r>
-              <a:rPr lang="en-US" altLang="zh-CN" dirty="0" smtClean="0"/>
-              <a:t>10</a:t>
-            </a:r>
-            <a:r>
-              <a:rPr lang="en-US" altLang="zh-CN" dirty="0"/>
-              <a:t>,</a:t>
-            </a:r>
-            <a:r>
-              <a:rPr lang="zh-CN" altLang="en-US" dirty="0"/>
-              <a:t> </a:t>
-            </a:r>
-            <a:r>
-              <a:rPr lang="en-US" altLang="zh-CN" dirty="0" smtClean="0"/>
-              <a:t>50,</a:t>
-            </a:r>
-            <a:r>
-              <a:rPr lang="zh-CN" altLang="en-US" dirty="0" smtClean="0"/>
-              <a:t> </a:t>
-            </a:r>
-            <a:r>
-              <a:rPr lang="en-US" altLang="zh-CN" dirty="0" smtClean="0"/>
-              <a:t>100,</a:t>
-            </a:r>
-            <a:r>
-              <a:rPr lang="zh-CN" altLang="en-US" dirty="0" smtClean="0"/>
-              <a:t> </a:t>
-            </a:r>
-            <a:r>
-              <a:rPr lang="en-US" altLang="zh-CN" dirty="0" smtClean="0"/>
-              <a:t>200,</a:t>
-            </a:r>
-            <a:r>
-              <a:rPr lang="zh-CN" altLang="en-US" dirty="0" smtClean="0"/>
-              <a:t> </a:t>
-            </a:r>
-            <a:r>
-              <a:rPr lang="en-US" altLang="zh-CN" dirty="0" smtClean="0"/>
-              <a:t>500)</a:t>
-            </a:r>
-            <a:endParaRPr kumimoji="1" lang="en-US" altLang="zh-CN" dirty="0"/>
-          </a:p>
-          <a:p>
-            <a:pPr>
-              <a:lnSpc>
-                <a:spcPct val="100000"/>
-              </a:lnSpc>
-              <a:spcBef>
-                <a:spcPts val="0"/>
-              </a:spcBef>
-              <a:buClrTx/>
-              <a:buSzTx/>
+              <a:t>4000)</a:t>
+            </a:r>
+          </a:p>
+          <a:p>
+            <a:pPr marL="274320" lvl="1" indent="0">
+              <a:buNone/>
             </a:pPr>
-            <a:endParaRPr kumimoji="1" lang="en-US" altLang="zh-CN" dirty="0"/>
-          </a:p>
-          <a:p>
-            <a:pPr marL="0" marR="0" lvl="0" indent="0" defTabSz="914400" eaLnBrk="1" fontAlgn="auto" latinLnBrk="0" hangingPunct="1">
-              <a:lnSpc>
-                <a:spcPct val="100000"/>
-              </a:lnSpc>
-              <a:spcBef>
-                <a:spcPts val="0"/>
-              </a:spcBef>
-              <a:spcAft>
-                <a:spcPts val="0"/>
-              </a:spcAft>
-              <a:buClrTx/>
-              <a:buSzTx/>
-              <a:buFontTx/>
-              <a:buNone/>
-              <a:tabLst/>
-              <a:defRPr/>
-            </a:pPr>
-            <a:endParaRPr kumimoji="1" lang="zh-CN" altLang="en-US" dirty="0"/>
+            <a:endParaRPr lang="en-US" altLang="zh-CN" dirty="0"/>
           </a:p>
         </p:txBody>
       </p:sp>
-      <p:pic>
-        <p:nvPicPr>
-          <p:cNvPr id="12" name="图片 11"/>
-          <p:cNvPicPr>
-            <a:picLocks noChangeAspect="1"/>
-          </p:cNvPicPr>
-          <p:nvPr/>
-        </p:nvPicPr>
-        <p:blipFill rotWithShape="1">
-          <a:blip r:embed="rId3">
-            <a:extLst>
-              <a:ext uri="{28A0092B-C50C-407E-A947-70E740481C1C}">
-                <a14:useLocalDpi xmlns:a14="http://schemas.microsoft.com/office/drawing/2010/main" val="0"/>
-              </a:ext>
-            </a:extLst>
-          </a:blip>
-          <a:srcRect l="1139" b="2176"/>
-          <a:stretch/>
-        </p:blipFill>
-        <p:spPr>
-          <a:xfrm>
-            <a:off x="3137095" y="3063826"/>
-            <a:ext cx="3339709" cy="509367"/>
-          </a:xfrm>
-          <a:prstGeom prst="rect">
-            <a:avLst/>
-          </a:prstGeom>
-        </p:spPr>
-      </p:pic>
       <p:graphicFrame>
         <p:nvGraphicFramePr>
-          <p:cNvPr id="13" name="表格 12"/>
+          <p:cNvPr id="4" name="表格 3"/>
           <p:cNvGraphicFramePr>
             <a:graphicFrameLocks noGrp="1"/>
           </p:cNvGraphicFramePr>
           <p:nvPr>
             <p:extLst>
               <p:ext uri="{D42A27DB-BD31-4B8C-83A1-F6EECF244321}">
-                <p14:modId xmlns:p14="http://schemas.microsoft.com/office/powerpoint/2010/main" val="663780233"/>
+                <p14:modId xmlns:p14="http://schemas.microsoft.com/office/powerpoint/2010/main" val="1227350620"/>
               </p:ext>
             </p:extLst>
           </p:nvPr>
         </p:nvGraphicFramePr>
         <p:xfrm>
-          <a:off x="2035048" y="5457952"/>
-          <a:ext cx="8128002" cy="741680"/>
+          <a:off x="999508" y="4724402"/>
+          <a:ext cx="10199083" cy="736600"/>
         </p:xfrm>
         <a:graphic>
           <a:graphicData uri="http://schemas.openxmlformats.org/drawingml/2006/table">
@@ -17531,13 +15327,14 @@
                 <a:tableStyleId>{93296810-A885-4BE3-A3E7-6D5BEEA58F35}</a:tableStyleId>
               </a:tblPr>
               <a:tblGrid>
-                <a:gridCol w="1179640"/>
+                <a:gridCol w="1374265"/>
+                <a:gridCol w="2326815"/>
                 <a:gridCol w="1228726"/>
-                <a:gridCol w="1928811"/>
-                <a:gridCol w="2165225"/>
-                <a:gridCol w="1625600"/>
+                <a:gridCol w="1657576"/>
+                <a:gridCol w="1964856"/>
+                <a:gridCol w="1646845"/>
               </a:tblGrid>
-              <a:tr h="370840">
+              <a:tr h="0">
                 <a:tc>
                   <a:txBody>
                     <a:bodyPr/>
@@ -17545,7 +15342,7 @@
                     <a:p>
                       <a:r>
                         <a:rPr lang="en-US" altLang="zh-CN" dirty="0" smtClean="0"/>
-                        <a:t>Gamma</a:t>
+                        <a:t>Shrinkage</a:t>
                       </a:r>
                       <a:endParaRPr lang="zh-CN" altLang="en-US" dirty="0"/>
                     </a:p>
@@ -17559,7 +15356,25 @@
                     <a:p>
                       <a:r>
                         <a:rPr lang="en-US" altLang="zh-CN" dirty="0" smtClean="0"/>
-                        <a:t>Cost</a:t>
+                        <a:t>Interaction.</a:t>
+                      </a:r>
+                      <a:r>
+                        <a:rPr lang="en-US" altLang="zh-CN" baseline="0" dirty="0" smtClean="0"/>
+                        <a:t>depth</a:t>
+                      </a:r>
+                      <a:endParaRPr lang="zh-CN" altLang="en-US" dirty="0"/>
+                    </a:p>
+                  </a:txBody>
+                  <a:tcPr/>
+                </a:tc>
+                <a:tc>
+                  <a:txBody>
+                    <a:bodyPr/>
+                    <a:lstStyle/>
+                    <a:p>
+                      <a:r>
+                        <a:rPr lang="en-US" altLang="zh-CN" dirty="0" err="1" smtClean="0"/>
+                        <a:t>N.trees</a:t>
                       </a:r>
                       <a:endParaRPr lang="zh-CN" altLang="en-US" dirty="0"/>
                     </a:p>
@@ -17625,7 +15440,7 @@
                     <a:p>
                       <a:r>
                         <a:rPr lang="en-US" altLang="zh-CN" dirty="0" smtClean="0"/>
-                        <a:t>0.0001</a:t>
+                        <a:t>0.05</a:t>
                       </a:r>
                       <a:endParaRPr lang="zh-CN" altLang="en-US" dirty="0"/>
                     </a:p>
@@ -17639,7 +15454,7 @@
                     <a:p>
                       <a:r>
                         <a:rPr lang="en-US" altLang="zh-CN" dirty="0" smtClean="0"/>
-                        <a:t>200</a:t>
+                        <a:t>7</a:t>
                       </a:r>
                       <a:endParaRPr lang="zh-CN" altLang="en-US" dirty="0"/>
                     </a:p>
@@ -17653,7 +15468,7 @@
                     <a:p>
                       <a:r>
                         <a:rPr lang="en-US" altLang="zh-CN" dirty="0" smtClean="0"/>
-                        <a:t>27</a:t>
+                        <a:t>1500</a:t>
                       </a:r>
                       <a:endParaRPr lang="zh-CN" altLang="en-US" dirty="0"/>
                     </a:p>
@@ -17667,29 +15482,43 @@
                     <a:p>
                       <a:r>
                         <a:rPr lang="en-US" altLang="zh-CN" dirty="0" smtClean="0"/>
-                        <a:t>8</a:t>
-                      </a:r>
-                      <a:r>
-                        <a:rPr lang="zh-CN" altLang="en-US" dirty="0" smtClean="0"/>
+                        <a:t>80</a:t>
+                      </a:r>
+                      <a:endParaRPr lang="zh-CN" altLang="en-US" dirty="0"/>
+                    </a:p>
+                  </a:txBody>
+                  <a:tcPr/>
+                </a:tc>
+                <a:tc>
+                  <a:txBody>
+                    <a:bodyPr/>
+                    <a:lstStyle/>
+                    <a:p>
+                      <a:r>
+                        <a:rPr lang="en-US" altLang="zh-CN" dirty="0" smtClean="0"/>
+                        <a:t>12</a:t>
+                      </a:r>
+                      <a:r>
+                        <a:rPr lang="zh-CN" altLang="en-US" baseline="0" dirty="0" smtClean="0"/>
                         <a:t> </a:t>
                       </a:r>
                       <a:r>
+                        <a:rPr lang="en-US" altLang="zh-CN" baseline="0" dirty="0" smtClean="0"/>
+                        <a:t>hours</a:t>
+                      </a:r>
+                      <a:endParaRPr lang="zh-CN" altLang="en-US" dirty="0"/>
+                    </a:p>
+                  </a:txBody>
+                  <a:tcPr/>
+                </a:tc>
+                <a:tc>
+                  <a:txBody>
+                    <a:bodyPr/>
+                    <a:lstStyle/>
+                    <a:p>
+                      <a:r>
                         <a:rPr lang="en-US" altLang="zh-CN" dirty="0" smtClean="0"/>
-                        <a:t>hours</a:t>
-                      </a:r>
-                      <a:endParaRPr lang="zh-CN" altLang="en-US" dirty="0"/>
-                    </a:p>
-                  </a:txBody>
-                  <a:tcPr/>
-                </a:tc>
-                <a:tc>
-                  <a:txBody>
-                    <a:bodyPr/>
-                    <a:lstStyle/>
-                    <a:p>
-                      <a:r>
-                        <a:rPr lang="en-US" altLang="zh-CN" dirty="0" smtClean="0"/>
-                        <a:t>69%</a:t>
+                        <a:t>71.5%</a:t>
                       </a:r>
                       <a:endParaRPr lang="zh-CN" altLang="en-US" dirty="0"/>
                     </a:p>
@@ -17704,7 +15533,7 @@
     </p:spTree>
     <p:extLst>
       <p:ext uri="{BB962C8B-B14F-4D97-AF65-F5344CB8AC3E}">
-        <p14:creationId xmlns:p14="http://schemas.microsoft.com/office/powerpoint/2010/main" val="182367319"/>
+        <p14:creationId xmlns:p14="http://schemas.microsoft.com/office/powerpoint/2010/main" val="283688772"/>
       </p:ext>
     </p:extLst>
   </p:cSld>

--- a/output/ads proj3.pptx
+++ b/output/ads proj3.pptx
@@ -5,7 +5,7 @@
     <p:sldMasterId id="2147483897" r:id="rId1"/>
   </p:sldMasterIdLst>
   <p:notesMasterIdLst>
-    <p:notesMasterId r:id="rId21"/>
+    <p:notesMasterId r:id="rId22"/>
   </p:notesMasterIdLst>
   <p:sldIdLst>
     <p:sldId id="256" r:id="rId2"/>
@@ -27,6 +27,7 @@
     <p:sldId id="273" r:id="rId18"/>
     <p:sldId id="275" r:id="rId19"/>
     <p:sldId id="277" r:id="rId20"/>
+    <p:sldId id="278" r:id="rId21"/>
   </p:sldIdLst>
   <p:sldSz cx="12192000" cy="6858000"/>
   <p:notesSz cx="6858000" cy="9144000"/>
@@ -9080,7 +9081,7 @@
           <p:nvPr>
             <p:extLst>
               <p:ext uri="{D42A27DB-BD31-4B8C-83A1-F6EECF244321}">
-                <p14:modId xmlns:p14="http://schemas.microsoft.com/office/powerpoint/2010/main" val="701234862"/>
+                <p14:modId xmlns:p14="http://schemas.microsoft.com/office/powerpoint/2010/main" val="720276764"/>
               </p:ext>
             </p:extLst>
           </p:nvPr>
@@ -9399,7 +9400,7 @@
                           <a:ea typeface="+mn-ea"/>
                           <a:cs typeface="+mn-cs"/>
                         </a:rPr>
-                        <a:t>76</a:t>
+                        <a:t>86</a:t>
                       </a:r>
                       <a:r>
                         <a:rPr lang="pt-BR" sz="1800" kern="1200" dirty="0" smtClean="0">
@@ -9526,7 +9527,7 @@
                           <a:ea typeface="+mn-ea"/>
                           <a:cs typeface="+mn-cs"/>
                         </a:rPr>
-                        <a:t>81</a:t>
+                        <a:t>91</a:t>
                       </a:r>
                       <a:r>
                         <a:rPr lang="pt-BR" sz="1800" kern="1200" dirty="0" smtClean="0">
@@ -9653,7 +9654,7 @@
                           <a:ea typeface="+mn-ea"/>
                           <a:cs typeface="+mn-cs"/>
                         </a:rPr>
-                        <a:t>81</a:t>
+                        <a:t>91</a:t>
                       </a:r>
                       <a:r>
                         <a:rPr lang="hr-HR" sz="1800" kern="1200" dirty="0" smtClean="0">
@@ -9780,7 +9781,7 @@
                           <a:ea typeface="+mn-ea"/>
                           <a:cs typeface="+mn-cs"/>
                         </a:rPr>
-                        <a:t>83</a:t>
+                        <a:t>93</a:t>
                       </a:r>
                       <a:r>
                         <a:rPr lang="nb-NO" sz="1800" kern="1200" dirty="0" smtClean="0">
@@ -9791,18 +9792,7 @@
                           <a:ea typeface="+mn-ea"/>
                           <a:cs typeface="+mn-cs"/>
                         </a:rPr>
-                        <a:t>.50</a:t>
-                      </a:r>
-                      <a:r>
-                        <a:rPr lang="nb-NO" sz="1800" kern="1200" dirty="0" smtClean="0">
-                          <a:solidFill>
-                            <a:schemeClr val="dk1"/>
-                          </a:solidFill>
-                          <a:latin typeface="+mn-lt"/>
-                          <a:ea typeface="+mn-ea"/>
-                          <a:cs typeface="+mn-cs"/>
-                        </a:rPr>
-                        <a:t>%</a:t>
+                        <a:t>.50%</a:t>
                       </a:r>
                       <a:endParaRPr lang="nb-NO" sz="1800" kern="1200" dirty="0">
                         <a:solidFill>
@@ -9915,7 +9905,7 @@
                           <a:ea typeface="+mn-ea"/>
                           <a:cs typeface="+mn-cs"/>
                         </a:rPr>
-                        <a:t>83</a:t>
+                        <a:t>93</a:t>
                       </a:r>
                       <a:r>
                         <a:rPr lang="hr-HR" sz="1800" kern="1200" dirty="0" smtClean="0">
@@ -10042,7 +10032,7 @@
                           <a:ea typeface="+mn-ea"/>
                           <a:cs typeface="+mn-cs"/>
                         </a:rPr>
-                        <a:t>84</a:t>
+                        <a:t>94</a:t>
                       </a:r>
                       <a:r>
                         <a:rPr lang="pt-BR" sz="1800" kern="1200" dirty="0" smtClean="0">
@@ -10169,7 +10159,7 @@
                           <a:ea typeface="+mn-ea"/>
                           <a:cs typeface="+mn-cs"/>
                         </a:rPr>
-                        <a:t>86</a:t>
+                        <a:t>96</a:t>
                       </a:r>
                       <a:r>
                         <a:rPr lang="hr-HR" sz="1800" kern="1200" dirty="0" smtClean="0">
@@ -10316,7 +10306,7 @@
                           <a:ea typeface="+mn-ea"/>
                           <a:cs typeface="+mn-cs"/>
                         </a:rPr>
-                        <a:t>86</a:t>
+                        <a:t>96</a:t>
                       </a:r>
                       <a:r>
                         <a:rPr lang="hr-HR" sz="1800" kern="1200" dirty="0" smtClean="0">
@@ -10443,7 +10433,7 @@
                           <a:ea typeface="+mn-ea"/>
                           <a:cs typeface="+mn-cs"/>
                         </a:rPr>
-                        <a:t>85</a:t>
+                        <a:t>95</a:t>
                       </a:r>
                       <a:r>
                         <a:rPr lang="nb-NO" sz="1800" kern="1200" dirty="0" smtClean="0">
@@ -10570,7 +10560,7 @@
                           <a:ea typeface="+mn-ea"/>
                           <a:cs typeface="+mn-cs"/>
                         </a:rPr>
-                        <a:t>84</a:t>
+                        <a:t>94</a:t>
                       </a:r>
                       <a:r>
                         <a:rPr lang="pt-BR" sz="1800" kern="1200" dirty="0" smtClean="0">
@@ -10735,8 +10725,28 @@
               <a:t>Xgboost</a:t>
             </a:r>
             <a:r>
-              <a:rPr kumimoji="1" lang="en-US" altLang="zh-CN" dirty="0" smtClean="0"/>
-              <a:t>:</a:t>
+              <a:rPr kumimoji="1" lang="zh-CN" altLang="en-US" dirty="0" smtClean="0"/>
+              <a:t> </a:t>
+            </a:r>
+            <a:r>
+              <a:rPr kumimoji="1" lang="en-US" altLang="zh-CN" dirty="0" smtClean="0"/>
+              <a:t>+</a:t>
+            </a:r>
+            <a:r>
+              <a:rPr kumimoji="1" lang="zh-CN" altLang="en-US" dirty="0" smtClean="0"/>
+              <a:t> </a:t>
+            </a:r>
+            <a:r>
+              <a:rPr kumimoji="1" lang="en-US" altLang="zh-CN" dirty="0" smtClean="0"/>
+              <a:t>Layer</a:t>
+            </a:r>
+            <a:r>
+              <a:rPr kumimoji="1" lang="zh-CN" altLang="en-US" dirty="0" smtClean="0"/>
+              <a:t> </a:t>
+            </a:r>
+            <a:r>
+              <a:rPr kumimoji="1" lang="en-US" altLang="zh-CN" dirty="0" smtClean="0"/>
+              <a:t>Fc6:</a:t>
             </a:r>
             <a:r>
               <a:rPr kumimoji="1" lang="zh-CN" altLang="en-US" dirty="0" smtClean="0"/>
@@ -10789,7 +10799,7 @@
             </a:pPr>
             <a:r>
               <a:rPr kumimoji="1" lang="en-US" altLang="zh-CN" dirty="0"/>
-              <a:t>8</a:t>
+              <a:t>9</a:t>
             </a:r>
             <a:r>
               <a:rPr kumimoji="1" lang="en-US" altLang="zh-CN" dirty="0" smtClean="0"/>
@@ -10999,7 +11009,7 @@
           <p:nvPr>
             <p:extLst>
               <p:ext uri="{D42A27DB-BD31-4B8C-83A1-F6EECF244321}">
-                <p14:modId xmlns:p14="http://schemas.microsoft.com/office/powerpoint/2010/main" val="1926514074"/>
+                <p14:modId xmlns:p14="http://schemas.microsoft.com/office/powerpoint/2010/main" val="1104484359"/>
               </p:ext>
             </p:extLst>
           </p:nvPr>
@@ -11135,7 +11145,7 @@
                           <a:ea typeface="+mn-ea"/>
                           <a:cs typeface="+mn-cs"/>
                         </a:rPr>
-                        <a:t>80</a:t>
+                        <a:t>86</a:t>
                       </a:r>
                       <a:r>
                         <a:rPr lang="pt-BR" sz="1800" kern="1200" dirty="0" smtClean="0">
@@ -11203,7 +11213,7 @@
                           <a:ea typeface="+mn-ea"/>
                           <a:cs typeface="+mn-cs"/>
                         </a:rPr>
-                        <a:t>85</a:t>
+                        <a:t>95</a:t>
                       </a:r>
                       <a:r>
                         <a:rPr lang="hr-HR" sz="1800" kern="1200" dirty="0" smtClean="0">
@@ -11273,7 +11283,7 @@
                           <a:ea typeface="+mn-ea"/>
                           <a:cs typeface="+mn-cs"/>
                         </a:rPr>
-                        <a:t>82</a:t>
+                        <a:t>87</a:t>
                       </a:r>
                       <a:r>
                         <a:rPr lang="hr-HR" sz="1800" kern="1200" dirty="0" smtClean="0">
@@ -11341,7 +11351,7 @@
                           <a:ea typeface="+mn-ea"/>
                           <a:cs typeface="+mn-cs"/>
                         </a:rPr>
-                        <a:t>84</a:t>
+                        <a:t>94</a:t>
                       </a:r>
                       <a:r>
                         <a:rPr lang="hr-HR" sz="1800" kern="1200" dirty="0" smtClean="0">
@@ -11411,7 +11421,7 @@
                           <a:ea typeface="+mn-ea"/>
                           <a:cs typeface="+mn-cs"/>
                         </a:rPr>
-                        <a:t>83</a:t>
+                        <a:t>93</a:t>
                       </a:r>
                       <a:r>
                         <a:rPr lang="pt-BR" sz="1800" kern="1200" dirty="0" smtClean="0">
@@ -11479,7 +11489,7 @@
                           <a:ea typeface="+mn-ea"/>
                           <a:cs typeface="+mn-cs"/>
                         </a:rPr>
-                        <a:t>85</a:t>
+                        <a:t>95</a:t>
                       </a:r>
                       <a:r>
                         <a:rPr lang="hr-HR" sz="1800" kern="1200" dirty="0" smtClean="0">
@@ -11549,7 +11559,7 @@
                           <a:ea typeface="+mn-ea"/>
                           <a:cs typeface="+mn-cs"/>
                         </a:rPr>
-                        <a:t>84</a:t>
+                        <a:t>94</a:t>
                       </a:r>
                       <a:r>
                         <a:rPr lang="hr-HR" sz="1800" kern="1200" dirty="0" smtClean="0">
@@ -11617,7 +11627,7 @@
                           <a:ea typeface="+mn-ea"/>
                           <a:cs typeface="+mn-cs"/>
                         </a:rPr>
-                        <a:t>85</a:t>
+                        <a:t>95</a:t>
                       </a:r>
                       <a:r>
                         <a:rPr lang="pt-BR" sz="1800" kern="1200" dirty="0" smtClean="0">
@@ -11687,7 +11697,7 @@
                           <a:ea typeface="+mn-ea"/>
                           <a:cs typeface="+mn-cs"/>
                         </a:rPr>
-                        <a:t>84</a:t>
+                        <a:t>94</a:t>
                       </a:r>
                       <a:r>
                         <a:rPr lang="hr-HR" sz="1800" kern="1200" dirty="0" smtClean="0">
@@ -11764,7 +11774,7 @@
                           <a:ea typeface="+mn-ea"/>
                           <a:cs typeface="+mn-cs"/>
                         </a:rPr>
-                        <a:t>83</a:t>
+                        <a:t>93</a:t>
                       </a:r>
                       <a:r>
                         <a:rPr lang="pt-BR" sz="1800" kern="1200" dirty="0" smtClean="0">
@@ -12242,6 +12252,31 @@
               <a:rPr kumimoji="1" lang="en-US" altLang="zh-CN" dirty="0" smtClean="0"/>
               <a:t>Regression</a:t>
             </a:r>
+            <a:r>
+              <a:rPr kumimoji="1" lang="zh-CN" altLang="en-US" dirty="0" smtClean="0"/>
+              <a:t> </a:t>
+            </a:r>
+            <a:r>
+              <a:rPr kumimoji="1" lang="en-US" altLang="zh-CN" dirty="0" smtClean="0"/>
+              <a:t>+</a:t>
+            </a:r>
+            <a:r>
+              <a:rPr kumimoji="1" lang="zh-CN" altLang="en-US" dirty="0" smtClean="0"/>
+              <a:t> </a:t>
+            </a:r>
+            <a:r>
+              <a:rPr kumimoji="1" lang="en-US" altLang="zh-CN" dirty="0" smtClean="0"/>
+              <a:t>Layer</a:t>
+            </a:r>
+            <a:r>
+              <a:rPr kumimoji="1" lang="zh-CN" altLang="en-US" dirty="0" smtClean="0"/>
+              <a:t> </a:t>
+            </a:r>
+            <a:r>
+              <a:rPr kumimoji="1" lang="en-US" altLang="zh-CN" dirty="0" smtClean="0"/>
+              <a:t>Norm1</a:t>
+            </a:r>
+            <a:endParaRPr kumimoji="1" lang="en-US" altLang="zh-CN" dirty="0" smtClean="0"/>
           </a:p>
           <a:p>
             <a:pPr lvl="1">
@@ -12327,8 +12362,152 @@
               <a:t> </a:t>
             </a:r>
             <a:r>
-              <a:rPr kumimoji="1" lang="en-US" altLang="zh-CN" smtClean="0"/>
-              <a:t>86.5%</a:t>
+              <a:rPr kumimoji="1" lang="en-US" altLang="zh-CN" dirty="0" smtClean="0"/>
+              <a:t>86.75%</a:t>
+            </a:r>
+          </a:p>
+          <a:p>
+            <a:pPr lvl="1">
+              <a:lnSpc>
+                <a:spcPct val="100000"/>
+              </a:lnSpc>
+              <a:spcBef>
+                <a:spcPts val="0"/>
+              </a:spcBef>
+              <a:buClrTx/>
+              <a:buSzTx/>
+            </a:pPr>
+            <a:r>
+              <a:rPr kumimoji="1" lang="en-US" altLang="zh-CN" dirty="0" smtClean="0"/>
+              <a:t>Note:</a:t>
+            </a:r>
+            <a:r>
+              <a:rPr kumimoji="1" lang="zh-CN" altLang="en-US" dirty="0" smtClean="0"/>
+              <a:t> </a:t>
+            </a:r>
+            <a:r>
+              <a:rPr kumimoji="1" lang="en-US" altLang="zh-CN" dirty="0" smtClean="0"/>
+              <a:t>run</a:t>
+            </a:r>
+            <a:r>
+              <a:rPr kumimoji="1" lang="zh-CN" altLang="en-US" dirty="0" smtClean="0"/>
+              <a:t> </a:t>
+            </a:r>
+            <a:r>
+              <a:rPr kumimoji="1" lang="en-US" altLang="zh-CN" dirty="0" smtClean="0"/>
+              <a:t>as</a:t>
+            </a:r>
+            <a:r>
+              <a:rPr kumimoji="1" lang="zh-CN" altLang="en-US" dirty="0" smtClean="0"/>
+              <a:t> </a:t>
+            </a:r>
+            <a:r>
+              <a:rPr kumimoji="1" lang="en-US" altLang="zh-CN" dirty="0" smtClean="0"/>
+              <a:t>man</a:t>
+            </a:r>
+            <a:r>
+              <a:rPr kumimoji="1" lang="zh-CN" altLang="en-US" dirty="0" smtClean="0"/>
+              <a:t> </a:t>
+            </a:r>
+            <a:r>
+              <a:rPr kumimoji="1" lang="en-US" altLang="zh-CN" dirty="0" smtClean="0"/>
+              <a:t>layers</a:t>
+            </a:r>
+            <a:r>
+              <a:rPr kumimoji="1" lang="zh-CN" altLang="en-US" dirty="0" smtClean="0"/>
+              <a:t> </a:t>
+            </a:r>
+            <a:r>
+              <a:rPr kumimoji="1" lang="en-US" altLang="zh-CN" dirty="0" smtClean="0"/>
+              <a:t>as</a:t>
+            </a:r>
+            <a:r>
+              <a:rPr kumimoji="1" lang="zh-CN" altLang="en-US" dirty="0" smtClean="0"/>
+              <a:t> </a:t>
+            </a:r>
+            <a:r>
+              <a:rPr kumimoji="1" lang="en-US" altLang="zh-CN" dirty="0" smtClean="0"/>
+              <a:t>possible</a:t>
+            </a:r>
+            <a:r>
+              <a:rPr kumimoji="1" lang="zh-CN" altLang="en-US" dirty="0" smtClean="0"/>
+              <a:t> </a:t>
+            </a:r>
+            <a:r>
+              <a:rPr kumimoji="1" lang="en-US" altLang="zh-CN" dirty="0" smtClean="0"/>
+              <a:t>if</a:t>
+            </a:r>
+            <a:r>
+              <a:rPr kumimoji="1" lang="zh-CN" altLang="en-US" dirty="0" smtClean="0"/>
+              <a:t> </a:t>
+            </a:r>
+            <a:r>
+              <a:rPr kumimoji="1" lang="en-US" altLang="zh-CN" dirty="0" smtClean="0"/>
+              <a:t>time</a:t>
+            </a:r>
+            <a:r>
+              <a:rPr kumimoji="1" lang="zh-CN" altLang="en-US" dirty="0" smtClean="0"/>
+              <a:t> </a:t>
+            </a:r>
+            <a:r>
+              <a:rPr kumimoji="1" lang="en-US" altLang="zh-CN" dirty="0" smtClean="0"/>
+              <a:t>allows.</a:t>
+            </a:r>
+            <a:r>
+              <a:rPr kumimoji="1" lang="zh-CN" altLang="en-US" dirty="0" smtClean="0"/>
+              <a:t> </a:t>
+            </a:r>
+            <a:r>
+              <a:rPr kumimoji="1" lang="en-US" altLang="zh-CN" dirty="0" smtClean="0"/>
+              <a:t>The</a:t>
+            </a:r>
+            <a:r>
+              <a:rPr kumimoji="1" lang="zh-CN" altLang="en-US" dirty="0" smtClean="0"/>
+              <a:t> </a:t>
+            </a:r>
+            <a:r>
+              <a:rPr kumimoji="1" lang="en-US" altLang="zh-CN" dirty="0" smtClean="0"/>
+              <a:t>accuracy</a:t>
+            </a:r>
+            <a:r>
+              <a:rPr kumimoji="1" lang="zh-CN" altLang="en-US" dirty="0" smtClean="0"/>
+              <a:t> </a:t>
+            </a:r>
+            <a:r>
+              <a:rPr kumimoji="1" lang="en-US" altLang="zh-CN" dirty="0" smtClean="0"/>
+              <a:t>can</a:t>
+            </a:r>
+            <a:r>
+              <a:rPr kumimoji="1" lang="zh-CN" altLang="en-US" dirty="0" smtClean="0"/>
+              <a:t> </a:t>
+            </a:r>
+            <a:r>
+              <a:rPr kumimoji="1" lang="en-US" altLang="zh-CN" dirty="0" smtClean="0"/>
+              <a:t>be</a:t>
+            </a:r>
+            <a:r>
+              <a:rPr kumimoji="1" lang="zh-CN" altLang="en-US" dirty="0" smtClean="0"/>
+              <a:t> </a:t>
+            </a:r>
+            <a:r>
+              <a:rPr kumimoji="1" lang="en-US" altLang="zh-CN" dirty="0" smtClean="0"/>
+              <a:t>raised</a:t>
+            </a:r>
+            <a:r>
+              <a:rPr kumimoji="1" lang="zh-CN" altLang="en-US" dirty="0" smtClean="0"/>
+              <a:t> </a:t>
+            </a:r>
+            <a:r>
+              <a:rPr kumimoji="1" lang="en-US" altLang="zh-CN" dirty="0" smtClean="0"/>
+              <a:t>to</a:t>
+            </a:r>
+            <a:r>
+              <a:rPr kumimoji="1" lang="zh-CN" altLang="en-US" dirty="0" smtClean="0"/>
+              <a:t> </a:t>
+            </a:r>
+            <a:r>
+              <a:rPr kumimoji="1" lang="en-US" altLang="zh-CN" dirty="0" smtClean="0"/>
+              <a:t>96%.</a:t>
             </a:r>
             <a:endParaRPr kumimoji="1" lang="en-US" altLang="zh-CN" dirty="0" smtClean="0"/>
           </a:p>
@@ -12784,6 +12963,164 @@
     <p:extLst>
       <p:ext uri="{BB962C8B-B14F-4D97-AF65-F5344CB8AC3E}">
         <p14:creationId xmlns:p14="http://schemas.microsoft.com/office/powerpoint/2010/main" val="1007897346"/>
+      </p:ext>
+    </p:extLst>
+  </p:cSld>
+  <p:clrMapOvr>
+    <a:masterClrMapping/>
+  </p:clrMapOvr>
+  <p:timing>
+    <p:tnLst>
+      <p:par>
+        <p:cTn id="1" dur="indefinite" restart="never" nodeType="tmRoot"/>
+      </p:par>
+    </p:tnLst>
+  </p:timing>
+</p:sld>
+</file>
+
+<file path=ppt/slides/slide20.xml><?xml version="1.0" encoding="utf-8"?>
+<p:sld xmlns:a="http://schemas.openxmlformats.org/drawingml/2006/main" xmlns:r="http://schemas.openxmlformats.org/officeDocument/2006/relationships" xmlns:p="http://schemas.openxmlformats.org/presentationml/2006/main">
+  <p:cSld>
+    <p:spTree>
+      <p:nvGrpSpPr>
+        <p:cNvPr id="1" name=""/>
+        <p:cNvGrpSpPr/>
+        <p:nvPr/>
+      </p:nvGrpSpPr>
+      <p:grpSpPr>
+        <a:xfrm>
+          <a:off x="0" y="0"/>
+          <a:ext cx="0" cy="0"/>
+          <a:chOff x="0" y="0"/>
+          <a:chExt cx="0" cy="0"/>
+        </a:xfrm>
+      </p:grpSpPr>
+      <p:sp>
+        <p:nvSpPr>
+          <p:cNvPr id="2" name="标题 1"/>
+          <p:cNvSpPr>
+            <a:spLocks noGrp="1"/>
+          </p:cNvSpPr>
+          <p:nvPr>
+            <p:ph type="ctrTitle"/>
+          </p:nvPr>
+        </p:nvSpPr>
+        <p:spPr>
+          <a:xfrm>
+            <a:off x="937846" y="1589651"/>
+            <a:ext cx="10316308" cy="2392216"/>
+          </a:xfrm>
+        </p:spPr>
+        <p:txBody>
+          <a:bodyPr>
+            <a:normAutofit/>
+          </a:bodyPr>
+          <a:lstStyle/>
+          <a:p>
+            <a:pPr algn="ctr"/>
+            <a:r>
+              <a:rPr kumimoji="1" lang="en-US" altLang="zh-CN" dirty="0" smtClean="0"/>
+              <a:t>Thank</a:t>
+            </a:r>
+            <a:r>
+              <a:rPr kumimoji="1" lang="zh-CN" altLang="en-US" dirty="0" smtClean="0"/>
+              <a:t> </a:t>
+            </a:r>
+            <a:r>
+              <a:rPr kumimoji="1" lang="en-US" altLang="zh-CN" dirty="0" smtClean="0"/>
+              <a:t>you!</a:t>
+            </a:r>
+            <a:endParaRPr kumimoji="1" lang="zh-CN" altLang="en-US" dirty="0"/>
+          </a:p>
+        </p:txBody>
+      </p:sp>
+      <p:sp>
+        <p:nvSpPr>
+          <p:cNvPr id="3" name="副标题 2"/>
+          <p:cNvSpPr>
+            <a:spLocks noGrp="1"/>
+          </p:cNvSpPr>
+          <p:nvPr>
+            <p:ph type="subTitle" idx="1"/>
+          </p:nvPr>
+        </p:nvSpPr>
+        <p:spPr>
+          <a:xfrm>
+            <a:off x="1524000" y="4839287"/>
+            <a:ext cx="9144000" cy="1051560"/>
+          </a:xfrm>
+        </p:spPr>
+        <p:txBody>
+          <a:bodyPr/>
+          <a:lstStyle/>
+          <a:p>
+            <a:r>
+              <a:rPr kumimoji="1" lang="en-US" altLang="zh-CN" dirty="0" smtClean="0"/>
+              <a:t>Group</a:t>
+            </a:r>
+            <a:r>
+              <a:rPr kumimoji="1" lang="zh-CN" altLang="en-US" dirty="0" smtClean="0"/>
+              <a:t> </a:t>
+            </a:r>
+            <a:r>
+              <a:rPr kumimoji="1" lang="en-US" altLang="zh-CN" dirty="0" smtClean="0"/>
+              <a:t>12</a:t>
+            </a:r>
+          </a:p>
+          <a:p>
+            <a:r>
+              <a:rPr kumimoji="1" lang="en-US" altLang="zh-CN" dirty="0" smtClean="0"/>
+              <a:t>Han Cui, </a:t>
+            </a:r>
+            <a:r>
+              <a:rPr kumimoji="1" lang="en-US" altLang="zh-CN" dirty="0" err="1" smtClean="0"/>
+              <a:t>Jiwen</a:t>
+            </a:r>
+            <a:r>
+              <a:rPr kumimoji="1" lang="en-US" altLang="zh-CN" dirty="0" smtClean="0"/>
+              <a:t> You, </a:t>
+            </a:r>
+            <a:r>
+              <a:rPr kumimoji="1" lang="en-US" altLang="zh-CN" dirty="0" err="1" smtClean="0"/>
+              <a:t>Jingjing</a:t>
+            </a:r>
+            <a:r>
+              <a:rPr kumimoji="1" lang="en-US" altLang="zh-CN" dirty="0" smtClean="0"/>
+              <a:t> Feng, </a:t>
+            </a:r>
+            <a:r>
+              <a:rPr kumimoji="1" lang="en-US" altLang="zh-CN" dirty="0" err="1" smtClean="0"/>
+              <a:t>Yaqing</a:t>
+            </a:r>
+            <a:r>
+              <a:rPr kumimoji="1" lang="en-US" altLang="zh-CN" dirty="0" smtClean="0"/>
+              <a:t> </a:t>
+            </a:r>
+            <a:r>
+              <a:rPr kumimoji="1" lang="en-US" altLang="zh-CN" dirty="0" err="1" smtClean="0"/>
+              <a:t>Xie</a:t>
+            </a:r>
+            <a:r>
+              <a:rPr kumimoji="1" lang="en-US" altLang="zh-CN" dirty="0" smtClean="0"/>
+              <a:t>, </a:t>
+            </a:r>
+            <a:r>
+              <a:rPr kumimoji="1" lang="en-US" altLang="zh-CN" dirty="0" err="1" smtClean="0"/>
+              <a:t>Kanghui</a:t>
+            </a:r>
+            <a:r>
+              <a:rPr kumimoji="1" lang="en-US" altLang="zh-CN" dirty="0" smtClean="0"/>
+              <a:t> Jiang</a:t>
+            </a:r>
+            <a:endParaRPr kumimoji="1" lang="zh-CN" altLang="en-US" dirty="0"/>
+          </a:p>
+        </p:txBody>
+      </p:sp>
+    </p:spTree>
+    <p:extLst>
+      <p:ext uri="{BB962C8B-B14F-4D97-AF65-F5344CB8AC3E}">
+        <p14:creationId xmlns:p14="http://schemas.microsoft.com/office/powerpoint/2010/main" val="588965493"/>
       </p:ext>
     </p:extLst>
   </p:cSld>
